--- a/Bootcamp/css-uvod/css-uvod.pptx
+++ b/Bootcamp/css-uvod/css-uvod.pptx
@@ -5,7 +5,7 @@
     <p:sldMasterId id="2147483648" r:id="rId4"/>
   </p:sldMasterIdLst>
   <p:notesMasterIdLst>
-    <p:notesMasterId r:id="rId45"/>
+    <p:notesMasterId r:id="rId44"/>
   </p:notesMasterIdLst>
   <p:sldIdLst>
     <p:sldId id="304" r:id="rId5"/>
@@ -24,30 +24,29 @@
     <p:sldId id="318" r:id="rId18"/>
     <p:sldId id="320" r:id="rId19"/>
     <p:sldId id="321" r:id="rId20"/>
-    <p:sldId id="319" r:id="rId21"/>
-    <p:sldId id="322" r:id="rId22"/>
-    <p:sldId id="323" r:id="rId23"/>
-    <p:sldId id="324" r:id="rId24"/>
-    <p:sldId id="325" r:id="rId25"/>
-    <p:sldId id="326" r:id="rId26"/>
-    <p:sldId id="327" r:id="rId27"/>
-    <p:sldId id="328" r:id="rId28"/>
-    <p:sldId id="329" r:id="rId29"/>
-    <p:sldId id="330" r:id="rId30"/>
-    <p:sldId id="331" r:id="rId31"/>
-    <p:sldId id="332" r:id="rId32"/>
-    <p:sldId id="333" r:id="rId33"/>
-    <p:sldId id="335" r:id="rId34"/>
-    <p:sldId id="336" r:id="rId35"/>
-    <p:sldId id="337" r:id="rId36"/>
-    <p:sldId id="338" r:id="rId37"/>
-    <p:sldId id="339" r:id="rId38"/>
-    <p:sldId id="340" r:id="rId39"/>
-    <p:sldId id="341" r:id="rId40"/>
-    <p:sldId id="342" r:id="rId41"/>
-    <p:sldId id="343" r:id="rId42"/>
-    <p:sldId id="344" r:id="rId43"/>
-    <p:sldId id="345" r:id="rId44"/>
+    <p:sldId id="322" r:id="rId21"/>
+    <p:sldId id="323" r:id="rId22"/>
+    <p:sldId id="324" r:id="rId23"/>
+    <p:sldId id="325" r:id="rId24"/>
+    <p:sldId id="326" r:id="rId25"/>
+    <p:sldId id="327" r:id="rId26"/>
+    <p:sldId id="328" r:id="rId27"/>
+    <p:sldId id="329" r:id="rId28"/>
+    <p:sldId id="330" r:id="rId29"/>
+    <p:sldId id="331" r:id="rId30"/>
+    <p:sldId id="332" r:id="rId31"/>
+    <p:sldId id="333" r:id="rId32"/>
+    <p:sldId id="335" r:id="rId33"/>
+    <p:sldId id="336" r:id="rId34"/>
+    <p:sldId id="337" r:id="rId35"/>
+    <p:sldId id="338" r:id="rId36"/>
+    <p:sldId id="339" r:id="rId37"/>
+    <p:sldId id="340" r:id="rId38"/>
+    <p:sldId id="341" r:id="rId39"/>
+    <p:sldId id="342" r:id="rId40"/>
+    <p:sldId id="343" r:id="rId41"/>
+    <p:sldId id="344" r:id="rId42"/>
+    <p:sldId id="345" r:id="rId43"/>
   </p:sldIdLst>
   <p:sldSz cx="12192000" cy="6858000"/>
   <p:notesSz cx="6858000" cy="9144000"/>
@@ -170,7 +169,6 @@
             <p14:sldId id="318"/>
             <p14:sldId id="320"/>
             <p14:sldId id="321"/>
-            <p14:sldId id="319"/>
             <p14:sldId id="322"/>
             <p14:sldId id="323"/>
             <p14:sldId id="324"/>
@@ -298,7 +296,7 @@
           <a:p>
             <a:fld id="{B2A70591-2E3C-5F42-A4E1-C0F5A0F4E5DB}" type="datetimeFigureOut">
               <a:rPr lang="en-US" smtClean="0"/>
-              <a:t>3/5/2025</a:t>
+              <a:t>3/8/2025</a:t>
             </a:fld>
             <a:endParaRPr lang="en-US"/>
           </a:p>
@@ -1619,114 +1617,6 @@
         <p:cNvPr id="1" name="">
           <a:extLst>
             <a:ext uri="{FF2B5EF4-FFF2-40B4-BE49-F238E27FC236}">
-              <a16:creationId xmlns:a16="http://schemas.microsoft.com/office/drawing/2014/main" id="{BB34147D-D522-8E2E-0CD1-AA8B740484A5}"/>
-            </a:ext>
-          </a:extLst>
-        </p:cNvPr>
-        <p:cNvGrpSpPr/>
-        <p:nvPr/>
-      </p:nvGrpSpPr>
-      <p:grpSpPr>
-        <a:xfrm>
-          <a:off x="0" y="0"/>
-          <a:ext cx="0" cy="0"/>
-          <a:chOff x="0" y="0"/>
-          <a:chExt cx="0" cy="0"/>
-        </a:xfrm>
-      </p:grpSpPr>
-      <p:sp>
-        <p:nvSpPr>
-          <p:cNvPr id="2" name="Slide Image Placeholder 1">
-            <a:extLst>
-              <a:ext uri="{FF2B5EF4-FFF2-40B4-BE49-F238E27FC236}">
-                <a16:creationId xmlns:a16="http://schemas.microsoft.com/office/drawing/2014/main" id="{F0F06461-62AB-E3BB-C2F2-E7455B6A313B}"/>
-              </a:ext>
-            </a:extLst>
-          </p:cNvPr>
-          <p:cNvSpPr>
-            <a:spLocks noGrp="1" noRot="1" noChangeAspect="1"/>
-          </p:cNvSpPr>
-          <p:nvPr>
-            <p:ph type="sldImg"/>
-          </p:nvPr>
-        </p:nvSpPr>
-        <p:spPr/>
-      </p:sp>
-      <p:sp>
-        <p:nvSpPr>
-          <p:cNvPr id="3" name="Notes Placeholder 2">
-            <a:extLst>
-              <a:ext uri="{FF2B5EF4-FFF2-40B4-BE49-F238E27FC236}">
-                <a16:creationId xmlns:a16="http://schemas.microsoft.com/office/drawing/2014/main" id="{CA501DE6-F38A-952E-EBDC-6728056E9FC5}"/>
-              </a:ext>
-            </a:extLst>
-          </p:cNvPr>
-          <p:cNvSpPr>
-            <a:spLocks noGrp="1"/>
-          </p:cNvSpPr>
-          <p:nvPr>
-            <p:ph type="body" idx="1"/>
-          </p:nvPr>
-        </p:nvSpPr>
-        <p:spPr/>
-        <p:txBody>
-          <a:bodyPr/>
-          <a:lstStyle/>
-          <a:p>
-            <a:endParaRPr lang="hr-HR" dirty="0"/>
-          </a:p>
-        </p:txBody>
-      </p:sp>
-      <p:sp>
-        <p:nvSpPr>
-          <p:cNvPr id="4" name="Slide Number Placeholder 3">
-            <a:extLst>
-              <a:ext uri="{FF2B5EF4-FFF2-40B4-BE49-F238E27FC236}">
-                <a16:creationId xmlns:a16="http://schemas.microsoft.com/office/drawing/2014/main" id="{B4A54D91-F629-3FB8-0BEF-306841F899DC}"/>
-              </a:ext>
-            </a:extLst>
-          </p:cNvPr>
-          <p:cNvSpPr>
-            <a:spLocks noGrp="1"/>
-          </p:cNvSpPr>
-          <p:nvPr>
-            <p:ph type="sldNum" sz="quarter" idx="5"/>
-          </p:nvPr>
-        </p:nvSpPr>
-        <p:spPr/>
-        <p:txBody>
-          <a:bodyPr/>
-          <a:lstStyle/>
-          <a:p>
-            <a:fld id="{343B951A-A665-1949-AEDB-B62DC9BE7F13}" type="slidenum">
-              <a:rPr lang="en-US" smtClean="0"/>
-              <a:t>17</a:t>
-            </a:fld>
-            <a:endParaRPr lang="en-US"/>
-          </a:p>
-        </p:txBody>
-      </p:sp>
-    </p:spTree>
-    <p:extLst>
-      <p:ext uri="{BB962C8B-B14F-4D97-AF65-F5344CB8AC3E}">
-        <p14:creationId xmlns:p14="http://schemas.microsoft.com/office/powerpoint/2010/main" val="1529364779"/>
-      </p:ext>
-    </p:extLst>
-  </p:cSld>
-  <p:clrMapOvr>
-    <a:masterClrMapping/>
-  </p:clrMapOvr>
-</p:notes>
-</file>
-
-<file path=ppt/notesSlides/notesSlide17.xml><?xml version="1.0" encoding="utf-8"?>
-<p:notes xmlns:a="http://schemas.openxmlformats.org/drawingml/2006/main" xmlns:r="http://schemas.openxmlformats.org/officeDocument/2006/relationships" xmlns:p="http://schemas.openxmlformats.org/presentationml/2006/main">
-  <p:cSld>
-    <p:spTree>
-      <p:nvGrpSpPr>
-        <p:cNvPr id="1" name="">
-          <a:extLst>
-            <a:ext uri="{FF2B5EF4-FFF2-40B4-BE49-F238E27FC236}">
               <a16:creationId xmlns:a16="http://schemas.microsoft.com/office/drawing/2014/main" id="{05A2CAFA-8E64-3A53-26EC-137DD110389D}"/>
             </a:ext>
           </a:extLst>
@@ -1808,7 +1698,7 @@
           <a:p>
             <a:fld id="{343B951A-A665-1949-AEDB-B62DC9BE7F13}" type="slidenum">
               <a:rPr lang="en-US" smtClean="0"/>
-              <a:t>18</a:t>
+              <a:t>17</a:t>
             </a:fld>
             <a:endParaRPr lang="en-US"/>
           </a:p>
@@ -1827,7 +1717,7 @@
 </p:notes>
 </file>
 
-<file path=ppt/notesSlides/notesSlide18.xml><?xml version="1.0" encoding="utf-8"?>
+<file path=ppt/notesSlides/notesSlide17.xml><?xml version="1.0" encoding="utf-8"?>
 <p:notes xmlns:a="http://schemas.openxmlformats.org/drawingml/2006/main" xmlns:r="http://schemas.openxmlformats.org/officeDocument/2006/relationships" xmlns:p="http://schemas.openxmlformats.org/presentationml/2006/main">
   <p:cSld>
     <p:spTree>
@@ -1916,7 +1806,7 @@
           <a:p>
             <a:fld id="{343B951A-A665-1949-AEDB-B62DC9BE7F13}" type="slidenum">
               <a:rPr lang="en-US" smtClean="0"/>
-              <a:t>19</a:t>
+              <a:t>18</a:t>
             </a:fld>
             <a:endParaRPr lang="en-US"/>
           </a:p>
@@ -1935,7 +1825,7 @@
 </p:notes>
 </file>
 
-<file path=ppt/notesSlides/notesSlide19.xml><?xml version="1.0" encoding="utf-8"?>
+<file path=ppt/notesSlides/notesSlide18.xml><?xml version="1.0" encoding="utf-8"?>
 <p:notes xmlns:a="http://schemas.openxmlformats.org/drawingml/2006/main" xmlns:r="http://schemas.openxmlformats.org/officeDocument/2006/relationships" xmlns:p="http://schemas.openxmlformats.org/presentationml/2006/main">
   <p:cSld>
     <p:spTree>
@@ -2024,7 +1914,7 @@
           <a:p>
             <a:fld id="{343B951A-A665-1949-AEDB-B62DC9BE7F13}" type="slidenum">
               <a:rPr lang="en-US" smtClean="0"/>
-              <a:t>20</a:t>
+              <a:t>19</a:t>
             </a:fld>
             <a:endParaRPr lang="en-US"/>
           </a:p>
@@ -2034,6 +1924,114 @@
     <p:extLst>
       <p:ext uri="{BB962C8B-B14F-4D97-AF65-F5344CB8AC3E}">
         <p14:creationId xmlns:p14="http://schemas.microsoft.com/office/powerpoint/2010/main" val="2760985010"/>
+      </p:ext>
+    </p:extLst>
+  </p:cSld>
+  <p:clrMapOvr>
+    <a:masterClrMapping/>
+  </p:clrMapOvr>
+</p:notes>
+</file>
+
+<file path=ppt/notesSlides/notesSlide19.xml><?xml version="1.0" encoding="utf-8"?>
+<p:notes xmlns:a="http://schemas.openxmlformats.org/drawingml/2006/main" xmlns:r="http://schemas.openxmlformats.org/officeDocument/2006/relationships" xmlns:p="http://schemas.openxmlformats.org/presentationml/2006/main">
+  <p:cSld>
+    <p:spTree>
+      <p:nvGrpSpPr>
+        <p:cNvPr id="1" name="">
+          <a:extLst>
+            <a:ext uri="{FF2B5EF4-FFF2-40B4-BE49-F238E27FC236}">
+              <a16:creationId xmlns:a16="http://schemas.microsoft.com/office/drawing/2014/main" id="{260998C0-0114-3ED3-C294-272455886E9D}"/>
+            </a:ext>
+          </a:extLst>
+        </p:cNvPr>
+        <p:cNvGrpSpPr/>
+        <p:nvPr/>
+      </p:nvGrpSpPr>
+      <p:grpSpPr>
+        <a:xfrm>
+          <a:off x="0" y="0"/>
+          <a:ext cx="0" cy="0"/>
+          <a:chOff x="0" y="0"/>
+          <a:chExt cx="0" cy="0"/>
+        </a:xfrm>
+      </p:grpSpPr>
+      <p:sp>
+        <p:nvSpPr>
+          <p:cNvPr id="2" name="Slide Image Placeholder 1">
+            <a:extLst>
+              <a:ext uri="{FF2B5EF4-FFF2-40B4-BE49-F238E27FC236}">
+                <a16:creationId xmlns:a16="http://schemas.microsoft.com/office/drawing/2014/main" id="{DE963F38-C5BB-3849-0C81-616841FE096C}"/>
+              </a:ext>
+            </a:extLst>
+          </p:cNvPr>
+          <p:cNvSpPr>
+            <a:spLocks noGrp="1" noRot="1" noChangeAspect="1"/>
+          </p:cNvSpPr>
+          <p:nvPr>
+            <p:ph type="sldImg"/>
+          </p:nvPr>
+        </p:nvSpPr>
+        <p:spPr/>
+      </p:sp>
+      <p:sp>
+        <p:nvSpPr>
+          <p:cNvPr id="3" name="Notes Placeholder 2">
+            <a:extLst>
+              <a:ext uri="{FF2B5EF4-FFF2-40B4-BE49-F238E27FC236}">
+                <a16:creationId xmlns:a16="http://schemas.microsoft.com/office/drawing/2014/main" id="{E9DB880A-CFD9-5491-3679-FA208123BBD2}"/>
+              </a:ext>
+            </a:extLst>
+          </p:cNvPr>
+          <p:cNvSpPr>
+            <a:spLocks noGrp="1"/>
+          </p:cNvSpPr>
+          <p:nvPr>
+            <p:ph type="body" idx="1"/>
+          </p:nvPr>
+        </p:nvSpPr>
+        <p:spPr/>
+        <p:txBody>
+          <a:bodyPr/>
+          <a:lstStyle/>
+          <a:p>
+            <a:endParaRPr lang="hr-HR" dirty="0"/>
+          </a:p>
+        </p:txBody>
+      </p:sp>
+      <p:sp>
+        <p:nvSpPr>
+          <p:cNvPr id="4" name="Slide Number Placeholder 3">
+            <a:extLst>
+              <a:ext uri="{FF2B5EF4-FFF2-40B4-BE49-F238E27FC236}">
+                <a16:creationId xmlns:a16="http://schemas.microsoft.com/office/drawing/2014/main" id="{D03F876C-46EF-D7FD-C47D-5017DB54EBFD}"/>
+              </a:ext>
+            </a:extLst>
+          </p:cNvPr>
+          <p:cNvSpPr>
+            <a:spLocks noGrp="1"/>
+          </p:cNvSpPr>
+          <p:nvPr>
+            <p:ph type="sldNum" sz="quarter" idx="5"/>
+          </p:nvPr>
+        </p:nvSpPr>
+        <p:spPr/>
+        <p:txBody>
+          <a:bodyPr/>
+          <a:lstStyle/>
+          <a:p>
+            <a:fld id="{343B951A-A665-1949-AEDB-B62DC9BE7F13}" type="slidenum">
+              <a:rPr lang="en-US" smtClean="0"/>
+              <a:t>20</a:t>
+            </a:fld>
+            <a:endParaRPr lang="en-US"/>
+          </a:p>
+        </p:txBody>
+      </p:sp>
+    </p:spTree>
+    <p:extLst>
+      <p:ext uri="{BB962C8B-B14F-4D97-AF65-F5344CB8AC3E}">
+        <p14:creationId xmlns:p14="http://schemas.microsoft.com/office/powerpoint/2010/main" val="721875218"/>
       </p:ext>
     </p:extLst>
   </p:cSld>
@@ -2171,114 +2169,6 @@
         <p:cNvPr id="1" name="">
           <a:extLst>
             <a:ext uri="{FF2B5EF4-FFF2-40B4-BE49-F238E27FC236}">
-              <a16:creationId xmlns:a16="http://schemas.microsoft.com/office/drawing/2014/main" id="{260998C0-0114-3ED3-C294-272455886E9D}"/>
-            </a:ext>
-          </a:extLst>
-        </p:cNvPr>
-        <p:cNvGrpSpPr/>
-        <p:nvPr/>
-      </p:nvGrpSpPr>
-      <p:grpSpPr>
-        <a:xfrm>
-          <a:off x="0" y="0"/>
-          <a:ext cx="0" cy="0"/>
-          <a:chOff x="0" y="0"/>
-          <a:chExt cx="0" cy="0"/>
-        </a:xfrm>
-      </p:grpSpPr>
-      <p:sp>
-        <p:nvSpPr>
-          <p:cNvPr id="2" name="Slide Image Placeholder 1">
-            <a:extLst>
-              <a:ext uri="{FF2B5EF4-FFF2-40B4-BE49-F238E27FC236}">
-                <a16:creationId xmlns:a16="http://schemas.microsoft.com/office/drawing/2014/main" id="{DE963F38-C5BB-3849-0C81-616841FE096C}"/>
-              </a:ext>
-            </a:extLst>
-          </p:cNvPr>
-          <p:cNvSpPr>
-            <a:spLocks noGrp="1" noRot="1" noChangeAspect="1"/>
-          </p:cNvSpPr>
-          <p:nvPr>
-            <p:ph type="sldImg"/>
-          </p:nvPr>
-        </p:nvSpPr>
-        <p:spPr/>
-      </p:sp>
-      <p:sp>
-        <p:nvSpPr>
-          <p:cNvPr id="3" name="Notes Placeholder 2">
-            <a:extLst>
-              <a:ext uri="{FF2B5EF4-FFF2-40B4-BE49-F238E27FC236}">
-                <a16:creationId xmlns:a16="http://schemas.microsoft.com/office/drawing/2014/main" id="{E9DB880A-CFD9-5491-3679-FA208123BBD2}"/>
-              </a:ext>
-            </a:extLst>
-          </p:cNvPr>
-          <p:cNvSpPr>
-            <a:spLocks noGrp="1"/>
-          </p:cNvSpPr>
-          <p:nvPr>
-            <p:ph type="body" idx="1"/>
-          </p:nvPr>
-        </p:nvSpPr>
-        <p:spPr/>
-        <p:txBody>
-          <a:bodyPr/>
-          <a:lstStyle/>
-          <a:p>
-            <a:endParaRPr lang="hr-HR" dirty="0"/>
-          </a:p>
-        </p:txBody>
-      </p:sp>
-      <p:sp>
-        <p:nvSpPr>
-          <p:cNvPr id="4" name="Slide Number Placeholder 3">
-            <a:extLst>
-              <a:ext uri="{FF2B5EF4-FFF2-40B4-BE49-F238E27FC236}">
-                <a16:creationId xmlns:a16="http://schemas.microsoft.com/office/drawing/2014/main" id="{D03F876C-46EF-D7FD-C47D-5017DB54EBFD}"/>
-              </a:ext>
-            </a:extLst>
-          </p:cNvPr>
-          <p:cNvSpPr>
-            <a:spLocks noGrp="1"/>
-          </p:cNvSpPr>
-          <p:nvPr>
-            <p:ph type="sldNum" sz="quarter" idx="5"/>
-          </p:nvPr>
-        </p:nvSpPr>
-        <p:spPr/>
-        <p:txBody>
-          <a:bodyPr/>
-          <a:lstStyle/>
-          <a:p>
-            <a:fld id="{343B951A-A665-1949-AEDB-B62DC9BE7F13}" type="slidenum">
-              <a:rPr lang="en-US" smtClean="0"/>
-              <a:t>21</a:t>
-            </a:fld>
-            <a:endParaRPr lang="en-US"/>
-          </a:p>
-        </p:txBody>
-      </p:sp>
-    </p:spTree>
-    <p:extLst>
-      <p:ext uri="{BB962C8B-B14F-4D97-AF65-F5344CB8AC3E}">
-        <p14:creationId xmlns:p14="http://schemas.microsoft.com/office/powerpoint/2010/main" val="721875218"/>
-      </p:ext>
-    </p:extLst>
-  </p:cSld>
-  <p:clrMapOvr>
-    <a:masterClrMapping/>
-  </p:clrMapOvr>
-</p:notes>
-</file>
-
-<file path=ppt/notesSlides/notesSlide21.xml><?xml version="1.0" encoding="utf-8"?>
-<p:notes xmlns:a="http://schemas.openxmlformats.org/drawingml/2006/main" xmlns:r="http://schemas.openxmlformats.org/officeDocument/2006/relationships" xmlns:p="http://schemas.openxmlformats.org/presentationml/2006/main">
-  <p:cSld>
-    <p:spTree>
-      <p:nvGrpSpPr>
-        <p:cNvPr id="1" name="">
-          <a:extLst>
-            <a:ext uri="{FF2B5EF4-FFF2-40B4-BE49-F238E27FC236}">
               <a16:creationId xmlns:a16="http://schemas.microsoft.com/office/drawing/2014/main" id="{30DEC191-2998-0264-CACE-524410C63EF3}"/>
             </a:ext>
           </a:extLst>
@@ -2360,7 +2250,7 @@
           <a:p>
             <a:fld id="{343B951A-A665-1949-AEDB-B62DC9BE7F13}" type="slidenum">
               <a:rPr lang="en-US" smtClean="0"/>
-              <a:t>22</a:t>
+              <a:t>21</a:t>
             </a:fld>
             <a:endParaRPr lang="en-US"/>
           </a:p>
@@ -2379,7 +2269,7 @@
 </p:notes>
 </file>
 
-<file path=ppt/notesSlides/notesSlide22.xml><?xml version="1.0" encoding="utf-8"?>
+<file path=ppt/notesSlides/notesSlide21.xml><?xml version="1.0" encoding="utf-8"?>
 <p:notes xmlns:a="http://schemas.openxmlformats.org/drawingml/2006/main" xmlns:r="http://schemas.openxmlformats.org/officeDocument/2006/relationships" xmlns:p="http://schemas.openxmlformats.org/presentationml/2006/main">
   <p:cSld>
     <p:spTree>
@@ -2468,7 +2358,7 @@
           <a:p>
             <a:fld id="{343B951A-A665-1949-AEDB-B62DC9BE7F13}" type="slidenum">
               <a:rPr lang="en-US" smtClean="0"/>
-              <a:t>23</a:t>
+              <a:t>22</a:t>
             </a:fld>
             <a:endParaRPr lang="en-US"/>
           </a:p>
@@ -2487,7 +2377,7 @@
 </p:notes>
 </file>
 
-<file path=ppt/notesSlides/notesSlide23.xml><?xml version="1.0" encoding="utf-8"?>
+<file path=ppt/notesSlides/notesSlide22.xml><?xml version="1.0" encoding="utf-8"?>
 <p:notes xmlns:a="http://schemas.openxmlformats.org/drawingml/2006/main" xmlns:r="http://schemas.openxmlformats.org/officeDocument/2006/relationships" xmlns:p="http://schemas.openxmlformats.org/presentationml/2006/main">
   <p:cSld>
     <p:spTree>
@@ -2576,7 +2466,7 @@
           <a:p>
             <a:fld id="{343B951A-A665-1949-AEDB-B62DC9BE7F13}" type="slidenum">
               <a:rPr lang="en-US" smtClean="0"/>
-              <a:t>24</a:t>
+              <a:t>23</a:t>
             </a:fld>
             <a:endParaRPr lang="en-US"/>
           </a:p>
@@ -2595,7 +2485,7 @@
 </p:notes>
 </file>
 
-<file path=ppt/notesSlides/notesSlide24.xml><?xml version="1.0" encoding="utf-8"?>
+<file path=ppt/notesSlides/notesSlide23.xml><?xml version="1.0" encoding="utf-8"?>
 <p:notes xmlns:a="http://schemas.openxmlformats.org/drawingml/2006/main" xmlns:r="http://schemas.openxmlformats.org/officeDocument/2006/relationships" xmlns:p="http://schemas.openxmlformats.org/presentationml/2006/main">
   <p:cSld>
     <p:spTree>
@@ -2684,7 +2574,7 @@
           <a:p>
             <a:fld id="{343B951A-A665-1949-AEDB-B62DC9BE7F13}" type="slidenum">
               <a:rPr lang="en-US" smtClean="0"/>
-              <a:t>25</a:t>
+              <a:t>24</a:t>
             </a:fld>
             <a:endParaRPr lang="en-US"/>
           </a:p>
@@ -2703,7 +2593,7 @@
 </p:notes>
 </file>
 
-<file path=ppt/notesSlides/notesSlide25.xml><?xml version="1.0" encoding="utf-8"?>
+<file path=ppt/notesSlides/notesSlide24.xml><?xml version="1.0" encoding="utf-8"?>
 <p:notes xmlns:a="http://schemas.openxmlformats.org/drawingml/2006/main" xmlns:r="http://schemas.openxmlformats.org/officeDocument/2006/relationships" xmlns:p="http://schemas.openxmlformats.org/presentationml/2006/main">
   <p:cSld>
     <p:spTree>
@@ -2792,7 +2682,7 @@
           <a:p>
             <a:fld id="{343B951A-A665-1949-AEDB-B62DC9BE7F13}" type="slidenum">
               <a:rPr lang="en-US" smtClean="0"/>
-              <a:t>26</a:t>
+              <a:t>25</a:t>
             </a:fld>
             <a:endParaRPr lang="en-US"/>
           </a:p>
@@ -2811,7 +2701,7 @@
 </p:notes>
 </file>
 
-<file path=ppt/notesSlides/notesSlide26.xml><?xml version="1.0" encoding="utf-8"?>
+<file path=ppt/notesSlides/notesSlide25.xml><?xml version="1.0" encoding="utf-8"?>
 <p:notes xmlns:a="http://schemas.openxmlformats.org/drawingml/2006/main" xmlns:r="http://schemas.openxmlformats.org/officeDocument/2006/relationships" xmlns:p="http://schemas.openxmlformats.org/presentationml/2006/main">
   <p:cSld>
     <p:spTree>
@@ -2900,7 +2790,7 @@
           <a:p>
             <a:fld id="{343B951A-A665-1949-AEDB-B62DC9BE7F13}" type="slidenum">
               <a:rPr lang="en-US" smtClean="0"/>
-              <a:t>27</a:t>
+              <a:t>26</a:t>
             </a:fld>
             <a:endParaRPr lang="en-US"/>
           </a:p>
@@ -2919,7 +2809,7 @@
 </p:notes>
 </file>
 
-<file path=ppt/notesSlides/notesSlide27.xml><?xml version="1.0" encoding="utf-8"?>
+<file path=ppt/notesSlides/notesSlide26.xml><?xml version="1.0" encoding="utf-8"?>
 <p:notes xmlns:a="http://schemas.openxmlformats.org/drawingml/2006/main" xmlns:r="http://schemas.openxmlformats.org/officeDocument/2006/relationships" xmlns:p="http://schemas.openxmlformats.org/presentationml/2006/main">
   <p:cSld>
     <p:spTree>
@@ -3008,7 +2898,7 @@
           <a:p>
             <a:fld id="{343B951A-A665-1949-AEDB-B62DC9BE7F13}" type="slidenum">
               <a:rPr lang="en-US" smtClean="0"/>
-              <a:t>28</a:t>
+              <a:t>27</a:t>
             </a:fld>
             <a:endParaRPr lang="en-US"/>
           </a:p>
@@ -3027,7 +2917,7 @@
 </p:notes>
 </file>
 
-<file path=ppt/notesSlides/notesSlide28.xml><?xml version="1.0" encoding="utf-8"?>
+<file path=ppt/notesSlides/notesSlide27.xml><?xml version="1.0" encoding="utf-8"?>
 <p:notes xmlns:a="http://schemas.openxmlformats.org/drawingml/2006/main" xmlns:r="http://schemas.openxmlformats.org/officeDocument/2006/relationships" xmlns:p="http://schemas.openxmlformats.org/presentationml/2006/main">
   <p:cSld>
     <p:spTree>
@@ -3116,7 +3006,7 @@
           <a:p>
             <a:fld id="{343B951A-A665-1949-AEDB-B62DC9BE7F13}" type="slidenum">
               <a:rPr lang="en-US" smtClean="0"/>
-              <a:t>29</a:t>
+              <a:t>28</a:t>
             </a:fld>
             <a:endParaRPr lang="en-US"/>
           </a:p>
@@ -3135,7 +3025,7 @@
 </p:notes>
 </file>
 
-<file path=ppt/notesSlides/notesSlide29.xml><?xml version="1.0" encoding="utf-8"?>
+<file path=ppt/notesSlides/notesSlide28.xml><?xml version="1.0" encoding="utf-8"?>
 <p:notes xmlns:a="http://schemas.openxmlformats.org/drawingml/2006/main" xmlns:r="http://schemas.openxmlformats.org/officeDocument/2006/relationships" xmlns:p="http://schemas.openxmlformats.org/presentationml/2006/main">
   <p:cSld>
     <p:spTree>
@@ -3227,7 +3117,7 @@
           <a:p>
             <a:fld id="{343B951A-A665-1949-AEDB-B62DC9BE7F13}" type="slidenum">
               <a:rPr lang="en-US" smtClean="0"/>
-              <a:t>30</a:t>
+              <a:t>29</a:t>
             </a:fld>
             <a:endParaRPr lang="en-US"/>
           </a:p>
@@ -3237,6 +3127,117 @@
     <p:extLst>
       <p:ext uri="{BB962C8B-B14F-4D97-AF65-F5344CB8AC3E}">
         <p14:creationId xmlns:p14="http://schemas.microsoft.com/office/powerpoint/2010/main" val="3463524375"/>
+      </p:ext>
+    </p:extLst>
+  </p:cSld>
+  <p:clrMapOvr>
+    <a:masterClrMapping/>
+  </p:clrMapOvr>
+</p:notes>
+</file>
+
+<file path=ppt/notesSlides/notesSlide29.xml><?xml version="1.0" encoding="utf-8"?>
+<p:notes xmlns:a="http://schemas.openxmlformats.org/drawingml/2006/main" xmlns:r="http://schemas.openxmlformats.org/officeDocument/2006/relationships" xmlns:p="http://schemas.openxmlformats.org/presentationml/2006/main">
+  <p:cSld>
+    <p:spTree>
+      <p:nvGrpSpPr>
+        <p:cNvPr id="1" name="">
+          <a:extLst>
+            <a:ext uri="{FF2B5EF4-FFF2-40B4-BE49-F238E27FC236}">
+              <a16:creationId xmlns:a16="http://schemas.microsoft.com/office/drawing/2014/main" id="{B92F5B38-9255-962C-6E3A-4B0EFBDFA868}"/>
+            </a:ext>
+          </a:extLst>
+        </p:cNvPr>
+        <p:cNvGrpSpPr/>
+        <p:nvPr/>
+      </p:nvGrpSpPr>
+      <p:grpSpPr>
+        <a:xfrm>
+          <a:off x="0" y="0"/>
+          <a:ext cx="0" cy="0"/>
+          <a:chOff x="0" y="0"/>
+          <a:chExt cx="0" cy="0"/>
+        </a:xfrm>
+      </p:grpSpPr>
+      <p:sp>
+        <p:nvSpPr>
+          <p:cNvPr id="2" name="Slide Image Placeholder 1">
+            <a:extLst>
+              <a:ext uri="{FF2B5EF4-FFF2-40B4-BE49-F238E27FC236}">
+                <a16:creationId xmlns:a16="http://schemas.microsoft.com/office/drawing/2014/main" id="{A50F7B1D-0582-7DC1-E400-1E3F238F7CF2}"/>
+              </a:ext>
+            </a:extLst>
+          </p:cNvPr>
+          <p:cNvSpPr>
+            <a:spLocks noGrp="1" noRot="1" noChangeAspect="1"/>
+          </p:cNvSpPr>
+          <p:nvPr>
+            <p:ph type="sldImg"/>
+          </p:nvPr>
+        </p:nvSpPr>
+        <p:spPr/>
+      </p:sp>
+      <p:sp>
+        <p:nvSpPr>
+          <p:cNvPr id="3" name="Notes Placeholder 2">
+            <a:extLst>
+              <a:ext uri="{FF2B5EF4-FFF2-40B4-BE49-F238E27FC236}">
+                <a16:creationId xmlns:a16="http://schemas.microsoft.com/office/drawing/2014/main" id="{862364D6-8C7D-0DD8-D350-028873A33A54}"/>
+              </a:ext>
+            </a:extLst>
+          </p:cNvPr>
+          <p:cNvSpPr>
+            <a:spLocks noGrp="1"/>
+          </p:cNvSpPr>
+          <p:nvPr>
+            <p:ph type="body" idx="1"/>
+          </p:nvPr>
+        </p:nvSpPr>
+        <p:spPr/>
+        <p:txBody>
+          <a:bodyPr/>
+          <a:lstStyle/>
+          <a:p>
+            <a:r>
+              <a:rPr lang="hr-HR" dirty="0"/>
+              <a:t>https://dinoduvnjak.github.io/css-display/</a:t>
+            </a:r>
+          </a:p>
+        </p:txBody>
+      </p:sp>
+      <p:sp>
+        <p:nvSpPr>
+          <p:cNvPr id="4" name="Slide Number Placeholder 3">
+            <a:extLst>
+              <a:ext uri="{FF2B5EF4-FFF2-40B4-BE49-F238E27FC236}">
+                <a16:creationId xmlns:a16="http://schemas.microsoft.com/office/drawing/2014/main" id="{337F4B75-0095-D67C-FA0E-3EC820768E59}"/>
+              </a:ext>
+            </a:extLst>
+          </p:cNvPr>
+          <p:cNvSpPr>
+            <a:spLocks noGrp="1"/>
+          </p:cNvSpPr>
+          <p:nvPr>
+            <p:ph type="sldNum" sz="quarter" idx="5"/>
+          </p:nvPr>
+        </p:nvSpPr>
+        <p:spPr/>
+        <p:txBody>
+          <a:bodyPr/>
+          <a:lstStyle/>
+          <a:p>
+            <a:fld id="{343B951A-A665-1949-AEDB-B62DC9BE7F13}" type="slidenum">
+              <a:rPr lang="en-US" smtClean="0"/>
+              <a:t>30</a:t>
+            </a:fld>
+            <a:endParaRPr lang="en-US"/>
+          </a:p>
+        </p:txBody>
+      </p:sp>
+    </p:spTree>
+    <p:extLst>
+      <p:ext uri="{BB962C8B-B14F-4D97-AF65-F5344CB8AC3E}">
+        <p14:creationId xmlns:p14="http://schemas.microsoft.com/office/powerpoint/2010/main" val="133115389"/>
       </p:ext>
     </p:extLst>
   </p:cSld>
@@ -3366,117 +3367,6 @@
         <p:cNvPr id="1" name="">
           <a:extLst>
             <a:ext uri="{FF2B5EF4-FFF2-40B4-BE49-F238E27FC236}">
-              <a16:creationId xmlns:a16="http://schemas.microsoft.com/office/drawing/2014/main" id="{B92F5B38-9255-962C-6E3A-4B0EFBDFA868}"/>
-            </a:ext>
-          </a:extLst>
-        </p:cNvPr>
-        <p:cNvGrpSpPr/>
-        <p:nvPr/>
-      </p:nvGrpSpPr>
-      <p:grpSpPr>
-        <a:xfrm>
-          <a:off x="0" y="0"/>
-          <a:ext cx="0" cy="0"/>
-          <a:chOff x="0" y="0"/>
-          <a:chExt cx="0" cy="0"/>
-        </a:xfrm>
-      </p:grpSpPr>
-      <p:sp>
-        <p:nvSpPr>
-          <p:cNvPr id="2" name="Slide Image Placeholder 1">
-            <a:extLst>
-              <a:ext uri="{FF2B5EF4-FFF2-40B4-BE49-F238E27FC236}">
-                <a16:creationId xmlns:a16="http://schemas.microsoft.com/office/drawing/2014/main" id="{A50F7B1D-0582-7DC1-E400-1E3F238F7CF2}"/>
-              </a:ext>
-            </a:extLst>
-          </p:cNvPr>
-          <p:cNvSpPr>
-            <a:spLocks noGrp="1" noRot="1" noChangeAspect="1"/>
-          </p:cNvSpPr>
-          <p:nvPr>
-            <p:ph type="sldImg"/>
-          </p:nvPr>
-        </p:nvSpPr>
-        <p:spPr/>
-      </p:sp>
-      <p:sp>
-        <p:nvSpPr>
-          <p:cNvPr id="3" name="Notes Placeholder 2">
-            <a:extLst>
-              <a:ext uri="{FF2B5EF4-FFF2-40B4-BE49-F238E27FC236}">
-                <a16:creationId xmlns:a16="http://schemas.microsoft.com/office/drawing/2014/main" id="{862364D6-8C7D-0DD8-D350-028873A33A54}"/>
-              </a:ext>
-            </a:extLst>
-          </p:cNvPr>
-          <p:cNvSpPr>
-            <a:spLocks noGrp="1"/>
-          </p:cNvSpPr>
-          <p:nvPr>
-            <p:ph type="body" idx="1"/>
-          </p:nvPr>
-        </p:nvSpPr>
-        <p:spPr/>
-        <p:txBody>
-          <a:bodyPr/>
-          <a:lstStyle/>
-          <a:p>
-            <a:r>
-              <a:rPr lang="hr-HR" dirty="0"/>
-              <a:t>https://dinoduvnjak.github.io/css-display/</a:t>
-            </a:r>
-          </a:p>
-        </p:txBody>
-      </p:sp>
-      <p:sp>
-        <p:nvSpPr>
-          <p:cNvPr id="4" name="Slide Number Placeholder 3">
-            <a:extLst>
-              <a:ext uri="{FF2B5EF4-FFF2-40B4-BE49-F238E27FC236}">
-                <a16:creationId xmlns:a16="http://schemas.microsoft.com/office/drawing/2014/main" id="{337F4B75-0095-D67C-FA0E-3EC820768E59}"/>
-              </a:ext>
-            </a:extLst>
-          </p:cNvPr>
-          <p:cNvSpPr>
-            <a:spLocks noGrp="1"/>
-          </p:cNvSpPr>
-          <p:nvPr>
-            <p:ph type="sldNum" sz="quarter" idx="5"/>
-          </p:nvPr>
-        </p:nvSpPr>
-        <p:spPr/>
-        <p:txBody>
-          <a:bodyPr/>
-          <a:lstStyle/>
-          <a:p>
-            <a:fld id="{343B951A-A665-1949-AEDB-B62DC9BE7F13}" type="slidenum">
-              <a:rPr lang="en-US" smtClean="0"/>
-              <a:t>31</a:t>
-            </a:fld>
-            <a:endParaRPr lang="en-US"/>
-          </a:p>
-        </p:txBody>
-      </p:sp>
-    </p:spTree>
-    <p:extLst>
-      <p:ext uri="{BB962C8B-B14F-4D97-AF65-F5344CB8AC3E}">
-        <p14:creationId xmlns:p14="http://schemas.microsoft.com/office/powerpoint/2010/main" val="133115389"/>
-      </p:ext>
-    </p:extLst>
-  </p:cSld>
-  <p:clrMapOvr>
-    <a:masterClrMapping/>
-  </p:clrMapOvr>
-</p:notes>
-</file>
-
-<file path=ppt/notesSlides/notesSlide31.xml><?xml version="1.0" encoding="utf-8"?>
-<p:notes xmlns:a="http://schemas.openxmlformats.org/drawingml/2006/main" xmlns:r="http://schemas.openxmlformats.org/officeDocument/2006/relationships" xmlns:p="http://schemas.openxmlformats.org/presentationml/2006/main">
-  <p:cSld>
-    <p:spTree>
-      <p:nvGrpSpPr>
-        <p:cNvPr id="1" name="">
-          <a:extLst>
-            <a:ext uri="{FF2B5EF4-FFF2-40B4-BE49-F238E27FC236}">
               <a16:creationId xmlns:a16="http://schemas.microsoft.com/office/drawing/2014/main" id="{90D7727E-A4B0-A8FA-D046-39636D92C5A8}"/>
             </a:ext>
           </a:extLst>
@@ -3558,7 +3448,7 @@
           <a:p>
             <a:fld id="{343B951A-A665-1949-AEDB-B62DC9BE7F13}" type="slidenum">
               <a:rPr lang="en-US" smtClean="0"/>
-              <a:t>32</a:t>
+              <a:t>31</a:t>
             </a:fld>
             <a:endParaRPr lang="en-US"/>
           </a:p>
@@ -3577,7 +3467,7 @@
 </p:notes>
 </file>
 
-<file path=ppt/notesSlides/notesSlide32.xml><?xml version="1.0" encoding="utf-8"?>
+<file path=ppt/notesSlides/notesSlide31.xml><?xml version="1.0" encoding="utf-8"?>
 <p:notes xmlns:a="http://schemas.openxmlformats.org/drawingml/2006/main" xmlns:r="http://schemas.openxmlformats.org/officeDocument/2006/relationships" xmlns:p="http://schemas.openxmlformats.org/presentationml/2006/main">
   <p:cSld>
     <p:spTree>
@@ -3669,7 +3559,7 @@
           <a:p>
             <a:fld id="{343B951A-A665-1949-AEDB-B62DC9BE7F13}" type="slidenum">
               <a:rPr lang="en-US" smtClean="0"/>
-              <a:t>33</a:t>
+              <a:t>32</a:t>
             </a:fld>
             <a:endParaRPr lang="en-US"/>
           </a:p>
@@ -3688,7 +3578,7 @@
 </p:notes>
 </file>
 
-<file path=ppt/notesSlides/notesSlide33.xml><?xml version="1.0" encoding="utf-8"?>
+<file path=ppt/notesSlides/notesSlide32.xml><?xml version="1.0" encoding="utf-8"?>
 <p:notes xmlns:a="http://schemas.openxmlformats.org/drawingml/2006/main" xmlns:r="http://schemas.openxmlformats.org/officeDocument/2006/relationships" xmlns:p="http://schemas.openxmlformats.org/presentationml/2006/main">
   <p:cSld>
     <p:spTree>
@@ -3777,7 +3667,7 @@
           <a:p>
             <a:fld id="{343B951A-A665-1949-AEDB-B62DC9BE7F13}" type="slidenum">
               <a:rPr lang="en-US" smtClean="0"/>
-              <a:t>34</a:t>
+              <a:t>33</a:t>
             </a:fld>
             <a:endParaRPr lang="en-US"/>
           </a:p>
@@ -3796,7 +3686,7 @@
 </p:notes>
 </file>
 
-<file path=ppt/notesSlides/notesSlide34.xml><?xml version="1.0" encoding="utf-8"?>
+<file path=ppt/notesSlides/notesSlide33.xml><?xml version="1.0" encoding="utf-8"?>
 <p:notes xmlns:a="http://schemas.openxmlformats.org/drawingml/2006/main" xmlns:r="http://schemas.openxmlformats.org/officeDocument/2006/relationships" xmlns:p="http://schemas.openxmlformats.org/presentationml/2006/main">
   <p:cSld>
     <p:spTree>
@@ -3885,7 +3775,7 @@
           <a:p>
             <a:fld id="{343B951A-A665-1949-AEDB-B62DC9BE7F13}" type="slidenum">
               <a:rPr lang="en-US" smtClean="0"/>
-              <a:t>35</a:t>
+              <a:t>34</a:t>
             </a:fld>
             <a:endParaRPr lang="en-US"/>
           </a:p>
@@ -3904,7 +3794,7 @@
 </p:notes>
 </file>
 
-<file path=ppt/notesSlides/notesSlide35.xml><?xml version="1.0" encoding="utf-8"?>
+<file path=ppt/notesSlides/notesSlide34.xml><?xml version="1.0" encoding="utf-8"?>
 <p:notes xmlns:a="http://schemas.openxmlformats.org/drawingml/2006/main" xmlns:r="http://schemas.openxmlformats.org/officeDocument/2006/relationships" xmlns:p="http://schemas.openxmlformats.org/presentationml/2006/main">
   <p:cSld>
     <p:spTree>
@@ -3996,7 +3886,7 @@
           <a:p>
             <a:fld id="{343B951A-A665-1949-AEDB-B62DC9BE7F13}" type="slidenum">
               <a:rPr lang="en-US" smtClean="0"/>
-              <a:t>36</a:t>
+              <a:t>35</a:t>
             </a:fld>
             <a:endParaRPr lang="en-US"/>
           </a:p>
@@ -4015,7 +3905,7 @@
 </p:notes>
 </file>
 
-<file path=ppt/notesSlides/notesSlide36.xml><?xml version="1.0" encoding="utf-8"?>
+<file path=ppt/notesSlides/notesSlide35.xml><?xml version="1.0" encoding="utf-8"?>
 <p:notes xmlns:a="http://schemas.openxmlformats.org/drawingml/2006/main" xmlns:r="http://schemas.openxmlformats.org/officeDocument/2006/relationships" xmlns:p="http://schemas.openxmlformats.org/presentationml/2006/main">
   <p:cSld>
     <p:spTree>
@@ -4104,7 +3994,7 @@
           <a:p>
             <a:fld id="{343B951A-A665-1949-AEDB-B62DC9BE7F13}" type="slidenum">
               <a:rPr lang="en-US" smtClean="0"/>
-              <a:t>37</a:t>
+              <a:t>36</a:t>
             </a:fld>
             <a:endParaRPr lang="en-US"/>
           </a:p>
@@ -4123,7 +4013,7 @@
 </p:notes>
 </file>
 
-<file path=ppt/notesSlides/notesSlide37.xml><?xml version="1.0" encoding="utf-8"?>
+<file path=ppt/notesSlides/notesSlide36.xml><?xml version="1.0" encoding="utf-8"?>
 <p:notes xmlns:a="http://schemas.openxmlformats.org/drawingml/2006/main" xmlns:r="http://schemas.openxmlformats.org/officeDocument/2006/relationships" xmlns:p="http://schemas.openxmlformats.org/presentationml/2006/main">
   <p:cSld>
     <p:spTree>
@@ -4212,7 +4102,7 @@
           <a:p>
             <a:fld id="{343B951A-A665-1949-AEDB-B62DC9BE7F13}" type="slidenum">
               <a:rPr lang="en-US" smtClean="0"/>
-              <a:t>38</a:t>
+              <a:t>37</a:t>
             </a:fld>
             <a:endParaRPr lang="en-US"/>
           </a:p>
@@ -4231,7 +4121,7 @@
 </p:notes>
 </file>
 
-<file path=ppt/notesSlides/notesSlide38.xml><?xml version="1.0" encoding="utf-8"?>
+<file path=ppt/notesSlides/notesSlide37.xml><?xml version="1.0" encoding="utf-8"?>
 <p:notes xmlns:a="http://schemas.openxmlformats.org/drawingml/2006/main" xmlns:r="http://schemas.openxmlformats.org/officeDocument/2006/relationships" xmlns:p="http://schemas.openxmlformats.org/presentationml/2006/main">
   <p:cSld>
     <p:spTree>
@@ -4344,7 +4234,7 @@
           <a:p>
             <a:fld id="{343B951A-A665-1949-AEDB-B62DC9BE7F13}" type="slidenum">
               <a:rPr lang="en-US" smtClean="0"/>
-              <a:t>39</a:t>
+              <a:t>38</a:t>
             </a:fld>
             <a:endParaRPr lang="en-US"/>
           </a:p>
@@ -5715,7 +5605,7 @@
                 <a:ea typeface="Open Sans" panose="020B0606030504020204" pitchFamily="34" charset="0"/>
                 <a:cs typeface="Open Sans" panose="020B0606030504020204" pitchFamily="34" charset="0"/>
               </a:rPr>
-              <a:t>05/03/2025</a:t>
+              <a:t>08/03/2025</a:t>
             </a:fld>
             <a:endParaRPr lang="en-GB" sz="1800" b="0" i="0" kern="1200" dirty="0">
               <a:solidFill>
@@ -6460,7 +6350,7 @@
                 <a:ea typeface="Open Sans" panose="020B0606030504020204" pitchFamily="34" charset="0"/>
                 <a:cs typeface="Open Sans" panose="020B0606030504020204" pitchFamily="34" charset="0"/>
               </a:rPr>
-              <a:t>05/03/2025</a:t>
+              <a:t>08/03/2025</a:t>
             </a:fld>
             <a:endParaRPr lang="en-GB" sz="1800" b="0" i="0" kern="1200" dirty="0">
               <a:solidFill>
@@ -6983,7 +6873,7 @@
                 <a:ea typeface="Open Sans" panose="020B0606030504020204" pitchFamily="34" charset="0"/>
                 <a:cs typeface="Open Sans" panose="020B0606030504020204" pitchFamily="34" charset="0"/>
               </a:rPr>
-              <a:t>05/03/2025</a:t>
+              <a:t>08/03/2025</a:t>
             </a:fld>
             <a:endParaRPr lang="en-GB" sz="1800" b="0" i="0" kern="1200" dirty="0">
               <a:solidFill>
@@ -7949,7 +7839,7 @@
                 <a:ea typeface="Open Sans" panose="020B0606030504020204" pitchFamily="34" charset="0"/>
                 <a:cs typeface="Open Sans" panose="020B0606030504020204" pitchFamily="34" charset="0"/>
               </a:rPr>
-              <a:t>05/03/2025</a:t>
+              <a:t>08/03/2025</a:t>
             </a:fld>
             <a:endParaRPr lang="en-GB" sz="1800" b="0" i="0" kern="1200" dirty="0">
               <a:solidFill>
@@ -8388,7 +8278,7 @@
                 <a:ea typeface="Open Sans" panose="020B0606030504020204" pitchFamily="34" charset="0"/>
                 <a:cs typeface="Open Sans" panose="020B0606030504020204" pitchFamily="34" charset="0"/>
               </a:rPr>
-              <a:t>05/03/2025</a:t>
+              <a:t>08/03/2025</a:t>
             </a:fld>
             <a:endParaRPr lang="en-GB" sz="1800" b="0" i="0" kern="1200" dirty="0">
               <a:solidFill>
@@ -10158,7 +10048,7 @@
                 <a:ea typeface="Open Sans" pitchFamily="2" charset="0"/>
                 <a:cs typeface="Open Sans" pitchFamily="2" charset="0"/>
               </a:rPr>
-              <a:t>05/03/2025</a:t>
+              <a:t>08/03/2025</a:t>
             </a:fld>
             <a:endParaRPr lang="en-GB" sz="1800" b="0" i="0" kern="1200" dirty="0">
               <a:solidFill>
@@ -11908,7 +11798,7 @@
                 <a:ea typeface="Open Sans" pitchFamily="2" charset="0"/>
                 <a:cs typeface="Open Sans" pitchFamily="2" charset="0"/>
               </a:rPr>
-              <a:t>05/03/2025</a:t>
+              <a:t>08/03/2025</a:t>
             </a:fld>
             <a:endParaRPr lang="en-GB" sz="1800" b="0" i="0" kern="1200" dirty="0">
               <a:solidFill>
@@ -12425,7 +12315,7 @@
                 <a:ea typeface="Open Sans" panose="020B0606030504020204" pitchFamily="34" charset="0"/>
                 <a:cs typeface="Open Sans" panose="020B0606030504020204" pitchFamily="34" charset="0"/>
               </a:rPr>
-              <a:t>05/03/2025</a:t>
+              <a:t>08/03/2025</a:t>
             </a:fld>
             <a:endParaRPr lang="en-GB" sz="1800" b="0" i="0" kern="1200" dirty="0">
               <a:solidFill>
@@ -13022,7 +12912,7 @@
                 <a:ea typeface="Open Sans" pitchFamily="2" charset="0"/>
                 <a:cs typeface="Open Sans" pitchFamily="2" charset="0"/>
               </a:rPr>
-              <a:t>05/03/2025</a:t>
+              <a:t>08/03/2025</a:t>
             </a:fld>
             <a:endParaRPr lang="en-GB" sz="1800" b="0" i="0" kern="1200" dirty="0">
               <a:solidFill>
@@ -13562,7 +13452,7 @@
                 <a:ea typeface="Open Sans" panose="020B0606030504020204" pitchFamily="34" charset="0"/>
                 <a:cs typeface="Open Sans" panose="020B0606030504020204" pitchFamily="34" charset="0"/>
               </a:rPr>
-              <a:t>05/03/2025</a:t>
+              <a:t>08/03/2025</a:t>
             </a:fld>
             <a:endParaRPr lang="en-GB" sz="1800" b="0" i="0" kern="1200" dirty="0">
               <a:solidFill>
@@ -14263,7 +14153,7 @@
                 <a:ea typeface="Open Sans" panose="020B0606030504020204" pitchFamily="34" charset="0"/>
                 <a:cs typeface="Open Sans" panose="020B0606030504020204" pitchFamily="34" charset="0"/>
               </a:rPr>
-              <a:t>05/03/2025</a:t>
+              <a:t>08/03/2025</a:t>
             </a:fld>
             <a:endParaRPr lang="en-GB" sz="1800" b="0" i="0" kern="1200" dirty="0">
               <a:solidFill>
@@ -14626,7 +14516,7 @@
                 <a:ea typeface="Open Sans" pitchFamily="2" charset="0"/>
                 <a:cs typeface="Open Sans" pitchFamily="2" charset="0"/>
               </a:rPr>
-              <a:t>05/03/2025</a:t>
+              <a:t>08/03/2025</a:t>
             </a:fld>
             <a:endParaRPr lang="en-GB" sz="1800" b="0" i="0" kern="1200" dirty="0">
               <a:solidFill>
@@ -15021,7 +14911,7 @@
                 <a:ea typeface="Open Sans" pitchFamily="2" charset="0"/>
                 <a:cs typeface="Open Sans" pitchFamily="2" charset="0"/>
               </a:rPr>
-              <a:t>05/03/2025</a:t>
+              <a:t>08/03/2025</a:t>
             </a:fld>
             <a:endParaRPr lang="en-GB" sz="1800" b="0" i="0" kern="1200" dirty="0">
               <a:solidFill>
@@ -15718,50 +15608,6 @@
       </p:grpSpPr>
       <p:sp>
         <p:nvSpPr>
-          <p:cNvPr id="2" name="Title 1">
-            <a:extLst>
-              <a:ext uri="{FF2B5EF4-FFF2-40B4-BE49-F238E27FC236}">
-                <a16:creationId xmlns:a16="http://schemas.microsoft.com/office/drawing/2014/main" id="{E1DE106B-9F0A-B5D0-8893-B333E0173A60}"/>
-              </a:ext>
-            </a:extLst>
-          </p:cNvPr>
-          <p:cNvSpPr>
-            <a:spLocks noGrp="1"/>
-          </p:cNvSpPr>
-          <p:nvPr>
-            <p:ph type="title"/>
-          </p:nvPr>
-        </p:nvSpPr>
-        <p:spPr>
-          <a:xfrm>
-            <a:off x="990600" y="1843088"/>
-            <a:ext cx="5328139" cy="853976"/>
-          </a:xfrm>
-        </p:spPr>
-        <p:txBody>
-          <a:bodyPr>
-            <a:normAutofit/>
-          </a:bodyPr>
-          <a:lstStyle/>
-          <a:p>
-            <a:r>
-              <a:rPr lang="hr-HR" sz="1600" dirty="0"/>
-              <a:t>ID Selektori</a:t>
-            </a:r>
-            <a:r>
-              <a:rPr lang="en-US" sz="1600" dirty="0"/>
-              <a:t> #</a:t>
-            </a:r>
-            <a:endParaRPr lang="hr-HR" sz="1600" dirty="0">
-              <a:solidFill>
-                <a:schemeClr val="accent3"/>
-              </a:solidFill>
-            </a:endParaRPr>
-          </a:p>
-        </p:txBody>
-      </p:sp>
-      <p:sp>
-        <p:nvSpPr>
           <p:cNvPr id="4" name="Title 1">
             <a:extLst>
               <a:ext uri="{FF2B5EF4-FFF2-40B4-BE49-F238E27FC236}">
@@ -15785,7 +15631,7 @@
         </p:spPr>
         <p:txBody>
           <a:bodyPr vert="horz" lIns="91440" tIns="45720" rIns="91440" bIns="45720" rtlCol="0" anchor="ctr">
-            <a:normAutofit fontScale="92500"/>
+            <a:normAutofit/>
           </a:bodyPr>
           <a:lstStyle>
             <a:lvl1pPr algn="l" defTabSz="914400" rtl="0" eaLnBrk="1" latinLnBrk="0" hangingPunct="1">
@@ -15809,7 +15655,7 @@
           <a:p>
             <a:r>
               <a:rPr lang="nn-NO" dirty="0"/>
-              <a:t>CSS Selektori – Kako Ciljati HTML Elemente?</a:t>
+              <a:t>CSS Selektori – ID SELEKTORI</a:t>
             </a:r>
             <a:endParaRPr lang="hr-HR" dirty="0"/>
           </a:p>
@@ -17765,54 +17611,6 @@
       </p:sp>
       <p:sp>
         <p:nvSpPr>
-          <p:cNvPr id="2" name="Title 1">
-            <a:extLst>
-              <a:ext uri="{FF2B5EF4-FFF2-40B4-BE49-F238E27FC236}">
-                <a16:creationId xmlns:a16="http://schemas.microsoft.com/office/drawing/2014/main" id="{BEB21F6F-56B2-6990-EF58-7E6F1B2FE719}"/>
-              </a:ext>
-            </a:extLst>
-          </p:cNvPr>
-          <p:cNvSpPr>
-            <a:spLocks noGrp="1"/>
-          </p:cNvSpPr>
-          <p:nvPr>
-            <p:ph type="title"/>
-          </p:nvPr>
-        </p:nvSpPr>
-        <p:spPr>
-          <a:xfrm>
-            <a:off x="937438" y="1313381"/>
-            <a:ext cx="5328139" cy="853976"/>
-          </a:xfrm>
-        </p:spPr>
-        <p:txBody>
-          <a:bodyPr>
-            <a:normAutofit/>
-          </a:bodyPr>
-          <a:lstStyle/>
-          <a:p>
-            <a:r>
-              <a:rPr lang="en-US" sz="1600" dirty="0" err="1"/>
-              <a:t>COMPuted</a:t>
-            </a:r>
-            <a:r>
-              <a:rPr lang="en-US" sz="1600" dirty="0"/>
-              <a:t> </a:t>
-            </a:r>
-            <a:r>
-              <a:rPr lang="en-US" sz="1600" dirty="0" err="1"/>
-              <a:t>sekcija</a:t>
-            </a:r>
-            <a:endParaRPr lang="hr-HR" sz="1600" dirty="0">
-              <a:solidFill>
-                <a:schemeClr val="accent3"/>
-              </a:solidFill>
-            </a:endParaRPr>
-          </a:p>
-        </p:txBody>
-      </p:sp>
-      <p:sp>
-        <p:nvSpPr>
           <p:cNvPr id="3" name="TextBox 2">
             <a:extLst>
               <a:ext uri="{FF2B5EF4-FFF2-40B4-BE49-F238E27FC236}">
@@ -17825,7 +17623,7 @@
         </p:nvSpPr>
         <p:spPr>
           <a:xfrm>
-            <a:off x="937438" y="2167357"/>
+            <a:off x="878959" y="1859338"/>
             <a:ext cx="6142892" cy="3139321"/>
           </a:xfrm>
           <a:prstGeom prst="rect">
@@ -18028,50 +17826,6 @@
       </p:sp>
       <p:sp>
         <p:nvSpPr>
-          <p:cNvPr id="2" name="Title 1">
-            <a:extLst>
-              <a:ext uri="{FF2B5EF4-FFF2-40B4-BE49-F238E27FC236}">
-                <a16:creationId xmlns:a16="http://schemas.microsoft.com/office/drawing/2014/main" id="{F9954FBF-7A88-AA79-222F-49EFF3C4CAD7}"/>
-              </a:ext>
-            </a:extLst>
-          </p:cNvPr>
-          <p:cNvSpPr>
-            <a:spLocks noGrp="1"/>
-          </p:cNvSpPr>
-          <p:nvPr>
-            <p:ph type="title"/>
-          </p:nvPr>
-        </p:nvSpPr>
-        <p:spPr>
-          <a:xfrm>
-            <a:off x="937438" y="1313381"/>
-            <a:ext cx="5328139" cy="853976"/>
-          </a:xfrm>
-        </p:spPr>
-        <p:txBody>
-          <a:bodyPr>
-            <a:normAutofit/>
-          </a:bodyPr>
-          <a:lstStyle/>
-          <a:p>
-            <a:r>
-              <a:rPr lang="en-US" sz="1600" dirty="0"/>
-              <a:t> CAPTURE </a:t>
-            </a:r>
-            <a:r>
-              <a:rPr lang="en-US" sz="1600" dirty="0" err="1"/>
-              <a:t>Sekcija</a:t>
-            </a:r>
-            <a:endParaRPr lang="hr-HR" sz="1600" dirty="0">
-              <a:solidFill>
-                <a:schemeClr val="accent3"/>
-              </a:solidFill>
-            </a:endParaRPr>
-          </a:p>
-        </p:txBody>
-      </p:sp>
-      <p:sp>
-        <p:nvSpPr>
           <p:cNvPr id="3" name="TextBox 2">
             <a:extLst>
               <a:ext uri="{FF2B5EF4-FFF2-40B4-BE49-F238E27FC236}">
@@ -18084,7 +17838,7 @@
         </p:nvSpPr>
         <p:spPr>
           <a:xfrm>
-            <a:off x="909141" y="2413336"/>
+            <a:off x="909141" y="2109424"/>
             <a:ext cx="6579781" cy="2031325"/>
           </a:xfrm>
           <a:prstGeom prst="rect">
@@ -18200,248 +17954,6 @@
         <p:cNvPr id="1" name="">
           <a:extLst>
             <a:ext uri="{FF2B5EF4-FFF2-40B4-BE49-F238E27FC236}">
-              <a16:creationId xmlns:a16="http://schemas.microsoft.com/office/drawing/2014/main" id="{ACA430D1-80F2-9437-388E-49453D4FF43F}"/>
-            </a:ext>
-          </a:extLst>
-        </p:cNvPr>
-        <p:cNvGrpSpPr/>
-        <p:nvPr/>
-      </p:nvGrpSpPr>
-      <p:grpSpPr>
-        <a:xfrm>
-          <a:off x="0" y="0"/>
-          <a:ext cx="0" cy="0"/>
-          <a:chOff x="0" y="0"/>
-          <a:chExt cx="0" cy="0"/>
-        </a:xfrm>
-      </p:grpSpPr>
-      <p:sp>
-        <p:nvSpPr>
-          <p:cNvPr id="4" name="Title 1">
-            <a:extLst>
-              <a:ext uri="{FF2B5EF4-FFF2-40B4-BE49-F238E27FC236}">
-                <a16:creationId xmlns:a16="http://schemas.microsoft.com/office/drawing/2014/main" id="{F53A56FB-5CE3-3242-9FAC-48BF8D09D8B9}"/>
-              </a:ext>
-            </a:extLst>
-          </p:cNvPr>
-          <p:cNvSpPr txBox="1">
-            <a:spLocks/>
-          </p:cNvSpPr>
-          <p:nvPr/>
-        </p:nvSpPr>
-        <p:spPr>
-          <a:xfrm>
-            <a:off x="878959" y="383056"/>
-            <a:ext cx="10515600" cy="853976"/>
-          </a:xfrm>
-          <a:prstGeom prst="rect">
-            <a:avLst/>
-          </a:prstGeom>
-        </p:spPr>
-        <p:txBody>
-          <a:bodyPr vert="horz" lIns="91440" tIns="45720" rIns="91440" bIns="45720" rtlCol="0" anchor="ctr">
-            <a:normAutofit/>
-          </a:bodyPr>
-          <a:lstStyle>
-            <a:lvl1pPr algn="l" defTabSz="914400" rtl="0" eaLnBrk="1" latinLnBrk="0" hangingPunct="1">
-              <a:lnSpc>
-                <a:spcPct val="90000"/>
-              </a:lnSpc>
-              <a:spcBef>
-                <a:spcPct val="0"/>
-              </a:spcBef>
-              <a:buNone/>
-              <a:defRPr sz="3600" b="1" i="0" kern="1200" cap="all" baseline="0">
-                <a:solidFill>
-                  <a:schemeClr val="tx2"/>
-                </a:solidFill>
-                <a:latin typeface="+mj-lt"/>
-                <a:ea typeface="Open Sans Semibold" panose="020B0606030504020204" pitchFamily="34" charset="0"/>
-                <a:cs typeface="Open Sans Semibold" panose="020B0606030504020204" pitchFamily="34" charset="0"/>
-              </a:defRPr>
-            </a:lvl1pPr>
-          </a:lstStyle>
-          <a:p>
-            <a:r>
-              <a:rPr lang="hr-HR" dirty="0"/>
-              <a:t>Chrome Developer </a:t>
-            </a:r>
-            <a:r>
-              <a:rPr lang="hr-HR" dirty="0" err="1"/>
-              <a:t>Tools</a:t>
-            </a:r>
-            <a:endParaRPr lang="hr-HR" dirty="0"/>
-          </a:p>
-        </p:txBody>
-      </p:sp>
-      <p:sp>
-        <p:nvSpPr>
-          <p:cNvPr id="12" name="TextBox 11">
-            <a:extLst>
-              <a:ext uri="{FF2B5EF4-FFF2-40B4-BE49-F238E27FC236}">
-                <a16:creationId xmlns:a16="http://schemas.microsoft.com/office/drawing/2014/main" id="{019B2C92-AE3B-4B9E-89DC-85EAE936034E}"/>
-              </a:ext>
-            </a:extLst>
-          </p:cNvPr>
-          <p:cNvSpPr txBox="1"/>
-          <p:nvPr/>
-        </p:nvSpPr>
-        <p:spPr>
-          <a:xfrm>
-            <a:off x="878959" y="1464092"/>
-            <a:ext cx="6142892" cy="1477328"/>
-          </a:xfrm>
-          <a:prstGeom prst="rect">
-            <a:avLst/>
-          </a:prstGeom>
-          <a:noFill/>
-        </p:spPr>
-        <p:txBody>
-          <a:bodyPr wrap="square">
-            <a:spAutoFit/>
-          </a:bodyPr>
-          <a:lstStyle/>
-          <a:p>
-            <a:r>
-              <a:rPr lang="hr-HR" dirty="0"/>
-              <a:t>✅ Omogućuju inspekciju HTML i CSS koda</a:t>
-            </a:r>
-            <a:br>
-              <a:rPr lang="hr-HR" dirty="0"/>
-            </a:br>
-            <a:r>
-              <a:rPr lang="hr-HR" dirty="0"/>
-              <a:t>✅ Otkrivanje i testiranje CSS pravila</a:t>
-            </a:r>
-            <a:br>
-              <a:rPr lang="hr-HR" dirty="0"/>
-            </a:br>
-            <a:r>
-              <a:rPr lang="hr-HR" dirty="0"/>
-              <a:t>✅ Mijenjanje stilova uživo bez mijenjanja originalnog koda</a:t>
-            </a:r>
-            <a:br>
-              <a:rPr lang="hr-HR" dirty="0"/>
-            </a:br>
-            <a:r>
-              <a:rPr lang="hr-HR" dirty="0"/>
-              <a:t>✅ Pregled automatski dodijeljenih stilova preglednika</a:t>
-            </a:r>
-            <a:endParaRPr lang="en-US" b="1" dirty="0"/>
-          </a:p>
-        </p:txBody>
-      </p:sp>
-      <p:pic>
-        <p:nvPicPr>
-          <p:cNvPr id="6" name="Picture 5">
-            <a:extLst>
-              <a:ext uri="{FF2B5EF4-FFF2-40B4-BE49-F238E27FC236}">
-                <a16:creationId xmlns:a16="http://schemas.microsoft.com/office/drawing/2014/main" id="{FC91A8D5-D276-5BEA-B149-193ADE7D2E7C}"/>
-              </a:ext>
-            </a:extLst>
-          </p:cNvPr>
-          <p:cNvPicPr>
-            <a:picLocks noChangeAspect="1"/>
-          </p:cNvPicPr>
-          <p:nvPr/>
-        </p:nvPicPr>
-        <p:blipFill>
-          <a:blip r:embed="rId3"/>
-          <a:stretch>
-            <a:fillRect/>
-          </a:stretch>
-        </p:blipFill>
-        <p:spPr>
-          <a:xfrm>
-            <a:off x="8081076" y="2976562"/>
-            <a:ext cx="2962275" cy="904875"/>
-          </a:xfrm>
-          <a:prstGeom prst="rect">
-            <a:avLst/>
-          </a:prstGeom>
-        </p:spPr>
-      </p:pic>
-      <p:pic>
-        <p:nvPicPr>
-          <p:cNvPr id="10" name="Picture 9">
-            <a:extLst>
-              <a:ext uri="{FF2B5EF4-FFF2-40B4-BE49-F238E27FC236}">
-                <a16:creationId xmlns:a16="http://schemas.microsoft.com/office/drawing/2014/main" id="{81FA55DB-D8B4-F63C-F3F3-D2B7DAB7FAA9}"/>
-              </a:ext>
-            </a:extLst>
-          </p:cNvPr>
-          <p:cNvPicPr>
-            <a:picLocks noChangeAspect="1"/>
-          </p:cNvPicPr>
-          <p:nvPr/>
-        </p:nvPicPr>
-        <p:blipFill>
-          <a:blip r:embed="rId4"/>
-          <a:stretch>
-            <a:fillRect/>
-          </a:stretch>
-        </p:blipFill>
-        <p:spPr>
-          <a:xfrm>
-            <a:off x="6210190" y="4645809"/>
-            <a:ext cx="4273514" cy="2014268"/>
-          </a:xfrm>
-          <a:prstGeom prst="rect">
-            <a:avLst/>
-          </a:prstGeom>
-        </p:spPr>
-      </p:pic>
-      <p:pic>
-        <p:nvPicPr>
-          <p:cNvPr id="13" name="Picture 12">
-            <a:extLst>
-              <a:ext uri="{FF2B5EF4-FFF2-40B4-BE49-F238E27FC236}">
-                <a16:creationId xmlns:a16="http://schemas.microsoft.com/office/drawing/2014/main" id="{3ADFD5C0-1A88-E0CF-F06D-1A92E03468D2}"/>
-              </a:ext>
-            </a:extLst>
-          </p:cNvPr>
-          <p:cNvPicPr>
-            <a:picLocks noChangeAspect="1"/>
-          </p:cNvPicPr>
-          <p:nvPr/>
-        </p:nvPicPr>
-        <p:blipFill>
-          <a:blip r:embed="rId5"/>
-          <a:stretch>
-            <a:fillRect/>
-          </a:stretch>
-        </p:blipFill>
-        <p:spPr>
-          <a:xfrm>
-            <a:off x="2024062" y="4056321"/>
-            <a:ext cx="2569529" cy="1072891"/>
-          </a:xfrm>
-          <a:prstGeom prst="rect">
-            <a:avLst/>
-          </a:prstGeom>
-        </p:spPr>
-      </p:pic>
-    </p:spTree>
-    <p:extLst>
-      <p:ext uri="{BB962C8B-B14F-4D97-AF65-F5344CB8AC3E}">
-        <p14:creationId xmlns:p14="http://schemas.microsoft.com/office/powerpoint/2010/main" val="2238996332"/>
-      </p:ext>
-    </p:extLst>
-  </p:cSld>
-  <p:clrMapOvr>
-    <a:masterClrMapping/>
-  </p:clrMapOvr>
-</p:sld>
-</file>
-
-<file path=ppt/slides/slide18.xml><?xml version="1.0" encoding="utf-8"?>
-<p:sld xmlns:a="http://schemas.openxmlformats.org/drawingml/2006/main" xmlns:r="http://schemas.openxmlformats.org/officeDocument/2006/relationships" xmlns:p="http://schemas.openxmlformats.org/presentationml/2006/main">
-  <p:cSld>
-    <p:spTree>
-      <p:nvGrpSpPr>
-        <p:cNvPr id="1" name="">
-          <a:extLst>
-            <a:ext uri="{FF2B5EF4-FFF2-40B4-BE49-F238E27FC236}">
               <a16:creationId xmlns:a16="http://schemas.microsoft.com/office/drawing/2014/main" id="{8BFBAD5D-40BD-4E22-B2EA-3941868247DB}"/>
             </a:ext>
           </a:extLst>
@@ -18709,7 +18221,7 @@
 </p:sld>
 </file>
 
-<file path=ppt/slides/slide19.xml><?xml version="1.0" encoding="utf-8"?>
+<file path=ppt/slides/slide18.xml><?xml version="1.0" encoding="utf-8"?>
 <p:sld xmlns:a="http://schemas.openxmlformats.org/drawingml/2006/main" xmlns:r="http://schemas.openxmlformats.org/officeDocument/2006/relationships" xmlns:p="http://schemas.openxmlformats.org/presentationml/2006/main">
   <p:cSld>
     <p:spTree>
@@ -18925,6 +18437,326 @@
     <p:extLst>
       <p:ext uri="{BB962C8B-B14F-4D97-AF65-F5344CB8AC3E}">
         <p14:creationId xmlns:p14="http://schemas.microsoft.com/office/powerpoint/2010/main" val="4156303911"/>
+      </p:ext>
+    </p:extLst>
+  </p:cSld>
+  <p:clrMapOvr>
+    <a:masterClrMapping/>
+  </p:clrMapOvr>
+</p:sld>
+</file>
+
+<file path=ppt/slides/slide19.xml><?xml version="1.0" encoding="utf-8"?>
+<p:sld xmlns:a="http://schemas.openxmlformats.org/drawingml/2006/main" xmlns:r="http://schemas.openxmlformats.org/officeDocument/2006/relationships" xmlns:p="http://schemas.openxmlformats.org/presentationml/2006/main">
+  <p:cSld>
+    <p:spTree>
+      <p:nvGrpSpPr>
+        <p:cNvPr id="1" name="">
+          <a:extLst>
+            <a:ext uri="{FF2B5EF4-FFF2-40B4-BE49-F238E27FC236}">
+              <a16:creationId xmlns:a16="http://schemas.microsoft.com/office/drawing/2014/main" id="{0452F367-F090-3B40-8EFB-46F0D7876472}"/>
+            </a:ext>
+          </a:extLst>
+        </p:cNvPr>
+        <p:cNvGrpSpPr/>
+        <p:nvPr/>
+      </p:nvGrpSpPr>
+      <p:grpSpPr>
+        <a:xfrm>
+          <a:off x="0" y="0"/>
+          <a:ext cx="0" cy="0"/>
+          <a:chOff x="0" y="0"/>
+          <a:chExt cx="0" cy="0"/>
+        </a:xfrm>
+      </p:grpSpPr>
+      <p:sp>
+        <p:nvSpPr>
+          <p:cNvPr id="4" name="Title 1">
+            <a:extLst>
+              <a:ext uri="{FF2B5EF4-FFF2-40B4-BE49-F238E27FC236}">
+                <a16:creationId xmlns:a16="http://schemas.microsoft.com/office/drawing/2014/main" id="{9965DFA6-A46A-9568-2E48-DC585A715521}"/>
+              </a:ext>
+            </a:extLst>
+          </p:cNvPr>
+          <p:cNvSpPr txBox="1">
+            <a:spLocks/>
+          </p:cNvSpPr>
+          <p:nvPr/>
+        </p:nvSpPr>
+        <p:spPr>
+          <a:xfrm>
+            <a:off x="878959" y="383056"/>
+            <a:ext cx="10515600" cy="853976"/>
+          </a:xfrm>
+          <a:prstGeom prst="rect">
+            <a:avLst/>
+          </a:prstGeom>
+        </p:spPr>
+        <p:txBody>
+          <a:bodyPr vert="horz" lIns="91440" tIns="45720" rIns="91440" bIns="45720" rtlCol="0" anchor="ctr">
+            <a:normAutofit fontScale="92500" lnSpcReduction="20000"/>
+          </a:bodyPr>
+          <a:lstStyle>
+            <a:lvl1pPr algn="l" defTabSz="914400" rtl="0" eaLnBrk="1" latinLnBrk="0" hangingPunct="1">
+              <a:lnSpc>
+                <a:spcPct val="90000"/>
+              </a:lnSpc>
+              <a:spcBef>
+                <a:spcPct val="0"/>
+              </a:spcBef>
+              <a:buNone/>
+              <a:defRPr sz="3600" b="1" i="0" kern="1200" cap="all" baseline="0">
+                <a:solidFill>
+                  <a:schemeClr val="tx2"/>
+                </a:solidFill>
+                <a:latin typeface="+mj-lt"/>
+                <a:ea typeface="Open Sans Semibold" panose="020B0606030504020204" pitchFamily="34" charset="0"/>
+                <a:cs typeface="Open Sans Semibold" panose="020B0606030504020204" pitchFamily="34" charset="0"/>
+              </a:defRPr>
+            </a:lvl1pPr>
+          </a:lstStyle>
+          <a:p>
+            <a:r>
+              <a:rPr lang="en-US" dirty="0"/>
+              <a:t>CSS Cascade &amp; Specificity: </a:t>
+            </a:r>
+            <a:r>
+              <a:rPr lang="en-US" dirty="0" err="1"/>
+              <a:t>Pravila</a:t>
+            </a:r>
+            <a:r>
+              <a:rPr lang="en-US" dirty="0"/>
+              <a:t> </a:t>
+            </a:r>
+            <a:r>
+              <a:rPr lang="en-US" dirty="0" err="1"/>
+              <a:t>Prioriteta</a:t>
+            </a:r>
+            <a:r>
+              <a:rPr lang="en-US" dirty="0"/>
+              <a:t> u CSS-u</a:t>
+            </a:r>
+            <a:endParaRPr lang="hr-HR" dirty="0"/>
+          </a:p>
+        </p:txBody>
+      </p:sp>
+      <p:sp>
+        <p:nvSpPr>
+          <p:cNvPr id="3" name="TextBox 2">
+            <a:extLst>
+              <a:ext uri="{FF2B5EF4-FFF2-40B4-BE49-F238E27FC236}">
+                <a16:creationId xmlns:a16="http://schemas.microsoft.com/office/drawing/2014/main" id="{23529668-40BC-AC9B-DE9D-D101207824F0}"/>
+              </a:ext>
+            </a:extLst>
+          </p:cNvPr>
+          <p:cNvSpPr txBox="1"/>
+          <p:nvPr/>
+        </p:nvSpPr>
+        <p:spPr>
+          <a:xfrm>
+            <a:off x="878959" y="2642233"/>
+            <a:ext cx="6142892" cy="1477328"/>
+          </a:xfrm>
+          <a:prstGeom prst="rect">
+            <a:avLst/>
+          </a:prstGeom>
+          <a:noFill/>
+        </p:spPr>
+        <p:txBody>
+          <a:bodyPr wrap="square">
+            <a:spAutoFit/>
+          </a:bodyPr>
+          <a:lstStyle/>
+          <a:p>
+            <a:r>
+              <a:rPr lang="hr-HR" dirty="0"/>
+              <a:t>👉</a:t>
+            </a:r>
+            <a:r>
+              <a:rPr lang="hr-HR" b="1" dirty="0"/>
+              <a:t>Pravilo koje je niže u CSS fajlu ima veći prioritet</a:t>
+            </a:r>
+            <a:r>
+              <a:rPr lang="hr-HR" dirty="0"/>
+              <a:t> i može </a:t>
+            </a:r>
+            <a:r>
+              <a:rPr lang="hr-HR" b="1" dirty="0"/>
+              <a:t>pregaziti</a:t>
+            </a:r>
+            <a:r>
+              <a:rPr lang="hr-HR" dirty="0"/>
+              <a:t> prethodno definisana pravila.</a:t>
+            </a:r>
+            <a:endParaRPr lang="en-US" dirty="0"/>
+          </a:p>
+          <a:p>
+            <a:endParaRPr lang="en-US" dirty="0"/>
+          </a:p>
+          <a:p>
+            <a:r>
+              <a:rPr lang="hr-HR" dirty="0"/>
+              <a:t>👉 </a:t>
+            </a:r>
+            <a:r>
+              <a:rPr lang="en-US" dirty="0" err="1"/>
+              <a:t>Tekst</a:t>
+            </a:r>
+            <a:r>
+              <a:rPr lang="en-US" dirty="0"/>
+              <a:t> &lt;li&gt; </a:t>
+            </a:r>
+            <a:r>
+              <a:rPr lang="hr-HR" dirty="0"/>
+              <a:t>će biti </a:t>
+            </a:r>
+            <a:r>
+              <a:rPr lang="hr-HR" b="1" dirty="0"/>
+              <a:t>plav</a:t>
+            </a:r>
+            <a:r>
+              <a:rPr lang="hr-HR" dirty="0"/>
+              <a:t>, jer drugo pravilo dolazi </a:t>
+            </a:r>
+            <a:r>
+              <a:rPr lang="hr-HR" b="1" dirty="0"/>
+              <a:t>kasnije</a:t>
+            </a:r>
+            <a:r>
+              <a:rPr lang="hr-HR" dirty="0"/>
+              <a:t> i pregazi prvo.</a:t>
+            </a:r>
+            <a:endParaRPr lang="en-US" b="1" dirty="0"/>
+          </a:p>
+        </p:txBody>
+      </p:sp>
+      <p:sp>
+        <p:nvSpPr>
+          <p:cNvPr id="2" name="TextBox 1">
+            <a:extLst>
+              <a:ext uri="{FF2B5EF4-FFF2-40B4-BE49-F238E27FC236}">
+                <a16:creationId xmlns:a16="http://schemas.microsoft.com/office/drawing/2014/main" id="{082A3E14-D5B2-765F-4443-BE314E4D20BE}"/>
+              </a:ext>
+            </a:extLst>
+          </p:cNvPr>
+          <p:cNvSpPr txBox="1"/>
+          <p:nvPr/>
+        </p:nvSpPr>
+        <p:spPr>
+          <a:xfrm>
+            <a:off x="878959" y="1237032"/>
+            <a:ext cx="9904775" cy="369332"/>
+          </a:xfrm>
+          <a:prstGeom prst="rect">
+            <a:avLst/>
+          </a:prstGeom>
+          <a:noFill/>
+        </p:spPr>
+        <p:txBody>
+          <a:bodyPr wrap="square">
+            <a:spAutoFit/>
+          </a:bodyPr>
+          <a:lstStyle/>
+          <a:p>
+            <a:r>
+              <a:rPr lang="en-US" dirty="0">
+                <a:solidFill>
+                  <a:srgbClr val="69ACED"/>
+                </a:solidFill>
+                <a:latin typeface="Open Sans" panose="020B0606030504020204" pitchFamily="34" charset="0"/>
+              </a:rPr>
+              <a:t>K</a:t>
+            </a:r>
+            <a:r>
+              <a:rPr lang="hr-HR" sz="1800" kern="1200" dirty="0">
+                <a:solidFill>
+                  <a:srgbClr val="69ACED"/>
+                </a:solidFill>
+                <a:effectLst/>
+                <a:latin typeface="Open Sans" panose="020B0606030504020204" pitchFamily="34" charset="0"/>
+                <a:ea typeface="+mn-ea"/>
+                <a:cs typeface="+mn-cs"/>
+              </a:rPr>
+              <a:t>ako CSS odlučuje koji stil će biti primenjen kada postoji više pravila za isti element</a:t>
+            </a:r>
+            <a:endParaRPr lang="hr-HR" dirty="0"/>
+          </a:p>
+        </p:txBody>
+      </p:sp>
+      <p:sp>
+        <p:nvSpPr>
+          <p:cNvPr id="7" name="Title 1">
+            <a:extLst>
+              <a:ext uri="{FF2B5EF4-FFF2-40B4-BE49-F238E27FC236}">
+                <a16:creationId xmlns:a16="http://schemas.microsoft.com/office/drawing/2014/main" id="{B5E4C682-E493-8C77-27B6-38147B343E5C}"/>
+              </a:ext>
+            </a:extLst>
+          </p:cNvPr>
+          <p:cNvSpPr>
+            <a:spLocks noGrp="1"/>
+          </p:cNvSpPr>
+          <p:nvPr>
+            <p:ph type="title"/>
+          </p:nvPr>
+        </p:nvSpPr>
+        <p:spPr>
+          <a:xfrm>
+            <a:off x="878959" y="1606364"/>
+            <a:ext cx="5328139" cy="853976"/>
+          </a:xfrm>
+        </p:spPr>
+        <p:txBody>
+          <a:bodyPr>
+            <a:normAutofit/>
+          </a:bodyPr>
+          <a:lstStyle/>
+          <a:p>
+            <a:r>
+              <a:rPr lang="pl-PL" sz="1600" dirty="0"/>
+              <a:t>Pozicija Pravila u CSS Fajlu</a:t>
+            </a:r>
+            <a:endParaRPr lang="hr-HR" sz="1600" dirty="0">
+              <a:solidFill>
+                <a:schemeClr val="accent3"/>
+              </a:solidFill>
+            </a:endParaRPr>
+          </a:p>
+        </p:txBody>
+      </p:sp>
+      <p:pic>
+        <p:nvPicPr>
+          <p:cNvPr id="10" name="Picture 9">
+            <a:extLst>
+              <a:ext uri="{FF2B5EF4-FFF2-40B4-BE49-F238E27FC236}">
+                <a16:creationId xmlns:a16="http://schemas.microsoft.com/office/drawing/2014/main" id="{571B7400-3BE7-E457-D91A-E14E5D16BCEA}"/>
+              </a:ext>
+            </a:extLst>
+          </p:cNvPr>
+          <p:cNvPicPr>
+            <a:picLocks noChangeAspect="1"/>
+          </p:cNvPicPr>
+          <p:nvPr/>
+        </p:nvPicPr>
+        <p:blipFill>
+          <a:blip r:embed="rId3"/>
+          <a:stretch>
+            <a:fillRect/>
+          </a:stretch>
+        </p:blipFill>
+        <p:spPr>
+          <a:xfrm>
+            <a:off x="7205662" y="2509836"/>
+            <a:ext cx="4486275" cy="1609725"/>
+          </a:xfrm>
+          <a:prstGeom prst="rect">
+            <a:avLst/>
+          </a:prstGeom>
+        </p:spPr>
+      </p:pic>
+    </p:spTree>
+    <p:extLst>
+      <p:ext uri="{BB962C8B-B14F-4D97-AF65-F5344CB8AC3E}">
+        <p14:creationId xmlns:p14="http://schemas.microsoft.com/office/powerpoint/2010/main" val="2258580792"/>
       </p:ext>
     </p:extLst>
   </p:cSld>
@@ -19171,326 +19003,6 @@
         <p:cNvPr id="1" name="">
           <a:extLst>
             <a:ext uri="{FF2B5EF4-FFF2-40B4-BE49-F238E27FC236}">
-              <a16:creationId xmlns:a16="http://schemas.microsoft.com/office/drawing/2014/main" id="{0452F367-F090-3B40-8EFB-46F0D7876472}"/>
-            </a:ext>
-          </a:extLst>
-        </p:cNvPr>
-        <p:cNvGrpSpPr/>
-        <p:nvPr/>
-      </p:nvGrpSpPr>
-      <p:grpSpPr>
-        <a:xfrm>
-          <a:off x="0" y="0"/>
-          <a:ext cx="0" cy="0"/>
-          <a:chOff x="0" y="0"/>
-          <a:chExt cx="0" cy="0"/>
-        </a:xfrm>
-      </p:grpSpPr>
-      <p:sp>
-        <p:nvSpPr>
-          <p:cNvPr id="4" name="Title 1">
-            <a:extLst>
-              <a:ext uri="{FF2B5EF4-FFF2-40B4-BE49-F238E27FC236}">
-                <a16:creationId xmlns:a16="http://schemas.microsoft.com/office/drawing/2014/main" id="{9965DFA6-A46A-9568-2E48-DC585A715521}"/>
-              </a:ext>
-            </a:extLst>
-          </p:cNvPr>
-          <p:cNvSpPr txBox="1">
-            <a:spLocks/>
-          </p:cNvSpPr>
-          <p:nvPr/>
-        </p:nvSpPr>
-        <p:spPr>
-          <a:xfrm>
-            <a:off x="878959" y="383056"/>
-            <a:ext cx="10515600" cy="853976"/>
-          </a:xfrm>
-          <a:prstGeom prst="rect">
-            <a:avLst/>
-          </a:prstGeom>
-        </p:spPr>
-        <p:txBody>
-          <a:bodyPr vert="horz" lIns="91440" tIns="45720" rIns="91440" bIns="45720" rtlCol="0" anchor="ctr">
-            <a:normAutofit fontScale="92500" lnSpcReduction="20000"/>
-          </a:bodyPr>
-          <a:lstStyle>
-            <a:lvl1pPr algn="l" defTabSz="914400" rtl="0" eaLnBrk="1" latinLnBrk="0" hangingPunct="1">
-              <a:lnSpc>
-                <a:spcPct val="90000"/>
-              </a:lnSpc>
-              <a:spcBef>
-                <a:spcPct val="0"/>
-              </a:spcBef>
-              <a:buNone/>
-              <a:defRPr sz="3600" b="1" i="0" kern="1200" cap="all" baseline="0">
-                <a:solidFill>
-                  <a:schemeClr val="tx2"/>
-                </a:solidFill>
-                <a:latin typeface="+mj-lt"/>
-                <a:ea typeface="Open Sans Semibold" panose="020B0606030504020204" pitchFamily="34" charset="0"/>
-                <a:cs typeface="Open Sans Semibold" panose="020B0606030504020204" pitchFamily="34" charset="0"/>
-              </a:defRPr>
-            </a:lvl1pPr>
-          </a:lstStyle>
-          <a:p>
-            <a:r>
-              <a:rPr lang="en-US" dirty="0"/>
-              <a:t>CSS Cascade &amp; Specificity: </a:t>
-            </a:r>
-            <a:r>
-              <a:rPr lang="en-US" dirty="0" err="1"/>
-              <a:t>Pravila</a:t>
-            </a:r>
-            <a:r>
-              <a:rPr lang="en-US" dirty="0"/>
-              <a:t> </a:t>
-            </a:r>
-            <a:r>
-              <a:rPr lang="en-US" dirty="0" err="1"/>
-              <a:t>Prioriteta</a:t>
-            </a:r>
-            <a:r>
-              <a:rPr lang="en-US" dirty="0"/>
-              <a:t> u CSS-u</a:t>
-            </a:r>
-            <a:endParaRPr lang="hr-HR" dirty="0"/>
-          </a:p>
-        </p:txBody>
-      </p:sp>
-      <p:sp>
-        <p:nvSpPr>
-          <p:cNvPr id="3" name="TextBox 2">
-            <a:extLst>
-              <a:ext uri="{FF2B5EF4-FFF2-40B4-BE49-F238E27FC236}">
-                <a16:creationId xmlns:a16="http://schemas.microsoft.com/office/drawing/2014/main" id="{23529668-40BC-AC9B-DE9D-D101207824F0}"/>
-              </a:ext>
-            </a:extLst>
-          </p:cNvPr>
-          <p:cNvSpPr txBox="1"/>
-          <p:nvPr/>
-        </p:nvSpPr>
-        <p:spPr>
-          <a:xfrm>
-            <a:off x="878959" y="2642233"/>
-            <a:ext cx="6142892" cy="1477328"/>
-          </a:xfrm>
-          <a:prstGeom prst="rect">
-            <a:avLst/>
-          </a:prstGeom>
-          <a:noFill/>
-        </p:spPr>
-        <p:txBody>
-          <a:bodyPr wrap="square">
-            <a:spAutoFit/>
-          </a:bodyPr>
-          <a:lstStyle/>
-          <a:p>
-            <a:r>
-              <a:rPr lang="hr-HR" dirty="0"/>
-              <a:t>👉</a:t>
-            </a:r>
-            <a:r>
-              <a:rPr lang="hr-HR" b="1" dirty="0"/>
-              <a:t>Pravilo koje je niže u CSS fajlu ima veći prioritet</a:t>
-            </a:r>
-            <a:r>
-              <a:rPr lang="hr-HR" dirty="0"/>
-              <a:t> i može </a:t>
-            </a:r>
-            <a:r>
-              <a:rPr lang="hr-HR" b="1" dirty="0"/>
-              <a:t>pregaziti</a:t>
-            </a:r>
-            <a:r>
-              <a:rPr lang="hr-HR" dirty="0"/>
-              <a:t> prethodno definisana pravila.</a:t>
-            </a:r>
-            <a:endParaRPr lang="en-US" dirty="0"/>
-          </a:p>
-          <a:p>
-            <a:endParaRPr lang="en-US" dirty="0"/>
-          </a:p>
-          <a:p>
-            <a:r>
-              <a:rPr lang="hr-HR" dirty="0"/>
-              <a:t>👉 </a:t>
-            </a:r>
-            <a:r>
-              <a:rPr lang="en-US" dirty="0" err="1"/>
-              <a:t>Tekst</a:t>
-            </a:r>
-            <a:r>
-              <a:rPr lang="en-US" dirty="0"/>
-              <a:t> &lt;li&gt; </a:t>
-            </a:r>
-            <a:r>
-              <a:rPr lang="hr-HR" dirty="0"/>
-              <a:t>će biti </a:t>
-            </a:r>
-            <a:r>
-              <a:rPr lang="hr-HR" b="1" dirty="0"/>
-              <a:t>plav</a:t>
-            </a:r>
-            <a:r>
-              <a:rPr lang="hr-HR" dirty="0"/>
-              <a:t>, jer drugo pravilo dolazi </a:t>
-            </a:r>
-            <a:r>
-              <a:rPr lang="hr-HR" b="1" dirty="0"/>
-              <a:t>kasnije</a:t>
-            </a:r>
-            <a:r>
-              <a:rPr lang="hr-HR" dirty="0"/>
-              <a:t> i pregazi prvo.</a:t>
-            </a:r>
-            <a:endParaRPr lang="en-US" b="1" dirty="0"/>
-          </a:p>
-        </p:txBody>
-      </p:sp>
-      <p:sp>
-        <p:nvSpPr>
-          <p:cNvPr id="2" name="TextBox 1">
-            <a:extLst>
-              <a:ext uri="{FF2B5EF4-FFF2-40B4-BE49-F238E27FC236}">
-                <a16:creationId xmlns:a16="http://schemas.microsoft.com/office/drawing/2014/main" id="{082A3E14-D5B2-765F-4443-BE314E4D20BE}"/>
-              </a:ext>
-            </a:extLst>
-          </p:cNvPr>
-          <p:cNvSpPr txBox="1"/>
-          <p:nvPr/>
-        </p:nvSpPr>
-        <p:spPr>
-          <a:xfrm>
-            <a:off x="878959" y="1237032"/>
-            <a:ext cx="9904775" cy="369332"/>
-          </a:xfrm>
-          <a:prstGeom prst="rect">
-            <a:avLst/>
-          </a:prstGeom>
-          <a:noFill/>
-        </p:spPr>
-        <p:txBody>
-          <a:bodyPr wrap="square">
-            <a:spAutoFit/>
-          </a:bodyPr>
-          <a:lstStyle/>
-          <a:p>
-            <a:r>
-              <a:rPr lang="en-US" dirty="0">
-                <a:solidFill>
-                  <a:srgbClr val="69ACED"/>
-                </a:solidFill>
-                <a:latin typeface="Open Sans" panose="020B0606030504020204" pitchFamily="34" charset="0"/>
-              </a:rPr>
-              <a:t>K</a:t>
-            </a:r>
-            <a:r>
-              <a:rPr lang="hr-HR" sz="1800" kern="1200" dirty="0">
-                <a:solidFill>
-                  <a:srgbClr val="69ACED"/>
-                </a:solidFill>
-                <a:effectLst/>
-                <a:latin typeface="Open Sans" panose="020B0606030504020204" pitchFamily="34" charset="0"/>
-                <a:ea typeface="+mn-ea"/>
-                <a:cs typeface="+mn-cs"/>
-              </a:rPr>
-              <a:t>ako CSS odlučuje koji stil će biti primenjen kada postoji više pravila za isti element</a:t>
-            </a:r>
-            <a:endParaRPr lang="hr-HR" dirty="0"/>
-          </a:p>
-        </p:txBody>
-      </p:sp>
-      <p:sp>
-        <p:nvSpPr>
-          <p:cNvPr id="7" name="Title 1">
-            <a:extLst>
-              <a:ext uri="{FF2B5EF4-FFF2-40B4-BE49-F238E27FC236}">
-                <a16:creationId xmlns:a16="http://schemas.microsoft.com/office/drawing/2014/main" id="{B5E4C682-E493-8C77-27B6-38147B343E5C}"/>
-              </a:ext>
-            </a:extLst>
-          </p:cNvPr>
-          <p:cNvSpPr>
-            <a:spLocks noGrp="1"/>
-          </p:cNvSpPr>
-          <p:nvPr>
-            <p:ph type="title"/>
-          </p:nvPr>
-        </p:nvSpPr>
-        <p:spPr>
-          <a:xfrm>
-            <a:off x="878959" y="1606364"/>
-            <a:ext cx="5328139" cy="853976"/>
-          </a:xfrm>
-        </p:spPr>
-        <p:txBody>
-          <a:bodyPr>
-            <a:normAutofit/>
-          </a:bodyPr>
-          <a:lstStyle/>
-          <a:p>
-            <a:r>
-              <a:rPr lang="pl-PL" sz="1600" dirty="0"/>
-              <a:t>Pozicija Pravila u CSS Fajlu</a:t>
-            </a:r>
-            <a:endParaRPr lang="hr-HR" sz="1600" dirty="0">
-              <a:solidFill>
-                <a:schemeClr val="accent3"/>
-              </a:solidFill>
-            </a:endParaRPr>
-          </a:p>
-        </p:txBody>
-      </p:sp>
-      <p:pic>
-        <p:nvPicPr>
-          <p:cNvPr id="10" name="Picture 9">
-            <a:extLst>
-              <a:ext uri="{FF2B5EF4-FFF2-40B4-BE49-F238E27FC236}">
-                <a16:creationId xmlns:a16="http://schemas.microsoft.com/office/drawing/2014/main" id="{571B7400-3BE7-E457-D91A-E14E5D16BCEA}"/>
-              </a:ext>
-            </a:extLst>
-          </p:cNvPr>
-          <p:cNvPicPr>
-            <a:picLocks noChangeAspect="1"/>
-          </p:cNvPicPr>
-          <p:nvPr/>
-        </p:nvPicPr>
-        <p:blipFill>
-          <a:blip r:embed="rId3"/>
-          <a:stretch>
-            <a:fillRect/>
-          </a:stretch>
-        </p:blipFill>
-        <p:spPr>
-          <a:xfrm>
-            <a:off x="7205662" y="2509836"/>
-            <a:ext cx="4486275" cy="1609725"/>
-          </a:xfrm>
-          <a:prstGeom prst="rect">
-            <a:avLst/>
-          </a:prstGeom>
-        </p:spPr>
-      </p:pic>
-    </p:spTree>
-    <p:extLst>
-      <p:ext uri="{BB962C8B-B14F-4D97-AF65-F5344CB8AC3E}">
-        <p14:creationId xmlns:p14="http://schemas.microsoft.com/office/powerpoint/2010/main" val="2258580792"/>
-      </p:ext>
-    </p:extLst>
-  </p:cSld>
-  <p:clrMapOvr>
-    <a:masterClrMapping/>
-  </p:clrMapOvr>
-</p:sld>
-</file>
-
-<file path=ppt/slides/slide21.xml><?xml version="1.0" encoding="utf-8"?>
-<p:sld xmlns:a="http://schemas.openxmlformats.org/drawingml/2006/main" xmlns:r="http://schemas.openxmlformats.org/officeDocument/2006/relationships" xmlns:p="http://schemas.openxmlformats.org/presentationml/2006/main">
-  <p:cSld>
-    <p:spTree>
-      <p:nvGrpSpPr>
-        <p:cNvPr id="1" name="">
-          <a:extLst>
-            <a:ext uri="{FF2B5EF4-FFF2-40B4-BE49-F238E27FC236}">
               <a16:creationId xmlns:a16="http://schemas.microsoft.com/office/drawing/2014/main" id="{B70CA91A-4207-1D6C-FBD0-CD122394AFAA}"/>
             </a:ext>
           </a:extLst>
@@ -19770,7 +19282,7 @@
 </p:sld>
 </file>
 
-<file path=ppt/slides/slide22.xml><?xml version="1.0" encoding="utf-8"?>
+<file path=ppt/slides/slide21.xml><?xml version="1.0" encoding="utf-8"?>
 <p:sld xmlns:a="http://schemas.openxmlformats.org/drawingml/2006/main" xmlns:r="http://schemas.openxmlformats.org/officeDocument/2006/relationships" xmlns:p="http://schemas.openxmlformats.org/presentationml/2006/main">
   <p:cSld>
     <p:spTree>
@@ -20051,7 +19563,7 @@
 </p:sld>
 </file>
 
-<file path=ppt/slides/slide23.xml><?xml version="1.0" encoding="utf-8"?>
+<file path=ppt/slides/slide22.xml><?xml version="1.0" encoding="utf-8"?>
 <p:sld xmlns:a="http://schemas.openxmlformats.org/drawingml/2006/main" xmlns:r="http://schemas.openxmlformats.org/officeDocument/2006/relationships" xmlns:p="http://schemas.openxmlformats.org/presentationml/2006/main">
   <p:cSld>
     <p:spTree>
@@ -20367,7 +19879,7 @@
 </p:sld>
 </file>
 
-<file path=ppt/slides/slide24.xml><?xml version="1.0" encoding="utf-8"?>
+<file path=ppt/slides/slide23.xml><?xml version="1.0" encoding="utf-8"?>
 <p:sld xmlns:a="http://schemas.openxmlformats.org/drawingml/2006/main" xmlns:r="http://schemas.openxmlformats.org/officeDocument/2006/relationships" xmlns:p="http://schemas.openxmlformats.org/presentationml/2006/main">
   <p:cSld>
     <p:spTree>
@@ -20637,7 +20149,7 @@
 </p:sld>
 </file>
 
-<file path=ppt/slides/slide25.xml><?xml version="1.0" encoding="utf-8"?>
+<file path=ppt/slides/slide24.xml><?xml version="1.0" encoding="utf-8"?>
 <p:sld xmlns:a="http://schemas.openxmlformats.org/drawingml/2006/main" xmlns:r="http://schemas.openxmlformats.org/officeDocument/2006/relationships" xmlns:p="http://schemas.openxmlformats.org/presentationml/2006/main">
   <p:cSld>
     <p:spTree>
@@ -21429,7 +20941,7 @@
 </p:sld>
 </file>
 
-<file path=ppt/slides/slide26.xml><?xml version="1.0" encoding="utf-8"?>
+<file path=ppt/slides/slide25.xml><?xml version="1.0" encoding="utf-8"?>
 <p:sld xmlns:a="http://schemas.openxmlformats.org/drawingml/2006/main" xmlns:r="http://schemas.openxmlformats.org/officeDocument/2006/relationships" xmlns:p="http://schemas.openxmlformats.org/presentationml/2006/main">
   <p:cSld>
     <p:spTree>
@@ -22290,7 +21802,7 @@
 </p:sld>
 </file>
 
-<file path=ppt/slides/slide27.xml><?xml version="1.0" encoding="utf-8"?>
+<file path=ppt/slides/slide26.xml><?xml version="1.0" encoding="utf-8"?>
 <p:sld xmlns:a="http://schemas.openxmlformats.org/drawingml/2006/main" xmlns:r="http://schemas.openxmlformats.org/officeDocument/2006/relationships" xmlns:p="http://schemas.openxmlformats.org/presentationml/2006/main">
   <p:cSld>
     <p:spTree>
@@ -23116,7 +22628,7 @@
 </p:sld>
 </file>
 
-<file path=ppt/slides/slide28.xml><?xml version="1.0" encoding="utf-8"?>
+<file path=ppt/slides/slide27.xml><?xml version="1.0" encoding="utf-8"?>
 <p:sld xmlns:a="http://schemas.openxmlformats.org/drawingml/2006/main" xmlns:r="http://schemas.openxmlformats.org/officeDocument/2006/relationships" xmlns:p="http://schemas.openxmlformats.org/presentationml/2006/main">
   <p:cSld>
     <p:spTree>
@@ -23571,7 +23083,7 @@
 </p:sld>
 </file>
 
-<file path=ppt/slides/slide29.xml><?xml version="1.0" encoding="utf-8"?>
+<file path=ppt/slides/slide28.xml><?xml version="1.0" encoding="utf-8"?>
 <p:sld xmlns:a="http://schemas.openxmlformats.org/drawingml/2006/main" xmlns:r="http://schemas.openxmlformats.org/officeDocument/2006/relationships" xmlns:p="http://schemas.openxmlformats.org/presentationml/2006/main">
   <p:cSld>
     <p:spTree>
@@ -23805,6 +23317,441 @@
     <p:extLst>
       <p:ext uri="{BB962C8B-B14F-4D97-AF65-F5344CB8AC3E}">
         <p14:creationId xmlns:p14="http://schemas.microsoft.com/office/powerpoint/2010/main" val="4165320379"/>
+      </p:ext>
+    </p:extLst>
+  </p:cSld>
+  <p:clrMapOvr>
+    <a:masterClrMapping/>
+  </p:clrMapOvr>
+</p:sld>
+</file>
+
+<file path=ppt/slides/slide29.xml><?xml version="1.0" encoding="utf-8"?>
+<p:sld xmlns:a="http://schemas.openxmlformats.org/drawingml/2006/main" xmlns:r="http://schemas.openxmlformats.org/officeDocument/2006/relationships" xmlns:p="http://schemas.openxmlformats.org/presentationml/2006/main">
+  <p:cSld>
+    <p:spTree>
+      <p:nvGrpSpPr>
+        <p:cNvPr id="1" name="">
+          <a:extLst>
+            <a:ext uri="{FF2B5EF4-FFF2-40B4-BE49-F238E27FC236}">
+              <a16:creationId xmlns:a16="http://schemas.microsoft.com/office/drawing/2014/main" id="{6D5AB737-623B-0389-05DA-0DD12C65A91F}"/>
+            </a:ext>
+          </a:extLst>
+        </p:cNvPr>
+        <p:cNvGrpSpPr/>
+        <p:nvPr/>
+      </p:nvGrpSpPr>
+      <p:grpSpPr>
+        <a:xfrm>
+          <a:off x="0" y="0"/>
+          <a:ext cx="0" cy="0"/>
+          <a:chOff x="0" y="0"/>
+          <a:chExt cx="0" cy="0"/>
+        </a:xfrm>
+      </p:grpSpPr>
+      <p:sp>
+        <p:nvSpPr>
+          <p:cNvPr id="4" name="Title 1">
+            <a:extLst>
+              <a:ext uri="{FF2B5EF4-FFF2-40B4-BE49-F238E27FC236}">
+                <a16:creationId xmlns:a16="http://schemas.microsoft.com/office/drawing/2014/main" id="{C1E667E3-4CFF-3280-3082-B45E844D013E}"/>
+              </a:ext>
+            </a:extLst>
+          </p:cNvPr>
+          <p:cNvSpPr txBox="1">
+            <a:spLocks/>
+          </p:cNvSpPr>
+          <p:nvPr/>
+        </p:nvSpPr>
+        <p:spPr>
+          <a:xfrm>
+            <a:off x="839788" y="987424"/>
+            <a:ext cx="3932237" cy="1433464"/>
+          </a:xfrm>
+          <a:prstGeom prst="rect">
+            <a:avLst/>
+          </a:prstGeom>
+        </p:spPr>
+        <p:txBody>
+          <a:bodyPr vert="horz" lIns="91440" tIns="45720" rIns="91440" bIns="45720" rtlCol="0" anchor="b">
+            <a:normAutofit/>
+          </a:bodyPr>
+          <a:lstStyle>
+            <a:lvl1pPr algn="l" defTabSz="914400" rtl="0" eaLnBrk="1" latinLnBrk="0" hangingPunct="1">
+              <a:lnSpc>
+                <a:spcPct val="90000"/>
+              </a:lnSpc>
+              <a:spcBef>
+                <a:spcPct val="0"/>
+              </a:spcBef>
+              <a:buNone/>
+              <a:defRPr sz="3600" b="1" i="0" kern="1200" cap="all" baseline="0">
+                <a:solidFill>
+                  <a:schemeClr val="tx2"/>
+                </a:solidFill>
+                <a:latin typeface="+mj-lt"/>
+                <a:ea typeface="Open Sans Semibold" panose="020B0606030504020204" pitchFamily="34" charset="0"/>
+                <a:cs typeface="Open Sans Semibold" panose="020B0606030504020204" pitchFamily="34" charset="0"/>
+              </a:defRPr>
+            </a:lvl1pPr>
+          </a:lstStyle>
+          <a:p>
+            <a:pPr>
+              <a:spcAft>
+                <a:spcPts val="600"/>
+              </a:spcAft>
+            </a:pPr>
+            <a:r>
+              <a:rPr lang="en-US" sz="3200" dirty="0" err="1">
+                <a:solidFill>
+                  <a:schemeClr val="bg1"/>
+                </a:solidFill>
+              </a:rPr>
+              <a:t>Vjezba</a:t>
+            </a:r>
+            <a:r>
+              <a:rPr lang="en-US" sz="3200" dirty="0">
+                <a:solidFill>
+                  <a:schemeClr val="bg1"/>
+                </a:solidFill>
+              </a:rPr>
+              <a:t> 4</a:t>
+            </a:r>
+          </a:p>
+        </p:txBody>
+      </p:sp>
+      <p:sp>
+        <p:nvSpPr>
+          <p:cNvPr id="3" name="TextBox 2">
+            <a:extLst>
+              <a:ext uri="{FF2B5EF4-FFF2-40B4-BE49-F238E27FC236}">
+                <a16:creationId xmlns:a16="http://schemas.microsoft.com/office/drawing/2014/main" id="{9039C196-1620-704F-C295-C3F3509C2625}"/>
+              </a:ext>
+            </a:extLst>
+          </p:cNvPr>
+          <p:cNvSpPr txBox="1"/>
+          <p:nvPr/>
+        </p:nvSpPr>
+        <p:spPr>
+          <a:xfrm>
+            <a:off x="839788" y="2708920"/>
+            <a:ext cx="3932237" cy="3161656"/>
+          </a:xfrm>
+          <a:prstGeom prst="rect">
+            <a:avLst/>
+          </a:prstGeom>
+        </p:spPr>
+        <p:txBody>
+          <a:bodyPr vert="horz" lIns="91440" tIns="45720" rIns="91440" bIns="45720" rtlCol="0">
+            <a:normAutofit/>
+          </a:bodyPr>
+          <a:lstStyle/>
+          <a:p>
+            <a:pPr>
+              <a:lnSpc>
+                <a:spcPct val="90000"/>
+              </a:lnSpc>
+              <a:spcBef>
+                <a:spcPts val="600"/>
+              </a:spcBef>
+              <a:spcAft>
+                <a:spcPts val="600"/>
+              </a:spcAft>
+              <a:buClr>
+                <a:schemeClr val="accent2"/>
+              </a:buClr>
+            </a:pPr>
+            <a:r>
+              <a:rPr lang="en-GB" sz="1600" kern="1200" dirty="0">
+                <a:solidFill>
+                  <a:schemeClr val="bg1"/>
+                </a:solidFill>
+                <a:latin typeface="+mn-lt"/>
+                <a:ea typeface="Open Sans" panose="020B0606030504020204" pitchFamily="34" charset="0"/>
+                <a:cs typeface="Open Sans" panose="020B0606030504020204" pitchFamily="34" charset="0"/>
+              </a:rPr>
+              <a:t>👉</a:t>
+            </a:r>
+            <a:r>
+              <a:rPr lang="en-GB" sz="1600" kern="1200" dirty="0" err="1">
+                <a:solidFill>
+                  <a:schemeClr val="bg1"/>
+                </a:solidFill>
+                <a:latin typeface="+mn-lt"/>
+                <a:ea typeface="Open Sans" panose="020B0606030504020204" pitchFamily="34" charset="0"/>
+                <a:cs typeface="Open Sans" panose="020B0606030504020204" pitchFamily="34" charset="0"/>
+              </a:rPr>
+              <a:t>Replicirajte</a:t>
+            </a:r>
+            <a:r>
+              <a:rPr lang="en-GB" sz="1600" kern="1200" dirty="0">
+                <a:solidFill>
+                  <a:schemeClr val="bg1"/>
+                </a:solidFill>
+                <a:latin typeface="+mn-lt"/>
+                <a:ea typeface="Open Sans" panose="020B0606030504020204" pitchFamily="34" charset="0"/>
+                <a:cs typeface="Open Sans" panose="020B0606030504020204" pitchFamily="34" charset="0"/>
+              </a:rPr>
+              <a:t> </a:t>
+            </a:r>
+            <a:r>
+              <a:rPr lang="en-GB" sz="1600" kern="1200" dirty="0" err="1">
+                <a:solidFill>
+                  <a:schemeClr val="bg1"/>
+                </a:solidFill>
+                <a:latin typeface="+mn-lt"/>
+                <a:ea typeface="Open Sans" panose="020B0606030504020204" pitchFamily="34" charset="0"/>
+                <a:cs typeface="Open Sans" panose="020B0606030504020204" pitchFamily="34" charset="0"/>
+              </a:rPr>
+              <a:t>sajt</a:t>
+            </a:r>
+            <a:r>
+              <a:rPr lang="en-GB" sz="1600" kern="1200" dirty="0">
+                <a:solidFill>
+                  <a:schemeClr val="bg1"/>
+                </a:solidFill>
+                <a:latin typeface="+mn-lt"/>
+                <a:ea typeface="Open Sans" panose="020B0606030504020204" pitchFamily="34" charset="0"/>
+                <a:cs typeface="Open Sans" panose="020B0606030504020204" pitchFamily="34" charset="0"/>
+              </a:rPr>
+              <a:t> </a:t>
+            </a:r>
+            <a:r>
+              <a:rPr lang="en-GB" sz="1600" kern="1200" dirty="0" err="1">
+                <a:solidFill>
+                  <a:schemeClr val="bg1"/>
+                </a:solidFill>
+                <a:latin typeface="+mn-lt"/>
+                <a:ea typeface="Open Sans" panose="020B0606030504020204" pitchFamily="34" charset="0"/>
+                <a:cs typeface="Open Sans" panose="020B0606030504020204" pitchFamily="34" charset="0"/>
+              </a:rPr>
+              <a:t>sa</a:t>
+            </a:r>
+            <a:r>
+              <a:rPr lang="en-GB" sz="1600" kern="1200" dirty="0">
+                <a:solidFill>
+                  <a:schemeClr val="bg1"/>
+                </a:solidFill>
+                <a:latin typeface="+mn-lt"/>
+                <a:ea typeface="Open Sans" panose="020B0606030504020204" pitchFamily="34" charset="0"/>
+                <a:cs typeface="Open Sans" panose="020B0606030504020204" pitchFamily="34" charset="0"/>
+              </a:rPr>
+              <a:t> </a:t>
+            </a:r>
+            <a:r>
+              <a:rPr lang="en-GB" sz="1600" kern="1200" dirty="0" err="1">
+                <a:solidFill>
+                  <a:schemeClr val="bg1"/>
+                </a:solidFill>
+                <a:latin typeface="+mn-lt"/>
+                <a:ea typeface="Open Sans" panose="020B0606030504020204" pitchFamily="34" charset="0"/>
+                <a:cs typeface="Open Sans" panose="020B0606030504020204" pitchFamily="34" charset="0"/>
+              </a:rPr>
+              <a:t>slike</a:t>
+            </a:r>
+            <a:endParaRPr lang="en-GB" sz="1600" kern="1200" dirty="0">
+              <a:solidFill>
+                <a:schemeClr val="bg1"/>
+              </a:solidFill>
+              <a:latin typeface="+mn-lt"/>
+              <a:ea typeface="Open Sans" panose="020B0606030504020204" pitchFamily="34" charset="0"/>
+              <a:cs typeface="Open Sans" panose="020B0606030504020204" pitchFamily="34" charset="0"/>
+            </a:endParaRPr>
+          </a:p>
+          <a:p>
+            <a:pPr>
+              <a:lnSpc>
+                <a:spcPct val="90000"/>
+              </a:lnSpc>
+              <a:spcBef>
+                <a:spcPts val="600"/>
+              </a:spcBef>
+              <a:spcAft>
+                <a:spcPts val="600"/>
+              </a:spcAft>
+              <a:buClr>
+                <a:schemeClr val="accent2"/>
+              </a:buClr>
+            </a:pPr>
+            <a:r>
+              <a:rPr lang="en-GB" sz="1600" kern="1200" dirty="0">
+                <a:solidFill>
+                  <a:schemeClr val="bg1"/>
+                </a:solidFill>
+                <a:latin typeface="+mn-lt"/>
+                <a:ea typeface="Open Sans" panose="020B0606030504020204" pitchFamily="34" charset="0"/>
+                <a:cs typeface="Open Sans" panose="020B0606030504020204" pitchFamily="34" charset="0"/>
+              </a:rPr>
+              <a:t>👉 </a:t>
+            </a:r>
+            <a:r>
+              <a:rPr lang="en-GB" sz="1600" kern="1200" dirty="0" err="1">
+                <a:solidFill>
+                  <a:schemeClr val="bg1"/>
+                </a:solidFill>
+                <a:latin typeface="+mn-lt"/>
+                <a:ea typeface="Open Sans" panose="020B0606030504020204" pitchFamily="34" charset="0"/>
+                <a:cs typeface="Open Sans" panose="020B0606030504020204" pitchFamily="34" charset="0"/>
+              </a:rPr>
+              <a:t>Procitajte</a:t>
+            </a:r>
+            <a:r>
+              <a:rPr lang="en-GB" sz="1600" kern="1200" dirty="0">
+                <a:solidFill>
+                  <a:schemeClr val="bg1"/>
+                </a:solidFill>
+                <a:latin typeface="+mn-lt"/>
+                <a:ea typeface="Open Sans" panose="020B0606030504020204" pitchFamily="34" charset="0"/>
+                <a:cs typeface="Open Sans" panose="020B0606030504020204" pitchFamily="34" charset="0"/>
+              </a:rPr>
+              <a:t> </a:t>
+            </a:r>
+            <a:r>
+              <a:rPr lang="en-GB" sz="1600" kern="1200" dirty="0" err="1">
+                <a:solidFill>
+                  <a:schemeClr val="bg1"/>
+                </a:solidFill>
+                <a:latin typeface="+mn-lt"/>
+                <a:ea typeface="Open Sans" panose="020B0606030504020204" pitchFamily="34" charset="0"/>
+                <a:cs typeface="Open Sans" panose="020B0606030504020204" pitchFamily="34" charset="0"/>
+              </a:rPr>
+              <a:t>i</a:t>
+            </a:r>
+            <a:r>
+              <a:rPr lang="en-GB" sz="1600" kern="1200" dirty="0">
+                <a:solidFill>
+                  <a:schemeClr val="bg1"/>
+                </a:solidFill>
+                <a:latin typeface="+mn-lt"/>
+                <a:ea typeface="Open Sans" panose="020B0606030504020204" pitchFamily="34" charset="0"/>
+                <a:cs typeface="Open Sans" panose="020B0606030504020204" pitchFamily="34" charset="0"/>
+              </a:rPr>
+              <a:t> </a:t>
+            </a:r>
+            <a:r>
+              <a:rPr lang="en-GB" sz="1600" kern="1200" dirty="0" err="1">
+                <a:solidFill>
+                  <a:schemeClr val="bg1"/>
+                </a:solidFill>
+                <a:latin typeface="+mn-lt"/>
+                <a:ea typeface="Open Sans" panose="020B0606030504020204" pitchFamily="34" charset="0"/>
+                <a:cs typeface="Open Sans" panose="020B0606030504020204" pitchFamily="34" charset="0"/>
+              </a:rPr>
+              <a:t>prodjite</a:t>
+            </a:r>
+            <a:r>
+              <a:rPr lang="en-GB" sz="1600" kern="1200" dirty="0">
+                <a:solidFill>
+                  <a:schemeClr val="bg1"/>
+                </a:solidFill>
+                <a:latin typeface="+mn-lt"/>
+                <a:ea typeface="Open Sans" panose="020B0606030504020204" pitchFamily="34" charset="0"/>
+                <a:cs typeface="Open Sans" panose="020B0606030504020204" pitchFamily="34" charset="0"/>
+              </a:rPr>
+              <a:t> </a:t>
+            </a:r>
+            <a:r>
+              <a:rPr lang="en-GB" sz="1600" kern="1200" dirty="0" err="1">
+                <a:solidFill>
+                  <a:schemeClr val="bg1"/>
+                </a:solidFill>
+                <a:latin typeface="+mn-lt"/>
+                <a:ea typeface="Open Sans" panose="020B0606030504020204" pitchFamily="34" charset="0"/>
+                <a:cs typeface="Open Sans" panose="020B0606030504020204" pitchFamily="34" charset="0"/>
+              </a:rPr>
+              <a:t>vjezbe</a:t>
+            </a:r>
+            <a:r>
+              <a:rPr lang="en-GB" sz="1600" kern="1200" dirty="0">
+                <a:solidFill>
+                  <a:schemeClr val="bg1"/>
+                </a:solidFill>
+                <a:latin typeface="+mn-lt"/>
+                <a:ea typeface="Open Sans" panose="020B0606030504020204" pitchFamily="34" charset="0"/>
+                <a:cs typeface="Open Sans" panose="020B0606030504020204" pitchFamily="34" charset="0"/>
+              </a:rPr>
+              <a:t> </a:t>
+            </a:r>
+            <a:r>
+              <a:rPr lang="en-GB" sz="1600" kern="1200" dirty="0" err="1">
+                <a:solidFill>
+                  <a:schemeClr val="bg1"/>
+                </a:solidFill>
+                <a:latin typeface="+mn-lt"/>
+                <a:ea typeface="Open Sans" panose="020B0606030504020204" pitchFamily="34" charset="0"/>
+                <a:cs typeface="Open Sans" panose="020B0606030504020204" pitchFamily="34" charset="0"/>
+              </a:rPr>
+              <a:t>na</a:t>
+            </a:r>
+            <a:r>
+              <a:rPr lang="en-GB" sz="1600" kern="1200" dirty="0">
+                <a:solidFill>
+                  <a:schemeClr val="bg1"/>
+                </a:solidFill>
+                <a:latin typeface="+mn-lt"/>
+                <a:ea typeface="Open Sans" panose="020B0606030504020204" pitchFamily="34" charset="0"/>
+                <a:cs typeface="Open Sans" panose="020B0606030504020204" pitchFamily="34" charset="0"/>
+              </a:rPr>
+              <a:t> </a:t>
+            </a:r>
+            <a:r>
+              <a:rPr lang="en-GB" sz="1600" dirty="0">
+                <a:solidFill>
+                  <a:schemeClr val="bg1"/>
+                </a:solidFill>
+                <a:ea typeface="Open Sans" panose="020B0606030504020204" pitchFamily="34" charset="0"/>
+                <a:cs typeface="Open Sans" panose="020B0606030504020204" pitchFamily="34" charset="0"/>
+              </a:rPr>
+              <a:t>W</a:t>
+            </a:r>
+            <a:r>
+              <a:rPr lang="en-GB" sz="1600" kern="1200" dirty="0">
+                <a:solidFill>
+                  <a:schemeClr val="bg1"/>
+                </a:solidFill>
+                <a:latin typeface="+mn-lt"/>
+                <a:ea typeface="Open Sans" panose="020B0606030504020204" pitchFamily="34" charset="0"/>
+                <a:cs typeface="Open Sans" panose="020B0606030504020204" pitchFamily="34" charset="0"/>
+              </a:rPr>
+              <a:t>3 schools</a:t>
+            </a:r>
+          </a:p>
+        </p:txBody>
+      </p:sp>
+      <p:pic>
+        <p:nvPicPr>
+          <p:cNvPr id="5" name="Picture 4">
+            <a:extLst>
+              <a:ext uri="{FF2B5EF4-FFF2-40B4-BE49-F238E27FC236}">
+                <a16:creationId xmlns:a16="http://schemas.microsoft.com/office/drawing/2014/main" id="{3ED61A06-5C53-D53C-B471-B0155E2171A9}"/>
+              </a:ext>
+            </a:extLst>
+          </p:cNvPr>
+          <p:cNvPicPr>
+            <a:picLocks noChangeAspect="1"/>
+          </p:cNvPicPr>
+          <p:nvPr/>
+        </p:nvPicPr>
+        <p:blipFill>
+          <a:blip r:embed="rId3"/>
+          <a:stretch>
+            <a:fillRect/>
+          </a:stretch>
+        </p:blipFill>
+        <p:spPr>
+          <a:xfrm>
+            <a:off x="5980709" y="1519830"/>
+            <a:ext cx="5481190" cy="3955937"/>
+          </a:xfrm>
+          <a:prstGeom prst="rect">
+            <a:avLst/>
+          </a:prstGeom>
+        </p:spPr>
+      </p:pic>
+    </p:spTree>
+    <p:extLst>
+      <p:ext uri="{BB962C8B-B14F-4D97-AF65-F5344CB8AC3E}">
+        <p14:creationId xmlns:p14="http://schemas.microsoft.com/office/powerpoint/2010/main" val="1156472930"/>
       </p:ext>
     </p:extLst>
   </p:cSld>
@@ -24067,441 +24014,6 @@
         <p:cNvPr id="1" name="">
           <a:extLst>
             <a:ext uri="{FF2B5EF4-FFF2-40B4-BE49-F238E27FC236}">
-              <a16:creationId xmlns:a16="http://schemas.microsoft.com/office/drawing/2014/main" id="{6D5AB737-623B-0389-05DA-0DD12C65A91F}"/>
-            </a:ext>
-          </a:extLst>
-        </p:cNvPr>
-        <p:cNvGrpSpPr/>
-        <p:nvPr/>
-      </p:nvGrpSpPr>
-      <p:grpSpPr>
-        <a:xfrm>
-          <a:off x="0" y="0"/>
-          <a:ext cx="0" cy="0"/>
-          <a:chOff x="0" y="0"/>
-          <a:chExt cx="0" cy="0"/>
-        </a:xfrm>
-      </p:grpSpPr>
-      <p:sp>
-        <p:nvSpPr>
-          <p:cNvPr id="4" name="Title 1">
-            <a:extLst>
-              <a:ext uri="{FF2B5EF4-FFF2-40B4-BE49-F238E27FC236}">
-                <a16:creationId xmlns:a16="http://schemas.microsoft.com/office/drawing/2014/main" id="{C1E667E3-4CFF-3280-3082-B45E844D013E}"/>
-              </a:ext>
-            </a:extLst>
-          </p:cNvPr>
-          <p:cNvSpPr txBox="1">
-            <a:spLocks/>
-          </p:cNvSpPr>
-          <p:nvPr/>
-        </p:nvSpPr>
-        <p:spPr>
-          <a:xfrm>
-            <a:off x="839788" y="987424"/>
-            <a:ext cx="3932237" cy="1433464"/>
-          </a:xfrm>
-          <a:prstGeom prst="rect">
-            <a:avLst/>
-          </a:prstGeom>
-        </p:spPr>
-        <p:txBody>
-          <a:bodyPr vert="horz" lIns="91440" tIns="45720" rIns="91440" bIns="45720" rtlCol="0" anchor="b">
-            <a:normAutofit/>
-          </a:bodyPr>
-          <a:lstStyle>
-            <a:lvl1pPr algn="l" defTabSz="914400" rtl="0" eaLnBrk="1" latinLnBrk="0" hangingPunct="1">
-              <a:lnSpc>
-                <a:spcPct val="90000"/>
-              </a:lnSpc>
-              <a:spcBef>
-                <a:spcPct val="0"/>
-              </a:spcBef>
-              <a:buNone/>
-              <a:defRPr sz="3600" b="1" i="0" kern="1200" cap="all" baseline="0">
-                <a:solidFill>
-                  <a:schemeClr val="tx2"/>
-                </a:solidFill>
-                <a:latin typeface="+mj-lt"/>
-                <a:ea typeface="Open Sans Semibold" panose="020B0606030504020204" pitchFamily="34" charset="0"/>
-                <a:cs typeface="Open Sans Semibold" panose="020B0606030504020204" pitchFamily="34" charset="0"/>
-              </a:defRPr>
-            </a:lvl1pPr>
-          </a:lstStyle>
-          <a:p>
-            <a:pPr>
-              <a:spcAft>
-                <a:spcPts val="600"/>
-              </a:spcAft>
-            </a:pPr>
-            <a:r>
-              <a:rPr lang="en-US" sz="3200" dirty="0" err="1">
-                <a:solidFill>
-                  <a:schemeClr val="bg1"/>
-                </a:solidFill>
-              </a:rPr>
-              <a:t>Vjezba</a:t>
-            </a:r>
-            <a:r>
-              <a:rPr lang="en-US" sz="3200" dirty="0">
-                <a:solidFill>
-                  <a:schemeClr val="bg1"/>
-                </a:solidFill>
-              </a:rPr>
-              <a:t> 4</a:t>
-            </a:r>
-          </a:p>
-        </p:txBody>
-      </p:sp>
-      <p:sp>
-        <p:nvSpPr>
-          <p:cNvPr id="3" name="TextBox 2">
-            <a:extLst>
-              <a:ext uri="{FF2B5EF4-FFF2-40B4-BE49-F238E27FC236}">
-                <a16:creationId xmlns:a16="http://schemas.microsoft.com/office/drawing/2014/main" id="{9039C196-1620-704F-C295-C3F3509C2625}"/>
-              </a:ext>
-            </a:extLst>
-          </p:cNvPr>
-          <p:cNvSpPr txBox="1"/>
-          <p:nvPr/>
-        </p:nvSpPr>
-        <p:spPr>
-          <a:xfrm>
-            <a:off x="839788" y="2708920"/>
-            <a:ext cx="3932237" cy="3161656"/>
-          </a:xfrm>
-          <a:prstGeom prst="rect">
-            <a:avLst/>
-          </a:prstGeom>
-        </p:spPr>
-        <p:txBody>
-          <a:bodyPr vert="horz" lIns="91440" tIns="45720" rIns="91440" bIns="45720" rtlCol="0">
-            <a:normAutofit/>
-          </a:bodyPr>
-          <a:lstStyle/>
-          <a:p>
-            <a:pPr>
-              <a:lnSpc>
-                <a:spcPct val="90000"/>
-              </a:lnSpc>
-              <a:spcBef>
-                <a:spcPts val="600"/>
-              </a:spcBef>
-              <a:spcAft>
-                <a:spcPts val="600"/>
-              </a:spcAft>
-              <a:buClr>
-                <a:schemeClr val="accent2"/>
-              </a:buClr>
-            </a:pPr>
-            <a:r>
-              <a:rPr lang="en-GB" sz="1600" kern="1200" dirty="0">
-                <a:solidFill>
-                  <a:schemeClr val="bg1"/>
-                </a:solidFill>
-                <a:latin typeface="+mn-lt"/>
-                <a:ea typeface="Open Sans" panose="020B0606030504020204" pitchFamily="34" charset="0"/>
-                <a:cs typeface="Open Sans" panose="020B0606030504020204" pitchFamily="34" charset="0"/>
-              </a:rPr>
-              <a:t>👉</a:t>
-            </a:r>
-            <a:r>
-              <a:rPr lang="en-GB" sz="1600" kern="1200" dirty="0" err="1">
-                <a:solidFill>
-                  <a:schemeClr val="bg1"/>
-                </a:solidFill>
-                <a:latin typeface="+mn-lt"/>
-                <a:ea typeface="Open Sans" panose="020B0606030504020204" pitchFamily="34" charset="0"/>
-                <a:cs typeface="Open Sans" panose="020B0606030504020204" pitchFamily="34" charset="0"/>
-              </a:rPr>
-              <a:t>Replicirajte</a:t>
-            </a:r>
-            <a:r>
-              <a:rPr lang="en-GB" sz="1600" kern="1200" dirty="0">
-                <a:solidFill>
-                  <a:schemeClr val="bg1"/>
-                </a:solidFill>
-                <a:latin typeface="+mn-lt"/>
-                <a:ea typeface="Open Sans" panose="020B0606030504020204" pitchFamily="34" charset="0"/>
-                <a:cs typeface="Open Sans" panose="020B0606030504020204" pitchFamily="34" charset="0"/>
-              </a:rPr>
-              <a:t> </a:t>
-            </a:r>
-            <a:r>
-              <a:rPr lang="en-GB" sz="1600" kern="1200" dirty="0" err="1">
-                <a:solidFill>
-                  <a:schemeClr val="bg1"/>
-                </a:solidFill>
-                <a:latin typeface="+mn-lt"/>
-                <a:ea typeface="Open Sans" panose="020B0606030504020204" pitchFamily="34" charset="0"/>
-                <a:cs typeface="Open Sans" panose="020B0606030504020204" pitchFamily="34" charset="0"/>
-              </a:rPr>
-              <a:t>sajt</a:t>
-            </a:r>
-            <a:r>
-              <a:rPr lang="en-GB" sz="1600" kern="1200" dirty="0">
-                <a:solidFill>
-                  <a:schemeClr val="bg1"/>
-                </a:solidFill>
-                <a:latin typeface="+mn-lt"/>
-                <a:ea typeface="Open Sans" panose="020B0606030504020204" pitchFamily="34" charset="0"/>
-                <a:cs typeface="Open Sans" panose="020B0606030504020204" pitchFamily="34" charset="0"/>
-              </a:rPr>
-              <a:t> </a:t>
-            </a:r>
-            <a:r>
-              <a:rPr lang="en-GB" sz="1600" kern="1200" dirty="0" err="1">
-                <a:solidFill>
-                  <a:schemeClr val="bg1"/>
-                </a:solidFill>
-                <a:latin typeface="+mn-lt"/>
-                <a:ea typeface="Open Sans" panose="020B0606030504020204" pitchFamily="34" charset="0"/>
-                <a:cs typeface="Open Sans" panose="020B0606030504020204" pitchFamily="34" charset="0"/>
-              </a:rPr>
-              <a:t>sa</a:t>
-            </a:r>
-            <a:r>
-              <a:rPr lang="en-GB" sz="1600" kern="1200" dirty="0">
-                <a:solidFill>
-                  <a:schemeClr val="bg1"/>
-                </a:solidFill>
-                <a:latin typeface="+mn-lt"/>
-                <a:ea typeface="Open Sans" panose="020B0606030504020204" pitchFamily="34" charset="0"/>
-                <a:cs typeface="Open Sans" panose="020B0606030504020204" pitchFamily="34" charset="0"/>
-              </a:rPr>
-              <a:t> </a:t>
-            </a:r>
-            <a:r>
-              <a:rPr lang="en-GB" sz="1600" kern="1200" dirty="0" err="1">
-                <a:solidFill>
-                  <a:schemeClr val="bg1"/>
-                </a:solidFill>
-                <a:latin typeface="+mn-lt"/>
-                <a:ea typeface="Open Sans" panose="020B0606030504020204" pitchFamily="34" charset="0"/>
-                <a:cs typeface="Open Sans" panose="020B0606030504020204" pitchFamily="34" charset="0"/>
-              </a:rPr>
-              <a:t>slike</a:t>
-            </a:r>
-            <a:endParaRPr lang="en-GB" sz="1600" kern="1200" dirty="0">
-              <a:solidFill>
-                <a:schemeClr val="bg1"/>
-              </a:solidFill>
-              <a:latin typeface="+mn-lt"/>
-              <a:ea typeface="Open Sans" panose="020B0606030504020204" pitchFamily="34" charset="0"/>
-              <a:cs typeface="Open Sans" panose="020B0606030504020204" pitchFamily="34" charset="0"/>
-            </a:endParaRPr>
-          </a:p>
-          <a:p>
-            <a:pPr>
-              <a:lnSpc>
-                <a:spcPct val="90000"/>
-              </a:lnSpc>
-              <a:spcBef>
-                <a:spcPts val="600"/>
-              </a:spcBef>
-              <a:spcAft>
-                <a:spcPts val="600"/>
-              </a:spcAft>
-              <a:buClr>
-                <a:schemeClr val="accent2"/>
-              </a:buClr>
-            </a:pPr>
-            <a:r>
-              <a:rPr lang="en-GB" sz="1600" kern="1200" dirty="0">
-                <a:solidFill>
-                  <a:schemeClr val="bg1"/>
-                </a:solidFill>
-                <a:latin typeface="+mn-lt"/>
-                <a:ea typeface="Open Sans" panose="020B0606030504020204" pitchFamily="34" charset="0"/>
-                <a:cs typeface="Open Sans" panose="020B0606030504020204" pitchFamily="34" charset="0"/>
-              </a:rPr>
-              <a:t>👉 </a:t>
-            </a:r>
-            <a:r>
-              <a:rPr lang="en-GB" sz="1600" kern="1200" dirty="0" err="1">
-                <a:solidFill>
-                  <a:schemeClr val="bg1"/>
-                </a:solidFill>
-                <a:latin typeface="+mn-lt"/>
-                <a:ea typeface="Open Sans" panose="020B0606030504020204" pitchFamily="34" charset="0"/>
-                <a:cs typeface="Open Sans" panose="020B0606030504020204" pitchFamily="34" charset="0"/>
-              </a:rPr>
-              <a:t>Procitajte</a:t>
-            </a:r>
-            <a:r>
-              <a:rPr lang="en-GB" sz="1600" kern="1200" dirty="0">
-                <a:solidFill>
-                  <a:schemeClr val="bg1"/>
-                </a:solidFill>
-                <a:latin typeface="+mn-lt"/>
-                <a:ea typeface="Open Sans" panose="020B0606030504020204" pitchFamily="34" charset="0"/>
-                <a:cs typeface="Open Sans" panose="020B0606030504020204" pitchFamily="34" charset="0"/>
-              </a:rPr>
-              <a:t> </a:t>
-            </a:r>
-            <a:r>
-              <a:rPr lang="en-GB" sz="1600" kern="1200" dirty="0" err="1">
-                <a:solidFill>
-                  <a:schemeClr val="bg1"/>
-                </a:solidFill>
-                <a:latin typeface="+mn-lt"/>
-                <a:ea typeface="Open Sans" panose="020B0606030504020204" pitchFamily="34" charset="0"/>
-                <a:cs typeface="Open Sans" panose="020B0606030504020204" pitchFamily="34" charset="0"/>
-              </a:rPr>
-              <a:t>i</a:t>
-            </a:r>
-            <a:r>
-              <a:rPr lang="en-GB" sz="1600" kern="1200" dirty="0">
-                <a:solidFill>
-                  <a:schemeClr val="bg1"/>
-                </a:solidFill>
-                <a:latin typeface="+mn-lt"/>
-                <a:ea typeface="Open Sans" panose="020B0606030504020204" pitchFamily="34" charset="0"/>
-                <a:cs typeface="Open Sans" panose="020B0606030504020204" pitchFamily="34" charset="0"/>
-              </a:rPr>
-              <a:t> </a:t>
-            </a:r>
-            <a:r>
-              <a:rPr lang="en-GB" sz="1600" kern="1200" dirty="0" err="1">
-                <a:solidFill>
-                  <a:schemeClr val="bg1"/>
-                </a:solidFill>
-                <a:latin typeface="+mn-lt"/>
-                <a:ea typeface="Open Sans" panose="020B0606030504020204" pitchFamily="34" charset="0"/>
-                <a:cs typeface="Open Sans" panose="020B0606030504020204" pitchFamily="34" charset="0"/>
-              </a:rPr>
-              <a:t>prodjite</a:t>
-            </a:r>
-            <a:r>
-              <a:rPr lang="en-GB" sz="1600" kern="1200" dirty="0">
-                <a:solidFill>
-                  <a:schemeClr val="bg1"/>
-                </a:solidFill>
-                <a:latin typeface="+mn-lt"/>
-                <a:ea typeface="Open Sans" panose="020B0606030504020204" pitchFamily="34" charset="0"/>
-                <a:cs typeface="Open Sans" panose="020B0606030504020204" pitchFamily="34" charset="0"/>
-              </a:rPr>
-              <a:t> </a:t>
-            </a:r>
-            <a:r>
-              <a:rPr lang="en-GB" sz="1600" kern="1200" dirty="0" err="1">
-                <a:solidFill>
-                  <a:schemeClr val="bg1"/>
-                </a:solidFill>
-                <a:latin typeface="+mn-lt"/>
-                <a:ea typeface="Open Sans" panose="020B0606030504020204" pitchFamily="34" charset="0"/>
-                <a:cs typeface="Open Sans" panose="020B0606030504020204" pitchFamily="34" charset="0"/>
-              </a:rPr>
-              <a:t>vjezbe</a:t>
-            </a:r>
-            <a:r>
-              <a:rPr lang="en-GB" sz="1600" kern="1200" dirty="0">
-                <a:solidFill>
-                  <a:schemeClr val="bg1"/>
-                </a:solidFill>
-                <a:latin typeface="+mn-lt"/>
-                <a:ea typeface="Open Sans" panose="020B0606030504020204" pitchFamily="34" charset="0"/>
-                <a:cs typeface="Open Sans" panose="020B0606030504020204" pitchFamily="34" charset="0"/>
-              </a:rPr>
-              <a:t> </a:t>
-            </a:r>
-            <a:r>
-              <a:rPr lang="en-GB" sz="1600" kern="1200" dirty="0" err="1">
-                <a:solidFill>
-                  <a:schemeClr val="bg1"/>
-                </a:solidFill>
-                <a:latin typeface="+mn-lt"/>
-                <a:ea typeface="Open Sans" panose="020B0606030504020204" pitchFamily="34" charset="0"/>
-                <a:cs typeface="Open Sans" panose="020B0606030504020204" pitchFamily="34" charset="0"/>
-              </a:rPr>
-              <a:t>na</a:t>
-            </a:r>
-            <a:r>
-              <a:rPr lang="en-GB" sz="1600" kern="1200" dirty="0">
-                <a:solidFill>
-                  <a:schemeClr val="bg1"/>
-                </a:solidFill>
-                <a:latin typeface="+mn-lt"/>
-                <a:ea typeface="Open Sans" panose="020B0606030504020204" pitchFamily="34" charset="0"/>
-                <a:cs typeface="Open Sans" panose="020B0606030504020204" pitchFamily="34" charset="0"/>
-              </a:rPr>
-              <a:t> </a:t>
-            </a:r>
-            <a:r>
-              <a:rPr lang="en-GB" sz="1600" dirty="0">
-                <a:solidFill>
-                  <a:schemeClr val="bg1"/>
-                </a:solidFill>
-                <a:ea typeface="Open Sans" panose="020B0606030504020204" pitchFamily="34" charset="0"/>
-                <a:cs typeface="Open Sans" panose="020B0606030504020204" pitchFamily="34" charset="0"/>
-              </a:rPr>
-              <a:t>W</a:t>
-            </a:r>
-            <a:r>
-              <a:rPr lang="en-GB" sz="1600" kern="1200" dirty="0">
-                <a:solidFill>
-                  <a:schemeClr val="bg1"/>
-                </a:solidFill>
-                <a:latin typeface="+mn-lt"/>
-                <a:ea typeface="Open Sans" panose="020B0606030504020204" pitchFamily="34" charset="0"/>
-                <a:cs typeface="Open Sans" panose="020B0606030504020204" pitchFamily="34" charset="0"/>
-              </a:rPr>
-              <a:t>3 schools</a:t>
-            </a:r>
-          </a:p>
-        </p:txBody>
-      </p:sp>
-      <p:pic>
-        <p:nvPicPr>
-          <p:cNvPr id="5" name="Picture 4">
-            <a:extLst>
-              <a:ext uri="{FF2B5EF4-FFF2-40B4-BE49-F238E27FC236}">
-                <a16:creationId xmlns:a16="http://schemas.microsoft.com/office/drawing/2014/main" id="{3ED61A06-5C53-D53C-B471-B0155E2171A9}"/>
-              </a:ext>
-            </a:extLst>
-          </p:cNvPr>
-          <p:cNvPicPr>
-            <a:picLocks noChangeAspect="1"/>
-          </p:cNvPicPr>
-          <p:nvPr/>
-        </p:nvPicPr>
-        <p:blipFill>
-          <a:blip r:embed="rId3"/>
-          <a:stretch>
-            <a:fillRect/>
-          </a:stretch>
-        </p:blipFill>
-        <p:spPr>
-          <a:xfrm>
-            <a:off x="5980709" y="1519830"/>
-            <a:ext cx="5481190" cy="3955937"/>
-          </a:xfrm>
-          <a:prstGeom prst="rect">
-            <a:avLst/>
-          </a:prstGeom>
-        </p:spPr>
-      </p:pic>
-    </p:spTree>
-    <p:extLst>
-      <p:ext uri="{BB962C8B-B14F-4D97-AF65-F5344CB8AC3E}">
-        <p14:creationId xmlns:p14="http://schemas.microsoft.com/office/powerpoint/2010/main" val="1156472930"/>
-      </p:ext>
-    </p:extLst>
-  </p:cSld>
-  <p:clrMapOvr>
-    <a:masterClrMapping/>
-  </p:clrMapOvr>
-</p:sld>
-</file>
-
-<file path=ppt/slides/slide31.xml><?xml version="1.0" encoding="utf-8"?>
-<p:sld xmlns:a="http://schemas.openxmlformats.org/drawingml/2006/main" xmlns:r="http://schemas.openxmlformats.org/officeDocument/2006/relationships" xmlns:p="http://schemas.openxmlformats.org/presentationml/2006/main">
-  <p:cSld>
-    <p:spTree>
-      <p:nvGrpSpPr>
-        <p:cNvPr id="1" name="">
-          <a:extLst>
-            <a:ext uri="{FF2B5EF4-FFF2-40B4-BE49-F238E27FC236}">
               <a16:creationId xmlns:a16="http://schemas.microsoft.com/office/drawing/2014/main" id="{8E8A4964-00DD-3580-8360-58774F55D6A9}"/>
             </a:ext>
           </a:extLst>
@@ -24948,7 +24460,7 @@
 </p:sld>
 </file>
 
-<file path=ppt/slides/slide32.xml><?xml version="1.0" encoding="utf-8"?>
+<file path=ppt/slides/slide31.xml><?xml version="1.0" encoding="utf-8"?>
 <p:sld xmlns:a="http://schemas.openxmlformats.org/drawingml/2006/main" xmlns:r="http://schemas.openxmlformats.org/officeDocument/2006/relationships" xmlns:p="http://schemas.openxmlformats.org/presentationml/2006/main">
   <p:cSld>
     <p:spTree>
@@ -25468,7 +24980,7 @@
 </p:sld>
 </file>
 
-<file path=ppt/slides/slide33.xml><?xml version="1.0" encoding="utf-8"?>
+<file path=ppt/slides/slide32.xml><?xml version="1.0" encoding="utf-8"?>
 <p:sld xmlns:a="http://schemas.openxmlformats.org/drawingml/2006/main" xmlns:r="http://schemas.openxmlformats.org/officeDocument/2006/relationships" xmlns:p="http://schemas.openxmlformats.org/presentationml/2006/main">
   <p:cSld>
     <p:spTree>
@@ -25953,7 +25465,7 @@
 </p:sld>
 </file>
 
-<file path=ppt/slides/slide34.xml><?xml version="1.0" encoding="utf-8"?>
+<file path=ppt/slides/slide33.xml><?xml version="1.0" encoding="utf-8"?>
 <p:sld xmlns:a="http://schemas.openxmlformats.org/drawingml/2006/main" xmlns:r="http://schemas.openxmlformats.org/officeDocument/2006/relationships" xmlns:p="http://schemas.openxmlformats.org/presentationml/2006/main">
   <p:cSld>
     <p:spTree>
@@ -26334,7 +25846,7 @@
 </p:sld>
 </file>
 
-<file path=ppt/slides/slide35.xml><?xml version="1.0" encoding="utf-8"?>
+<file path=ppt/slides/slide34.xml><?xml version="1.0" encoding="utf-8"?>
 <p:sld xmlns:a="http://schemas.openxmlformats.org/drawingml/2006/main" xmlns:r="http://schemas.openxmlformats.org/officeDocument/2006/relationships" xmlns:p="http://schemas.openxmlformats.org/presentationml/2006/main">
   <p:cSld>
     <p:spTree>
@@ -26645,7 +26157,7 @@
 </p:sld>
 </file>
 
-<file path=ppt/slides/slide36.xml><?xml version="1.0" encoding="utf-8"?>
+<file path=ppt/slides/slide35.xml><?xml version="1.0" encoding="utf-8"?>
 <p:sld xmlns:a="http://schemas.openxmlformats.org/drawingml/2006/main" xmlns:r="http://schemas.openxmlformats.org/officeDocument/2006/relationships" xmlns:p="http://schemas.openxmlformats.org/presentationml/2006/main">
   <p:cSld>
     <p:spTree>
@@ -27100,7 +26612,7 @@
 </p:sld>
 </file>
 
-<file path=ppt/slides/slide37.xml><?xml version="1.0" encoding="utf-8"?>
+<file path=ppt/slides/slide36.xml><?xml version="1.0" encoding="utf-8"?>
 <p:sld xmlns:a="http://schemas.openxmlformats.org/drawingml/2006/main" xmlns:r="http://schemas.openxmlformats.org/officeDocument/2006/relationships" xmlns:p="http://schemas.openxmlformats.org/presentationml/2006/main">
   <p:cSld>
     <p:spTree>
@@ -27485,7 +26997,7 @@
 </p:sld>
 </file>
 
-<file path=ppt/slides/slide38.xml><?xml version="1.0" encoding="utf-8"?>
+<file path=ppt/slides/slide37.xml><?xml version="1.0" encoding="utf-8"?>
 <p:sld xmlns:a="http://schemas.openxmlformats.org/drawingml/2006/main" xmlns:r="http://schemas.openxmlformats.org/officeDocument/2006/relationships" xmlns:p="http://schemas.openxmlformats.org/presentationml/2006/main">
   <p:cSld>
     <p:spTree>
@@ -28141,7 +27653,7 @@
 </p:sld>
 </file>
 
-<file path=ppt/slides/slide39.xml><?xml version="1.0" encoding="utf-8"?>
+<file path=ppt/slides/slide38.xml><?xml version="1.0" encoding="utf-8"?>
 <p:sld xmlns:a="http://schemas.openxmlformats.org/drawingml/2006/main" xmlns:r="http://schemas.openxmlformats.org/officeDocument/2006/relationships" xmlns:p="http://schemas.openxmlformats.org/presentationml/2006/main">
   <p:cSld>
     <p:spTree>
@@ -28528,6 +28040,346 @@
     <p:extLst>
       <p:ext uri="{BB962C8B-B14F-4D97-AF65-F5344CB8AC3E}">
         <p14:creationId xmlns:p14="http://schemas.microsoft.com/office/powerpoint/2010/main" val="4104155262"/>
+      </p:ext>
+    </p:extLst>
+  </p:cSld>
+  <p:clrMapOvr>
+    <a:masterClrMapping/>
+  </p:clrMapOvr>
+</p:sld>
+</file>
+
+<file path=ppt/slides/slide39.xml><?xml version="1.0" encoding="utf-8"?>
+<p:sld xmlns:a="http://schemas.openxmlformats.org/drawingml/2006/main" xmlns:r="http://schemas.openxmlformats.org/officeDocument/2006/relationships" xmlns:p="http://schemas.openxmlformats.org/presentationml/2006/main">
+  <p:cSld>
+    <p:spTree>
+      <p:nvGrpSpPr>
+        <p:cNvPr id="1" name=""/>
+        <p:cNvGrpSpPr/>
+        <p:nvPr/>
+      </p:nvGrpSpPr>
+      <p:grpSpPr>
+        <a:xfrm>
+          <a:off x="0" y="0"/>
+          <a:ext cx="0" cy="0"/>
+          <a:chOff x="0" y="0"/>
+          <a:chExt cx="0" cy="0"/>
+        </a:xfrm>
+      </p:grpSpPr>
+      <p:sp>
+        <p:nvSpPr>
+          <p:cNvPr id="7" name="Title 1">
+            <a:extLst>
+              <a:ext uri="{FF2B5EF4-FFF2-40B4-BE49-F238E27FC236}">
+                <a16:creationId xmlns:a16="http://schemas.microsoft.com/office/drawing/2014/main" id="{49EE4534-A34F-E06A-2827-12810201551C}"/>
+              </a:ext>
+            </a:extLst>
+          </p:cNvPr>
+          <p:cNvSpPr>
+            <a:spLocks noGrp="1"/>
+          </p:cNvSpPr>
+          <p:nvPr>
+            <p:ph type="ctrTitle"/>
+          </p:nvPr>
+        </p:nvSpPr>
+        <p:spPr>
+          <a:xfrm>
+            <a:off x="1018954" y="929972"/>
+            <a:ext cx="9144000" cy="1013780"/>
+          </a:xfrm>
+        </p:spPr>
+        <p:txBody>
+          <a:bodyPr/>
+          <a:lstStyle/>
+          <a:p>
+            <a:pPr algn="ctr"/>
+            <a:r>
+              <a:rPr lang="en-US" dirty="0"/>
+              <a:t>ZAVR</a:t>
+            </a:r>
+            <a:r>
+              <a:rPr lang="hr-HR" dirty="0"/>
+              <a:t>š</a:t>
+            </a:r>
+            <a:r>
+              <a:rPr lang="en-US" dirty="0"/>
+              <a:t>NA VJE</a:t>
+            </a:r>
+            <a:r>
+              <a:rPr lang="hr-HR" dirty="0"/>
+              <a:t>ž</a:t>
+            </a:r>
+            <a:r>
+              <a:rPr lang="en-US" dirty="0" err="1"/>
+              <a:t>ba</a:t>
+            </a:r>
+            <a:endParaRPr lang="hr-HR" dirty="0"/>
+          </a:p>
+        </p:txBody>
+      </p:sp>
+      <p:sp>
+        <p:nvSpPr>
+          <p:cNvPr id="8" name="Text Placeholder 5">
+            <a:extLst>
+              <a:ext uri="{FF2B5EF4-FFF2-40B4-BE49-F238E27FC236}">
+                <a16:creationId xmlns:a16="http://schemas.microsoft.com/office/drawing/2014/main" id="{7E01A3E5-5B9B-91D9-36E9-040D6C05B4FB}"/>
+              </a:ext>
+            </a:extLst>
+          </p:cNvPr>
+          <p:cNvSpPr>
+            <a:spLocks noGrp="1"/>
+          </p:cNvSpPr>
+          <p:nvPr>
+            <p:ph type="subTitle" idx="1"/>
+          </p:nvPr>
+        </p:nvSpPr>
+        <p:spPr>
+          <a:xfrm>
+            <a:off x="1061483" y="2213231"/>
+            <a:ext cx="9144000" cy="1492216"/>
+          </a:xfrm>
+        </p:spPr>
+        <p:txBody>
+          <a:bodyPr>
+            <a:noAutofit/>
+          </a:bodyPr>
+          <a:lstStyle/>
+          <a:p>
+            <a:r>
+              <a:rPr lang="hr-HR" sz="1200" b="1" dirty="0"/>
+              <a:t>Zadatak: </a:t>
+            </a:r>
+            <a:r>
+              <a:rPr lang="en-US" sz="1200" b="1" dirty="0" err="1"/>
+              <a:t>Dizajnirate</a:t>
+            </a:r>
+            <a:r>
+              <a:rPr lang="en-US" sz="1200" b="1" dirty="0"/>
+              <a:t> I </a:t>
+            </a:r>
+            <a:r>
+              <a:rPr lang="en-US" sz="1200" b="1" dirty="0" err="1"/>
+              <a:t>izradite</a:t>
+            </a:r>
+            <a:r>
+              <a:rPr lang="en-US" sz="1200" b="1" dirty="0"/>
+              <a:t> </a:t>
+            </a:r>
+            <a:r>
+              <a:rPr lang="en-US" sz="1200" b="1" dirty="0" err="1"/>
+              <a:t>websajt</a:t>
+            </a:r>
+            <a:r>
+              <a:rPr lang="en-US" sz="1200" b="1" dirty="0"/>
+              <a:t> za video </a:t>
+            </a:r>
+            <a:r>
+              <a:rPr lang="en-US" sz="1200" b="1" dirty="0" err="1"/>
+              <a:t>klub</a:t>
+            </a:r>
+            <a:endParaRPr lang="hr-HR" sz="1200" b="1" dirty="0"/>
+          </a:p>
+          <a:p>
+            <a:r>
+              <a:rPr lang="hr-HR" sz="1200" b="1" dirty="0"/>
+              <a:t>Cilj:</a:t>
+            </a:r>
+            <a:endParaRPr lang="hr-HR" sz="1200" dirty="0"/>
+          </a:p>
+          <a:p>
+            <a:pPr>
+              <a:buFont typeface="Arial" panose="020B0604020202020204" pitchFamily="34" charset="0"/>
+              <a:buChar char="•"/>
+            </a:pPr>
+            <a:r>
+              <a:rPr lang="en-US" sz="1200" dirty="0"/>
+              <a:t>- </a:t>
+            </a:r>
+            <a:r>
+              <a:rPr lang="en-US" sz="1200" dirty="0" err="1"/>
+              <a:t>Grupno</a:t>
+            </a:r>
+            <a:r>
+              <a:rPr lang="en-US" sz="1200" dirty="0"/>
+              <a:t> </a:t>
+            </a:r>
+            <a:r>
+              <a:rPr lang="en-US" sz="1200" dirty="0" err="1"/>
+              <a:t>dizajnirate</a:t>
+            </a:r>
+            <a:r>
+              <a:rPr lang="en-US" sz="1200" dirty="0"/>
+              <a:t> I </a:t>
+            </a:r>
+            <a:r>
+              <a:rPr lang="en-US" sz="1200" dirty="0" err="1"/>
+              <a:t>pojedinacno</a:t>
+            </a:r>
+            <a:r>
+              <a:rPr lang="en-US" sz="1200" dirty="0"/>
+              <a:t> </a:t>
+            </a:r>
+            <a:r>
+              <a:rPr lang="en-US" sz="1200" dirty="0" err="1"/>
+              <a:t>izradite</a:t>
+            </a:r>
+            <a:r>
+              <a:rPr lang="en-US" sz="1200" dirty="0"/>
+              <a:t> </a:t>
+            </a:r>
+            <a:r>
+              <a:rPr lang="en-US" sz="1200" dirty="0" err="1"/>
+              <a:t>websajt</a:t>
+            </a:r>
+            <a:r>
+              <a:rPr lang="en-US" sz="1200" dirty="0"/>
+              <a:t> za </a:t>
+            </a:r>
+            <a:r>
+              <a:rPr lang="en-US" sz="1200" dirty="0" err="1"/>
+              <a:t>rentanje</a:t>
+            </a:r>
+            <a:r>
+              <a:rPr lang="en-US" sz="1200" dirty="0"/>
+              <a:t> </a:t>
+            </a:r>
+            <a:r>
+              <a:rPr lang="en-US" sz="1200" dirty="0" err="1"/>
+              <a:t>filmova</a:t>
+            </a:r>
+            <a:endParaRPr lang="en-US" sz="1200" dirty="0"/>
+          </a:p>
+          <a:p>
+            <a:pPr>
+              <a:buFont typeface="Arial" panose="020B0604020202020204" pitchFamily="34" charset="0"/>
+              <a:buChar char="•"/>
+            </a:pPr>
+            <a:r>
+              <a:rPr lang="en-US" sz="1200" dirty="0"/>
+              <a:t>- </a:t>
+            </a:r>
+            <a:r>
+              <a:rPr lang="en-US" sz="1200" dirty="0" err="1"/>
+              <a:t>Izradite</a:t>
+            </a:r>
+            <a:r>
+              <a:rPr lang="en-US" sz="1200" dirty="0"/>
+              <a:t> git hub repository za </a:t>
+            </a:r>
+            <a:r>
+              <a:rPr lang="en-US" sz="1200" dirty="0" err="1"/>
+              <a:t>websajt</a:t>
+            </a:r>
+            <a:r>
+              <a:rPr lang="en-US" sz="1200" dirty="0"/>
+              <a:t> u </a:t>
+            </a:r>
+            <a:r>
+              <a:rPr lang="en-US" sz="1200" dirty="0" err="1"/>
+              <a:t>uplodujte</a:t>
+            </a:r>
+            <a:r>
+              <a:rPr lang="en-US" sz="1200" dirty="0"/>
+              <a:t> </a:t>
+            </a:r>
+            <a:r>
+              <a:rPr lang="en-US" sz="1200" dirty="0" err="1"/>
+              <a:t>sadrzaj</a:t>
+            </a:r>
+            <a:r>
+              <a:rPr lang="en-US" sz="1200" dirty="0"/>
+              <a:t> </a:t>
+            </a:r>
+            <a:r>
+              <a:rPr lang="en-US" sz="1200" dirty="0" err="1"/>
+              <a:t>websajta</a:t>
+            </a:r>
+            <a:endParaRPr lang="en-US" sz="1200" dirty="0"/>
+          </a:p>
+          <a:p>
+            <a:pPr>
+              <a:buFont typeface="Arial" panose="020B0604020202020204" pitchFamily="34" charset="0"/>
+              <a:buChar char="•"/>
+            </a:pPr>
+            <a:endParaRPr lang="en-US" sz="1200" dirty="0"/>
+          </a:p>
+          <a:p>
+            <a:pPr>
+              <a:buFont typeface="Arial" panose="020B0604020202020204" pitchFamily="34" charset="0"/>
+              <a:buChar char="•"/>
+            </a:pPr>
+            <a:r>
+              <a:rPr lang="hr-HR" sz="1200" b="1" dirty="0"/>
+              <a:t>Cilj:</a:t>
+            </a:r>
+            <a:endParaRPr lang="en-US" sz="1200" b="1" dirty="0"/>
+          </a:p>
+          <a:p>
+            <a:pPr>
+              <a:buFont typeface="Arial" panose="020B0604020202020204" pitchFamily="34" charset="0"/>
+              <a:buChar char="•"/>
+            </a:pPr>
+            <a:r>
+              <a:rPr lang="en-US" sz="1200" b="1" dirty="0"/>
+              <a:t>- </a:t>
+            </a:r>
+            <a:r>
+              <a:rPr lang="en-US" sz="1200" b="1" dirty="0" err="1"/>
+              <a:t>Filtriranje</a:t>
+            </a:r>
+            <a:r>
+              <a:rPr lang="en-US" sz="1200" b="1" dirty="0"/>
+              <a:t> po </a:t>
+            </a:r>
+            <a:r>
+              <a:rPr lang="en-US" sz="1200" b="1" dirty="0" err="1"/>
+              <a:t>zanru</a:t>
+            </a:r>
+            <a:endParaRPr lang="en-US" sz="1200" b="1" dirty="0"/>
+          </a:p>
+          <a:p>
+            <a:pPr>
+              <a:buFont typeface="Arial" panose="020B0604020202020204" pitchFamily="34" charset="0"/>
+              <a:buChar char="•"/>
+            </a:pPr>
+            <a:r>
+              <a:rPr lang="en-US" sz="1200" b="1" dirty="0"/>
+              <a:t>- </a:t>
+            </a:r>
+            <a:r>
+              <a:rPr lang="en-US" sz="1200" b="1" dirty="0" err="1"/>
+              <a:t>Filtriranje</a:t>
+            </a:r>
+            <a:r>
+              <a:rPr lang="en-US" sz="1200" b="1" dirty="0"/>
+              <a:t> da li je film </a:t>
+            </a:r>
+            <a:r>
+              <a:rPr lang="en-US" sz="1200" b="1" dirty="0" err="1"/>
+              <a:t>zauzet</a:t>
+            </a:r>
+            <a:endParaRPr lang="hr-HR" sz="1200" dirty="0"/>
+          </a:p>
+          <a:p>
+            <a:pPr>
+              <a:buFont typeface="Arial" panose="020B0604020202020204" pitchFamily="34" charset="0"/>
+              <a:buChar char="•"/>
+            </a:pPr>
+            <a:endParaRPr lang="en-US" sz="1200" dirty="0"/>
+          </a:p>
+          <a:p>
+            <a:pPr lvl="1">
+              <a:buFont typeface="Arial" panose="020B0604020202020204" pitchFamily="34" charset="0"/>
+              <a:buChar char="•"/>
+            </a:pPr>
+            <a:endParaRPr lang="en-US" sz="1600" dirty="0"/>
+          </a:p>
+        </p:txBody>
+      </p:sp>
+    </p:spTree>
+    <p:extLst>
+      <p:ext uri="{BB962C8B-B14F-4D97-AF65-F5344CB8AC3E}">
+        <p14:creationId xmlns:p14="http://schemas.microsoft.com/office/powerpoint/2010/main" val="3246410904"/>
       </p:ext>
     </p:extLst>
   </p:cSld>
@@ -28792,346 +28644,6 @@
     <p:extLst>
       <p:ext uri="{BB962C8B-B14F-4D97-AF65-F5344CB8AC3E}">
         <p14:creationId xmlns:p14="http://schemas.microsoft.com/office/powerpoint/2010/main" val="4089507502"/>
-      </p:ext>
-    </p:extLst>
-  </p:cSld>
-  <p:clrMapOvr>
-    <a:masterClrMapping/>
-  </p:clrMapOvr>
-</p:sld>
-</file>
-
-<file path=ppt/slides/slide40.xml><?xml version="1.0" encoding="utf-8"?>
-<p:sld xmlns:a="http://schemas.openxmlformats.org/drawingml/2006/main" xmlns:r="http://schemas.openxmlformats.org/officeDocument/2006/relationships" xmlns:p="http://schemas.openxmlformats.org/presentationml/2006/main">
-  <p:cSld>
-    <p:spTree>
-      <p:nvGrpSpPr>
-        <p:cNvPr id="1" name=""/>
-        <p:cNvGrpSpPr/>
-        <p:nvPr/>
-      </p:nvGrpSpPr>
-      <p:grpSpPr>
-        <a:xfrm>
-          <a:off x="0" y="0"/>
-          <a:ext cx="0" cy="0"/>
-          <a:chOff x="0" y="0"/>
-          <a:chExt cx="0" cy="0"/>
-        </a:xfrm>
-      </p:grpSpPr>
-      <p:sp>
-        <p:nvSpPr>
-          <p:cNvPr id="7" name="Title 1">
-            <a:extLst>
-              <a:ext uri="{FF2B5EF4-FFF2-40B4-BE49-F238E27FC236}">
-                <a16:creationId xmlns:a16="http://schemas.microsoft.com/office/drawing/2014/main" id="{49EE4534-A34F-E06A-2827-12810201551C}"/>
-              </a:ext>
-            </a:extLst>
-          </p:cNvPr>
-          <p:cNvSpPr>
-            <a:spLocks noGrp="1"/>
-          </p:cNvSpPr>
-          <p:nvPr>
-            <p:ph type="ctrTitle"/>
-          </p:nvPr>
-        </p:nvSpPr>
-        <p:spPr>
-          <a:xfrm>
-            <a:off x="1018954" y="929972"/>
-            <a:ext cx="9144000" cy="1013780"/>
-          </a:xfrm>
-        </p:spPr>
-        <p:txBody>
-          <a:bodyPr/>
-          <a:lstStyle/>
-          <a:p>
-            <a:pPr algn="ctr"/>
-            <a:r>
-              <a:rPr lang="en-US" dirty="0"/>
-              <a:t>ZAVR</a:t>
-            </a:r>
-            <a:r>
-              <a:rPr lang="hr-HR" dirty="0"/>
-              <a:t>š</a:t>
-            </a:r>
-            <a:r>
-              <a:rPr lang="en-US" dirty="0"/>
-              <a:t>NA VJE</a:t>
-            </a:r>
-            <a:r>
-              <a:rPr lang="hr-HR" dirty="0"/>
-              <a:t>ž</a:t>
-            </a:r>
-            <a:r>
-              <a:rPr lang="en-US" dirty="0" err="1"/>
-              <a:t>ba</a:t>
-            </a:r>
-            <a:endParaRPr lang="hr-HR" dirty="0"/>
-          </a:p>
-        </p:txBody>
-      </p:sp>
-      <p:sp>
-        <p:nvSpPr>
-          <p:cNvPr id="8" name="Text Placeholder 5">
-            <a:extLst>
-              <a:ext uri="{FF2B5EF4-FFF2-40B4-BE49-F238E27FC236}">
-                <a16:creationId xmlns:a16="http://schemas.microsoft.com/office/drawing/2014/main" id="{7E01A3E5-5B9B-91D9-36E9-040D6C05B4FB}"/>
-              </a:ext>
-            </a:extLst>
-          </p:cNvPr>
-          <p:cNvSpPr>
-            <a:spLocks noGrp="1"/>
-          </p:cNvSpPr>
-          <p:nvPr>
-            <p:ph type="subTitle" idx="1"/>
-          </p:nvPr>
-        </p:nvSpPr>
-        <p:spPr>
-          <a:xfrm>
-            <a:off x="1061483" y="2213231"/>
-            <a:ext cx="9144000" cy="1492216"/>
-          </a:xfrm>
-        </p:spPr>
-        <p:txBody>
-          <a:bodyPr>
-            <a:noAutofit/>
-          </a:bodyPr>
-          <a:lstStyle/>
-          <a:p>
-            <a:r>
-              <a:rPr lang="hr-HR" sz="1200" b="1" dirty="0"/>
-              <a:t>Zadatak: </a:t>
-            </a:r>
-            <a:r>
-              <a:rPr lang="en-US" sz="1200" b="1" dirty="0" err="1"/>
-              <a:t>Dizajnirate</a:t>
-            </a:r>
-            <a:r>
-              <a:rPr lang="en-US" sz="1200" b="1" dirty="0"/>
-              <a:t> I </a:t>
-            </a:r>
-            <a:r>
-              <a:rPr lang="en-US" sz="1200" b="1" dirty="0" err="1"/>
-              <a:t>izradite</a:t>
-            </a:r>
-            <a:r>
-              <a:rPr lang="en-US" sz="1200" b="1" dirty="0"/>
-              <a:t> </a:t>
-            </a:r>
-            <a:r>
-              <a:rPr lang="en-US" sz="1200" b="1" dirty="0" err="1"/>
-              <a:t>websajt</a:t>
-            </a:r>
-            <a:r>
-              <a:rPr lang="en-US" sz="1200" b="1" dirty="0"/>
-              <a:t> za video </a:t>
-            </a:r>
-            <a:r>
-              <a:rPr lang="en-US" sz="1200" b="1" dirty="0" err="1"/>
-              <a:t>klub</a:t>
-            </a:r>
-            <a:endParaRPr lang="hr-HR" sz="1200" b="1" dirty="0"/>
-          </a:p>
-          <a:p>
-            <a:r>
-              <a:rPr lang="hr-HR" sz="1200" b="1" dirty="0"/>
-              <a:t>Cilj:</a:t>
-            </a:r>
-            <a:endParaRPr lang="hr-HR" sz="1200" dirty="0"/>
-          </a:p>
-          <a:p>
-            <a:pPr>
-              <a:buFont typeface="Arial" panose="020B0604020202020204" pitchFamily="34" charset="0"/>
-              <a:buChar char="•"/>
-            </a:pPr>
-            <a:r>
-              <a:rPr lang="en-US" sz="1200" dirty="0"/>
-              <a:t>- </a:t>
-            </a:r>
-            <a:r>
-              <a:rPr lang="en-US" sz="1200" dirty="0" err="1"/>
-              <a:t>Grupno</a:t>
-            </a:r>
-            <a:r>
-              <a:rPr lang="en-US" sz="1200" dirty="0"/>
-              <a:t> </a:t>
-            </a:r>
-            <a:r>
-              <a:rPr lang="en-US" sz="1200" dirty="0" err="1"/>
-              <a:t>dizajnirate</a:t>
-            </a:r>
-            <a:r>
-              <a:rPr lang="en-US" sz="1200" dirty="0"/>
-              <a:t> I </a:t>
-            </a:r>
-            <a:r>
-              <a:rPr lang="en-US" sz="1200" dirty="0" err="1"/>
-              <a:t>pojedinacno</a:t>
-            </a:r>
-            <a:r>
-              <a:rPr lang="en-US" sz="1200" dirty="0"/>
-              <a:t> </a:t>
-            </a:r>
-            <a:r>
-              <a:rPr lang="en-US" sz="1200" dirty="0" err="1"/>
-              <a:t>izradite</a:t>
-            </a:r>
-            <a:r>
-              <a:rPr lang="en-US" sz="1200" dirty="0"/>
-              <a:t> </a:t>
-            </a:r>
-            <a:r>
-              <a:rPr lang="en-US" sz="1200" dirty="0" err="1"/>
-              <a:t>websajt</a:t>
-            </a:r>
-            <a:r>
-              <a:rPr lang="en-US" sz="1200" dirty="0"/>
-              <a:t> za </a:t>
-            </a:r>
-            <a:r>
-              <a:rPr lang="en-US" sz="1200" dirty="0" err="1"/>
-              <a:t>rentanje</a:t>
-            </a:r>
-            <a:r>
-              <a:rPr lang="en-US" sz="1200" dirty="0"/>
-              <a:t> </a:t>
-            </a:r>
-            <a:r>
-              <a:rPr lang="en-US" sz="1200" dirty="0" err="1"/>
-              <a:t>filmova</a:t>
-            </a:r>
-            <a:endParaRPr lang="en-US" sz="1200" dirty="0"/>
-          </a:p>
-          <a:p>
-            <a:pPr>
-              <a:buFont typeface="Arial" panose="020B0604020202020204" pitchFamily="34" charset="0"/>
-              <a:buChar char="•"/>
-            </a:pPr>
-            <a:r>
-              <a:rPr lang="en-US" sz="1200" dirty="0"/>
-              <a:t>- </a:t>
-            </a:r>
-            <a:r>
-              <a:rPr lang="en-US" sz="1200" dirty="0" err="1"/>
-              <a:t>Izradite</a:t>
-            </a:r>
-            <a:r>
-              <a:rPr lang="en-US" sz="1200" dirty="0"/>
-              <a:t> git hub repository za </a:t>
-            </a:r>
-            <a:r>
-              <a:rPr lang="en-US" sz="1200" dirty="0" err="1"/>
-              <a:t>websajt</a:t>
-            </a:r>
-            <a:r>
-              <a:rPr lang="en-US" sz="1200" dirty="0"/>
-              <a:t> u </a:t>
-            </a:r>
-            <a:r>
-              <a:rPr lang="en-US" sz="1200" dirty="0" err="1"/>
-              <a:t>uplodujte</a:t>
-            </a:r>
-            <a:r>
-              <a:rPr lang="en-US" sz="1200" dirty="0"/>
-              <a:t> </a:t>
-            </a:r>
-            <a:r>
-              <a:rPr lang="en-US" sz="1200" dirty="0" err="1"/>
-              <a:t>sadrzaj</a:t>
-            </a:r>
-            <a:r>
-              <a:rPr lang="en-US" sz="1200" dirty="0"/>
-              <a:t> </a:t>
-            </a:r>
-            <a:r>
-              <a:rPr lang="en-US" sz="1200" dirty="0" err="1"/>
-              <a:t>websajta</a:t>
-            </a:r>
-            <a:endParaRPr lang="en-US" sz="1200" dirty="0"/>
-          </a:p>
-          <a:p>
-            <a:pPr>
-              <a:buFont typeface="Arial" panose="020B0604020202020204" pitchFamily="34" charset="0"/>
-              <a:buChar char="•"/>
-            </a:pPr>
-            <a:endParaRPr lang="en-US" sz="1200" dirty="0"/>
-          </a:p>
-          <a:p>
-            <a:pPr>
-              <a:buFont typeface="Arial" panose="020B0604020202020204" pitchFamily="34" charset="0"/>
-              <a:buChar char="•"/>
-            </a:pPr>
-            <a:r>
-              <a:rPr lang="hr-HR" sz="1200" b="1" dirty="0"/>
-              <a:t>Cilj:</a:t>
-            </a:r>
-            <a:endParaRPr lang="en-US" sz="1200" b="1" dirty="0"/>
-          </a:p>
-          <a:p>
-            <a:pPr>
-              <a:buFont typeface="Arial" panose="020B0604020202020204" pitchFamily="34" charset="0"/>
-              <a:buChar char="•"/>
-            </a:pPr>
-            <a:r>
-              <a:rPr lang="en-US" sz="1200" b="1" dirty="0"/>
-              <a:t>- </a:t>
-            </a:r>
-            <a:r>
-              <a:rPr lang="en-US" sz="1200" b="1" dirty="0" err="1"/>
-              <a:t>Filtriranje</a:t>
-            </a:r>
-            <a:r>
-              <a:rPr lang="en-US" sz="1200" b="1" dirty="0"/>
-              <a:t> po </a:t>
-            </a:r>
-            <a:r>
-              <a:rPr lang="en-US" sz="1200" b="1" dirty="0" err="1"/>
-              <a:t>zanru</a:t>
-            </a:r>
-            <a:endParaRPr lang="en-US" sz="1200" b="1" dirty="0"/>
-          </a:p>
-          <a:p>
-            <a:pPr>
-              <a:buFont typeface="Arial" panose="020B0604020202020204" pitchFamily="34" charset="0"/>
-              <a:buChar char="•"/>
-            </a:pPr>
-            <a:r>
-              <a:rPr lang="en-US" sz="1200" b="1" dirty="0"/>
-              <a:t>- </a:t>
-            </a:r>
-            <a:r>
-              <a:rPr lang="en-US" sz="1200" b="1" dirty="0" err="1"/>
-              <a:t>Filtriranje</a:t>
-            </a:r>
-            <a:r>
-              <a:rPr lang="en-US" sz="1200" b="1" dirty="0"/>
-              <a:t> da li je film </a:t>
-            </a:r>
-            <a:r>
-              <a:rPr lang="en-US" sz="1200" b="1" dirty="0" err="1"/>
-              <a:t>zauzet</a:t>
-            </a:r>
-            <a:endParaRPr lang="hr-HR" sz="1200" dirty="0"/>
-          </a:p>
-          <a:p>
-            <a:pPr>
-              <a:buFont typeface="Arial" panose="020B0604020202020204" pitchFamily="34" charset="0"/>
-              <a:buChar char="•"/>
-            </a:pPr>
-            <a:endParaRPr lang="en-US" sz="1200" dirty="0"/>
-          </a:p>
-          <a:p>
-            <a:pPr lvl="1">
-              <a:buFont typeface="Arial" panose="020B0604020202020204" pitchFamily="34" charset="0"/>
-              <a:buChar char="•"/>
-            </a:pPr>
-            <a:endParaRPr lang="en-US" sz="1600" dirty="0"/>
-          </a:p>
-        </p:txBody>
-      </p:sp>
-    </p:spTree>
-    <p:extLst>
-      <p:ext uri="{BB962C8B-B14F-4D97-AF65-F5344CB8AC3E}">
-        <p14:creationId xmlns:p14="http://schemas.microsoft.com/office/powerpoint/2010/main" val="3246410904"/>
       </p:ext>
     </p:extLst>
   </p:cSld>
@@ -30020,46 +29532,6 @@
       </p:grpSpPr>
       <p:sp>
         <p:nvSpPr>
-          <p:cNvPr id="2" name="Title 1">
-            <a:extLst>
-              <a:ext uri="{FF2B5EF4-FFF2-40B4-BE49-F238E27FC236}">
-                <a16:creationId xmlns:a16="http://schemas.microsoft.com/office/drawing/2014/main" id="{41B096D9-81DA-B76F-8E33-623E14DA24C4}"/>
-              </a:ext>
-            </a:extLst>
-          </p:cNvPr>
-          <p:cNvSpPr>
-            <a:spLocks noGrp="1"/>
-          </p:cNvSpPr>
-          <p:nvPr>
-            <p:ph type="title"/>
-          </p:nvPr>
-        </p:nvSpPr>
-        <p:spPr>
-          <a:xfrm>
-            <a:off x="990600" y="2282629"/>
-            <a:ext cx="5328139" cy="853976"/>
-          </a:xfrm>
-        </p:spPr>
-        <p:txBody>
-          <a:bodyPr>
-            <a:normAutofit/>
-          </a:bodyPr>
-          <a:lstStyle/>
-          <a:p>
-            <a:r>
-              <a:rPr lang="hr-HR" sz="1600" dirty="0"/>
-              <a:t>Element Selektori</a:t>
-            </a:r>
-            <a:endParaRPr lang="hr-HR" sz="1600" dirty="0">
-              <a:solidFill>
-                <a:schemeClr val="accent3"/>
-              </a:solidFill>
-            </a:endParaRPr>
-          </a:p>
-        </p:txBody>
-      </p:sp>
-      <p:sp>
-        <p:nvSpPr>
           <p:cNvPr id="4" name="Title 1">
             <a:extLst>
               <a:ext uri="{FF2B5EF4-FFF2-40B4-BE49-F238E27FC236}">
@@ -30083,7 +29555,7 @@
         </p:spPr>
         <p:txBody>
           <a:bodyPr vert="horz" lIns="91440" tIns="45720" rIns="91440" bIns="45720" rtlCol="0" anchor="ctr">
-            <a:normAutofit fontScale="92500"/>
+            <a:normAutofit/>
           </a:bodyPr>
           <a:lstStyle>
             <a:lvl1pPr algn="l" defTabSz="914400" rtl="0" eaLnBrk="1" latinLnBrk="0" hangingPunct="1">
@@ -30107,7 +29579,7 @@
           <a:p>
             <a:r>
               <a:rPr lang="nn-NO" dirty="0"/>
-              <a:t>CSS Selektori – Kako Ciljati HTML Elemente?</a:t>
+              <a:t>CSS ELEMENT Selektori</a:t>
             </a:r>
             <a:endParaRPr lang="hr-HR" dirty="0"/>
           </a:p>
@@ -30178,7 +29650,7 @@
         </p:blipFill>
         <p:spPr>
           <a:xfrm>
-            <a:off x="8148859" y="3136605"/>
+            <a:off x="8148859" y="2876297"/>
             <a:ext cx="2451117" cy="1249279"/>
           </a:xfrm>
           <a:prstGeom prst="rect">
@@ -30200,7 +29672,7 @@
         </p:nvSpPr>
         <p:spPr>
           <a:xfrm>
-            <a:off x="988280" y="3296139"/>
+            <a:off x="1048438" y="2828835"/>
             <a:ext cx="6142892" cy="1200329"/>
           </a:xfrm>
           <a:prstGeom prst="rect">
@@ -30425,7 +29897,7 @@
         </p:spPr>
         <p:txBody>
           <a:bodyPr vert="horz" lIns="91440" tIns="45720" rIns="91440" bIns="45720" rtlCol="0" anchor="ctr">
-            <a:normAutofit fontScale="92500"/>
+            <a:normAutofit/>
           </a:bodyPr>
           <a:lstStyle>
             <a:lvl1pPr algn="l" defTabSz="914400" rtl="0" eaLnBrk="1" latinLnBrk="0" hangingPunct="1">
@@ -30449,7 +29921,7 @@
           <a:p>
             <a:r>
               <a:rPr lang="nn-NO" dirty="0"/>
-              <a:t>CSS Selektori – Kako Ciljati HTML Elemente?</a:t>
+              <a:t>CSS Selektori – CLASS SELEKTORI</a:t>
             </a:r>
             <a:endParaRPr lang="hr-HR" dirty="0"/>
           </a:p>
@@ -31095,6 +30567,17 @@
 </file>
 
 <file path=customXml/item1.xml><?xml version="1.0" encoding="utf-8"?>
+<p:properties xmlns:p="http://schemas.microsoft.com/office/2006/metadata/properties" xmlns:xsi="http://www.w3.org/2001/XMLSchema-instance" xmlns:pc="http://schemas.microsoft.com/office/infopath/2007/PartnerControls">
+  <documentManagement>
+    <lcf76f155ced4ddcb4097134ff3c332f xmlns="40806f44-bc4a-4ea4-b660-c6da93f8f179">
+      <Terms xmlns="http://schemas.microsoft.com/office/infopath/2007/PartnerControls"/>
+    </lcf76f155ced4ddcb4097134ff3c332f>
+    <TaxCatchAll xmlns="758d0d8f-b783-4c78-ab73-9740c97b97cf" xsi:nil="true"/>
+  </documentManagement>
+</p:properties>
+</file>
+
+<file path=customXml/item2.xml><?xml version="1.0" encoding="utf-8"?>
 <?mso-contentType ?>
 <FormTemplates xmlns="http://schemas.microsoft.com/sharepoint/v3/contenttype/forms">
   <Display>DocumentLibraryForm</Display>
@@ -31103,7 +30586,7 @@
 </FormTemplates>
 </file>
 
-<file path=customXml/item2.xml><?xml version="1.0" encoding="utf-8"?>
+<file path=customXml/item3.xml><?xml version="1.0" encoding="utf-8"?>
 <ct:contentTypeSchema xmlns:ct="http://schemas.microsoft.com/office/2006/metadata/contentType" xmlns:ma="http://schemas.microsoft.com/office/2006/metadata/properties/metaAttributes" ct:_="" ma:_="" ma:contentTypeName="Document" ma:contentTypeID="0x010100E4F55D9EF0BF0A44B819E681FCAC00B7" ma:contentTypeVersion="12" ma:contentTypeDescription="Create a new document." ma:contentTypeScope="" ma:versionID="068ce121a7a7a0aebcb89dd601c4f0a2">
   <xsd:schema xmlns:xsd="http://www.w3.org/2001/XMLSchema" xmlns:xs="http://www.w3.org/2001/XMLSchema" xmlns:p="http://schemas.microsoft.com/office/2006/metadata/properties" xmlns:ns2="40806f44-bc4a-4ea4-b660-c6da93f8f179" xmlns:ns3="758d0d8f-b783-4c78-ab73-9740c97b97cf" targetNamespace="http://schemas.microsoft.com/office/2006/metadata/properties" ma:root="true" ma:fieldsID="67c58e6c5c8ea9af0822acd84d25e1a2" ns2:_="" ns3:_="">
     <xsd:import namespace="40806f44-bc4a-4ea4-b660-c6da93f8f179"/>
@@ -31320,18 +30803,24 @@
 </ct:contentTypeSchema>
 </file>
 
-<file path=customXml/item3.xml><?xml version="1.0" encoding="utf-8"?>
-<p:properties xmlns:p="http://schemas.microsoft.com/office/2006/metadata/properties" xmlns:xsi="http://www.w3.org/2001/XMLSchema-instance" xmlns:pc="http://schemas.microsoft.com/office/infopath/2007/PartnerControls">
-  <documentManagement>
-    <lcf76f155ced4ddcb4097134ff3c332f xmlns="40806f44-bc4a-4ea4-b660-c6da93f8f179">
-      <Terms xmlns="http://schemas.microsoft.com/office/infopath/2007/PartnerControls"/>
-    </lcf76f155ced4ddcb4097134ff3c332f>
-    <TaxCatchAll xmlns="758d0d8f-b783-4c78-ab73-9740c97b97cf" xsi:nil="true"/>
-  </documentManagement>
-</p:properties>
+<file path=customXml/itemProps1.xml><?xml version="1.0" encoding="utf-8"?>
+<ds:datastoreItem xmlns:ds="http://schemas.openxmlformats.org/officeDocument/2006/customXml" ds:itemID="{61E72F81-8533-461E-8E71-A6D77294CFEF}">
+  <ds:schemaRefs>
+    <ds:schemaRef ds:uri="http://purl.org/dc/elements/1.1/"/>
+    <ds:schemaRef ds:uri="http://www.w3.org/XML/1998/namespace"/>
+    <ds:schemaRef ds:uri="http://purl.org/dc/terms/"/>
+    <ds:schemaRef ds:uri="http://schemas.microsoft.com/office/2006/documentManagement/types"/>
+    <ds:schemaRef ds:uri="40806f44-bc4a-4ea4-b660-c6da93f8f179"/>
+    <ds:schemaRef ds:uri="http://schemas.openxmlformats.org/package/2006/metadata/core-properties"/>
+    <ds:schemaRef ds:uri="http://purl.org/dc/dcmitype/"/>
+    <ds:schemaRef ds:uri="http://schemas.microsoft.com/office/infopath/2007/PartnerControls"/>
+    <ds:schemaRef ds:uri="758d0d8f-b783-4c78-ab73-9740c97b97cf"/>
+    <ds:schemaRef ds:uri="http://schemas.microsoft.com/office/2006/metadata/properties"/>
+  </ds:schemaRefs>
+</ds:datastoreItem>
 </file>
 
-<file path=customXml/itemProps1.xml><?xml version="1.0" encoding="utf-8"?>
+<file path=customXml/itemProps2.xml><?xml version="1.0" encoding="utf-8"?>
 <ds:datastoreItem xmlns:ds="http://schemas.openxmlformats.org/officeDocument/2006/customXml" ds:itemID="{46915D30-CAA6-465E-907F-1770D4E3B01D}">
   <ds:schemaRefs>
     <ds:schemaRef ds:uri="http://schemas.microsoft.com/sharepoint/v3/contenttype/forms"/>
@@ -31339,7 +30828,7 @@
 </ds:datastoreItem>
 </file>
 
-<file path=customXml/itemProps2.xml><?xml version="1.0" encoding="utf-8"?>
+<file path=customXml/itemProps3.xml><?xml version="1.0" encoding="utf-8"?>
 <ds:datastoreItem xmlns:ds="http://schemas.openxmlformats.org/officeDocument/2006/customXml" ds:itemID="{4E6AED0F-96FF-4C7F-8AC9-672C91BFCDFE}">
   <ds:schemaRefs>
     <ds:schemaRef ds:uri="http://schemas.microsoft.com/office/2006/metadata/contentType"/>
@@ -31356,21 +30845,4 @@
     <ds:schemaRef ds:uri="http://schemas.microsoft.com/internal/obd"/>
   </ds:schemaRefs>
 </ds:datastoreItem>
-</file>
-
-<file path=customXml/itemProps3.xml><?xml version="1.0" encoding="utf-8"?>
-<ds:datastoreItem xmlns:ds="http://schemas.openxmlformats.org/officeDocument/2006/customXml" ds:itemID="{61E72F81-8533-461E-8E71-A6D77294CFEF}">
-  <ds:schemaRefs>
-    <ds:schemaRef ds:uri="http://purl.org/dc/elements/1.1/"/>
-    <ds:schemaRef ds:uri="http://www.w3.org/XML/1998/namespace"/>
-    <ds:schemaRef ds:uri="http://purl.org/dc/terms/"/>
-    <ds:schemaRef ds:uri="http://schemas.microsoft.com/office/2006/documentManagement/types"/>
-    <ds:schemaRef ds:uri="40806f44-bc4a-4ea4-b660-c6da93f8f179"/>
-    <ds:schemaRef ds:uri="http://schemas.openxmlformats.org/package/2006/metadata/core-properties"/>
-    <ds:schemaRef ds:uri="http://purl.org/dc/dcmitype/"/>
-    <ds:schemaRef ds:uri="http://schemas.microsoft.com/office/infopath/2007/PartnerControls"/>
-    <ds:schemaRef ds:uri="758d0d8f-b783-4c78-ab73-9740c97b97cf"/>
-    <ds:schemaRef ds:uri="http://schemas.microsoft.com/office/2006/metadata/properties"/>
-  </ds:schemaRefs>
-</ds:datastoreItem>
 </file>
--- a/Bootcamp/css-uvod/css-uvod.pptx
+++ b/Bootcamp/css-uvod/css-uvod.pptx
@@ -5,7 +5,7 @@
     <p:sldMasterId id="2147483648" r:id="rId4"/>
   </p:sldMasterIdLst>
   <p:notesMasterIdLst>
-    <p:notesMasterId r:id="rId44"/>
+    <p:notesMasterId r:id="rId43"/>
   </p:notesMasterIdLst>
   <p:sldIdLst>
     <p:sldId id="304" r:id="rId5"/>
@@ -31,22 +31,21 @@
     <p:sldId id="326" r:id="rId25"/>
     <p:sldId id="327" r:id="rId26"/>
     <p:sldId id="328" r:id="rId27"/>
-    <p:sldId id="329" r:id="rId28"/>
-    <p:sldId id="330" r:id="rId29"/>
-    <p:sldId id="331" r:id="rId30"/>
-    <p:sldId id="332" r:id="rId31"/>
-    <p:sldId id="333" r:id="rId32"/>
-    <p:sldId id="335" r:id="rId33"/>
-    <p:sldId id="336" r:id="rId34"/>
-    <p:sldId id="337" r:id="rId35"/>
-    <p:sldId id="338" r:id="rId36"/>
-    <p:sldId id="339" r:id="rId37"/>
-    <p:sldId id="340" r:id="rId38"/>
-    <p:sldId id="341" r:id="rId39"/>
-    <p:sldId id="342" r:id="rId40"/>
-    <p:sldId id="343" r:id="rId41"/>
-    <p:sldId id="344" r:id="rId42"/>
-    <p:sldId id="345" r:id="rId43"/>
+    <p:sldId id="330" r:id="rId28"/>
+    <p:sldId id="331" r:id="rId29"/>
+    <p:sldId id="332" r:id="rId30"/>
+    <p:sldId id="333" r:id="rId31"/>
+    <p:sldId id="335" r:id="rId32"/>
+    <p:sldId id="336" r:id="rId33"/>
+    <p:sldId id="337" r:id="rId34"/>
+    <p:sldId id="338" r:id="rId35"/>
+    <p:sldId id="339" r:id="rId36"/>
+    <p:sldId id="340" r:id="rId37"/>
+    <p:sldId id="341" r:id="rId38"/>
+    <p:sldId id="342" r:id="rId39"/>
+    <p:sldId id="343" r:id="rId40"/>
+    <p:sldId id="344" r:id="rId41"/>
+    <p:sldId id="345" r:id="rId42"/>
   </p:sldIdLst>
   <p:sldSz cx="12192000" cy="6858000"/>
   <p:notesSz cx="6858000" cy="9144000"/>
@@ -176,7 +175,6 @@
             <p14:sldId id="326"/>
             <p14:sldId id="327"/>
             <p14:sldId id="328"/>
-            <p14:sldId id="329"/>
             <p14:sldId id="330"/>
             <p14:sldId id="331"/>
             <p14:sldId id="332"/>
@@ -296,7 +294,7 @@
           <a:p>
             <a:fld id="{B2A70591-2E3C-5F42-A4E1-C0F5A0F4E5DB}" type="datetimeFigureOut">
               <a:rPr lang="en-US" smtClean="0"/>
-              <a:t>3/8/2025</a:t>
+              <a:t>3/9/2025</a:t>
             </a:fld>
             <a:endParaRPr lang="en-US"/>
           </a:p>
@@ -2493,114 +2491,6 @@
         <p:cNvPr id="1" name="">
           <a:extLst>
             <a:ext uri="{FF2B5EF4-FFF2-40B4-BE49-F238E27FC236}">
-              <a16:creationId xmlns:a16="http://schemas.microsoft.com/office/drawing/2014/main" id="{4B1A215F-751E-CE7E-BD43-F7AFFA917C37}"/>
-            </a:ext>
-          </a:extLst>
-        </p:cNvPr>
-        <p:cNvGrpSpPr/>
-        <p:nvPr/>
-      </p:nvGrpSpPr>
-      <p:grpSpPr>
-        <a:xfrm>
-          <a:off x="0" y="0"/>
-          <a:ext cx="0" cy="0"/>
-          <a:chOff x="0" y="0"/>
-          <a:chExt cx="0" cy="0"/>
-        </a:xfrm>
-      </p:grpSpPr>
-      <p:sp>
-        <p:nvSpPr>
-          <p:cNvPr id="2" name="Slide Image Placeholder 1">
-            <a:extLst>
-              <a:ext uri="{FF2B5EF4-FFF2-40B4-BE49-F238E27FC236}">
-                <a16:creationId xmlns:a16="http://schemas.microsoft.com/office/drawing/2014/main" id="{B0623BC6-BD9A-8137-93D7-6D8A89779E9F}"/>
-              </a:ext>
-            </a:extLst>
-          </p:cNvPr>
-          <p:cNvSpPr>
-            <a:spLocks noGrp="1" noRot="1" noChangeAspect="1"/>
-          </p:cNvSpPr>
-          <p:nvPr>
-            <p:ph type="sldImg"/>
-          </p:nvPr>
-        </p:nvSpPr>
-        <p:spPr/>
-      </p:sp>
-      <p:sp>
-        <p:nvSpPr>
-          <p:cNvPr id="3" name="Notes Placeholder 2">
-            <a:extLst>
-              <a:ext uri="{FF2B5EF4-FFF2-40B4-BE49-F238E27FC236}">
-                <a16:creationId xmlns:a16="http://schemas.microsoft.com/office/drawing/2014/main" id="{45BDD7A6-1371-014C-3629-CF407546AAE4}"/>
-              </a:ext>
-            </a:extLst>
-          </p:cNvPr>
-          <p:cNvSpPr>
-            <a:spLocks noGrp="1"/>
-          </p:cNvSpPr>
-          <p:nvPr>
-            <p:ph type="body" idx="1"/>
-          </p:nvPr>
-        </p:nvSpPr>
-        <p:spPr/>
-        <p:txBody>
-          <a:bodyPr/>
-          <a:lstStyle/>
-          <a:p>
-            <a:endParaRPr lang="hr-HR" dirty="0"/>
-          </a:p>
-        </p:txBody>
-      </p:sp>
-      <p:sp>
-        <p:nvSpPr>
-          <p:cNvPr id="4" name="Slide Number Placeholder 3">
-            <a:extLst>
-              <a:ext uri="{FF2B5EF4-FFF2-40B4-BE49-F238E27FC236}">
-                <a16:creationId xmlns:a16="http://schemas.microsoft.com/office/drawing/2014/main" id="{809E72E9-A8F2-4187-A0C3-E21E3B60F656}"/>
-              </a:ext>
-            </a:extLst>
-          </p:cNvPr>
-          <p:cNvSpPr>
-            <a:spLocks noGrp="1"/>
-          </p:cNvSpPr>
-          <p:nvPr>
-            <p:ph type="sldNum" sz="quarter" idx="5"/>
-          </p:nvPr>
-        </p:nvSpPr>
-        <p:spPr/>
-        <p:txBody>
-          <a:bodyPr/>
-          <a:lstStyle/>
-          <a:p>
-            <a:fld id="{343B951A-A665-1949-AEDB-B62DC9BE7F13}" type="slidenum">
-              <a:rPr lang="en-US" smtClean="0"/>
-              <a:t>24</a:t>
-            </a:fld>
-            <a:endParaRPr lang="en-US"/>
-          </a:p>
-        </p:txBody>
-      </p:sp>
-    </p:spTree>
-    <p:extLst>
-      <p:ext uri="{BB962C8B-B14F-4D97-AF65-F5344CB8AC3E}">
-        <p14:creationId xmlns:p14="http://schemas.microsoft.com/office/powerpoint/2010/main" val="933450068"/>
-      </p:ext>
-    </p:extLst>
-  </p:cSld>
-  <p:clrMapOvr>
-    <a:masterClrMapping/>
-  </p:clrMapOvr>
-</p:notes>
-</file>
-
-<file path=ppt/notesSlides/notesSlide24.xml><?xml version="1.0" encoding="utf-8"?>
-<p:notes xmlns:a="http://schemas.openxmlformats.org/drawingml/2006/main" xmlns:r="http://schemas.openxmlformats.org/officeDocument/2006/relationships" xmlns:p="http://schemas.openxmlformats.org/presentationml/2006/main">
-  <p:cSld>
-    <p:spTree>
-      <p:nvGrpSpPr>
-        <p:cNvPr id="1" name="">
-          <a:extLst>
-            <a:ext uri="{FF2B5EF4-FFF2-40B4-BE49-F238E27FC236}">
               <a16:creationId xmlns:a16="http://schemas.microsoft.com/office/drawing/2014/main" id="{66064C80-01FD-F5B6-1AE1-9CA512F03C02}"/>
             </a:ext>
           </a:extLst>
@@ -2682,7 +2572,7 @@
           <a:p>
             <a:fld id="{343B951A-A665-1949-AEDB-B62DC9BE7F13}" type="slidenum">
               <a:rPr lang="en-US" smtClean="0"/>
-              <a:t>25</a:t>
+              <a:t>24</a:t>
             </a:fld>
             <a:endParaRPr lang="en-US"/>
           </a:p>
@@ -2701,7 +2591,7 @@
 </p:notes>
 </file>
 
-<file path=ppt/notesSlides/notesSlide25.xml><?xml version="1.0" encoding="utf-8"?>
+<file path=ppt/notesSlides/notesSlide24.xml><?xml version="1.0" encoding="utf-8"?>
 <p:notes xmlns:a="http://schemas.openxmlformats.org/drawingml/2006/main" xmlns:r="http://schemas.openxmlformats.org/officeDocument/2006/relationships" xmlns:p="http://schemas.openxmlformats.org/presentationml/2006/main">
   <p:cSld>
     <p:spTree>
@@ -2790,7 +2680,7 @@
           <a:p>
             <a:fld id="{343B951A-A665-1949-AEDB-B62DC9BE7F13}" type="slidenum">
               <a:rPr lang="en-US" smtClean="0"/>
-              <a:t>26</a:t>
+              <a:t>25</a:t>
             </a:fld>
             <a:endParaRPr lang="en-US"/>
           </a:p>
@@ -2809,7 +2699,7 @@
 </p:notes>
 </file>
 
-<file path=ppt/notesSlides/notesSlide26.xml><?xml version="1.0" encoding="utf-8"?>
+<file path=ppt/notesSlides/notesSlide25.xml><?xml version="1.0" encoding="utf-8"?>
 <p:notes xmlns:a="http://schemas.openxmlformats.org/drawingml/2006/main" xmlns:r="http://schemas.openxmlformats.org/officeDocument/2006/relationships" xmlns:p="http://schemas.openxmlformats.org/presentationml/2006/main">
   <p:cSld>
     <p:spTree>
@@ -2898,7 +2788,7 @@
           <a:p>
             <a:fld id="{343B951A-A665-1949-AEDB-B62DC9BE7F13}" type="slidenum">
               <a:rPr lang="en-US" smtClean="0"/>
-              <a:t>27</a:t>
+              <a:t>26</a:t>
             </a:fld>
             <a:endParaRPr lang="en-US"/>
           </a:p>
@@ -2917,7 +2807,7 @@
 </p:notes>
 </file>
 
-<file path=ppt/notesSlides/notesSlide27.xml><?xml version="1.0" encoding="utf-8"?>
+<file path=ppt/notesSlides/notesSlide26.xml><?xml version="1.0" encoding="utf-8"?>
 <p:notes xmlns:a="http://schemas.openxmlformats.org/drawingml/2006/main" xmlns:r="http://schemas.openxmlformats.org/officeDocument/2006/relationships" xmlns:p="http://schemas.openxmlformats.org/presentationml/2006/main">
   <p:cSld>
     <p:spTree>
@@ -3006,7 +2896,7 @@
           <a:p>
             <a:fld id="{343B951A-A665-1949-AEDB-B62DC9BE7F13}" type="slidenum">
               <a:rPr lang="en-US" smtClean="0"/>
-              <a:t>28</a:t>
+              <a:t>27</a:t>
             </a:fld>
             <a:endParaRPr lang="en-US"/>
           </a:p>
@@ -3025,7 +2915,7 @@
 </p:notes>
 </file>
 
-<file path=ppt/notesSlides/notesSlide28.xml><?xml version="1.0" encoding="utf-8"?>
+<file path=ppt/notesSlides/notesSlide27.xml><?xml version="1.0" encoding="utf-8"?>
 <p:notes xmlns:a="http://schemas.openxmlformats.org/drawingml/2006/main" xmlns:r="http://schemas.openxmlformats.org/officeDocument/2006/relationships" xmlns:p="http://schemas.openxmlformats.org/presentationml/2006/main">
   <p:cSld>
     <p:spTree>
@@ -3117,7 +3007,7 @@
           <a:p>
             <a:fld id="{343B951A-A665-1949-AEDB-B62DC9BE7F13}" type="slidenum">
               <a:rPr lang="en-US" smtClean="0"/>
-              <a:t>29</a:t>
+              <a:t>28</a:t>
             </a:fld>
             <a:endParaRPr lang="en-US"/>
           </a:p>
@@ -3136,7 +3026,7 @@
 </p:notes>
 </file>
 
-<file path=ppt/notesSlides/notesSlide29.xml><?xml version="1.0" encoding="utf-8"?>
+<file path=ppt/notesSlides/notesSlide28.xml><?xml version="1.0" encoding="utf-8"?>
 <p:notes xmlns:a="http://schemas.openxmlformats.org/drawingml/2006/main" xmlns:r="http://schemas.openxmlformats.org/officeDocument/2006/relationships" xmlns:p="http://schemas.openxmlformats.org/presentationml/2006/main">
   <p:cSld>
     <p:spTree>
@@ -3228,7 +3118,7 @@
           <a:p>
             <a:fld id="{343B951A-A665-1949-AEDB-B62DC9BE7F13}" type="slidenum">
               <a:rPr lang="en-US" smtClean="0"/>
-              <a:t>30</a:t>
+              <a:t>29</a:t>
             </a:fld>
             <a:endParaRPr lang="en-US"/>
           </a:p>
@@ -3238,6 +3128,114 @@
     <p:extLst>
       <p:ext uri="{BB962C8B-B14F-4D97-AF65-F5344CB8AC3E}">
         <p14:creationId xmlns:p14="http://schemas.microsoft.com/office/powerpoint/2010/main" val="133115389"/>
+      </p:ext>
+    </p:extLst>
+  </p:cSld>
+  <p:clrMapOvr>
+    <a:masterClrMapping/>
+  </p:clrMapOvr>
+</p:notes>
+</file>
+
+<file path=ppt/notesSlides/notesSlide29.xml><?xml version="1.0" encoding="utf-8"?>
+<p:notes xmlns:a="http://schemas.openxmlformats.org/drawingml/2006/main" xmlns:r="http://schemas.openxmlformats.org/officeDocument/2006/relationships" xmlns:p="http://schemas.openxmlformats.org/presentationml/2006/main">
+  <p:cSld>
+    <p:spTree>
+      <p:nvGrpSpPr>
+        <p:cNvPr id="1" name="">
+          <a:extLst>
+            <a:ext uri="{FF2B5EF4-FFF2-40B4-BE49-F238E27FC236}">
+              <a16:creationId xmlns:a16="http://schemas.microsoft.com/office/drawing/2014/main" id="{90D7727E-A4B0-A8FA-D046-39636D92C5A8}"/>
+            </a:ext>
+          </a:extLst>
+        </p:cNvPr>
+        <p:cNvGrpSpPr/>
+        <p:nvPr/>
+      </p:nvGrpSpPr>
+      <p:grpSpPr>
+        <a:xfrm>
+          <a:off x="0" y="0"/>
+          <a:ext cx="0" cy="0"/>
+          <a:chOff x="0" y="0"/>
+          <a:chExt cx="0" cy="0"/>
+        </a:xfrm>
+      </p:grpSpPr>
+      <p:sp>
+        <p:nvSpPr>
+          <p:cNvPr id="2" name="Slide Image Placeholder 1">
+            <a:extLst>
+              <a:ext uri="{FF2B5EF4-FFF2-40B4-BE49-F238E27FC236}">
+                <a16:creationId xmlns:a16="http://schemas.microsoft.com/office/drawing/2014/main" id="{CE1401CC-CDEE-5200-AB52-07A5EC73086F}"/>
+              </a:ext>
+            </a:extLst>
+          </p:cNvPr>
+          <p:cNvSpPr>
+            <a:spLocks noGrp="1" noRot="1" noChangeAspect="1"/>
+          </p:cNvSpPr>
+          <p:nvPr>
+            <p:ph type="sldImg"/>
+          </p:nvPr>
+        </p:nvSpPr>
+        <p:spPr/>
+      </p:sp>
+      <p:sp>
+        <p:nvSpPr>
+          <p:cNvPr id="3" name="Notes Placeholder 2">
+            <a:extLst>
+              <a:ext uri="{FF2B5EF4-FFF2-40B4-BE49-F238E27FC236}">
+                <a16:creationId xmlns:a16="http://schemas.microsoft.com/office/drawing/2014/main" id="{06A8B799-125C-E113-29D1-B5726B22B484}"/>
+              </a:ext>
+            </a:extLst>
+          </p:cNvPr>
+          <p:cNvSpPr>
+            <a:spLocks noGrp="1"/>
+          </p:cNvSpPr>
+          <p:nvPr>
+            <p:ph type="body" idx="1"/>
+          </p:nvPr>
+        </p:nvSpPr>
+        <p:spPr/>
+        <p:txBody>
+          <a:bodyPr/>
+          <a:lstStyle/>
+          <a:p>
+            <a:endParaRPr lang="hr-HR" dirty="0"/>
+          </a:p>
+        </p:txBody>
+      </p:sp>
+      <p:sp>
+        <p:nvSpPr>
+          <p:cNvPr id="4" name="Slide Number Placeholder 3">
+            <a:extLst>
+              <a:ext uri="{FF2B5EF4-FFF2-40B4-BE49-F238E27FC236}">
+                <a16:creationId xmlns:a16="http://schemas.microsoft.com/office/drawing/2014/main" id="{6FBEEC49-AA6F-E39C-FE60-A8CE322EC536}"/>
+              </a:ext>
+            </a:extLst>
+          </p:cNvPr>
+          <p:cNvSpPr>
+            <a:spLocks noGrp="1"/>
+          </p:cNvSpPr>
+          <p:nvPr>
+            <p:ph type="sldNum" sz="quarter" idx="5"/>
+          </p:nvPr>
+        </p:nvSpPr>
+        <p:spPr/>
+        <p:txBody>
+          <a:bodyPr/>
+          <a:lstStyle/>
+          <a:p>
+            <a:fld id="{343B951A-A665-1949-AEDB-B62DC9BE7F13}" type="slidenum">
+              <a:rPr lang="en-US" smtClean="0"/>
+              <a:t>30</a:t>
+            </a:fld>
+            <a:endParaRPr lang="en-US"/>
+          </a:p>
+        </p:txBody>
+      </p:sp>
+    </p:spTree>
+    <p:extLst>
+      <p:ext uri="{BB962C8B-B14F-4D97-AF65-F5344CB8AC3E}">
+        <p14:creationId xmlns:p14="http://schemas.microsoft.com/office/powerpoint/2010/main" val="2683207721"/>
       </p:ext>
     </p:extLst>
   </p:cSld>
@@ -3367,114 +3365,6 @@
         <p:cNvPr id="1" name="">
           <a:extLst>
             <a:ext uri="{FF2B5EF4-FFF2-40B4-BE49-F238E27FC236}">
-              <a16:creationId xmlns:a16="http://schemas.microsoft.com/office/drawing/2014/main" id="{90D7727E-A4B0-A8FA-D046-39636D92C5A8}"/>
-            </a:ext>
-          </a:extLst>
-        </p:cNvPr>
-        <p:cNvGrpSpPr/>
-        <p:nvPr/>
-      </p:nvGrpSpPr>
-      <p:grpSpPr>
-        <a:xfrm>
-          <a:off x="0" y="0"/>
-          <a:ext cx="0" cy="0"/>
-          <a:chOff x="0" y="0"/>
-          <a:chExt cx="0" cy="0"/>
-        </a:xfrm>
-      </p:grpSpPr>
-      <p:sp>
-        <p:nvSpPr>
-          <p:cNvPr id="2" name="Slide Image Placeholder 1">
-            <a:extLst>
-              <a:ext uri="{FF2B5EF4-FFF2-40B4-BE49-F238E27FC236}">
-                <a16:creationId xmlns:a16="http://schemas.microsoft.com/office/drawing/2014/main" id="{CE1401CC-CDEE-5200-AB52-07A5EC73086F}"/>
-              </a:ext>
-            </a:extLst>
-          </p:cNvPr>
-          <p:cNvSpPr>
-            <a:spLocks noGrp="1" noRot="1" noChangeAspect="1"/>
-          </p:cNvSpPr>
-          <p:nvPr>
-            <p:ph type="sldImg"/>
-          </p:nvPr>
-        </p:nvSpPr>
-        <p:spPr/>
-      </p:sp>
-      <p:sp>
-        <p:nvSpPr>
-          <p:cNvPr id="3" name="Notes Placeholder 2">
-            <a:extLst>
-              <a:ext uri="{FF2B5EF4-FFF2-40B4-BE49-F238E27FC236}">
-                <a16:creationId xmlns:a16="http://schemas.microsoft.com/office/drawing/2014/main" id="{06A8B799-125C-E113-29D1-B5726B22B484}"/>
-              </a:ext>
-            </a:extLst>
-          </p:cNvPr>
-          <p:cNvSpPr>
-            <a:spLocks noGrp="1"/>
-          </p:cNvSpPr>
-          <p:nvPr>
-            <p:ph type="body" idx="1"/>
-          </p:nvPr>
-        </p:nvSpPr>
-        <p:spPr/>
-        <p:txBody>
-          <a:bodyPr/>
-          <a:lstStyle/>
-          <a:p>
-            <a:endParaRPr lang="hr-HR" dirty="0"/>
-          </a:p>
-        </p:txBody>
-      </p:sp>
-      <p:sp>
-        <p:nvSpPr>
-          <p:cNvPr id="4" name="Slide Number Placeholder 3">
-            <a:extLst>
-              <a:ext uri="{FF2B5EF4-FFF2-40B4-BE49-F238E27FC236}">
-                <a16:creationId xmlns:a16="http://schemas.microsoft.com/office/drawing/2014/main" id="{6FBEEC49-AA6F-E39C-FE60-A8CE322EC536}"/>
-              </a:ext>
-            </a:extLst>
-          </p:cNvPr>
-          <p:cNvSpPr>
-            <a:spLocks noGrp="1"/>
-          </p:cNvSpPr>
-          <p:nvPr>
-            <p:ph type="sldNum" sz="quarter" idx="5"/>
-          </p:nvPr>
-        </p:nvSpPr>
-        <p:spPr/>
-        <p:txBody>
-          <a:bodyPr/>
-          <a:lstStyle/>
-          <a:p>
-            <a:fld id="{343B951A-A665-1949-AEDB-B62DC9BE7F13}" type="slidenum">
-              <a:rPr lang="en-US" smtClean="0"/>
-              <a:t>31</a:t>
-            </a:fld>
-            <a:endParaRPr lang="en-US"/>
-          </a:p>
-        </p:txBody>
-      </p:sp>
-    </p:spTree>
-    <p:extLst>
-      <p:ext uri="{BB962C8B-B14F-4D97-AF65-F5344CB8AC3E}">
-        <p14:creationId xmlns:p14="http://schemas.microsoft.com/office/powerpoint/2010/main" val="2683207721"/>
-      </p:ext>
-    </p:extLst>
-  </p:cSld>
-  <p:clrMapOvr>
-    <a:masterClrMapping/>
-  </p:clrMapOvr>
-</p:notes>
-</file>
-
-<file path=ppt/notesSlides/notesSlide31.xml><?xml version="1.0" encoding="utf-8"?>
-<p:notes xmlns:a="http://schemas.openxmlformats.org/drawingml/2006/main" xmlns:r="http://schemas.openxmlformats.org/officeDocument/2006/relationships" xmlns:p="http://schemas.openxmlformats.org/presentationml/2006/main">
-  <p:cSld>
-    <p:spTree>
-      <p:nvGrpSpPr>
-        <p:cNvPr id="1" name="">
-          <a:extLst>
-            <a:ext uri="{FF2B5EF4-FFF2-40B4-BE49-F238E27FC236}">
               <a16:creationId xmlns:a16="http://schemas.microsoft.com/office/drawing/2014/main" id="{6DD12AF9-E399-DC8A-35C5-4BA294086E52}"/>
             </a:ext>
           </a:extLst>
@@ -3559,7 +3449,7 @@
           <a:p>
             <a:fld id="{343B951A-A665-1949-AEDB-B62DC9BE7F13}" type="slidenum">
               <a:rPr lang="en-US" smtClean="0"/>
-              <a:t>32</a:t>
+              <a:t>31</a:t>
             </a:fld>
             <a:endParaRPr lang="en-US"/>
           </a:p>
@@ -3578,7 +3468,7 @@
 </p:notes>
 </file>
 
-<file path=ppt/notesSlides/notesSlide32.xml><?xml version="1.0" encoding="utf-8"?>
+<file path=ppt/notesSlides/notesSlide31.xml><?xml version="1.0" encoding="utf-8"?>
 <p:notes xmlns:a="http://schemas.openxmlformats.org/drawingml/2006/main" xmlns:r="http://schemas.openxmlformats.org/officeDocument/2006/relationships" xmlns:p="http://schemas.openxmlformats.org/presentationml/2006/main">
   <p:cSld>
     <p:spTree>
@@ -3667,7 +3557,7 @@
           <a:p>
             <a:fld id="{343B951A-A665-1949-AEDB-B62DC9BE7F13}" type="slidenum">
               <a:rPr lang="en-US" smtClean="0"/>
-              <a:t>33</a:t>
+              <a:t>32</a:t>
             </a:fld>
             <a:endParaRPr lang="en-US"/>
           </a:p>
@@ -3686,7 +3576,7 @@
 </p:notes>
 </file>
 
-<file path=ppt/notesSlides/notesSlide33.xml><?xml version="1.0" encoding="utf-8"?>
+<file path=ppt/notesSlides/notesSlide32.xml><?xml version="1.0" encoding="utf-8"?>
 <p:notes xmlns:a="http://schemas.openxmlformats.org/drawingml/2006/main" xmlns:r="http://schemas.openxmlformats.org/officeDocument/2006/relationships" xmlns:p="http://schemas.openxmlformats.org/presentationml/2006/main">
   <p:cSld>
     <p:spTree>
@@ -3775,7 +3665,7 @@
           <a:p>
             <a:fld id="{343B951A-A665-1949-AEDB-B62DC9BE7F13}" type="slidenum">
               <a:rPr lang="en-US" smtClean="0"/>
-              <a:t>34</a:t>
+              <a:t>33</a:t>
             </a:fld>
             <a:endParaRPr lang="en-US"/>
           </a:p>
@@ -3794,7 +3684,7 @@
 </p:notes>
 </file>
 
-<file path=ppt/notesSlides/notesSlide34.xml><?xml version="1.0" encoding="utf-8"?>
+<file path=ppt/notesSlides/notesSlide33.xml><?xml version="1.0" encoding="utf-8"?>
 <p:notes xmlns:a="http://schemas.openxmlformats.org/drawingml/2006/main" xmlns:r="http://schemas.openxmlformats.org/officeDocument/2006/relationships" xmlns:p="http://schemas.openxmlformats.org/presentationml/2006/main">
   <p:cSld>
     <p:spTree>
@@ -3886,7 +3776,7 @@
           <a:p>
             <a:fld id="{343B951A-A665-1949-AEDB-B62DC9BE7F13}" type="slidenum">
               <a:rPr lang="en-US" smtClean="0"/>
-              <a:t>35</a:t>
+              <a:t>34</a:t>
             </a:fld>
             <a:endParaRPr lang="en-US"/>
           </a:p>
@@ -3905,7 +3795,7 @@
 </p:notes>
 </file>
 
-<file path=ppt/notesSlides/notesSlide35.xml><?xml version="1.0" encoding="utf-8"?>
+<file path=ppt/notesSlides/notesSlide34.xml><?xml version="1.0" encoding="utf-8"?>
 <p:notes xmlns:a="http://schemas.openxmlformats.org/drawingml/2006/main" xmlns:r="http://schemas.openxmlformats.org/officeDocument/2006/relationships" xmlns:p="http://schemas.openxmlformats.org/presentationml/2006/main">
   <p:cSld>
     <p:spTree>
@@ -3994,7 +3884,7 @@
           <a:p>
             <a:fld id="{343B951A-A665-1949-AEDB-B62DC9BE7F13}" type="slidenum">
               <a:rPr lang="en-US" smtClean="0"/>
-              <a:t>36</a:t>
+              <a:t>35</a:t>
             </a:fld>
             <a:endParaRPr lang="en-US"/>
           </a:p>
@@ -4013,7 +3903,7 @@
 </p:notes>
 </file>
 
-<file path=ppt/notesSlides/notesSlide36.xml><?xml version="1.0" encoding="utf-8"?>
+<file path=ppt/notesSlides/notesSlide35.xml><?xml version="1.0" encoding="utf-8"?>
 <p:notes xmlns:a="http://schemas.openxmlformats.org/drawingml/2006/main" xmlns:r="http://schemas.openxmlformats.org/officeDocument/2006/relationships" xmlns:p="http://schemas.openxmlformats.org/presentationml/2006/main">
   <p:cSld>
     <p:spTree>
@@ -4102,7 +3992,7 @@
           <a:p>
             <a:fld id="{343B951A-A665-1949-AEDB-B62DC9BE7F13}" type="slidenum">
               <a:rPr lang="en-US" smtClean="0"/>
-              <a:t>37</a:t>
+              <a:t>36</a:t>
             </a:fld>
             <a:endParaRPr lang="en-US"/>
           </a:p>
@@ -4121,7 +4011,7 @@
 </p:notes>
 </file>
 
-<file path=ppt/notesSlides/notesSlide37.xml><?xml version="1.0" encoding="utf-8"?>
+<file path=ppt/notesSlides/notesSlide36.xml><?xml version="1.0" encoding="utf-8"?>
 <p:notes xmlns:a="http://schemas.openxmlformats.org/drawingml/2006/main" xmlns:r="http://schemas.openxmlformats.org/officeDocument/2006/relationships" xmlns:p="http://schemas.openxmlformats.org/presentationml/2006/main">
   <p:cSld>
     <p:spTree>
@@ -4234,7 +4124,7 @@
           <a:p>
             <a:fld id="{343B951A-A665-1949-AEDB-B62DC9BE7F13}" type="slidenum">
               <a:rPr lang="en-US" smtClean="0"/>
-              <a:t>38</a:t>
+              <a:t>37</a:t>
             </a:fld>
             <a:endParaRPr lang="en-US"/>
           </a:p>
@@ -5605,7 +5495,7 @@
                 <a:ea typeface="Open Sans" panose="020B0606030504020204" pitchFamily="34" charset="0"/>
                 <a:cs typeface="Open Sans" panose="020B0606030504020204" pitchFamily="34" charset="0"/>
               </a:rPr>
-              <a:t>08/03/2025</a:t>
+              <a:t>09/03/2025</a:t>
             </a:fld>
             <a:endParaRPr lang="en-GB" sz="1800" b="0" i="0" kern="1200" dirty="0">
               <a:solidFill>
@@ -6350,7 +6240,7 @@
                 <a:ea typeface="Open Sans" panose="020B0606030504020204" pitchFamily="34" charset="0"/>
                 <a:cs typeface="Open Sans" panose="020B0606030504020204" pitchFamily="34" charset="0"/>
               </a:rPr>
-              <a:t>08/03/2025</a:t>
+              <a:t>09/03/2025</a:t>
             </a:fld>
             <a:endParaRPr lang="en-GB" sz="1800" b="0" i="0" kern="1200" dirty="0">
               <a:solidFill>
@@ -6873,7 +6763,7 @@
                 <a:ea typeface="Open Sans" panose="020B0606030504020204" pitchFamily="34" charset="0"/>
                 <a:cs typeface="Open Sans" panose="020B0606030504020204" pitchFamily="34" charset="0"/>
               </a:rPr>
-              <a:t>08/03/2025</a:t>
+              <a:t>09/03/2025</a:t>
             </a:fld>
             <a:endParaRPr lang="en-GB" sz="1800" b="0" i="0" kern="1200" dirty="0">
               <a:solidFill>
@@ -7839,7 +7729,7 @@
                 <a:ea typeface="Open Sans" panose="020B0606030504020204" pitchFamily="34" charset="0"/>
                 <a:cs typeface="Open Sans" panose="020B0606030504020204" pitchFamily="34" charset="0"/>
               </a:rPr>
-              <a:t>08/03/2025</a:t>
+              <a:t>09/03/2025</a:t>
             </a:fld>
             <a:endParaRPr lang="en-GB" sz="1800" b="0" i="0" kern="1200" dirty="0">
               <a:solidFill>
@@ -8278,7 +8168,7 @@
                 <a:ea typeface="Open Sans" panose="020B0606030504020204" pitchFamily="34" charset="0"/>
                 <a:cs typeface="Open Sans" panose="020B0606030504020204" pitchFamily="34" charset="0"/>
               </a:rPr>
-              <a:t>08/03/2025</a:t>
+              <a:t>09/03/2025</a:t>
             </a:fld>
             <a:endParaRPr lang="en-GB" sz="1800" b="0" i="0" kern="1200" dirty="0">
               <a:solidFill>
@@ -10048,7 +9938,7 @@
                 <a:ea typeface="Open Sans" pitchFamily="2" charset="0"/>
                 <a:cs typeface="Open Sans" pitchFamily="2" charset="0"/>
               </a:rPr>
-              <a:t>08/03/2025</a:t>
+              <a:t>09/03/2025</a:t>
             </a:fld>
             <a:endParaRPr lang="en-GB" sz="1800" b="0" i="0" kern="1200" dirty="0">
               <a:solidFill>
@@ -11798,7 +11688,7 @@
                 <a:ea typeface="Open Sans" pitchFamily="2" charset="0"/>
                 <a:cs typeface="Open Sans" pitchFamily="2" charset="0"/>
               </a:rPr>
-              <a:t>08/03/2025</a:t>
+              <a:t>09/03/2025</a:t>
             </a:fld>
             <a:endParaRPr lang="en-GB" sz="1800" b="0" i="0" kern="1200" dirty="0">
               <a:solidFill>
@@ -12315,7 +12205,7 @@
                 <a:ea typeface="Open Sans" panose="020B0606030504020204" pitchFamily="34" charset="0"/>
                 <a:cs typeface="Open Sans" panose="020B0606030504020204" pitchFamily="34" charset="0"/>
               </a:rPr>
-              <a:t>08/03/2025</a:t>
+              <a:t>09/03/2025</a:t>
             </a:fld>
             <a:endParaRPr lang="en-GB" sz="1800" b="0" i="0" kern="1200" dirty="0">
               <a:solidFill>
@@ -12912,7 +12802,7 @@
                 <a:ea typeface="Open Sans" pitchFamily="2" charset="0"/>
                 <a:cs typeface="Open Sans" pitchFamily="2" charset="0"/>
               </a:rPr>
-              <a:t>08/03/2025</a:t>
+              <a:t>09/03/2025</a:t>
             </a:fld>
             <a:endParaRPr lang="en-GB" sz="1800" b="0" i="0" kern="1200" dirty="0">
               <a:solidFill>
@@ -13452,7 +13342,7 @@
                 <a:ea typeface="Open Sans" panose="020B0606030504020204" pitchFamily="34" charset="0"/>
                 <a:cs typeface="Open Sans" panose="020B0606030504020204" pitchFamily="34" charset="0"/>
               </a:rPr>
-              <a:t>08/03/2025</a:t>
+              <a:t>09/03/2025</a:t>
             </a:fld>
             <a:endParaRPr lang="en-GB" sz="1800" b="0" i="0" kern="1200" dirty="0">
               <a:solidFill>
@@ -14153,7 +14043,7 @@
                 <a:ea typeface="Open Sans" panose="020B0606030504020204" pitchFamily="34" charset="0"/>
                 <a:cs typeface="Open Sans" panose="020B0606030504020204" pitchFamily="34" charset="0"/>
               </a:rPr>
-              <a:t>08/03/2025</a:t>
+              <a:t>09/03/2025</a:t>
             </a:fld>
             <a:endParaRPr lang="en-GB" sz="1800" b="0" i="0" kern="1200" dirty="0">
               <a:solidFill>
@@ -14516,7 +14406,7 @@
                 <a:ea typeface="Open Sans" pitchFamily="2" charset="0"/>
                 <a:cs typeface="Open Sans" pitchFamily="2" charset="0"/>
               </a:rPr>
-              <a:t>08/03/2025</a:t>
+              <a:t>09/03/2025</a:t>
             </a:fld>
             <a:endParaRPr lang="en-GB" sz="1800" b="0" i="0" kern="1200" dirty="0">
               <a:solidFill>
@@ -14911,7 +14801,7 @@
                 <a:ea typeface="Open Sans" pitchFamily="2" charset="0"/>
                 <a:cs typeface="Open Sans" pitchFamily="2" charset="0"/>
               </a:rPr>
-              <a:t>08/03/2025</a:t>
+              <a:t>09/03/2025</a:t>
             </a:fld>
             <a:endParaRPr lang="en-GB" sz="1800" b="0" i="0" kern="1200" dirty="0">
               <a:solidFill>
@@ -18683,46 +18573,6 @@
           </a:p>
         </p:txBody>
       </p:sp>
-      <p:sp>
-        <p:nvSpPr>
-          <p:cNvPr id="7" name="Title 1">
-            <a:extLst>
-              <a:ext uri="{FF2B5EF4-FFF2-40B4-BE49-F238E27FC236}">
-                <a16:creationId xmlns:a16="http://schemas.microsoft.com/office/drawing/2014/main" id="{B5E4C682-E493-8C77-27B6-38147B343E5C}"/>
-              </a:ext>
-            </a:extLst>
-          </p:cNvPr>
-          <p:cNvSpPr>
-            <a:spLocks noGrp="1"/>
-          </p:cNvSpPr>
-          <p:nvPr>
-            <p:ph type="title"/>
-          </p:nvPr>
-        </p:nvSpPr>
-        <p:spPr>
-          <a:xfrm>
-            <a:off x="878959" y="1606364"/>
-            <a:ext cx="5328139" cy="853976"/>
-          </a:xfrm>
-        </p:spPr>
-        <p:txBody>
-          <a:bodyPr>
-            <a:normAutofit/>
-          </a:bodyPr>
-          <a:lstStyle/>
-          <a:p>
-            <a:r>
-              <a:rPr lang="pl-PL" sz="1600" dirty="0"/>
-              <a:t>Pozicija Pravila u CSS Fajlu</a:t>
-            </a:r>
-            <a:endParaRPr lang="hr-HR" sz="1600" dirty="0">
-              <a:solidFill>
-                <a:schemeClr val="accent3"/>
-              </a:solidFill>
-            </a:endParaRPr>
-          </a:p>
-        </p:txBody>
-      </p:sp>
       <p:pic>
         <p:nvPicPr>
           <p:cNvPr id="10" name="Picture 9">
@@ -19746,66 +19596,6 @@
           </a:p>
         </p:txBody>
       </p:sp>
-      <p:sp>
-        <p:nvSpPr>
-          <p:cNvPr id="7" name="Title 1">
-            <a:extLst>
-              <a:ext uri="{FF2B5EF4-FFF2-40B4-BE49-F238E27FC236}">
-                <a16:creationId xmlns:a16="http://schemas.microsoft.com/office/drawing/2014/main" id="{CA172DFD-DC74-B860-318D-8B6182B681E9}"/>
-              </a:ext>
-            </a:extLst>
-          </p:cNvPr>
-          <p:cNvSpPr>
-            <a:spLocks noGrp="1"/>
-          </p:cNvSpPr>
-          <p:nvPr>
-            <p:ph type="title"/>
-          </p:nvPr>
-        </p:nvSpPr>
-        <p:spPr>
-          <a:xfrm>
-            <a:off x="878959" y="1179376"/>
-            <a:ext cx="5328139" cy="853976"/>
-          </a:xfrm>
-        </p:spPr>
-        <p:txBody>
-          <a:bodyPr>
-            <a:normAutofit/>
-          </a:bodyPr>
-          <a:lstStyle/>
-          <a:p>
-            <a:r>
-              <a:rPr lang="en-US" sz="1600" dirty="0" err="1"/>
-              <a:t>Koristenje</a:t>
-            </a:r>
-            <a:r>
-              <a:rPr lang="en-US" sz="1600" dirty="0"/>
-              <a:t> !important za </a:t>
-            </a:r>
-            <a:r>
-              <a:rPr lang="en-US" sz="1600" dirty="0" err="1"/>
-              <a:t>za</a:t>
-            </a:r>
-            <a:r>
-              <a:rPr lang="en-US" sz="1600" dirty="0"/>
-              <a:t> </a:t>
-            </a:r>
-            <a:r>
-              <a:rPr lang="en-US" sz="1600" dirty="0" err="1"/>
-              <a:t>Forsiranje</a:t>
-            </a:r>
-            <a:r>
-              <a:rPr lang="en-US" sz="1600" dirty="0"/>
-              <a:t> </a:t>
-            </a:r>
-            <a:r>
-              <a:rPr lang="en-US" sz="1600" dirty="0" err="1"/>
-              <a:t>Pravila</a:t>
-            </a:r>
-            <a:endParaRPr lang="hr-HR" sz="1600" dirty="0"/>
-          </a:p>
-        </p:txBody>
-      </p:sp>
       <p:pic>
         <p:nvPicPr>
           <p:cNvPr id="9" name="Picture 8">
@@ -20157,798 +19947,6 @@
         <p:cNvPr id="1" name="">
           <a:extLst>
             <a:ext uri="{FF2B5EF4-FFF2-40B4-BE49-F238E27FC236}">
-              <a16:creationId xmlns:a16="http://schemas.microsoft.com/office/drawing/2014/main" id="{C44C638A-01F8-392D-1240-10B8AFB72A65}"/>
-            </a:ext>
-          </a:extLst>
-        </p:cNvPr>
-        <p:cNvGrpSpPr/>
-        <p:nvPr/>
-      </p:nvGrpSpPr>
-      <p:grpSpPr>
-        <a:xfrm>
-          <a:off x="0" y="0"/>
-          <a:ext cx="0" cy="0"/>
-          <a:chOff x="0" y="0"/>
-          <a:chExt cx="0" cy="0"/>
-        </a:xfrm>
-      </p:grpSpPr>
-      <p:sp>
-        <p:nvSpPr>
-          <p:cNvPr id="4" name="Title 1">
-            <a:extLst>
-              <a:ext uri="{FF2B5EF4-FFF2-40B4-BE49-F238E27FC236}">
-                <a16:creationId xmlns:a16="http://schemas.microsoft.com/office/drawing/2014/main" id="{3A47832E-F7AA-472B-91B4-2CAF70443F0A}"/>
-              </a:ext>
-            </a:extLst>
-          </p:cNvPr>
-          <p:cNvSpPr txBox="1">
-            <a:spLocks/>
-          </p:cNvSpPr>
-          <p:nvPr/>
-        </p:nvSpPr>
-        <p:spPr>
-          <a:xfrm>
-            <a:off x="878959" y="383056"/>
-            <a:ext cx="10515600" cy="853976"/>
-          </a:xfrm>
-          <a:prstGeom prst="rect">
-            <a:avLst/>
-          </a:prstGeom>
-        </p:spPr>
-        <p:txBody>
-          <a:bodyPr vert="horz" lIns="91440" tIns="45720" rIns="91440" bIns="45720" rtlCol="0" anchor="ctr">
-            <a:normAutofit fontScale="92500" lnSpcReduction="20000"/>
-          </a:bodyPr>
-          <a:lstStyle>
-            <a:lvl1pPr algn="l" defTabSz="914400" rtl="0" eaLnBrk="1" latinLnBrk="0" hangingPunct="1">
-              <a:lnSpc>
-                <a:spcPct val="90000"/>
-              </a:lnSpc>
-              <a:spcBef>
-                <a:spcPct val="0"/>
-              </a:spcBef>
-              <a:buNone/>
-              <a:defRPr sz="3600" b="1" i="0" kern="1200" cap="all" baseline="0">
-                <a:solidFill>
-                  <a:schemeClr val="tx2"/>
-                </a:solidFill>
-                <a:latin typeface="+mj-lt"/>
-                <a:ea typeface="Open Sans Semibold" panose="020B0606030504020204" pitchFamily="34" charset="0"/>
-                <a:cs typeface="Open Sans Semibold" panose="020B0606030504020204" pitchFamily="34" charset="0"/>
-              </a:defRPr>
-            </a:lvl1pPr>
-          </a:lstStyle>
-          <a:p>
-            <a:r>
-              <a:rPr lang="hr-HR" dirty="0"/>
-              <a:t>Kombin</a:t>
-            </a:r>
-            <a:r>
-              <a:rPr lang="en-US" dirty="0" err="1"/>
-              <a:t>iranje</a:t>
-            </a:r>
-            <a:r>
-              <a:rPr lang="hr-HR" dirty="0"/>
-              <a:t> CSS Selektora: Precizno Stiliz</a:t>
-            </a:r>
-            <a:r>
-              <a:rPr lang="en-US" dirty="0" err="1"/>
-              <a:t>iranje</a:t>
-            </a:r>
-            <a:endParaRPr lang="hr-HR" dirty="0"/>
-          </a:p>
-        </p:txBody>
-      </p:sp>
-      <p:sp>
-        <p:nvSpPr>
-          <p:cNvPr id="3" name="TextBox 2">
-            <a:extLst>
-              <a:ext uri="{FF2B5EF4-FFF2-40B4-BE49-F238E27FC236}">
-                <a16:creationId xmlns:a16="http://schemas.microsoft.com/office/drawing/2014/main" id="{1CCA5AD8-6E8F-29BB-AE2B-688CEBA9FC93}"/>
-              </a:ext>
-            </a:extLst>
-          </p:cNvPr>
-          <p:cNvSpPr txBox="1"/>
-          <p:nvPr/>
-        </p:nvSpPr>
-        <p:spPr>
-          <a:xfrm>
-            <a:off x="974653" y="3059669"/>
-            <a:ext cx="3289003" cy="276999"/>
-          </a:xfrm>
-          <a:prstGeom prst="rect">
-            <a:avLst/>
-          </a:prstGeom>
-          <a:noFill/>
-        </p:spPr>
-        <p:txBody>
-          <a:bodyPr wrap="square">
-            <a:spAutoFit/>
-          </a:bodyPr>
-          <a:lstStyle/>
-          <a:p>
-            <a:r>
-              <a:rPr lang="hr-HR" sz="1200" dirty="0"/>
-              <a:t>👉</a:t>
-            </a:r>
-            <a:r>
-              <a:rPr lang="en-US" sz="1200" dirty="0"/>
-              <a:t>Oba </a:t>
-            </a:r>
-            <a:r>
-              <a:rPr lang="en-US" sz="1200" dirty="0" err="1"/>
-              <a:t>naslova</a:t>
-            </a:r>
-            <a:r>
-              <a:rPr lang="en-US" sz="1200" dirty="0"/>
-              <a:t> </a:t>
-            </a:r>
-            <a:r>
-              <a:rPr lang="hr-HR" sz="1200" dirty="0"/>
-              <a:t>će imati </a:t>
-            </a:r>
-            <a:r>
-              <a:rPr lang="hr-HR" sz="1200" b="1" dirty="0" err="1"/>
-              <a:t>blueviolet</a:t>
-            </a:r>
-            <a:r>
-              <a:rPr lang="hr-HR" sz="1200" dirty="0"/>
-              <a:t> boju</a:t>
-            </a:r>
-            <a:endParaRPr lang="en-US" sz="1200" dirty="0"/>
-          </a:p>
-        </p:txBody>
-      </p:sp>
-      <p:sp>
-        <p:nvSpPr>
-          <p:cNvPr id="6" name="Title 1">
-            <a:extLst>
-              <a:ext uri="{FF2B5EF4-FFF2-40B4-BE49-F238E27FC236}">
-                <a16:creationId xmlns:a16="http://schemas.microsoft.com/office/drawing/2014/main" id="{0FE7B59D-AC1E-B6BF-66B0-97A87F2B2967}"/>
-              </a:ext>
-            </a:extLst>
-          </p:cNvPr>
-          <p:cNvSpPr>
-            <a:spLocks noGrp="1"/>
-          </p:cNvSpPr>
-          <p:nvPr>
-            <p:ph type="title"/>
-          </p:nvPr>
-        </p:nvSpPr>
-        <p:spPr>
-          <a:xfrm>
-            <a:off x="1162855" y="3654874"/>
-            <a:ext cx="5328139" cy="853976"/>
-          </a:xfrm>
-        </p:spPr>
-        <p:txBody>
-          <a:bodyPr>
-            <a:normAutofit/>
-          </a:bodyPr>
-          <a:lstStyle/>
-          <a:p>
-            <a:r>
-              <a:rPr lang="it-IT" sz="1600" dirty="0" err="1"/>
-              <a:t>Descendant</a:t>
-            </a:r>
-            <a:r>
-              <a:rPr lang="it-IT" sz="1600" dirty="0"/>
-              <a:t> </a:t>
-            </a:r>
-            <a:r>
-              <a:rPr lang="it-IT" sz="1600" dirty="0" err="1"/>
-              <a:t>Selektor</a:t>
-            </a:r>
-            <a:endParaRPr lang="hr-HR" sz="1600" dirty="0"/>
-          </a:p>
-        </p:txBody>
-      </p:sp>
-      <p:pic>
-        <p:nvPicPr>
-          <p:cNvPr id="8" name="Picture 7">
-            <a:extLst>
-              <a:ext uri="{FF2B5EF4-FFF2-40B4-BE49-F238E27FC236}">
-                <a16:creationId xmlns:a16="http://schemas.microsoft.com/office/drawing/2014/main" id="{2075112F-E8FA-66A6-D3D2-3328828B6DCA}"/>
-              </a:ext>
-            </a:extLst>
-          </p:cNvPr>
-          <p:cNvPicPr>
-            <a:picLocks noChangeAspect="1"/>
-          </p:cNvPicPr>
-          <p:nvPr/>
-        </p:nvPicPr>
-        <p:blipFill>
-          <a:blip r:embed="rId3"/>
-          <a:stretch>
-            <a:fillRect/>
-          </a:stretch>
-        </p:blipFill>
-        <p:spPr>
-          <a:xfrm>
-            <a:off x="1067574" y="2242624"/>
-            <a:ext cx="1933575" cy="685800"/>
-          </a:xfrm>
-          <a:prstGeom prst="rect">
-            <a:avLst/>
-          </a:prstGeom>
-        </p:spPr>
-      </p:pic>
-      <p:sp>
-        <p:nvSpPr>
-          <p:cNvPr id="10" name="Title 1">
-            <a:extLst>
-              <a:ext uri="{FF2B5EF4-FFF2-40B4-BE49-F238E27FC236}">
-                <a16:creationId xmlns:a16="http://schemas.microsoft.com/office/drawing/2014/main" id="{6B78084F-F6A1-C416-CED5-09C534BD36BB}"/>
-              </a:ext>
-            </a:extLst>
-          </p:cNvPr>
-          <p:cNvSpPr txBox="1">
-            <a:spLocks/>
-          </p:cNvSpPr>
-          <p:nvPr/>
-        </p:nvSpPr>
-        <p:spPr>
-          <a:xfrm>
-            <a:off x="5889208" y="1457934"/>
-            <a:ext cx="5328139" cy="853976"/>
-          </a:xfrm>
-          <a:prstGeom prst="rect">
-            <a:avLst/>
-          </a:prstGeom>
-        </p:spPr>
-        <p:txBody>
-          <a:bodyPr vert="horz" lIns="91440" tIns="45720" rIns="91440" bIns="45720" rtlCol="0" anchor="ctr">
-            <a:normAutofit/>
-          </a:bodyPr>
-          <a:lstStyle>
-            <a:lvl1pPr algn="l" defTabSz="914400" rtl="0" eaLnBrk="1" latinLnBrk="0" hangingPunct="1">
-              <a:lnSpc>
-                <a:spcPct val="90000"/>
-              </a:lnSpc>
-              <a:spcBef>
-                <a:spcPct val="0"/>
-              </a:spcBef>
-              <a:buNone/>
-              <a:defRPr sz="3600" b="1" i="0" kern="1200" cap="all" baseline="0">
-                <a:solidFill>
-                  <a:schemeClr val="tx2"/>
-                </a:solidFill>
-                <a:latin typeface="+mj-lt"/>
-                <a:ea typeface="Open Sans Semibold" panose="020B0606030504020204" pitchFamily="34" charset="0"/>
-                <a:cs typeface="Open Sans Semibold" panose="020B0606030504020204" pitchFamily="34" charset="0"/>
-              </a:defRPr>
-            </a:lvl1pPr>
-          </a:lstStyle>
-          <a:p>
-            <a:r>
-              <a:rPr lang="it-IT" sz="1600" dirty="0"/>
-              <a:t>CHILD SELEKTOR (&gt;)</a:t>
-            </a:r>
-            <a:endParaRPr lang="hr-HR" sz="1600" dirty="0"/>
-          </a:p>
-        </p:txBody>
-      </p:sp>
-      <p:pic>
-        <p:nvPicPr>
-          <p:cNvPr id="12" name="Picture 11">
-            <a:extLst>
-              <a:ext uri="{FF2B5EF4-FFF2-40B4-BE49-F238E27FC236}">
-                <a16:creationId xmlns:a16="http://schemas.microsoft.com/office/drawing/2014/main" id="{298143E8-883C-E7CC-B67A-E234B5400DCB}"/>
-              </a:ext>
-            </a:extLst>
-          </p:cNvPr>
-          <p:cNvPicPr>
-            <a:picLocks noChangeAspect="1"/>
-          </p:cNvPicPr>
-          <p:nvPr/>
-        </p:nvPicPr>
-        <p:blipFill>
-          <a:blip r:embed="rId4"/>
-          <a:stretch>
-            <a:fillRect/>
-          </a:stretch>
-        </p:blipFill>
-        <p:spPr>
-          <a:xfrm>
-            <a:off x="5975171" y="2170862"/>
-            <a:ext cx="1771650" cy="723900"/>
-          </a:xfrm>
-          <a:prstGeom prst="rect">
-            <a:avLst/>
-          </a:prstGeom>
-        </p:spPr>
-      </p:pic>
-      <p:sp>
-        <p:nvSpPr>
-          <p:cNvPr id="13" name="TextBox 12">
-            <a:extLst>
-              <a:ext uri="{FF2B5EF4-FFF2-40B4-BE49-F238E27FC236}">
-                <a16:creationId xmlns:a16="http://schemas.microsoft.com/office/drawing/2014/main" id="{263B6BF7-E07F-056D-F811-95566361F279}"/>
-              </a:ext>
-            </a:extLst>
-          </p:cNvPr>
-          <p:cNvSpPr txBox="1"/>
-          <p:nvPr/>
-        </p:nvSpPr>
-        <p:spPr>
-          <a:xfrm>
-            <a:off x="5889208" y="3024838"/>
-            <a:ext cx="3289003" cy="461665"/>
-          </a:xfrm>
-          <a:prstGeom prst="rect">
-            <a:avLst/>
-          </a:prstGeom>
-          <a:noFill/>
-        </p:spPr>
-        <p:txBody>
-          <a:bodyPr wrap="square">
-            <a:spAutoFit/>
-          </a:bodyPr>
-          <a:lstStyle/>
-          <a:p>
-            <a:r>
-              <a:rPr lang="hr-HR" sz="1200" dirty="0"/>
-              <a:t>👉</a:t>
-            </a:r>
-            <a:r>
-              <a:rPr lang="en-US" sz="1200" dirty="0"/>
-              <a:t>Samo </a:t>
-            </a:r>
-            <a:r>
-              <a:rPr lang="en-US" sz="1200" dirty="0" err="1"/>
-              <a:t>prvi</a:t>
-            </a:r>
-            <a:r>
-              <a:rPr lang="en-US" sz="1200" dirty="0"/>
-              <a:t> </a:t>
-            </a:r>
-            <a:r>
-              <a:rPr lang="en-US" sz="1200" b="1" dirty="0"/>
-              <a:t>&lt;p&gt;</a:t>
-            </a:r>
-            <a:r>
-              <a:rPr lang="en-US" sz="1200" dirty="0"/>
-              <a:t> </a:t>
-            </a:r>
-            <a:r>
-              <a:rPr lang="hr-HR" sz="1200" dirty="0"/>
-              <a:t>će dobiti boju </a:t>
-            </a:r>
-            <a:r>
-              <a:rPr lang="hr-HR" sz="1200" b="1" dirty="0" err="1"/>
-              <a:t>firebrick</a:t>
-            </a:r>
-            <a:r>
-              <a:rPr lang="hr-HR" sz="1200" dirty="0"/>
-              <a:t>, a drugi ostaje </a:t>
-            </a:r>
-            <a:r>
-              <a:rPr lang="hr-HR" sz="1200" dirty="0" err="1"/>
-              <a:t>neprom</a:t>
-            </a:r>
-            <a:r>
-              <a:rPr lang="en-US" sz="1200" dirty="0" err="1"/>
-              <a:t>ijenjeni</a:t>
-            </a:r>
-            <a:endParaRPr lang="en-US" sz="1200" dirty="0"/>
-          </a:p>
-        </p:txBody>
-      </p:sp>
-      <p:sp>
-        <p:nvSpPr>
-          <p:cNvPr id="15" name="Title 1">
-            <a:extLst>
-              <a:ext uri="{FF2B5EF4-FFF2-40B4-BE49-F238E27FC236}">
-                <a16:creationId xmlns:a16="http://schemas.microsoft.com/office/drawing/2014/main" id="{9F2B3F1F-D12C-25AF-459F-77FDB2F379C0}"/>
-              </a:ext>
-            </a:extLst>
-          </p:cNvPr>
-          <p:cNvSpPr txBox="1">
-            <a:spLocks/>
-          </p:cNvSpPr>
-          <p:nvPr/>
-        </p:nvSpPr>
-        <p:spPr>
-          <a:xfrm>
-            <a:off x="1127053" y="1610334"/>
-            <a:ext cx="5328139" cy="853976"/>
-          </a:xfrm>
-          <a:prstGeom prst="rect">
-            <a:avLst/>
-          </a:prstGeom>
-        </p:spPr>
-        <p:txBody>
-          <a:bodyPr vert="horz" lIns="91440" tIns="45720" rIns="91440" bIns="45720" rtlCol="0" anchor="ctr">
-            <a:normAutofit/>
-          </a:bodyPr>
-          <a:lstStyle>
-            <a:lvl1pPr algn="l" defTabSz="914400" rtl="0" eaLnBrk="1" latinLnBrk="0" hangingPunct="1">
-              <a:lnSpc>
-                <a:spcPct val="90000"/>
-              </a:lnSpc>
-              <a:spcBef>
-                <a:spcPct val="0"/>
-              </a:spcBef>
-              <a:buNone/>
-              <a:defRPr sz="3600" b="1" i="0" kern="1200" cap="all" baseline="0">
-                <a:solidFill>
-                  <a:schemeClr val="tx2"/>
-                </a:solidFill>
-                <a:latin typeface="+mj-lt"/>
-                <a:ea typeface="Open Sans Semibold" panose="020B0606030504020204" pitchFamily="34" charset="0"/>
-                <a:cs typeface="Open Sans Semibold" panose="020B0606030504020204" pitchFamily="34" charset="0"/>
-              </a:defRPr>
-            </a:lvl1pPr>
-          </a:lstStyle>
-          <a:p>
-            <a:r>
-              <a:rPr lang="it-IT" sz="1600"/>
-              <a:t>GRUPIRANJE SELEKTORA (,)</a:t>
-            </a:r>
-            <a:endParaRPr lang="hr-HR" sz="1600" dirty="0"/>
-          </a:p>
-        </p:txBody>
-      </p:sp>
-      <p:pic>
-        <p:nvPicPr>
-          <p:cNvPr id="17" name="Picture 16">
-            <a:extLst>
-              <a:ext uri="{FF2B5EF4-FFF2-40B4-BE49-F238E27FC236}">
-                <a16:creationId xmlns:a16="http://schemas.microsoft.com/office/drawing/2014/main" id="{443481AD-1BFC-E2B9-5316-373BA81A36F7}"/>
-              </a:ext>
-            </a:extLst>
-          </p:cNvPr>
-          <p:cNvPicPr>
-            <a:picLocks noChangeAspect="1"/>
-          </p:cNvPicPr>
-          <p:nvPr/>
-        </p:nvPicPr>
-        <p:blipFill>
-          <a:blip r:embed="rId5"/>
-          <a:stretch>
-            <a:fillRect/>
-          </a:stretch>
-        </p:blipFill>
-        <p:spPr>
-          <a:xfrm>
-            <a:off x="1127053" y="4286947"/>
-            <a:ext cx="1419225" cy="657225"/>
-          </a:xfrm>
-          <a:prstGeom prst="rect">
-            <a:avLst/>
-          </a:prstGeom>
-        </p:spPr>
-      </p:pic>
-      <p:sp>
-        <p:nvSpPr>
-          <p:cNvPr id="18" name="TextBox 17">
-            <a:extLst>
-              <a:ext uri="{FF2B5EF4-FFF2-40B4-BE49-F238E27FC236}">
-                <a16:creationId xmlns:a16="http://schemas.microsoft.com/office/drawing/2014/main" id="{1268D7C3-87D5-7843-1C9F-5DC34AF66CA2}"/>
-              </a:ext>
-            </a:extLst>
-          </p:cNvPr>
-          <p:cNvSpPr txBox="1"/>
-          <p:nvPr/>
-        </p:nvSpPr>
-        <p:spPr>
-          <a:xfrm>
-            <a:off x="878959" y="5109166"/>
-            <a:ext cx="3868478" cy="461665"/>
-          </a:xfrm>
-          <a:prstGeom prst="rect">
-            <a:avLst/>
-          </a:prstGeom>
-          <a:noFill/>
-        </p:spPr>
-        <p:txBody>
-          <a:bodyPr wrap="square">
-            <a:spAutoFit/>
-          </a:bodyPr>
-          <a:lstStyle/>
-          <a:p>
-            <a:r>
-              <a:rPr lang="hr-HR" sz="1200" dirty="0"/>
-              <a:t>👉</a:t>
-            </a:r>
-            <a:r>
-              <a:rPr lang="it-IT" sz="1200" dirty="0" err="1"/>
-              <a:t>Svi</a:t>
-            </a:r>
-            <a:r>
-              <a:rPr lang="it-IT" sz="1200" dirty="0"/>
-              <a:t> </a:t>
-            </a:r>
-            <a:r>
-              <a:rPr lang="it-IT" sz="1200" b="1" dirty="0"/>
-              <a:t>&lt;li&gt; </a:t>
-            </a:r>
-            <a:r>
-              <a:rPr lang="it-IT" sz="1200" dirty="0" err="1"/>
-              <a:t>unutar</a:t>
-            </a:r>
-            <a:r>
-              <a:rPr lang="it-IT" sz="1200" dirty="0"/>
-              <a:t> .box </a:t>
-            </a:r>
-            <a:r>
-              <a:rPr lang="it-IT" sz="1200" dirty="0" err="1"/>
-              <a:t>biće</a:t>
-            </a:r>
-            <a:r>
-              <a:rPr lang="it-IT" sz="1200" dirty="0"/>
-              <a:t> </a:t>
-            </a:r>
-            <a:r>
-              <a:rPr lang="it-IT" sz="1200" dirty="0" err="1"/>
-              <a:t>plavi</a:t>
-            </a:r>
-            <a:r>
-              <a:rPr lang="it-IT" sz="1200" dirty="0"/>
-              <a:t>, </a:t>
-            </a:r>
-            <a:r>
-              <a:rPr lang="it-IT" sz="1200" dirty="0" err="1"/>
-              <a:t>bez</a:t>
-            </a:r>
-            <a:r>
-              <a:rPr lang="it-IT" sz="1200" dirty="0"/>
-              <a:t> </a:t>
-            </a:r>
-            <a:r>
-              <a:rPr lang="it-IT" sz="1200" dirty="0" err="1"/>
-              <a:t>obzira</a:t>
-            </a:r>
-            <a:r>
-              <a:rPr lang="it-IT" sz="1200" dirty="0"/>
-              <a:t> da li su </a:t>
-            </a:r>
-            <a:r>
-              <a:rPr lang="it-IT" sz="1200" dirty="0" err="1"/>
-              <a:t>unutar</a:t>
-            </a:r>
-            <a:r>
-              <a:rPr lang="it-IT" sz="1200" dirty="0"/>
-              <a:t> </a:t>
-            </a:r>
-            <a:r>
-              <a:rPr lang="it-IT" sz="1200" b="1" dirty="0"/>
-              <a:t>&lt;</a:t>
-            </a:r>
-            <a:r>
-              <a:rPr lang="it-IT" sz="1200" b="1" dirty="0" err="1"/>
-              <a:t>ul</a:t>
-            </a:r>
-            <a:r>
-              <a:rPr lang="it-IT" sz="1200" b="1" dirty="0"/>
-              <a:t>&gt;, &lt;div&gt; </a:t>
-            </a:r>
-            <a:r>
-              <a:rPr lang="it-IT" sz="1200" dirty="0"/>
-              <a:t>ili </a:t>
-            </a:r>
-            <a:r>
-              <a:rPr lang="it-IT" sz="1200" dirty="0" err="1"/>
-              <a:t>drugog</a:t>
-            </a:r>
-            <a:r>
-              <a:rPr lang="it-IT" sz="1200" dirty="0"/>
-              <a:t> </a:t>
-            </a:r>
-            <a:r>
-              <a:rPr lang="it-IT" sz="1200" dirty="0" err="1"/>
-              <a:t>kontejnera</a:t>
-            </a:r>
-            <a:r>
-              <a:rPr lang="it-IT" sz="1200" dirty="0"/>
-              <a:t>.</a:t>
-            </a:r>
-            <a:endParaRPr lang="en-US" sz="1200" dirty="0"/>
-          </a:p>
-        </p:txBody>
-      </p:sp>
-      <p:sp>
-        <p:nvSpPr>
-          <p:cNvPr id="22" name="Title 1">
-            <a:extLst>
-              <a:ext uri="{FF2B5EF4-FFF2-40B4-BE49-F238E27FC236}">
-                <a16:creationId xmlns:a16="http://schemas.microsoft.com/office/drawing/2014/main" id="{1C4935AF-E830-9584-2878-1A5684F05AEE}"/>
-              </a:ext>
-            </a:extLst>
-          </p:cNvPr>
-          <p:cNvSpPr txBox="1">
-            <a:spLocks/>
-          </p:cNvSpPr>
-          <p:nvPr/>
-        </p:nvSpPr>
-        <p:spPr>
-          <a:xfrm>
-            <a:off x="5889207" y="3616579"/>
-            <a:ext cx="5328139" cy="853976"/>
-          </a:xfrm>
-          <a:prstGeom prst="rect">
-            <a:avLst/>
-          </a:prstGeom>
-        </p:spPr>
-        <p:txBody>
-          <a:bodyPr vert="horz" lIns="91440" tIns="45720" rIns="91440" bIns="45720" rtlCol="0" anchor="ctr">
-            <a:normAutofit/>
-          </a:bodyPr>
-          <a:lstStyle>
-            <a:lvl1pPr algn="l" defTabSz="914400" rtl="0" eaLnBrk="1" latinLnBrk="0" hangingPunct="1">
-              <a:lnSpc>
-                <a:spcPct val="90000"/>
-              </a:lnSpc>
-              <a:spcBef>
-                <a:spcPct val="0"/>
-              </a:spcBef>
-              <a:buNone/>
-              <a:defRPr sz="3600" b="1" i="0" kern="1200" cap="all" baseline="0">
-                <a:solidFill>
-                  <a:schemeClr val="tx2"/>
-                </a:solidFill>
-                <a:latin typeface="+mj-lt"/>
-                <a:ea typeface="Open Sans Semibold" panose="020B0606030504020204" pitchFamily="34" charset="0"/>
-                <a:cs typeface="Open Sans Semibold" panose="020B0606030504020204" pitchFamily="34" charset="0"/>
-              </a:defRPr>
-            </a:lvl1pPr>
-          </a:lstStyle>
-          <a:p>
-            <a:r>
-              <a:rPr lang="it-IT" sz="1600" dirty="0" err="1"/>
-              <a:t>Chaining</a:t>
-            </a:r>
-            <a:r>
-              <a:rPr lang="it-IT" sz="1600" dirty="0"/>
-              <a:t> </a:t>
-            </a:r>
-            <a:r>
-              <a:rPr lang="it-IT" sz="1600" dirty="0" err="1"/>
-              <a:t>Selektora</a:t>
-            </a:r>
-            <a:r>
-              <a:rPr lang="it-IT" sz="1600" dirty="0"/>
-              <a:t> (</a:t>
-            </a:r>
-            <a:r>
-              <a:rPr lang="it-IT" sz="1600" dirty="0" err="1"/>
-              <a:t>bez</a:t>
-            </a:r>
-            <a:r>
-              <a:rPr lang="it-IT" sz="1600" dirty="0"/>
-              <a:t> </a:t>
-            </a:r>
-            <a:r>
-              <a:rPr lang="it-IT" sz="1600" dirty="0" err="1"/>
-              <a:t>razmaka</a:t>
-            </a:r>
-            <a:r>
-              <a:rPr lang="it-IT" sz="1600" dirty="0"/>
-              <a:t>)</a:t>
-            </a:r>
-            <a:endParaRPr lang="hr-HR" sz="1600" dirty="0"/>
-          </a:p>
-        </p:txBody>
-      </p:sp>
-      <p:pic>
-        <p:nvPicPr>
-          <p:cNvPr id="24" name="Picture 23">
-            <a:extLst>
-              <a:ext uri="{FF2B5EF4-FFF2-40B4-BE49-F238E27FC236}">
-                <a16:creationId xmlns:a16="http://schemas.microsoft.com/office/drawing/2014/main" id="{D92E1143-114A-D078-A3B2-6D046F525350}"/>
-              </a:ext>
-            </a:extLst>
-          </p:cNvPr>
-          <p:cNvPicPr>
-            <a:picLocks noChangeAspect="1"/>
-          </p:cNvPicPr>
-          <p:nvPr/>
-        </p:nvPicPr>
-        <p:blipFill>
-          <a:blip r:embed="rId6"/>
-          <a:stretch>
-            <a:fillRect/>
-          </a:stretch>
-        </p:blipFill>
-        <p:spPr>
-          <a:xfrm>
-            <a:off x="5975171" y="4302896"/>
-            <a:ext cx="1714500" cy="619125"/>
-          </a:xfrm>
-          <a:prstGeom prst="rect">
-            <a:avLst/>
-          </a:prstGeom>
-        </p:spPr>
-      </p:pic>
-      <p:sp>
-        <p:nvSpPr>
-          <p:cNvPr id="27" name="TextBox 26">
-            <a:extLst>
-              <a:ext uri="{FF2B5EF4-FFF2-40B4-BE49-F238E27FC236}">
-                <a16:creationId xmlns:a16="http://schemas.microsoft.com/office/drawing/2014/main" id="{0115B7CE-F6E3-CCD2-C380-6B4A66B755D5}"/>
-              </a:ext>
-            </a:extLst>
-          </p:cNvPr>
-          <p:cNvSpPr txBox="1"/>
-          <p:nvPr/>
-        </p:nvSpPr>
-        <p:spPr>
-          <a:xfrm>
-            <a:off x="5889208" y="5113303"/>
-            <a:ext cx="3868478" cy="461665"/>
-          </a:xfrm>
-          <a:prstGeom prst="rect">
-            <a:avLst/>
-          </a:prstGeom>
-          <a:noFill/>
-        </p:spPr>
-        <p:txBody>
-          <a:bodyPr wrap="square">
-            <a:spAutoFit/>
-          </a:bodyPr>
-          <a:lstStyle/>
-          <a:p>
-            <a:r>
-              <a:rPr lang="hr-HR" sz="1200" dirty="0"/>
-              <a:t>👉Samo </a:t>
-            </a:r>
-            <a:r>
-              <a:rPr lang="hr-HR" sz="1200" b="1" dirty="0"/>
-              <a:t>&lt;li&gt; </a:t>
-            </a:r>
-            <a:r>
-              <a:rPr lang="hr-HR" sz="1200" dirty="0"/>
-              <a:t>elementi sa klasom </a:t>
-            </a:r>
-            <a:r>
-              <a:rPr lang="hr-HR" sz="1200" b="1" dirty="0"/>
-              <a:t>.</a:t>
-            </a:r>
-            <a:r>
-              <a:rPr lang="hr-HR" sz="1200" b="1" dirty="0" err="1"/>
-              <a:t>done</a:t>
-            </a:r>
-            <a:r>
-              <a:rPr lang="hr-HR" sz="1200" b="1" dirty="0"/>
-              <a:t> </a:t>
-            </a:r>
-            <a:r>
-              <a:rPr lang="hr-HR" sz="1200" dirty="0"/>
-              <a:t>bit će </a:t>
-            </a:r>
-            <a:r>
-              <a:rPr lang="hr-HR" sz="1200" dirty="0" err="1"/>
-              <a:t>seagreen</a:t>
-            </a:r>
-            <a:r>
-              <a:rPr lang="hr-HR" sz="1200" dirty="0"/>
-              <a:t>.</a:t>
-            </a:r>
-            <a:endParaRPr lang="en-US" sz="1200" dirty="0"/>
-          </a:p>
-        </p:txBody>
-      </p:sp>
-    </p:spTree>
-    <p:extLst>
-      <p:ext uri="{BB962C8B-B14F-4D97-AF65-F5344CB8AC3E}">
-        <p14:creationId xmlns:p14="http://schemas.microsoft.com/office/powerpoint/2010/main" val="3061524005"/>
-      </p:ext>
-    </p:extLst>
-  </p:cSld>
-  <p:clrMapOvr>
-    <a:masterClrMapping/>
-  </p:clrMapOvr>
-</p:sld>
-</file>
-
-<file path=ppt/slides/slide25.xml><?xml version="1.0" encoding="utf-8"?>
-<p:sld xmlns:a="http://schemas.openxmlformats.org/drawingml/2006/main" xmlns:r="http://schemas.openxmlformats.org/officeDocument/2006/relationships" xmlns:p="http://schemas.openxmlformats.org/presentationml/2006/main">
-  <p:cSld>
-    <p:spTree>
-      <p:nvGrpSpPr>
-        <p:cNvPr id="1" name="">
-          <a:extLst>
-            <a:ext uri="{FF2B5EF4-FFF2-40B4-BE49-F238E27FC236}">
               <a16:creationId xmlns:a16="http://schemas.microsoft.com/office/drawing/2014/main" id="{226E6119-69A4-5E31-FE45-5C6EA4E5DFD2}"/>
             </a:ext>
           </a:extLst>
@@ -21802,7 +20800,7 @@
 </p:sld>
 </file>
 
-<file path=ppt/slides/slide26.xml><?xml version="1.0" encoding="utf-8"?>
+<file path=ppt/slides/slide25.xml><?xml version="1.0" encoding="utf-8"?>
 <p:sld xmlns:a="http://schemas.openxmlformats.org/drawingml/2006/main" xmlns:r="http://schemas.openxmlformats.org/officeDocument/2006/relationships" xmlns:p="http://schemas.openxmlformats.org/presentationml/2006/main">
   <p:cSld>
     <p:spTree>
@@ -21970,42 +20968,6 @@
       </p:sp>
       <p:sp>
         <p:nvSpPr>
-          <p:cNvPr id="6" name="Title 1">
-            <a:extLst>
-              <a:ext uri="{FF2B5EF4-FFF2-40B4-BE49-F238E27FC236}">
-                <a16:creationId xmlns:a16="http://schemas.microsoft.com/office/drawing/2014/main" id="{9B27EAF0-C2FA-F176-C406-D13123C2726B}"/>
-              </a:ext>
-            </a:extLst>
-          </p:cNvPr>
-          <p:cNvSpPr>
-            <a:spLocks noGrp="1"/>
-          </p:cNvSpPr>
-          <p:nvPr>
-            <p:ph type="title"/>
-          </p:nvPr>
-        </p:nvSpPr>
-        <p:spPr>
-          <a:xfrm>
-            <a:off x="935601" y="3654874"/>
-            <a:ext cx="5555393" cy="853976"/>
-          </a:xfrm>
-        </p:spPr>
-        <p:txBody>
-          <a:bodyPr>
-            <a:normAutofit/>
-          </a:bodyPr>
-          <a:lstStyle/>
-          <a:p>
-            <a:r>
-              <a:rPr lang="it-IT" sz="1600" dirty="0" err="1"/>
-              <a:t>AbsolutE</a:t>
-            </a:r>
-            <a:endParaRPr lang="hr-HR" sz="1600" dirty="0"/>
-          </a:p>
-        </p:txBody>
-      </p:sp>
-      <p:sp>
-        <p:nvSpPr>
           <p:cNvPr id="10" name="Title 1">
             <a:extLst>
               <a:ext uri="{FF2B5EF4-FFF2-40B4-BE49-F238E27FC236}">
@@ -22223,161 +21185,12 @@
           </a:p>
         </p:txBody>
       </p:sp>
-      <p:sp>
-        <p:nvSpPr>
-          <p:cNvPr id="18" name="TextBox 17">
-            <a:extLst>
-              <a:ext uri="{FF2B5EF4-FFF2-40B4-BE49-F238E27FC236}">
-                <a16:creationId xmlns:a16="http://schemas.microsoft.com/office/drawing/2014/main" id="{C44F3010-B25C-E1DF-9443-D0980A8C1536}"/>
-              </a:ext>
-            </a:extLst>
-          </p:cNvPr>
-          <p:cNvSpPr txBox="1"/>
-          <p:nvPr/>
-        </p:nvSpPr>
-        <p:spPr>
-          <a:xfrm>
-            <a:off x="878959" y="5109166"/>
-            <a:ext cx="3868478" cy="1015663"/>
-          </a:xfrm>
-          <a:prstGeom prst="rect">
-            <a:avLst/>
-          </a:prstGeom>
-          <a:noFill/>
-        </p:spPr>
-        <p:txBody>
-          <a:bodyPr wrap="square">
-            <a:spAutoFit/>
-          </a:bodyPr>
-          <a:lstStyle/>
-          <a:p>
-            <a:r>
-              <a:rPr lang="hr-HR" sz="1200" dirty="0"/>
-              <a:t>👉</a:t>
-            </a:r>
-            <a:r>
-              <a:rPr lang="pl-PL" sz="1200" dirty="0"/>
-              <a:t> Element se pomera u odnosu na svog najbližeg roditelja koji ima </a:t>
-            </a:r>
-            <a:r>
-              <a:rPr lang="en-US" sz="1200" b="1" dirty="0" err="1"/>
-              <a:t>position:relative</a:t>
-            </a:r>
-            <a:endParaRPr lang="en-US" sz="1200" b="1" dirty="0"/>
-          </a:p>
-          <a:p>
-            <a:br>
-              <a:rPr lang="en-US" sz="1200" b="1" dirty="0"/>
-            </a:br>
-            <a:r>
-              <a:rPr lang="hr-HR" sz="1200" dirty="0"/>
-              <a:t>👉 </a:t>
-            </a:r>
-            <a:r>
-              <a:rPr lang="en-US" sz="1200" dirty="0"/>
-              <a:t>A</a:t>
-            </a:r>
-            <a:r>
-              <a:rPr lang="hr-HR" sz="1200" dirty="0" err="1"/>
-              <a:t>ko</a:t>
-            </a:r>
-            <a:r>
-              <a:rPr lang="hr-HR" sz="1200" dirty="0"/>
-              <a:t> nijedan roditelj nema podešen</a:t>
-            </a:r>
-            <a:r>
-              <a:rPr lang="en-US" sz="1200" dirty="0"/>
-              <a:t> </a:t>
-            </a:r>
-            <a:r>
-              <a:rPr lang="en-US" sz="1200" dirty="0" err="1"/>
-              <a:t>postion</a:t>
-            </a:r>
-            <a:r>
-              <a:rPr lang="en-US" sz="1200" dirty="0"/>
-              <a:t>, </a:t>
-            </a:r>
-            <a:r>
-              <a:rPr lang="pt-BR" sz="1200" dirty="0"/>
-              <a:t>tada se pozicionira prema gornjem levom uglu.</a:t>
-            </a:r>
-            <a:endParaRPr lang="en-US" sz="1200" b="1" dirty="0"/>
-          </a:p>
-        </p:txBody>
-      </p:sp>
-      <p:sp>
-        <p:nvSpPr>
-          <p:cNvPr id="22" name="Title 1">
-            <a:extLst>
-              <a:ext uri="{FF2B5EF4-FFF2-40B4-BE49-F238E27FC236}">
-                <a16:creationId xmlns:a16="http://schemas.microsoft.com/office/drawing/2014/main" id="{35366357-1C07-79C5-665F-EB66E1EB2F09}"/>
-              </a:ext>
-            </a:extLst>
-          </p:cNvPr>
-          <p:cNvSpPr txBox="1">
-            <a:spLocks/>
-          </p:cNvSpPr>
-          <p:nvPr/>
-        </p:nvSpPr>
-        <p:spPr>
-          <a:xfrm>
-            <a:off x="5889207" y="3616579"/>
-            <a:ext cx="5328139" cy="853976"/>
-          </a:xfrm>
-          <a:prstGeom prst="rect">
-            <a:avLst/>
-          </a:prstGeom>
-        </p:spPr>
-        <p:txBody>
-          <a:bodyPr vert="horz" lIns="91440" tIns="45720" rIns="91440" bIns="45720" rtlCol="0" anchor="ctr">
-            <a:normAutofit/>
-          </a:bodyPr>
-          <a:lstStyle>
-            <a:lvl1pPr algn="l" defTabSz="914400" rtl="0" eaLnBrk="1" latinLnBrk="0" hangingPunct="1">
-              <a:lnSpc>
-                <a:spcPct val="90000"/>
-              </a:lnSpc>
-              <a:spcBef>
-                <a:spcPct val="0"/>
-              </a:spcBef>
-              <a:buNone/>
-              <a:defRPr sz="3600" b="1" i="0" kern="1200" cap="all" baseline="0">
-                <a:solidFill>
-                  <a:schemeClr val="tx2"/>
-                </a:solidFill>
-                <a:latin typeface="+mj-lt"/>
-                <a:ea typeface="Open Sans Semibold" panose="020B0606030504020204" pitchFamily="34" charset="0"/>
-                <a:cs typeface="Open Sans Semibold" panose="020B0606030504020204" pitchFamily="34" charset="0"/>
-              </a:defRPr>
-            </a:lvl1pPr>
-          </a:lstStyle>
-          <a:p>
-            <a:r>
-              <a:rPr lang="it-IT" sz="1600" dirty="0" err="1"/>
-              <a:t>Chaining</a:t>
-            </a:r>
-            <a:r>
-              <a:rPr lang="it-IT" sz="1600" dirty="0"/>
-              <a:t> </a:t>
-            </a:r>
-            <a:r>
-              <a:rPr lang="it-IT" sz="1600" dirty="0" err="1"/>
-              <a:t>Selektora</a:t>
-            </a:r>
-            <a:r>
-              <a:rPr lang="it-IT" sz="1600" dirty="0"/>
-              <a:t> </a:t>
-            </a:r>
-            <a:endParaRPr lang="hr-HR" sz="1600" dirty="0"/>
-          </a:p>
-        </p:txBody>
-      </p:sp>
       <p:pic>
         <p:nvPicPr>
-          <p:cNvPr id="24" name="Picture 23">
-            <a:extLst>
-              <a:ext uri="{FF2B5EF4-FFF2-40B4-BE49-F238E27FC236}">
-                <a16:creationId xmlns:a16="http://schemas.microsoft.com/office/drawing/2014/main" id="{7040E580-4F58-F6E2-DCEF-F821C125A4F0}"/>
+          <p:cNvPr id="7" name="Picture 6">
+            <a:extLst>
+              <a:ext uri="{FF2B5EF4-FFF2-40B4-BE49-F238E27FC236}">
+                <a16:creationId xmlns:a16="http://schemas.microsoft.com/office/drawing/2014/main" id="{BC453C88-D4A8-ACCF-E390-C17ADE30E52C}"/>
               </a:ext>
             </a:extLst>
           </p:cNvPr>
@@ -22394,88 +21207,20 @@
         </p:blipFill>
         <p:spPr>
           <a:xfrm>
-            <a:off x="5975171" y="4302896"/>
-            <a:ext cx="1714500" cy="619125"/>
+            <a:off x="1041055" y="2124099"/>
+            <a:ext cx="1638300" cy="695325"/>
           </a:xfrm>
           <a:prstGeom prst="rect">
             <a:avLst/>
           </a:prstGeom>
         </p:spPr>
       </p:pic>
-      <p:sp>
-        <p:nvSpPr>
-          <p:cNvPr id="27" name="TextBox 26">
-            <a:extLst>
-              <a:ext uri="{FF2B5EF4-FFF2-40B4-BE49-F238E27FC236}">
-                <a16:creationId xmlns:a16="http://schemas.microsoft.com/office/drawing/2014/main" id="{F66AE170-9209-D3E2-F639-DAF42E45C5AB}"/>
-              </a:ext>
-            </a:extLst>
-          </p:cNvPr>
-          <p:cNvSpPr txBox="1"/>
-          <p:nvPr/>
-        </p:nvSpPr>
-        <p:spPr>
-          <a:xfrm>
-            <a:off x="5889208" y="5113303"/>
-            <a:ext cx="3868478" cy="461665"/>
-          </a:xfrm>
-          <a:prstGeom prst="rect">
-            <a:avLst/>
-          </a:prstGeom>
-          <a:noFill/>
-        </p:spPr>
-        <p:txBody>
-          <a:bodyPr wrap="square">
-            <a:spAutoFit/>
-          </a:bodyPr>
-          <a:lstStyle/>
-          <a:p>
-            <a:r>
-              <a:rPr lang="hr-HR" sz="1200" dirty="0"/>
-              <a:t>👉Samo </a:t>
-            </a:r>
-            <a:r>
-              <a:rPr lang="hr-HR" sz="1200" b="1" dirty="0"/>
-              <a:t>&lt;li&gt; </a:t>
-            </a:r>
-            <a:r>
-              <a:rPr lang="hr-HR" sz="1200" dirty="0"/>
-              <a:t>elementi sa klasom </a:t>
-            </a:r>
-            <a:r>
-              <a:rPr lang="hr-HR" sz="1200" b="1" dirty="0"/>
-              <a:t>.</a:t>
-            </a:r>
-            <a:r>
-              <a:rPr lang="hr-HR" sz="1200" b="1" dirty="0" err="1"/>
-              <a:t>done</a:t>
-            </a:r>
-            <a:r>
-              <a:rPr lang="hr-HR" sz="1200" b="1" dirty="0"/>
-              <a:t> </a:t>
-            </a:r>
-            <a:r>
-              <a:rPr lang="hr-HR" sz="1200" dirty="0"/>
-              <a:t>bit će </a:t>
-            </a:r>
-            <a:r>
-              <a:rPr lang="hr-HR" sz="1200" dirty="0" err="1"/>
-              <a:t>seagreen</a:t>
-            </a:r>
-            <a:r>
-              <a:rPr lang="hr-HR" sz="1200" dirty="0"/>
-              <a:t>.</a:t>
-            </a:r>
-            <a:endParaRPr lang="en-US" sz="1200" dirty="0"/>
-          </a:p>
-        </p:txBody>
-      </p:sp>
       <p:pic>
         <p:nvPicPr>
-          <p:cNvPr id="5" name="Picture 4">
-            <a:extLst>
-              <a:ext uri="{FF2B5EF4-FFF2-40B4-BE49-F238E27FC236}">
-                <a16:creationId xmlns:a16="http://schemas.microsoft.com/office/drawing/2014/main" id="{420FCF3C-5F9D-9188-6236-26CBC9CBAF4E}"/>
+          <p:cNvPr id="14" name="Picture 13">
+            <a:extLst>
+              <a:ext uri="{FF2B5EF4-FFF2-40B4-BE49-F238E27FC236}">
+                <a16:creationId xmlns:a16="http://schemas.microsoft.com/office/drawing/2014/main" id="{3F4A4665-0CF1-F2C7-C543-988421B1FBF0}"/>
               </a:ext>
             </a:extLst>
           </p:cNvPr>
@@ -22486,121 +21231,6 @@
         </p:nvPicPr>
         <p:blipFill>
           <a:blip r:embed="rId4"/>
-          <a:stretch>
-            <a:fillRect/>
-          </a:stretch>
-        </p:blipFill>
-        <p:spPr>
-          <a:xfrm>
-            <a:off x="9757686" y="4274321"/>
-            <a:ext cx="1476375" cy="647700"/>
-          </a:xfrm>
-          <a:prstGeom prst="rect">
-            <a:avLst/>
-          </a:prstGeom>
-        </p:spPr>
-      </p:pic>
-      <p:sp>
-        <p:nvSpPr>
-          <p:cNvPr id="9" name="Title 1">
-            <a:extLst>
-              <a:ext uri="{FF2B5EF4-FFF2-40B4-BE49-F238E27FC236}">
-                <a16:creationId xmlns:a16="http://schemas.microsoft.com/office/drawing/2014/main" id="{8EF65A17-E1BA-E417-48A0-1E32E766EB4E}"/>
-              </a:ext>
-            </a:extLst>
-          </p:cNvPr>
-          <p:cNvSpPr txBox="1">
-            <a:spLocks/>
-          </p:cNvSpPr>
-          <p:nvPr/>
-        </p:nvSpPr>
-        <p:spPr>
-          <a:xfrm>
-            <a:off x="9661884" y="3588957"/>
-            <a:ext cx="5328139" cy="853976"/>
-          </a:xfrm>
-          <a:prstGeom prst="rect">
-            <a:avLst/>
-          </a:prstGeom>
-        </p:spPr>
-        <p:txBody>
-          <a:bodyPr vert="horz" lIns="91440" tIns="45720" rIns="91440" bIns="45720" rtlCol="0" anchor="ctr">
-            <a:normAutofit/>
-          </a:bodyPr>
-          <a:lstStyle>
-            <a:lvl1pPr algn="l" defTabSz="914400" rtl="0" eaLnBrk="1" latinLnBrk="0" hangingPunct="1">
-              <a:lnSpc>
-                <a:spcPct val="90000"/>
-              </a:lnSpc>
-              <a:spcBef>
-                <a:spcPct val="0"/>
-              </a:spcBef>
-              <a:buNone/>
-              <a:defRPr sz="3600" b="1" i="0" kern="1200" cap="all" baseline="0">
-                <a:solidFill>
-                  <a:schemeClr val="tx2"/>
-                </a:solidFill>
-                <a:latin typeface="+mj-lt"/>
-                <a:ea typeface="Open Sans Semibold" panose="020B0606030504020204" pitchFamily="34" charset="0"/>
-                <a:cs typeface="Open Sans Semibold" panose="020B0606030504020204" pitchFamily="34" charset="0"/>
-              </a:defRPr>
-            </a:lvl1pPr>
-          </a:lstStyle>
-          <a:p>
-            <a:r>
-              <a:rPr lang="en-US" sz="1600" dirty="0"/>
-              <a:t>KOMBINIRANJE</a:t>
-            </a:r>
-            <a:endParaRPr lang="hr-HR" sz="1600" dirty="0"/>
-          </a:p>
-        </p:txBody>
-      </p:sp>
-      <p:pic>
-        <p:nvPicPr>
-          <p:cNvPr id="7" name="Picture 6">
-            <a:extLst>
-              <a:ext uri="{FF2B5EF4-FFF2-40B4-BE49-F238E27FC236}">
-                <a16:creationId xmlns:a16="http://schemas.microsoft.com/office/drawing/2014/main" id="{BC453C88-D4A8-ACCF-E390-C17ADE30E52C}"/>
-              </a:ext>
-            </a:extLst>
-          </p:cNvPr>
-          <p:cNvPicPr>
-            <a:picLocks noChangeAspect="1"/>
-          </p:cNvPicPr>
-          <p:nvPr/>
-        </p:nvPicPr>
-        <p:blipFill>
-          <a:blip r:embed="rId5"/>
-          <a:stretch>
-            <a:fillRect/>
-          </a:stretch>
-        </p:blipFill>
-        <p:spPr>
-          <a:xfrm>
-            <a:off x="1041055" y="2124099"/>
-            <a:ext cx="1638300" cy="695325"/>
-          </a:xfrm>
-          <a:prstGeom prst="rect">
-            <a:avLst/>
-          </a:prstGeom>
-        </p:spPr>
-      </p:pic>
-      <p:pic>
-        <p:nvPicPr>
-          <p:cNvPr id="14" name="Picture 13">
-            <a:extLst>
-              <a:ext uri="{FF2B5EF4-FFF2-40B4-BE49-F238E27FC236}">
-                <a16:creationId xmlns:a16="http://schemas.microsoft.com/office/drawing/2014/main" id="{3F4A4665-0CF1-F2C7-C543-988421B1FBF0}"/>
-              </a:ext>
-            </a:extLst>
-          </p:cNvPr>
-          <p:cNvPicPr>
-            <a:picLocks noChangeAspect="1"/>
-          </p:cNvPicPr>
-          <p:nvPr/>
-        </p:nvPicPr>
-        <p:blipFill>
-          <a:blip r:embed="rId6"/>
           <a:stretch>
             <a:fillRect/>
           </a:stretch>
@@ -22628,7 +21258,7 @@
 </p:sld>
 </file>
 
-<file path=ppt/slides/slide27.xml><?xml version="1.0" encoding="utf-8"?>
+<file path=ppt/slides/slide26.xml><?xml version="1.0" encoding="utf-8"?>
 <p:sld xmlns:a="http://schemas.openxmlformats.org/drawingml/2006/main" xmlns:r="http://schemas.openxmlformats.org/officeDocument/2006/relationships" xmlns:p="http://schemas.openxmlformats.org/presentationml/2006/main">
   <p:cSld>
     <p:spTree>
@@ -23083,7 +21713,7 @@
 </p:sld>
 </file>
 
-<file path=ppt/slides/slide28.xml><?xml version="1.0" encoding="utf-8"?>
+<file path=ppt/slides/slide27.xml><?xml version="1.0" encoding="utf-8"?>
 <p:sld xmlns:a="http://schemas.openxmlformats.org/drawingml/2006/main" xmlns:r="http://schemas.openxmlformats.org/officeDocument/2006/relationships" xmlns:p="http://schemas.openxmlformats.org/presentationml/2006/main">
   <p:cSld>
     <p:spTree>
@@ -23326,7 +21956,7 @@
 </p:sld>
 </file>
 
-<file path=ppt/slides/slide29.xml><?xml version="1.0" encoding="utf-8"?>
+<file path=ppt/slides/slide28.xml><?xml version="1.0" encoding="utf-8"?>
 <p:sld xmlns:a="http://schemas.openxmlformats.org/drawingml/2006/main" xmlns:r="http://schemas.openxmlformats.org/officeDocument/2006/relationships" xmlns:p="http://schemas.openxmlformats.org/presentationml/2006/main">
   <p:cSld>
     <p:spTree>
@@ -23752,6 +22382,460 @@
     <p:extLst>
       <p:ext uri="{BB962C8B-B14F-4D97-AF65-F5344CB8AC3E}">
         <p14:creationId xmlns:p14="http://schemas.microsoft.com/office/powerpoint/2010/main" val="1156472930"/>
+      </p:ext>
+    </p:extLst>
+  </p:cSld>
+  <p:clrMapOvr>
+    <a:masterClrMapping/>
+  </p:clrMapOvr>
+</p:sld>
+</file>
+
+<file path=ppt/slides/slide29.xml><?xml version="1.0" encoding="utf-8"?>
+<p:sld xmlns:a="http://schemas.openxmlformats.org/drawingml/2006/main" xmlns:r="http://schemas.openxmlformats.org/officeDocument/2006/relationships" xmlns:p="http://schemas.openxmlformats.org/presentationml/2006/main">
+  <p:cSld>
+    <p:spTree>
+      <p:nvGrpSpPr>
+        <p:cNvPr id="1" name="">
+          <a:extLst>
+            <a:ext uri="{FF2B5EF4-FFF2-40B4-BE49-F238E27FC236}">
+              <a16:creationId xmlns:a16="http://schemas.microsoft.com/office/drawing/2014/main" id="{8E8A4964-00DD-3580-8360-58774F55D6A9}"/>
+            </a:ext>
+          </a:extLst>
+        </p:cNvPr>
+        <p:cNvGrpSpPr/>
+        <p:nvPr/>
+      </p:nvGrpSpPr>
+      <p:grpSpPr>
+        <a:xfrm>
+          <a:off x="0" y="0"/>
+          <a:ext cx="0" cy="0"/>
+          <a:chOff x="0" y="0"/>
+          <a:chExt cx="0" cy="0"/>
+        </a:xfrm>
+      </p:grpSpPr>
+      <p:sp>
+        <p:nvSpPr>
+          <p:cNvPr id="4" name="Title 1">
+            <a:extLst>
+              <a:ext uri="{FF2B5EF4-FFF2-40B4-BE49-F238E27FC236}">
+                <a16:creationId xmlns:a16="http://schemas.microsoft.com/office/drawing/2014/main" id="{046E34CE-5454-7E73-A04F-1DACD4D606DD}"/>
+              </a:ext>
+            </a:extLst>
+          </p:cNvPr>
+          <p:cNvSpPr txBox="1">
+            <a:spLocks/>
+          </p:cNvSpPr>
+          <p:nvPr/>
+        </p:nvSpPr>
+        <p:spPr>
+          <a:xfrm>
+            <a:off x="878959" y="383056"/>
+            <a:ext cx="10515600" cy="853976"/>
+          </a:xfrm>
+          <a:prstGeom prst="rect">
+            <a:avLst/>
+          </a:prstGeom>
+        </p:spPr>
+        <p:txBody>
+          <a:bodyPr vert="horz" lIns="91440" tIns="45720" rIns="91440" bIns="45720" rtlCol="0" anchor="ctr">
+            <a:normAutofit/>
+          </a:bodyPr>
+          <a:lstStyle>
+            <a:lvl1pPr algn="l" defTabSz="914400" rtl="0" eaLnBrk="1" latinLnBrk="0" hangingPunct="1">
+              <a:lnSpc>
+                <a:spcPct val="90000"/>
+              </a:lnSpc>
+              <a:spcBef>
+                <a:spcPct val="0"/>
+              </a:spcBef>
+              <a:buNone/>
+              <a:defRPr sz="3600" b="1" i="0" kern="1200" cap="all" baseline="0">
+                <a:solidFill>
+                  <a:schemeClr val="tx2"/>
+                </a:solidFill>
+                <a:latin typeface="+mj-lt"/>
+                <a:ea typeface="Open Sans Semibold" panose="020B0606030504020204" pitchFamily="34" charset="0"/>
+                <a:cs typeface="Open Sans Semibold" panose="020B0606030504020204" pitchFamily="34" charset="0"/>
+              </a:defRPr>
+            </a:lvl1pPr>
+          </a:lstStyle>
+          <a:p>
+            <a:r>
+              <a:rPr lang="hr-HR" dirty="0"/>
+              <a:t>CSS Display: </a:t>
+            </a:r>
+            <a:r>
+              <a:rPr lang="hr-HR" dirty="0" err="1"/>
+              <a:t>Block</a:t>
+            </a:r>
+            <a:r>
+              <a:rPr lang="hr-HR" dirty="0"/>
+              <a:t>, </a:t>
+            </a:r>
+            <a:r>
+              <a:rPr lang="hr-HR" dirty="0" err="1"/>
+              <a:t>Inline</a:t>
+            </a:r>
+            <a:r>
+              <a:rPr lang="hr-HR" dirty="0"/>
+              <a:t>, </a:t>
+            </a:r>
+            <a:r>
+              <a:rPr lang="hr-HR" dirty="0" err="1"/>
+              <a:t>Inline-Block</a:t>
+            </a:r>
+            <a:endParaRPr lang="hr-HR" dirty="0"/>
+          </a:p>
+        </p:txBody>
+      </p:sp>
+      <p:sp>
+        <p:nvSpPr>
+          <p:cNvPr id="6" name="Title 1">
+            <a:extLst>
+              <a:ext uri="{FF2B5EF4-FFF2-40B4-BE49-F238E27FC236}">
+                <a16:creationId xmlns:a16="http://schemas.microsoft.com/office/drawing/2014/main" id="{8D9C2D27-40E1-ABA9-06C8-AB2DBDB293EE}"/>
+              </a:ext>
+            </a:extLst>
+          </p:cNvPr>
+          <p:cNvSpPr>
+            <a:spLocks noGrp="1"/>
+          </p:cNvSpPr>
+          <p:nvPr>
+            <p:ph type="title"/>
+          </p:nvPr>
+        </p:nvSpPr>
+        <p:spPr>
+          <a:xfrm>
+            <a:off x="5964801" y="1309770"/>
+            <a:ext cx="5555393" cy="853976"/>
+          </a:xfrm>
+        </p:spPr>
+        <p:txBody>
+          <a:bodyPr>
+            <a:normAutofit/>
+          </a:bodyPr>
+          <a:lstStyle/>
+          <a:p>
+            <a:r>
+              <a:rPr lang="it-IT" sz="1600" dirty="0"/>
+              <a:t>INLINE</a:t>
+            </a:r>
+            <a:endParaRPr lang="hr-HR" sz="1600" dirty="0"/>
+          </a:p>
+        </p:txBody>
+      </p:sp>
+      <p:sp>
+        <p:nvSpPr>
+          <p:cNvPr id="18" name="TextBox 17">
+            <a:extLst>
+              <a:ext uri="{FF2B5EF4-FFF2-40B4-BE49-F238E27FC236}">
+                <a16:creationId xmlns:a16="http://schemas.microsoft.com/office/drawing/2014/main" id="{E11FC3FA-41BC-B158-74C9-B67B6273FE5D}"/>
+              </a:ext>
+            </a:extLst>
+          </p:cNvPr>
+          <p:cNvSpPr txBox="1"/>
+          <p:nvPr/>
+        </p:nvSpPr>
+        <p:spPr>
+          <a:xfrm>
+            <a:off x="878959" y="3820642"/>
+            <a:ext cx="3868478" cy="1015663"/>
+          </a:xfrm>
+          <a:prstGeom prst="rect">
+            <a:avLst/>
+          </a:prstGeom>
+          <a:noFill/>
+        </p:spPr>
+        <p:txBody>
+          <a:bodyPr wrap="square">
+            <a:spAutoFit/>
+          </a:bodyPr>
+          <a:lstStyle/>
+          <a:p>
+            <a:r>
+              <a:rPr lang="hr-HR" sz="1200" dirty="0"/>
+              <a:t>👉 Po </a:t>
+            </a:r>
+            <a:r>
+              <a:rPr lang="hr-HR" sz="1200" dirty="0" err="1"/>
+              <a:t>defaultu</a:t>
+            </a:r>
+            <a:r>
+              <a:rPr lang="hr-HR" sz="1200" dirty="0"/>
+              <a:t>, neki HTML elementi zauzimaju cijelu širinu stranice, čak i ako njihov sadržaj nije širok.</a:t>
+            </a:r>
+            <a:br>
+              <a:rPr lang="hr-HR" sz="1200" dirty="0"/>
+            </a:br>
+            <a:r>
+              <a:rPr lang="hr-HR" sz="1200" dirty="0"/>
+              <a:t>👉 Primjeri: &lt;p&gt;, &lt;div&gt;, &lt;h1&gt;, &lt;</a:t>
+            </a:r>
+            <a:r>
+              <a:rPr lang="hr-HR" sz="1200" dirty="0" err="1"/>
+              <a:t>section</a:t>
+            </a:r>
+            <a:r>
+              <a:rPr lang="hr-HR" sz="1200" dirty="0"/>
+              <a:t>&gt;, &lt;</a:t>
+            </a:r>
+            <a:r>
+              <a:rPr lang="hr-HR" sz="1200" dirty="0" err="1"/>
+              <a:t>article</a:t>
+            </a:r>
+            <a:r>
+              <a:rPr lang="hr-HR" sz="1200" dirty="0"/>
+              <a:t>&gt;, &lt;</a:t>
+            </a:r>
+            <a:r>
+              <a:rPr lang="hr-HR" sz="1200" dirty="0" err="1"/>
+              <a:t>footer</a:t>
+            </a:r>
+            <a:r>
+              <a:rPr lang="hr-HR" sz="1200" dirty="0"/>
+              <a:t>&gt;.</a:t>
+            </a:r>
+            <a:endParaRPr lang="en-US" sz="1200" b="1" dirty="0"/>
+          </a:p>
+        </p:txBody>
+      </p:sp>
+      <p:pic>
+        <p:nvPicPr>
+          <p:cNvPr id="3" name="Picture 2">
+            <a:extLst>
+              <a:ext uri="{FF2B5EF4-FFF2-40B4-BE49-F238E27FC236}">
+                <a16:creationId xmlns:a16="http://schemas.microsoft.com/office/drawing/2014/main" id="{7620679B-6DBC-B7CF-E62E-9BC34693A86B}"/>
+              </a:ext>
+            </a:extLst>
+          </p:cNvPr>
+          <p:cNvPicPr>
+            <a:picLocks noChangeAspect="1"/>
+          </p:cNvPicPr>
+          <p:nvPr/>
+        </p:nvPicPr>
+        <p:blipFill>
+          <a:blip r:embed="rId3"/>
+          <a:stretch>
+            <a:fillRect/>
+          </a:stretch>
+        </p:blipFill>
+        <p:spPr>
+          <a:xfrm>
+            <a:off x="1018621" y="2011346"/>
+            <a:ext cx="1914525" cy="1304925"/>
+          </a:xfrm>
+          <a:prstGeom prst="rect">
+            <a:avLst/>
+          </a:prstGeom>
+        </p:spPr>
+      </p:pic>
+      <p:sp>
+        <p:nvSpPr>
+          <p:cNvPr id="5" name="Title 1">
+            <a:extLst>
+              <a:ext uri="{FF2B5EF4-FFF2-40B4-BE49-F238E27FC236}">
+                <a16:creationId xmlns:a16="http://schemas.microsoft.com/office/drawing/2014/main" id="{BC96C50C-DBCE-CDE5-3B58-E0F19C75A78D}"/>
+              </a:ext>
+            </a:extLst>
+          </p:cNvPr>
+          <p:cNvSpPr txBox="1">
+            <a:spLocks/>
+          </p:cNvSpPr>
+          <p:nvPr/>
+        </p:nvSpPr>
+        <p:spPr>
+          <a:xfrm>
+            <a:off x="1088001" y="1309770"/>
+            <a:ext cx="5555393" cy="853976"/>
+          </a:xfrm>
+          <a:prstGeom prst="rect">
+            <a:avLst/>
+          </a:prstGeom>
+        </p:spPr>
+        <p:txBody>
+          <a:bodyPr vert="horz" lIns="91440" tIns="45720" rIns="91440" bIns="45720" rtlCol="0" anchor="ctr">
+            <a:normAutofit/>
+          </a:bodyPr>
+          <a:lstStyle>
+            <a:lvl1pPr algn="l" defTabSz="914400" rtl="0" eaLnBrk="1" latinLnBrk="0" hangingPunct="1">
+              <a:lnSpc>
+                <a:spcPct val="90000"/>
+              </a:lnSpc>
+              <a:spcBef>
+                <a:spcPct val="0"/>
+              </a:spcBef>
+              <a:buNone/>
+              <a:defRPr sz="3600" b="1" i="0" kern="1200" cap="all" baseline="0">
+                <a:solidFill>
+                  <a:schemeClr val="tx2"/>
+                </a:solidFill>
+                <a:latin typeface="+mj-lt"/>
+                <a:ea typeface="Open Sans Semibold" panose="020B0606030504020204" pitchFamily="34" charset="0"/>
+                <a:cs typeface="Open Sans Semibold" panose="020B0606030504020204" pitchFamily="34" charset="0"/>
+              </a:defRPr>
+            </a:lvl1pPr>
+          </a:lstStyle>
+          <a:p>
+            <a:r>
+              <a:rPr lang="it-IT" sz="1600"/>
+              <a:t>Block (Blok Elementi)</a:t>
+            </a:r>
+            <a:endParaRPr lang="hr-HR" sz="1600" dirty="0"/>
+          </a:p>
+        </p:txBody>
+      </p:sp>
+      <p:pic>
+        <p:nvPicPr>
+          <p:cNvPr id="9" name="Picture 8">
+            <a:extLst>
+              <a:ext uri="{FF2B5EF4-FFF2-40B4-BE49-F238E27FC236}">
+                <a16:creationId xmlns:a16="http://schemas.microsoft.com/office/drawing/2014/main" id="{B36B5960-87EE-2812-D222-2BCBFCBA26A8}"/>
+              </a:ext>
+            </a:extLst>
+          </p:cNvPr>
+          <p:cNvPicPr>
+            <a:picLocks noChangeAspect="1"/>
+          </p:cNvPicPr>
+          <p:nvPr/>
+        </p:nvPicPr>
+        <p:blipFill>
+          <a:blip r:embed="rId4"/>
+          <a:stretch>
+            <a:fillRect/>
+          </a:stretch>
+        </p:blipFill>
+        <p:spPr>
+          <a:xfrm>
+            <a:off x="6033755" y="2011346"/>
+            <a:ext cx="2952750" cy="1323975"/>
+          </a:xfrm>
+          <a:prstGeom prst="rect">
+            <a:avLst/>
+          </a:prstGeom>
+        </p:spPr>
+      </p:pic>
+      <p:sp>
+        <p:nvSpPr>
+          <p:cNvPr id="10" name="TextBox 9">
+            <a:extLst>
+              <a:ext uri="{FF2B5EF4-FFF2-40B4-BE49-F238E27FC236}">
+                <a16:creationId xmlns:a16="http://schemas.microsoft.com/office/drawing/2014/main" id="{E0CEC0CC-F545-FCCB-D37C-D55D7D32E19B}"/>
+              </a:ext>
+            </a:extLst>
+          </p:cNvPr>
+          <p:cNvSpPr txBox="1"/>
+          <p:nvPr/>
+        </p:nvSpPr>
+        <p:spPr>
+          <a:xfrm>
+            <a:off x="5964801" y="3820641"/>
+            <a:ext cx="3868478" cy="1384995"/>
+          </a:xfrm>
+          <a:prstGeom prst="rect">
+            <a:avLst/>
+          </a:prstGeom>
+          <a:noFill/>
+        </p:spPr>
+        <p:txBody>
+          <a:bodyPr wrap="square">
+            <a:spAutoFit/>
+          </a:bodyPr>
+          <a:lstStyle/>
+          <a:p>
+            <a:r>
+              <a:rPr lang="hr-HR" sz="1200" dirty="0"/>
+              <a:t>👉 Ovi elementi zauzimaju samo onoliko prostora koliko im treba.</a:t>
+            </a:r>
+            <a:br>
+              <a:rPr lang="hr-HR" sz="1200" dirty="0"/>
+            </a:br>
+            <a:r>
+              <a:rPr lang="hr-HR" sz="1200" dirty="0"/>
+              <a:t>👉 Ne možemo im postaviti širinu (</a:t>
+            </a:r>
+            <a:r>
+              <a:rPr lang="hr-HR" sz="1200" b="1" dirty="0" err="1"/>
+              <a:t>widght</a:t>
+            </a:r>
+            <a:r>
+              <a:rPr lang="hr-HR" sz="1200" dirty="0"/>
+              <a:t>) ili visinu (</a:t>
+            </a:r>
+            <a:r>
+              <a:rPr lang="hr-HR" sz="1200" dirty="0" err="1"/>
+              <a:t>height</a:t>
+            </a:r>
+            <a:r>
+              <a:rPr lang="hr-HR" sz="1200" dirty="0"/>
+              <a:t>).</a:t>
+            </a:r>
+            <a:br>
+              <a:rPr lang="hr-HR" sz="1200" dirty="0"/>
+            </a:br>
+            <a:r>
+              <a:rPr lang="hr-HR" sz="1200" dirty="0"/>
+              <a:t>👉 Primjeri</a:t>
+            </a:r>
+            <a:r>
+              <a:rPr lang="hr-HR" sz="1200" b="1" dirty="0"/>
+              <a:t>: &lt;</a:t>
+            </a:r>
+            <a:r>
+              <a:rPr lang="hr-HR" sz="1200" b="1" dirty="0" err="1"/>
+              <a:t>span</a:t>
+            </a:r>
+            <a:r>
+              <a:rPr lang="hr-HR" sz="1200" b="1" dirty="0"/>
+              <a:t>&gt;, &lt;a&gt;, &lt;</a:t>
+            </a:r>
+            <a:r>
+              <a:rPr lang="hr-HR" sz="1200" b="1" dirty="0" err="1"/>
+              <a:t>strong</a:t>
+            </a:r>
+            <a:r>
+              <a:rPr lang="hr-HR" sz="1200" b="1" dirty="0"/>
+              <a:t>&gt;, &lt;em&gt;.</a:t>
+            </a:r>
+            <a:endParaRPr lang="en-US" sz="1200" b="1" dirty="0"/>
+          </a:p>
+          <a:p>
+            <a:r>
+              <a:rPr lang="hr-HR" sz="1200" dirty="0"/>
+              <a:t>👉 Elementi će </a:t>
+            </a:r>
+            <a:r>
+              <a:rPr lang="hr-HR" sz="1200" b="1" dirty="0"/>
+              <a:t>stajati jedan pored drugog</a:t>
+            </a:r>
+            <a:r>
+              <a:rPr lang="hr-HR" sz="1200" dirty="0"/>
+              <a:t> i </a:t>
+            </a:r>
+            <a:r>
+              <a:rPr lang="hr-HR" sz="1200" b="1" dirty="0" err="1"/>
+              <a:t>ignori</a:t>
+            </a:r>
+            <a:r>
+              <a:rPr lang="en-US" sz="1200" b="1" dirty="0"/>
+              <a:t>rat</a:t>
+            </a:r>
+            <a:r>
+              <a:rPr lang="hr-HR" sz="1200" b="1" dirty="0"/>
+              <a:t>i širinu i visinu</a:t>
+            </a:r>
+            <a:r>
+              <a:rPr lang="hr-HR" sz="1200" dirty="0"/>
+              <a:t>.</a:t>
+            </a:r>
+            <a:endParaRPr lang="en-US" sz="1200" b="1" dirty="0"/>
+          </a:p>
+        </p:txBody>
+      </p:sp>
+    </p:spTree>
+    <p:extLst>
+      <p:ext uri="{BB962C8B-B14F-4D97-AF65-F5344CB8AC3E}">
+        <p14:creationId xmlns:p14="http://schemas.microsoft.com/office/powerpoint/2010/main" val="1331292300"/>
       </p:ext>
     </p:extLst>
   </p:cSld>
@@ -24014,460 +23098,6 @@
         <p:cNvPr id="1" name="">
           <a:extLst>
             <a:ext uri="{FF2B5EF4-FFF2-40B4-BE49-F238E27FC236}">
-              <a16:creationId xmlns:a16="http://schemas.microsoft.com/office/drawing/2014/main" id="{8E8A4964-00DD-3580-8360-58774F55D6A9}"/>
-            </a:ext>
-          </a:extLst>
-        </p:cNvPr>
-        <p:cNvGrpSpPr/>
-        <p:nvPr/>
-      </p:nvGrpSpPr>
-      <p:grpSpPr>
-        <a:xfrm>
-          <a:off x="0" y="0"/>
-          <a:ext cx="0" cy="0"/>
-          <a:chOff x="0" y="0"/>
-          <a:chExt cx="0" cy="0"/>
-        </a:xfrm>
-      </p:grpSpPr>
-      <p:sp>
-        <p:nvSpPr>
-          <p:cNvPr id="4" name="Title 1">
-            <a:extLst>
-              <a:ext uri="{FF2B5EF4-FFF2-40B4-BE49-F238E27FC236}">
-                <a16:creationId xmlns:a16="http://schemas.microsoft.com/office/drawing/2014/main" id="{046E34CE-5454-7E73-A04F-1DACD4D606DD}"/>
-              </a:ext>
-            </a:extLst>
-          </p:cNvPr>
-          <p:cNvSpPr txBox="1">
-            <a:spLocks/>
-          </p:cNvSpPr>
-          <p:nvPr/>
-        </p:nvSpPr>
-        <p:spPr>
-          <a:xfrm>
-            <a:off x="878959" y="383056"/>
-            <a:ext cx="10515600" cy="853976"/>
-          </a:xfrm>
-          <a:prstGeom prst="rect">
-            <a:avLst/>
-          </a:prstGeom>
-        </p:spPr>
-        <p:txBody>
-          <a:bodyPr vert="horz" lIns="91440" tIns="45720" rIns="91440" bIns="45720" rtlCol="0" anchor="ctr">
-            <a:normAutofit/>
-          </a:bodyPr>
-          <a:lstStyle>
-            <a:lvl1pPr algn="l" defTabSz="914400" rtl="0" eaLnBrk="1" latinLnBrk="0" hangingPunct="1">
-              <a:lnSpc>
-                <a:spcPct val="90000"/>
-              </a:lnSpc>
-              <a:spcBef>
-                <a:spcPct val="0"/>
-              </a:spcBef>
-              <a:buNone/>
-              <a:defRPr sz="3600" b="1" i="0" kern="1200" cap="all" baseline="0">
-                <a:solidFill>
-                  <a:schemeClr val="tx2"/>
-                </a:solidFill>
-                <a:latin typeface="+mj-lt"/>
-                <a:ea typeface="Open Sans Semibold" panose="020B0606030504020204" pitchFamily="34" charset="0"/>
-                <a:cs typeface="Open Sans Semibold" panose="020B0606030504020204" pitchFamily="34" charset="0"/>
-              </a:defRPr>
-            </a:lvl1pPr>
-          </a:lstStyle>
-          <a:p>
-            <a:r>
-              <a:rPr lang="hr-HR" dirty="0"/>
-              <a:t>CSS Display: </a:t>
-            </a:r>
-            <a:r>
-              <a:rPr lang="hr-HR" dirty="0" err="1"/>
-              <a:t>Block</a:t>
-            </a:r>
-            <a:r>
-              <a:rPr lang="hr-HR" dirty="0"/>
-              <a:t>, </a:t>
-            </a:r>
-            <a:r>
-              <a:rPr lang="hr-HR" dirty="0" err="1"/>
-              <a:t>Inline</a:t>
-            </a:r>
-            <a:r>
-              <a:rPr lang="hr-HR" dirty="0"/>
-              <a:t>, </a:t>
-            </a:r>
-            <a:r>
-              <a:rPr lang="hr-HR" dirty="0" err="1"/>
-              <a:t>Inline-Block</a:t>
-            </a:r>
-            <a:endParaRPr lang="hr-HR" dirty="0"/>
-          </a:p>
-        </p:txBody>
-      </p:sp>
-      <p:sp>
-        <p:nvSpPr>
-          <p:cNvPr id="6" name="Title 1">
-            <a:extLst>
-              <a:ext uri="{FF2B5EF4-FFF2-40B4-BE49-F238E27FC236}">
-                <a16:creationId xmlns:a16="http://schemas.microsoft.com/office/drawing/2014/main" id="{8D9C2D27-40E1-ABA9-06C8-AB2DBDB293EE}"/>
-              </a:ext>
-            </a:extLst>
-          </p:cNvPr>
-          <p:cNvSpPr>
-            <a:spLocks noGrp="1"/>
-          </p:cNvSpPr>
-          <p:nvPr>
-            <p:ph type="title"/>
-          </p:nvPr>
-        </p:nvSpPr>
-        <p:spPr>
-          <a:xfrm>
-            <a:off x="5964801" y="1309770"/>
-            <a:ext cx="5555393" cy="853976"/>
-          </a:xfrm>
-        </p:spPr>
-        <p:txBody>
-          <a:bodyPr>
-            <a:normAutofit/>
-          </a:bodyPr>
-          <a:lstStyle/>
-          <a:p>
-            <a:r>
-              <a:rPr lang="it-IT" sz="1600" dirty="0"/>
-              <a:t>INLINE</a:t>
-            </a:r>
-            <a:endParaRPr lang="hr-HR" sz="1600" dirty="0"/>
-          </a:p>
-        </p:txBody>
-      </p:sp>
-      <p:sp>
-        <p:nvSpPr>
-          <p:cNvPr id="18" name="TextBox 17">
-            <a:extLst>
-              <a:ext uri="{FF2B5EF4-FFF2-40B4-BE49-F238E27FC236}">
-                <a16:creationId xmlns:a16="http://schemas.microsoft.com/office/drawing/2014/main" id="{E11FC3FA-41BC-B158-74C9-B67B6273FE5D}"/>
-              </a:ext>
-            </a:extLst>
-          </p:cNvPr>
-          <p:cNvSpPr txBox="1"/>
-          <p:nvPr/>
-        </p:nvSpPr>
-        <p:spPr>
-          <a:xfrm>
-            <a:off x="878959" y="3820642"/>
-            <a:ext cx="3868478" cy="1015663"/>
-          </a:xfrm>
-          <a:prstGeom prst="rect">
-            <a:avLst/>
-          </a:prstGeom>
-          <a:noFill/>
-        </p:spPr>
-        <p:txBody>
-          <a:bodyPr wrap="square">
-            <a:spAutoFit/>
-          </a:bodyPr>
-          <a:lstStyle/>
-          <a:p>
-            <a:r>
-              <a:rPr lang="hr-HR" sz="1200" dirty="0"/>
-              <a:t>👉 Po </a:t>
-            </a:r>
-            <a:r>
-              <a:rPr lang="hr-HR" sz="1200" dirty="0" err="1"/>
-              <a:t>defaultu</a:t>
-            </a:r>
-            <a:r>
-              <a:rPr lang="hr-HR" sz="1200" dirty="0"/>
-              <a:t>, neki HTML elementi zauzimaju cijelu širinu stranice, čak i ako njihov sadržaj nije širok.</a:t>
-            </a:r>
-            <a:br>
-              <a:rPr lang="hr-HR" sz="1200" dirty="0"/>
-            </a:br>
-            <a:r>
-              <a:rPr lang="hr-HR" sz="1200" dirty="0"/>
-              <a:t>👉 Primjeri: &lt;p&gt;, &lt;div&gt;, &lt;h1&gt;, &lt;</a:t>
-            </a:r>
-            <a:r>
-              <a:rPr lang="hr-HR" sz="1200" dirty="0" err="1"/>
-              <a:t>section</a:t>
-            </a:r>
-            <a:r>
-              <a:rPr lang="hr-HR" sz="1200" dirty="0"/>
-              <a:t>&gt;, &lt;</a:t>
-            </a:r>
-            <a:r>
-              <a:rPr lang="hr-HR" sz="1200" dirty="0" err="1"/>
-              <a:t>article</a:t>
-            </a:r>
-            <a:r>
-              <a:rPr lang="hr-HR" sz="1200" dirty="0"/>
-              <a:t>&gt;, &lt;</a:t>
-            </a:r>
-            <a:r>
-              <a:rPr lang="hr-HR" sz="1200" dirty="0" err="1"/>
-              <a:t>footer</a:t>
-            </a:r>
-            <a:r>
-              <a:rPr lang="hr-HR" sz="1200" dirty="0"/>
-              <a:t>&gt;.</a:t>
-            </a:r>
-            <a:endParaRPr lang="en-US" sz="1200" b="1" dirty="0"/>
-          </a:p>
-        </p:txBody>
-      </p:sp>
-      <p:pic>
-        <p:nvPicPr>
-          <p:cNvPr id="3" name="Picture 2">
-            <a:extLst>
-              <a:ext uri="{FF2B5EF4-FFF2-40B4-BE49-F238E27FC236}">
-                <a16:creationId xmlns:a16="http://schemas.microsoft.com/office/drawing/2014/main" id="{7620679B-6DBC-B7CF-E62E-9BC34693A86B}"/>
-              </a:ext>
-            </a:extLst>
-          </p:cNvPr>
-          <p:cNvPicPr>
-            <a:picLocks noChangeAspect="1"/>
-          </p:cNvPicPr>
-          <p:nvPr/>
-        </p:nvPicPr>
-        <p:blipFill>
-          <a:blip r:embed="rId3"/>
-          <a:stretch>
-            <a:fillRect/>
-          </a:stretch>
-        </p:blipFill>
-        <p:spPr>
-          <a:xfrm>
-            <a:off x="1018621" y="2011346"/>
-            <a:ext cx="1914525" cy="1304925"/>
-          </a:xfrm>
-          <a:prstGeom prst="rect">
-            <a:avLst/>
-          </a:prstGeom>
-        </p:spPr>
-      </p:pic>
-      <p:sp>
-        <p:nvSpPr>
-          <p:cNvPr id="5" name="Title 1">
-            <a:extLst>
-              <a:ext uri="{FF2B5EF4-FFF2-40B4-BE49-F238E27FC236}">
-                <a16:creationId xmlns:a16="http://schemas.microsoft.com/office/drawing/2014/main" id="{BC96C50C-DBCE-CDE5-3B58-E0F19C75A78D}"/>
-              </a:ext>
-            </a:extLst>
-          </p:cNvPr>
-          <p:cNvSpPr txBox="1">
-            <a:spLocks/>
-          </p:cNvSpPr>
-          <p:nvPr/>
-        </p:nvSpPr>
-        <p:spPr>
-          <a:xfrm>
-            <a:off x="1088001" y="1309770"/>
-            <a:ext cx="5555393" cy="853976"/>
-          </a:xfrm>
-          <a:prstGeom prst="rect">
-            <a:avLst/>
-          </a:prstGeom>
-        </p:spPr>
-        <p:txBody>
-          <a:bodyPr vert="horz" lIns="91440" tIns="45720" rIns="91440" bIns="45720" rtlCol="0" anchor="ctr">
-            <a:normAutofit/>
-          </a:bodyPr>
-          <a:lstStyle>
-            <a:lvl1pPr algn="l" defTabSz="914400" rtl="0" eaLnBrk="1" latinLnBrk="0" hangingPunct="1">
-              <a:lnSpc>
-                <a:spcPct val="90000"/>
-              </a:lnSpc>
-              <a:spcBef>
-                <a:spcPct val="0"/>
-              </a:spcBef>
-              <a:buNone/>
-              <a:defRPr sz="3600" b="1" i="0" kern="1200" cap="all" baseline="0">
-                <a:solidFill>
-                  <a:schemeClr val="tx2"/>
-                </a:solidFill>
-                <a:latin typeface="+mj-lt"/>
-                <a:ea typeface="Open Sans Semibold" panose="020B0606030504020204" pitchFamily="34" charset="0"/>
-                <a:cs typeface="Open Sans Semibold" panose="020B0606030504020204" pitchFamily="34" charset="0"/>
-              </a:defRPr>
-            </a:lvl1pPr>
-          </a:lstStyle>
-          <a:p>
-            <a:r>
-              <a:rPr lang="it-IT" sz="1600"/>
-              <a:t>Block (Blok Elementi)</a:t>
-            </a:r>
-            <a:endParaRPr lang="hr-HR" sz="1600" dirty="0"/>
-          </a:p>
-        </p:txBody>
-      </p:sp>
-      <p:pic>
-        <p:nvPicPr>
-          <p:cNvPr id="9" name="Picture 8">
-            <a:extLst>
-              <a:ext uri="{FF2B5EF4-FFF2-40B4-BE49-F238E27FC236}">
-                <a16:creationId xmlns:a16="http://schemas.microsoft.com/office/drawing/2014/main" id="{B36B5960-87EE-2812-D222-2BCBFCBA26A8}"/>
-              </a:ext>
-            </a:extLst>
-          </p:cNvPr>
-          <p:cNvPicPr>
-            <a:picLocks noChangeAspect="1"/>
-          </p:cNvPicPr>
-          <p:nvPr/>
-        </p:nvPicPr>
-        <p:blipFill>
-          <a:blip r:embed="rId4"/>
-          <a:stretch>
-            <a:fillRect/>
-          </a:stretch>
-        </p:blipFill>
-        <p:spPr>
-          <a:xfrm>
-            <a:off x="6033755" y="2011346"/>
-            <a:ext cx="2952750" cy="1323975"/>
-          </a:xfrm>
-          <a:prstGeom prst="rect">
-            <a:avLst/>
-          </a:prstGeom>
-        </p:spPr>
-      </p:pic>
-      <p:sp>
-        <p:nvSpPr>
-          <p:cNvPr id="10" name="TextBox 9">
-            <a:extLst>
-              <a:ext uri="{FF2B5EF4-FFF2-40B4-BE49-F238E27FC236}">
-                <a16:creationId xmlns:a16="http://schemas.microsoft.com/office/drawing/2014/main" id="{E0CEC0CC-F545-FCCB-D37C-D55D7D32E19B}"/>
-              </a:ext>
-            </a:extLst>
-          </p:cNvPr>
-          <p:cNvSpPr txBox="1"/>
-          <p:nvPr/>
-        </p:nvSpPr>
-        <p:spPr>
-          <a:xfrm>
-            <a:off x="5964801" y="3820641"/>
-            <a:ext cx="3868478" cy="1384995"/>
-          </a:xfrm>
-          <a:prstGeom prst="rect">
-            <a:avLst/>
-          </a:prstGeom>
-          <a:noFill/>
-        </p:spPr>
-        <p:txBody>
-          <a:bodyPr wrap="square">
-            <a:spAutoFit/>
-          </a:bodyPr>
-          <a:lstStyle/>
-          <a:p>
-            <a:r>
-              <a:rPr lang="hr-HR" sz="1200" dirty="0"/>
-              <a:t>👉 Ovi elementi zauzimaju samo onoliko prostora koliko im treba.</a:t>
-            </a:r>
-            <a:br>
-              <a:rPr lang="hr-HR" sz="1200" dirty="0"/>
-            </a:br>
-            <a:r>
-              <a:rPr lang="hr-HR" sz="1200" dirty="0"/>
-              <a:t>👉 Ne možemo im postaviti širinu (</a:t>
-            </a:r>
-            <a:r>
-              <a:rPr lang="hr-HR" sz="1200" b="1" dirty="0" err="1"/>
-              <a:t>widght</a:t>
-            </a:r>
-            <a:r>
-              <a:rPr lang="hr-HR" sz="1200" dirty="0"/>
-              <a:t>) ili visinu (</a:t>
-            </a:r>
-            <a:r>
-              <a:rPr lang="hr-HR" sz="1200" dirty="0" err="1"/>
-              <a:t>height</a:t>
-            </a:r>
-            <a:r>
-              <a:rPr lang="hr-HR" sz="1200" dirty="0"/>
-              <a:t>).</a:t>
-            </a:r>
-            <a:br>
-              <a:rPr lang="hr-HR" sz="1200" dirty="0"/>
-            </a:br>
-            <a:r>
-              <a:rPr lang="hr-HR" sz="1200" dirty="0"/>
-              <a:t>👉 Primjeri</a:t>
-            </a:r>
-            <a:r>
-              <a:rPr lang="hr-HR" sz="1200" b="1" dirty="0"/>
-              <a:t>: &lt;</a:t>
-            </a:r>
-            <a:r>
-              <a:rPr lang="hr-HR" sz="1200" b="1" dirty="0" err="1"/>
-              <a:t>span</a:t>
-            </a:r>
-            <a:r>
-              <a:rPr lang="hr-HR" sz="1200" b="1" dirty="0"/>
-              <a:t>&gt;, &lt;a&gt;, &lt;</a:t>
-            </a:r>
-            <a:r>
-              <a:rPr lang="hr-HR" sz="1200" b="1" dirty="0" err="1"/>
-              <a:t>strong</a:t>
-            </a:r>
-            <a:r>
-              <a:rPr lang="hr-HR" sz="1200" b="1" dirty="0"/>
-              <a:t>&gt;, &lt;em&gt;.</a:t>
-            </a:r>
-            <a:endParaRPr lang="en-US" sz="1200" b="1" dirty="0"/>
-          </a:p>
-          <a:p>
-            <a:r>
-              <a:rPr lang="hr-HR" sz="1200" dirty="0"/>
-              <a:t>👉 Elementi će </a:t>
-            </a:r>
-            <a:r>
-              <a:rPr lang="hr-HR" sz="1200" b="1" dirty="0"/>
-              <a:t>stajati jedan pored drugog</a:t>
-            </a:r>
-            <a:r>
-              <a:rPr lang="hr-HR" sz="1200" dirty="0"/>
-              <a:t> i </a:t>
-            </a:r>
-            <a:r>
-              <a:rPr lang="hr-HR" sz="1200" b="1" dirty="0" err="1"/>
-              <a:t>ignori</a:t>
-            </a:r>
-            <a:r>
-              <a:rPr lang="en-US" sz="1200" b="1" dirty="0"/>
-              <a:t>rat</a:t>
-            </a:r>
-            <a:r>
-              <a:rPr lang="hr-HR" sz="1200" b="1" dirty="0"/>
-              <a:t>i širinu i visinu</a:t>
-            </a:r>
-            <a:r>
-              <a:rPr lang="hr-HR" sz="1200" dirty="0"/>
-              <a:t>.</a:t>
-            </a:r>
-            <a:endParaRPr lang="en-US" sz="1200" b="1" dirty="0"/>
-          </a:p>
-        </p:txBody>
-      </p:sp>
-    </p:spTree>
-    <p:extLst>
-      <p:ext uri="{BB962C8B-B14F-4D97-AF65-F5344CB8AC3E}">
-        <p14:creationId xmlns:p14="http://schemas.microsoft.com/office/powerpoint/2010/main" val="1331292300"/>
-      </p:ext>
-    </p:extLst>
-  </p:cSld>
-  <p:clrMapOvr>
-    <a:masterClrMapping/>
-  </p:clrMapOvr>
-</p:sld>
-</file>
-
-<file path=ppt/slides/slide31.xml><?xml version="1.0" encoding="utf-8"?>
-<p:sld xmlns:a="http://schemas.openxmlformats.org/drawingml/2006/main" xmlns:r="http://schemas.openxmlformats.org/officeDocument/2006/relationships" xmlns:p="http://schemas.openxmlformats.org/presentationml/2006/main">
-  <p:cSld>
-    <p:spTree>
-      <p:nvGrpSpPr>
-        <p:cNvPr id="1" name="">
-          <a:extLst>
-            <a:ext uri="{FF2B5EF4-FFF2-40B4-BE49-F238E27FC236}">
               <a16:creationId xmlns:a16="http://schemas.microsoft.com/office/drawing/2014/main" id="{A1A49EA5-F707-71BD-441A-55598B8EF45D}"/>
             </a:ext>
           </a:extLst>
@@ -24980,7 +23610,7 @@
 </p:sld>
 </file>
 
-<file path=ppt/slides/slide32.xml><?xml version="1.0" encoding="utf-8"?>
+<file path=ppt/slides/slide31.xml><?xml version="1.0" encoding="utf-8"?>
 <p:sld xmlns:a="http://schemas.openxmlformats.org/drawingml/2006/main" xmlns:r="http://schemas.openxmlformats.org/officeDocument/2006/relationships" xmlns:p="http://schemas.openxmlformats.org/presentationml/2006/main">
   <p:cSld>
     <p:spTree>
@@ -25465,7 +24095,7 @@
 </p:sld>
 </file>
 
-<file path=ppt/slides/slide33.xml><?xml version="1.0" encoding="utf-8"?>
+<file path=ppt/slides/slide32.xml><?xml version="1.0" encoding="utf-8"?>
 <p:sld xmlns:a="http://schemas.openxmlformats.org/drawingml/2006/main" xmlns:r="http://schemas.openxmlformats.org/officeDocument/2006/relationships" xmlns:p="http://schemas.openxmlformats.org/presentationml/2006/main">
   <p:cSld>
     <p:spTree>
@@ -25846,7 +24476,7 @@
 </p:sld>
 </file>
 
-<file path=ppt/slides/slide34.xml><?xml version="1.0" encoding="utf-8"?>
+<file path=ppt/slides/slide33.xml><?xml version="1.0" encoding="utf-8"?>
 <p:sld xmlns:a="http://schemas.openxmlformats.org/drawingml/2006/main" xmlns:r="http://schemas.openxmlformats.org/officeDocument/2006/relationships" xmlns:p="http://schemas.openxmlformats.org/presentationml/2006/main">
   <p:cSld>
     <p:spTree>
@@ -26157,7 +24787,7 @@
 </p:sld>
 </file>
 
-<file path=ppt/slides/slide35.xml><?xml version="1.0" encoding="utf-8"?>
+<file path=ppt/slides/slide34.xml><?xml version="1.0" encoding="utf-8"?>
 <p:sld xmlns:a="http://schemas.openxmlformats.org/drawingml/2006/main" xmlns:r="http://schemas.openxmlformats.org/officeDocument/2006/relationships" xmlns:p="http://schemas.openxmlformats.org/presentationml/2006/main">
   <p:cSld>
     <p:spTree>
@@ -26612,7 +25242,7 @@
 </p:sld>
 </file>
 
-<file path=ppt/slides/slide36.xml><?xml version="1.0" encoding="utf-8"?>
+<file path=ppt/slides/slide35.xml><?xml version="1.0" encoding="utf-8"?>
 <p:sld xmlns:a="http://schemas.openxmlformats.org/drawingml/2006/main" xmlns:r="http://schemas.openxmlformats.org/officeDocument/2006/relationships" xmlns:p="http://schemas.openxmlformats.org/presentationml/2006/main">
   <p:cSld>
     <p:spTree>
@@ -26997,7 +25627,7 @@
 </p:sld>
 </file>
 
-<file path=ppt/slides/slide37.xml><?xml version="1.0" encoding="utf-8"?>
+<file path=ppt/slides/slide36.xml><?xml version="1.0" encoding="utf-8"?>
 <p:sld xmlns:a="http://schemas.openxmlformats.org/drawingml/2006/main" xmlns:r="http://schemas.openxmlformats.org/officeDocument/2006/relationships" xmlns:p="http://schemas.openxmlformats.org/presentationml/2006/main">
   <p:cSld>
     <p:spTree>
@@ -27653,7 +26283,7 @@
 </p:sld>
 </file>
 
-<file path=ppt/slides/slide38.xml><?xml version="1.0" encoding="utf-8"?>
+<file path=ppt/slides/slide37.xml><?xml version="1.0" encoding="utf-8"?>
 <p:sld xmlns:a="http://schemas.openxmlformats.org/drawingml/2006/main" xmlns:r="http://schemas.openxmlformats.org/officeDocument/2006/relationships" xmlns:p="http://schemas.openxmlformats.org/presentationml/2006/main">
   <p:cSld>
     <p:spTree>
@@ -28049,7 +26679,7 @@
 </p:sld>
 </file>
 
-<file path=ppt/slides/slide39.xml><?xml version="1.0" encoding="utf-8"?>
+<file path=ppt/slides/slide38.xml><?xml version="1.0" encoding="utf-8"?>
 <p:sld xmlns:a="http://schemas.openxmlformats.org/drawingml/2006/main" xmlns:r="http://schemas.openxmlformats.org/officeDocument/2006/relationships" xmlns:p="http://schemas.openxmlformats.org/presentationml/2006/main">
   <p:cSld>
     <p:spTree>
@@ -30567,6 +29197,15 @@
 </file>
 
 <file path=customXml/item1.xml><?xml version="1.0" encoding="utf-8"?>
+<?mso-contentType ?>
+<FormTemplates xmlns="http://schemas.microsoft.com/sharepoint/v3/contenttype/forms">
+  <Display>DocumentLibraryForm</Display>
+  <Edit>DocumentLibraryForm</Edit>
+  <New>DocumentLibraryForm</New>
+</FormTemplates>
+</file>
+
+<file path=customXml/item2.xml><?xml version="1.0" encoding="utf-8"?>
 <p:properties xmlns:p="http://schemas.microsoft.com/office/2006/metadata/properties" xmlns:xsi="http://www.w3.org/2001/XMLSchema-instance" xmlns:pc="http://schemas.microsoft.com/office/infopath/2007/PartnerControls">
   <documentManagement>
     <lcf76f155ced4ddcb4097134ff3c332f xmlns="40806f44-bc4a-4ea4-b660-c6da93f8f179">
@@ -30575,15 +29214,6 @@
     <TaxCatchAll xmlns="758d0d8f-b783-4c78-ab73-9740c97b97cf" xsi:nil="true"/>
   </documentManagement>
 </p:properties>
-</file>
-
-<file path=customXml/item2.xml><?xml version="1.0" encoding="utf-8"?>
-<?mso-contentType ?>
-<FormTemplates xmlns="http://schemas.microsoft.com/sharepoint/v3/contenttype/forms">
-  <Display>DocumentLibraryForm</Display>
-  <Edit>DocumentLibraryForm</Edit>
-  <New>DocumentLibraryForm</New>
-</FormTemplates>
 </file>
 
 <file path=customXml/item3.xml><?xml version="1.0" encoding="utf-8"?>
@@ -30804,6 +29434,14 @@
 </file>
 
 <file path=customXml/itemProps1.xml><?xml version="1.0" encoding="utf-8"?>
+<ds:datastoreItem xmlns:ds="http://schemas.openxmlformats.org/officeDocument/2006/customXml" ds:itemID="{46915D30-CAA6-465E-907F-1770D4E3B01D}">
+  <ds:schemaRefs>
+    <ds:schemaRef ds:uri="http://schemas.microsoft.com/sharepoint/v3/contenttype/forms"/>
+  </ds:schemaRefs>
+</ds:datastoreItem>
+</file>
+
+<file path=customXml/itemProps2.xml><?xml version="1.0" encoding="utf-8"?>
 <ds:datastoreItem xmlns:ds="http://schemas.openxmlformats.org/officeDocument/2006/customXml" ds:itemID="{61E72F81-8533-461E-8E71-A6D77294CFEF}">
   <ds:schemaRefs>
     <ds:schemaRef ds:uri="http://purl.org/dc/elements/1.1/"/>
@@ -30816,14 +29454,6 @@
     <ds:schemaRef ds:uri="http://schemas.microsoft.com/office/infopath/2007/PartnerControls"/>
     <ds:schemaRef ds:uri="758d0d8f-b783-4c78-ab73-9740c97b97cf"/>
     <ds:schemaRef ds:uri="http://schemas.microsoft.com/office/2006/metadata/properties"/>
-  </ds:schemaRefs>
-</ds:datastoreItem>
-</file>
-
-<file path=customXml/itemProps2.xml><?xml version="1.0" encoding="utf-8"?>
-<ds:datastoreItem xmlns:ds="http://schemas.openxmlformats.org/officeDocument/2006/customXml" ds:itemID="{46915D30-CAA6-465E-907F-1770D4E3B01D}">
-  <ds:schemaRefs>
-    <ds:schemaRef ds:uri="http://schemas.microsoft.com/sharepoint/v3/contenttype/forms"/>
   </ds:schemaRefs>
 </ds:datastoreItem>
 </file>

--- a/Bootcamp/css-uvod/css-uvod.pptx
+++ b/Bootcamp/css-uvod/css-uvod.pptx
@@ -294,7 +294,7 @@
           <a:p>
             <a:fld id="{B2A70591-2E3C-5F42-A4E1-C0F5A0F4E5DB}" type="datetimeFigureOut">
               <a:rPr lang="en-US" smtClean="0"/>
-              <a:t>3/9/2025</a:t>
+              <a:t>3/10/2025</a:t>
             </a:fld>
             <a:endParaRPr lang="en-US"/>
           </a:p>
@@ -5495,7 +5495,7 @@
                 <a:ea typeface="Open Sans" panose="020B0606030504020204" pitchFamily="34" charset="0"/>
                 <a:cs typeface="Open Sans" panose="020B0606030504020204" pitchFamily="34" charset="0"/>
               </a:rPr>
-              <a:t>09/03/2025</a:t>
+              <a:t>10/03/2025</a:t>
             </a:fld>
             <a:endParaRPr lang="en-GB" sz="1800" b="0" i="0" kern="1200" dirty="0">
               <a:solidFill>
@@ -6240,7 +6240,7 @@
                 <a:ea typeface="Open Sans" panose="020B0606030504020204" pitchFamily="34" charset="0"/>
                 <a:cs typeface="Open Sans" panose="020B0606030504020204" pitchFamily="34" charset="0"/>
               </a:rPr>
-              <a:t>09/03/2025</a:t>
+              <a:t>10/03/2025</a:t>
             </a:fld>
             <a:endParaRPr lang="en-GB" sz="1800" b="0" i="0" kern="1200" dirty="0">
               <a:solidFill>
@@ -6763,7 +6763,7 @@
                 <a:ea typeface="Open Sans" panose="020B0606030504020204" pitchFamily="34" charset="0"/>
                 <a:cs typeface="Open Sans" panose="020B0606030504020204" pitchFamily="34" charset="0"/>
               </a:rPr>
-              <a:t>09/03/2025</a:t>
+              <a:t>10/03/2025</a:t>
             </a:fld>
             <a:endParaRPr lang="en-GB" sz="1800" b="0" i="0" kern="1200" dirty="0">
               <a:solidFill>
@@ -7729,7 +7729,7 @@
                 <a:ea typeface="Open Sans" panose="020B0606030504020204" pitchFamily="34" charset="0"/>
                 <a:cs typeface="Open Sans" panose="020B0606030504020204" pitchFamily="34" charset="0"/>
               </a:rPr>
-              <a:t>09/03/2025</a:t>
+              <a:t>10/03/2025</a:t>
             </a:fld>
             <a:endParaRPr lang="en-GB" sz="1800" b="0" i="0" kern="1200" dirty="0">
               <a:solidFill>
@@ -8168,7 +8168,7 @@
                 <a:ea typeface="Open Sans" panose="020B0606030504020204" pitchFamily="34" charset="0"/>
                 <a:cs typeface="Open Sans" panose="020B0606030504020204" pitchFamily="34" charset="0"/>
               </a:rPr>
-              <a:t>09/03/2025</a:t>
+              <a:t>10/03/2025</a:t>
             </a:fld>
             <a:endParaRPr lang="en-GB" sz="1800" b="0" i="0" kern="1200" dirty="0">
               <a:solidFill>
@@ -9938,7 +9938,7 @@
                 <a:ea typeface="Open Sans" pitchFamily="2" charset="0"/>
                 <a:cs typeface="Open Sans" pitchFamily="2" charset="0"/>
               </a:rPr>
-              <a:t>09/03/2025</a:t>
+              <a:t>10/03/2025</a:t>
             </a:fld>
             <a:endParaRPr lang="en-GB" sz="1800" b="0" i="0" kern="1200" dirty="0">
               <a:solidFill>
@@ -11688,7 +11688,7 @@
                 <a:ea typeface="Open Sans" pitchFamily="2" charset="0"/>
                 <a:cs typeface="Open Sans" pitchFamily="2" charset="0"/>
               </a:rPr>
-              <a:t>09/03/2025</a:t>
+              <a:t>10/03/2025</a:t>
             </a:fld>
             <a:endParaRPr lang="en-GB" sz="1800" b="0" i="0" kern="1200" dirty="0">
               <a:solidFill>
@@ -12205,7 +12205,7 @@
                 <a:ea typeface="Open Sans" panose="020B0606030504020204" pitchFamily="34" charset="0"/>
                 <a:cs typeface="Open Sans" panose="020B0606030504020204" pitchFamily="34" charset="0"/>
               </a:rPr>
-              <a:t>09/03/2025</a:t>
+              <a:t>10/03/2025</a:t>
             </a:fld>
             <a:endParaRPr lang="en-GB" sz="1800" b="0" i="0" kern="1200" dirty="0">
               <a:solidFill>
@@ -12802,7 +12802,7 @@
                 <a:ea typeface="Open Sans" pitchFamily="2" charset="0"/>
                 <a:cs typeface="Open Sans" pitchFamily="2" charset="0"/>
               </a:rPr>
-              <a:t>09/03/2025</a:t>
+              <a:t>10/03/2025</a:t>
             </a:fld>
             <a:endParaRPr lang="en-GB" sz="1800" b="0" i="0" kern="1200" dirty="0">
               <a:solidFill>
@@ -13342,7 +13342,7 @@
                 <a:ea typeface="Open Sans" panose="020B0606030504020204" pitchFamily="34" charset="0"/>
                 <a:cs typeface="Open Sans" panose="020B0606030504020204" pitchFamily="34" charset="0"/>
               </a:rPr>
-              <a:t>09/03/2025</a:t>
+              <a:t>10/03/2025</a:t>
             </a:fld>
             <a:endParaRPr lang="en-GB" sz="1800" b="0" i="0" kern="1200" dirty="0">
               <a:solidFill>
@@ -14043,7 +14043,7 @@
                 <a:ea typeface="Open Sans" panose="020B0606030504020204" pitchFamily="34" charset="0"/>
                 <a:cs typeface="Open Sans" panose="020B0606030504020204" pitchFamily="34" charset="0"/>
               </a:rPr>
-              <a:t>09/03/2025</a:t>
+              <a:t>10/03/2025</a:t>
             </a:fld>
             <a:endParaRPr lang="en-GB" sz="1800" b="0" i="0" kern="1200" dirty="0">
               <a:solidFill>
@@ -14406,7 +14406,7 @@
                 <a:ea typeface="Open Sans" pitchFamily="2" charset="0"/>
                 <a:cs typeface="Open Sans" pitchFamily="2" charset="0"/>
               </a:rPr>
-              <a:t>09/03/2025</a:t>
+              <a:t>10/03/2025</a:t>
             </a:fld>
             <a:endParaRPr lang="en-GB" sz="1800" b="0" i="0" kern="1200" dirty="0">
               <a:solidFill>
@@ -14801,7 +14801,7 @@
                 <a:ea typeface="Open Sans" pitchFamily="2" charset="0"/>
                 <a:cs typeface="Open Sans" pitchFamily="2" charset="0"/>
               </a:rPr>
-              <a:t>09/03/2025</a:t>
+              <a:t>10/03/2025</a:t>
             </a:fld>
             <a:endParaRPr lang="en-GB" sz="1800" b="0" i="0" kern="1200" dirty="0">
               <a:solidFill>
@@ -26064,15 +26064,7 @@
           <a:p>
             <a:r>
               <a:rPr lang="en-US" sz="1600" dirty="0"/>
-              <a:t>CSS Grid – </a:t>
-            </a:r>
-            <a:r>
-              <a:rPr lang="en-US" sz="1600" dirty="0" err="1"/>
-              <a:t>Savršeni</a:t>
-            </a:r>
-            <a:r>
-              <a:rPr lang="en-US" sz="1600" dirty="0"/>
-              <a:t> Layout</a:t>
+              <a:t>FLEXBOX</a:t>
             </a:r>
             <a:endParaRPr lang="hr-HR" sz="1600" dirty="0"/>
           </a:p>
@@ -29197,15 +29189,6 @@
 </file>
 
 <file path=customXml/item1.xml><?xml version="1.0" encoding="utf-8"?>
-<?mso-contentType ?>
-<FormTemplates xmlns="http://schemas.microsoft.com/sharepoint/v3/contenttype/forms">
-  <Display>DocumentLibraryForm</Display>
-  <Edit>DocumentLibraryForm</Edit>
-  <New>DocumentLibraryForm</New>
-</FormTemplates>
-</file>
-
-<file path=customXml/item2.xml><?xml version="1.0" encoding="utf-8"?>
 <p:properties xmlns:p="http://schemas.microsoft.com/office/2006/metadata/properties" xmlns:xsi="http://www.w3.org/2001/XMLSchema-instance" xmlns:pc="http://schemas.microsoft.com/office/infopath/2007/PartnerControls">
   <documentManagement>
     <lcf76f155ced4ddcb4097134ff3c332f xmlns="40806f44-bc4a-4ea4-b660-c6da93f8f179">
@@ -29214,6 +29197,15 @@
     <TaxCatchAll xmlns="758d0d8f-b783-4c78-ab73-9740c97b97cf" xsi:nil="true"/>
   </documentManagement>
 </p:properties>
+</file>
+
+<file path=customXml/item2.xml><?xml version="1.0" encoding="utf-8"?>
+<?mso-contentType ?>
+<FormTemplates xmlns="http://schemas.microsoft.com/sharepoint/v3/contenttype/forms">
+  <Display>DocumentLibraryForm</Display>
+  <Edit>DocumentLibraryForm</Edit>
+  <New>DocumentLibraryForm</New>
+</FormTemplates>
 </file>
 
 <file path=customXml/item3.xml><?xml version="1.0" encoding="utf-8"?>
@@ -29434,14 +29426,6 @@
 </file>
 
 <file path=customXml/itemProps1.xml><?xml version="1.0" encoding="utf-8"?>
-<ds:datastoreItem xmlns:ds="http://schemas.openxmlformats.org/officeDocument/2006/customXml" ds:itemID="{46915D30-CAA6-465E-907F-1770D4E3B01D}">
-  <ds:schemaRefs>
-    <ds:schemaRef ds:uri="http://schemas.microsoft.com/sharepoint/v3/contenttype/forms"/>
-  </ds:schemaRefs>
-</ds:datastoreItem>
-</file>
-
-<file path=customXml/itemProps2.xml><?xml version="1.0" encoding="utf-8"?>
 <ds:datastoreItem xmlns:ds="http://schemas.openxmlformats.org/officeDocument/2006/customXml" ds:itemID="{61E72F81-8533-461E-8E71-A6D77294CFEF}">
   <ds:schemaRefs>
     <ds:schemaRef ds:uri="http://purl.org/dc/elements/1.1/"/>
@@ -29454,6 +29438,14 @@
     <ds:schemaRef ds:uri="http://schemas.microsoft.com/office/infopath/2007/PartnerControls"/>
     <ds:schemaRef ds:uri="758d0d8f-b783-4c78-ab73-9740c97b97cf"/>
     <ds:schemaRef ds:uri="http://schemas.microsoft.com/office/2006/metadata/properties"/>
+  </ds:schemaRefs>
+</ds:datastoreItem>
+</file>
+
+<file path=customXml/itemProps2.xml><?xml version="1.0" encoding="utf-8"?>
+<ds:datastoreItem xmlns:ds="http://schemas.openxmlformats.org/officeDocument/2006/customXml" ds:itemID="{46915D30-CAA6-465E-907F-1770D4E3B01D}">
+  <ds:schemaRefs>
+    <ds:schemaRef ds:uri="http://schemas.microsoft.com/sharepoint/v3/contenttype/forms"/>
   </ds:schemaRefs>
 </ds:datastoreItem>
 </file>

--- a/Bootcamp/css-uvod/css-uvod.pptx
+++ b/Bootcamp/css-uvod/css-uvod.pptx
@@ -5,7 +5,7 @@
     <p:sldMasterId id="2147483648" r:id="rId4"/>
   </p:sldMasterIdLst>
   <p:notesMasterIdLst>
-    <p:notesMasterId r:id="rId43"/>
+    <p:notesMasterId r:id="rId46"/>
   </p:notesMasterIdLst>
   <p:sldIdLst>
     <p:sldId id="304" r:id="rId5"/>
@@ -45,7 +45,10 @@
     <p:sldId id="342" r:id="rId39"/>
     <p:sldId id="343" r:id="rId40"/>
     <p:sldId id="344" r:id="rId41"/>
-    <p:sldId id="345" r:id="rId42"/>
+    <p:sldId id="346" r:id="rId42"/>
+    <p:sldId id="347" r:id="rId43"/>
+    <p:sldId id="348" r:id="rId44"/>
+    <p:sldId id="345" r:id="rId45"/>
   </p:sldIdLst>
   <p:sldSz cx="12192000" cy="6858000"/>
   <p:notesSz cx="6858000" cy="9144000"/>
@@ -189,6 +192,9 @@
             <p14:sldId id="342"/>
             <p14:sldId id="343"/>
             <p14:sldId id="344"/>
+            <p14:sldId id="346"/>
+            <p14:sldId id="347"/>
+            <p14:sldId id="348"/>
             <p14:sldId id="345"/>
           </p14:sldIdLst>
         </p14:section>
@@ -294,7 +300,7 @@
           <a:p>
             <a:fld id="{B2A70591-2E3C-5F42-A4E1-C0F5A0F4E5DB}" type="datetimeFigureOut">
               <a:rPr lang="en-US" smtClean="0"/>
-              <a:t>3/10/2025</a:t>
+              <a:t>4/6/2025</a:t>
             </a:fld>
             <a:endParaRPr lang="en-US"/>
           </a:p>
@@ -4143,6 +4149,381 @@
 </p:notes>
 </file>
 
+<file path=ppt/notesSlides/notesSlide37.xml><?xml version="1.0" encoding="utf-8"?>
+<p:notes xmlns:a="http://schemas.openxmlformats.org/drawingml/2006/main" xmlns:r="http://schemas.openxmlformats.org/officeDocument/2006/relationships" xmlns:p="http://schemas.openxmlformats.org/presentationml/2006/main">
+  <p:cSld>
+    <p:spTree>
+      <p:nvGrpSpPr>
+        <p:cNvPr id="1" name="">
+          <a:extLst>
+            <a:ext uri="{FF2B5EF4-FFF2-40B4-BE49-F238E27FC236}">
+              <a16:creationId xmlns:a16="http://schemas.microsoft.com/office/drawing/2014/main" id="{3507BF49-70A6-7451-9238-1D6D1D1C9C97}"/>
+            </a:ext>
+          </a:extLst>
+        </p:cNvPr>
+        <p:cNvGrpSpPr/>
+        <p:nvPr/>
+      </p:nvGrpSpPr>
+      <p:grpSpPr>
+        <a:xfrm>
+          <a:off x="0" y="0"/>
+          <a:ext cx="0" cy="0"/>
+          <a:chOff x="0" y="0"/>
+          <a:chExt cx="0" cy="0"/>
+        </a:xfrm>
+      </p:grpSpPr>
+      <p:sp>
+        <p:nvSpPr>
+          <p:cNvPr id="2" name="Slide Image Placeholder 1">
+            <a:extLst>
+              <a:ext uri="{FF2B5EF4-FFF2-40B4-BE49-F238E27FC236}">
+                <a16:creationId xmlns:a16="http://schemas.microsoft.com/office/drawing/2014/main" id="{09F34A97-F9CB-C213-302D-556177D31DCE}"/>
+              </a:ext>
+            </a:extLst>
+          </p:cNvPr>
+          <p:cNvSpPr>
+            <a:spLocks noGrp="1" noRot="1" noChangeAspect="1"/>
+          </p:cNvSpPr>
+          <p:nvPr>
+            <p:ph type="sldImg"/>
+          </p:nvPr>
+        </p:nvSpPr>
+        <p:spPr/>
+      </p:sp>
+      <p:sp>
+        <p:nvSpPr>
+          <p:cNvPr id="3" name="Notes Placeholder 2">
+            <a:extLst>
+              <a:ext uri="{FF2B5EF4-FFF2-40B4-BE49-F238E27FC236}">
+                <a16:creationId xmlns:a16="http://schemas.microsoft.com/office/drawing/2014/main" id="{0F7045BB-39BF-04C4-A712-4A6A05E2DE77}"/>
+              </a:ext>
+            </a:extLst>
+          </p:cNvPr>
+          <p:cNvSpPr>
+            <a:spLocks noGrp="1"/>
+          </p:cNvSpPr>
+          <p:nvPr>
+            <p:ph type="body" idx="1"/>
+          </p:nvPr>
+        </p:nvSpPr>
+        <p:spPr/>
+        <p:txBody>
+          <a:bodyPr/>
+          <a:lstStyle/>
+          <a:p>
+            <a:r>
+              <a:rPr lang="hr-HR" dirty="0"/>
+              <a:t>https://omatsuri.app/</a:t>
+            </a:r>
+            <a:endParaRPr lang="en-US" dirty="0"/>
+          </a:p>
+          <a:p>
+            <a:r>
+              <a:rPr lang="hr-HR" dirty="0"/>
+              <a:t>https://devdocs.io/html/</a:t>
+            </a:r>
+            <a:endParaRPr lang="en-US" dirty="0"/>
+          </a:p>
+          <a:p>
+            <a:r>
+              <a:rPr lang="hr-HR" dirty="0"/>
+              <a:t>https://htmlrev.com/</a:t>
+            </a:r>
+            <a:endParaRPr lang="en-US" dirty="0"/>
+          </a:p>
+          <a:p>
+            <a:r>
+              <a:rPr lang="hr-HR" dirty="0"/>
+              <a:t>https://uiverse.io/</a:t>
+            </a:r>
+          </a:p>
+        </p:txBody>
+      </p:sp>
+      <p:sp>
+        <p:nvSpPr>
+          <p:cNvPr id="4" name="Slide Number Placeholder 3">
+            <a:extLst>
+              <a:ext uri="{FF2B5EF4-FFF2-40B4-BE49-F238E27FC236}">
+                <a16:creationId xmlns:a16="http://schemas.microsoft.com/office/drawing/2014/main" id="{36EC2B2E-F98D-C360-E222-8CE19463E66F}"/>
+              </a:ext>
+            </a:extLst>
+          </p:cNvPr>
+          <p:cNvSpPr>
+            <a:spLocks noGrp="1"/>
+          </p:cNvSpPr>
+          <p:nvPr>
+            <p:ph type="sldNum" sz="quarter" idx="5"/>
+          </p:nvPr>
+        </p:nvSpPr>
+        <p:spPr/>
+        <p:txBody>
+          <a:bodyPr/>
+          <a:lstStyle/>
+          <a:p>
+            <a:fld id="{343B951A-A665-1949-AEDB-B62DC9BE7F13}" type="slidenum">
+              <a:rPr lang="en-US" smtClean="0"/>
+              <a:t>38</a:t>
+            </a:fld>
+            <a:endParaRPr lang="en-US"/>
+          </a:p>
+        </p:txBody>
+      </p:sp>
+    </p:spTree>
+    <p:extLst>
+      <p:ext uri="{BB962C8B-B14F-4D97-AF65-F5344CB8AC3E}">
+        <p14:creationId xmlns:p14="http://schemas.microsoft.com/office/powerpoint/2010/main" val="1631787056"/>
+      </p:ext>
+    </p:extLst>
+  </p:cSld>
+  <p:clrMapOvr>
+    <a:masterClrMapping/>
+  </p:clrMapOvr>
+</p:notes>
+</file>
+
+<file path=ppt/notesSlides/notesSlide38.xml><?xml version="1.0" encoding="utf-8"?>
+<p:notes xmlns:a="http://schemas.openxmlformats.org/drawingml/2006/main" xmlns:r="http://schemas.openxmlformats.org/officeDocument/2006/relationships" xmlns:p="http://schemas.openxmlformats.org/presentationml/2006/main">
+  <p:cSld>
+    <p:spTree>
+      <p:nvGrpSpPr>
+        <p:cNvPr id="1" name="">
+          <a:extLst>
+            <a:ext uri="{FF2B5EF4-FFF2-40B4-BE49-F238E27FC236}">
+              <a16:creationId xmlns:a16="http://schemas.microsoft.com/office/drawing/2014/main" id="{B4A72BC6-D8F4-BCE2-251E-237E54C1C7AC}"/>
+            </a:ext>
+          </a:extLst>
+        </p:cNvPr>
+        <p:cNvGrpSpPr/>
+        <p:nvPr/>
+      </p:nvGrpSpPr>
+      <p:grpSpPr>
+        <a:xfrm>
+          <a:off x="0" y="0"/>
+          <a:ext cx="0" cy="0"/>
+          <a:chOff x="0" y="0"/>
+          <a:chExt cx="0" cy="0"/>
+        </a:xfrm>
+      </p:grpSpPr>
+      <p:sp>
+        <p:nvSpPr>
+          <p:cNvPr id="2" name="Slide Image Placeholder 1">
+            <a:extLst>
+              <a:ext uri="{FF2B5EF4-FFF2-40B4-BE49-F238E27FC236}">
+                <a16:creationId xmlns:a16="http://schemas.microsoft.com/office/drawing/2014/main" id="{DC891147-A549-DCF4-BC75-C6353636754A}"/>
+              </a:ext>
+            </a:extLst>
+          </p:cNvPr>
+          <p:cNvSpPr>
+            <a:spLocks noGrp="1" noRot="1" noChangeAspect="1"/>
+          </p:cNvSpPr>
+          <p:nvPr>
+            <p:ph type="sldImg"/>
+          </p:nvPr>
+        </p:nvSpPr>
+        <p:spPr/>
+      </p:sp>
+      <p:sp>
+        <p:nvSpPr>
+          <p:cNvPr id="3" name="Notes Placeholder 2">
+            <a:extLst>
+              <a:ext uri="{FF2B5EF4-FFF2-40B4-BE49-F238E27FC236}">
+                <a16:creationId xmlns:a16="http://schemas.microsoft.com/office/drawing/2014/main" id="{CA621873-6171-B1F6-ED54-D0858B9F1B7A}"/>
+              </a:ext>
+            </a:extLst>
+          </p:cNvPr>
+          <p:cNvSpPr>
+            <a:spLocks noGrp="1"/>
+          </p:cNvSpPr>
+          <p:nvPr>
+            <p:ph type="body" idx="1"/>
+          </p:nvPr>
+        </p:nvSpPr>
+        <p:spPr/>
+        <p:txBody>
+          <a:bodyPr/>
+          <a:lstStyle/>
+          <a:p>
+            <a:r>
+              <a:rPr lang="hr-HR" dirty="0"/>
+              <a:t>https://omatsuri.app/</a:t>
+            </a:r>
+            <a:endParaRPr lang="en-US" dirty="0"/>
+          </a:p>
+          <a:p>
+            <a:r>
+              <a:rPr lang="hr-HR" dirty="0"/>
+              <a:t>https://devdocs.io/html/</a:t>
+            </a:r>
+            <a:endParaRPr lang="en-US" dirty="0"/>
+          </a:p>
+          <a:p>
+            <a:r>
+              <a:rPr lang="hr-HR" dirty="0"/>
+              <a:t>https://htmlrev.com/</a:t>
+            </a:r>
+            <a:endParaRPr lang="en-US" dirty="0"/>
+          </a:p>
+          <a:p>
+            <a:r>
+              <a:rPr lang="hr-HR" dirty="0"/>
+              <a:t>https://uiverse.io/</a:t>
+            </a:r>
+          </a:p>
+        </p:txBody>
+      </p:sp>
+      <p:sp>
+        <p:nvSpPr>
+          <p:cNvPr id="4" name="Slide Number Placeholder 3">
+            <a:extLst>
+              <a:ext uri="{FF2B5EF4-FFF2-40B4-BE49-F238E27FC236}">
+                <a16:creationId xmlns:a16="http://schemas.microsoft.com/office/drawing/2014/main" id="{3B63D879-04B5-9FCE-A62F-4A38AA1D0908}"/>
+              </a:ext>
+            </a:extLst>
+          </p:cNvPr>
+          <p:cNvSpPr>
+            <a:spLocks noGrp="1"/>
+          </p:cNvSpPr>
+          <p:nvPr>
+            <p:ph type="sldNum" sz="quarter" idx="5"/>
+          </p:nvPr>
+        </p:nvSpPr>
+        <p:spPr/>
+        <p:txBody>
+          <a:bodyPr/>
+          <a:lstStyle/>
+          <a:p>
+            <a:fld id="{343B951A-A665-1949-AEDB-B62DC9BE7F13}" type="slidenum">
+              <a:rPr lang="en-US" smtClean="0"/>
+              <a:t>39</a:t>
+            </a:fld>
+            <a:endParaRPr lang="en-US"/>
+          </a:p>
+        </p:txBody>
+      </p:sp>
+    </p:spTree>
+    <p:extLst>
+      <p:ext uri="{BB962C8B-B14F-4D97-AF65-F5344CB8AC3E}">
+        <p14:creationId xmlns:p14="http://schemas.microsoft.com/office/powerpoint/2010/main" val="695565906"/>
+      </p:ext>
+    </p:extLst>
+  </p:cSld>
+  <p:clrMapOvr>
+    <a:masterClrMapping/>
+  </p:clrMapOvr>
+</p:notes>
+</file>
+
+<file path=ppt/notesSlides/notesSlide39.xml><?xml version="1.0" encoding="utf-8"?>
+<p:notes xmlns:a="http://schemas.openxmlformats.org/drawingml/2006/main" xmlns:r="http://schemas.openxmlformats.org/officeDocument/2006/relationships" xmlns:p="http://schemas.openxmlformats.org/presentationml/2006/main">
+  <p:cSld>
+    <p:spTree>
+      <p:nvGrpSpPr>
+        <p:cNvPr id="1" name="">
+          <a:extLst>
+            <a:ext uri="{FF2B5EF4-FFF2-40B4-BE49-F238E27FC236}">
+              <a16:creationId xmlns:a16="http://schemas.microsoft.com/office/drawing/2014/main" id="{4AF993B9-0943-CBAE-1311-449301D3984F}"/>
+            </a:ext>
+          </a:extLst>
+        </p:cNvPr>
+        <p:cNvGrpSpPr/>
+        <p:nvPr/>
+      </p:nvGrpSpPr>
+      <p:grpSpPr>
+        <a:xfrm>
+          <a:off x="0" y="0"/>
+          <a:ext cx="0" cy="0"/>
+          <a:chOff x="0" y="0"/>
+          <a:chExt cx="0" cy="0"/>
+        </a:xfrm>
+      </p:grpSpPr>
+      <p:sp>
+        <p:nvSpPr>
+          <p:cNvPr id="2" name="Slide Image Placeholder 1">
+            <a:extLst>
+              <a:ext uri="{FF2B5EF4-FFF2-40B4-BE49-F238E27FC236}">
+                <a16:creationId xmlns:a16="http://schemas.microsoft.com/office/drawing/2014/main" id="{BF21093A-0C50-3B92-112F-C5F90916F0CD}"/>
+              </a:ext>
+            </a:extLst>
+          </p:cNvPr>
+          <p:cNvSpPr>
+            <a:spLocks noGrp="1" noRot="1" noChangeAspect="1"/>
+          </p:cNvSpPr>
+          <p:nvPr>
+            <p:ph type="sldImg"/>
+          </p:nvPr>
+        </p:nvSpPr>
+        <p:spPr/>
+      </p:sp>
+      <p:sp>
+        <p:nvSpPr>
+          <p:cNvPr id="3" name="Notes Placeholder 2">
+            <a:extLst>
+              <a:ext uri="{FF2B5EF4-FFF2-40B4-BE49-F238E27FC236}">
+                <a16:creationId xmlns:a16="http://schemas.microsoft.com/office/drawing/2014/main" id="{C414F54C-A881-72BA-4D7E-1A6DB042D714}"/>
+              </a:ext>
+            </a:extLst>
+          </p:cNvPr>
+          <p:cNvSpPr>
+            <a:spLocks noGrp="1"/>
+          </p:cNvSpPr>
+          <p:nvPr>
+            <p:ph type="body" idx="1"/>
+          </p:nvPr>
+        </p:nvSpPr>
+        <p:spPr/>
+        <p:txBody>
+          <a:bodyPr/>
+          <a:lstStyle/>
+          <a:p>
+            <a:r>
+              <a:rPr lang="hr-HR" dirty="0"/>
+              <a:t>https://bulma.io/documentation/customize/with-sass/</a:t>
+            </a:r>
+          </a:p>
+        </p:txBody>
+      </p:sp>
+      <p:sp>
+        <p:nvSpPr>
+          <p:cNvPr id="4" name="Slide Number Placeholder 3">
+            <a:extLst>
+              <a:ext uri="{FF2B5EF4-FFF2-40B4-BE49-F238E27FC236}">
+                <a16:creationId xmlns:a16="http://schemas.microsoft.com/office/drawing/2014/main" id="{E9430848-9AF3-D822-65AC-28E2526564AB}"/>
+              </a:ext>
+            </a:extLst>
+          </p:cNvPr>
+          <p:cNvSpPr>
+            <a:spLocks noGrp="1"/>
+          </p:cNvSpPr>
+          <p:nvPr>
+            <p:ph type="sldNum" sz="quarter" idx="5"/>
+          </p:nvPr>
+        </p:nvSpPr>
+        <p:spPr/>
+        <p:txBody>
+          <a:bodyPr/>
+          <a:lstStyle/>
+          <a:p>
+            <a:fld id="{343B951A-A665-1949-AEDB-B62DC9BE7F13}" type="slidenum">
+              <a:rPr lang="en-US" smtClean="0"/>
+              <a:t>40</a:t>
+            </a:fld>
+            <a:endParaRPr lang="en-US"/>
+          </a:p>
+        </p:txBody>
+      </p:sp>
+    </p:spTree>
+    <p:extLst>
+      <p:ext uri="{BB962C8B-B14F-4D97-AF65-F5344CB8AC3E}">
+        <p14:creationId xmlns:p14="http://schemas.microsoft.com/office/powerpoint/2010/main" val="2527724130"/>
+      </p:ext>
+    </p:extLst>
+  </p:cSld>
+  <p:clrMapOvr>
+    <a:masterClrMapping/>
+  </p:clrMapOvr>
+</p:notes>
+</file>
+
 <file path=ppt/notesSlides/notesSlide4.xml><?xml version="1.0" encoding="utf-8"?>
 <p:notes xmlns:a="http://schemas.openxmlformats.org/drawingml/2006/main" xmlns:r="http://schemas.openxmlformats.org/officeDocument/2006/relationships" xmlns:p="http://schemas.openxmlformats.org/presentationml/2006/main">
   <p:cSld>
@@ -4246,6 +4627,104 @@
     <p:extLst>
       <p:ext uri="{BB962C8B-B14F-4D97-AF65-F5344CB8AC3E}">
         <p14:creationId xmlns:p14="http://schemas.microsoft.com/office/powerpoint/2010/main" val="4078017433"/>
+      </p:ext>
+    </p:extLst>
+  </p:cSld>
+  <p:clrMapOvr>
+    <a:masterClrMapping/>
+  </p:clrMapOvr>
+</p:notes>
+</file>
+
+<file path=ppt/notesSlides/notesSlide40.xml><?xml version="1.0" encoding="utf-8"?>
+<p:notes xmlns:a="http://schemas.openxmlformats.org/drawingml/2006/main" xmlns:r="http://schemas.openxmlformats.org/officeDocument/2006/relationships" xmlns:p="http://schemas.openxmlformats.org/presentationml/2006/main">
+  <p:cSld>
+    <p:spTree>
+      <p:nvGrpSpPr>
+        <p:cNvPr id="1" name=""/>
+        <p:cNvGrpSpPr/>
+        <p:nvPr/>
+      </p:nvGrpSpPr>
+      <p:grpSpPr>
+        <a:xfrm>
+          <a:off x="0" y="0"/>
+          <a:ext cx="0" cy="0"/>
+          <a:chOff x="0" y="0"/>
+          <a:chExt cx="0" cy="0"/>
+        </a:xfrm>
+      </p:grpSpPr>
+      <p:sp>
+        <p:nvSpPr>
+          <p:cNvPr id="2" name="Slide Image Placeholder 1"/>
+          <p:cNvSpPr>
+            <a:spLocks noGrp="1" noRot="1" noChangeAspect="1"/>
+          </p:cNvSpPr>
+          <p:nvPr>
+            <p:ph type="sldImg"/>
+          </p:nvPr>
+        </p:nvSpPr>
+        <p:spPr/>
+      </p:sp>
+      <p:sp>
+        <p:nvSpPr>
+          <p:cNvPr id="3" name="Notes Placeholder 2"/>
+          <p:cNvSpPr>
+            <a:spLocks noGrp="1"/>
+          </p:cNvSpPr>
+          <p:nvPr>
+            <p:ph type="body" idx="1"/>
+          </p:nvPr>
+        </p:nvSpPr>
+        <p:spPr/>
+        <p:txBody>
+          <a:bodyPr/>
+          <a:lstStyle/>
+          <a:p>
+            <a:r>
+              <a:rPr lang="hr-HR" dirty="0"/>
+              <a:t>https://bulma.io/documentation/customize/with-sass/</a:t>
+            </a:r>
+            <a:br>
+              <a:rPr lang="en-US" dirty="0"/>
+            </a:br>
+            <a:br>
+              <a:rPr lang="en-US" dirty="0"/>
+            </a:br>
+            <a:r>
+              <a:rPr lang="en-US" dirty="0"/>
+              <a:t>https://docs.google.com/document/d/1docqD8XJ99sMyiidIl_XeWs7T5rO3MFK8oVQ7IsoDg4/edit?usp=sharing</a:t>
+            </a:r>
+            <a:endParaRPr lang="hr-HR" dirty="0"/>
+          </a:p>
+        </p:txBody>
+      </p:sp>
+      <p:sp>
+        <p:nvSpPr>
+          <p:cNvPr id="4" name="Slide Number Placeholder 3"/>
+          <p:cNvSpPr>
+            <a:spLocks noGrp="1"/>
+          </p:cNvSpPr>
+          <p:nvPr>
+            <p:ph type="sldNum" sz="quarter" idx="5"/>
+          </p:nvPr>
+        </p:nvSpPr>
+        <p:spPr/>
+        <p:txBody>
+          <a:bodyPr/>
+          <a:lstStyle/>
+          <a:p>
+            <a:fld id="{343B951A-A665-1949-AEDB-B62DC9BE7F13}" type="slidenum">
+              <a:rPr lang="en-US" smtClean="0"/>
+              <a:t>41</a:t>
+            </a:fld>
+            <a:endParaRPr lang="en-US"/>
+          </a:p>
+        </p:txBody>
+      </p:sp>
+    </p:spTree>
+    <p:extLst>
+      <p:ext uri="{BB962C8B-B14F-4D97-AF65-F5344CB8AC3E}">
+        <p14:creationId xmlns:p14="http://schemas.microsoft.com/office/powerpoint/2010/main" val="672910685"/>
       </p:ext>
     </p:extLst>
   </p:cSld>
@@ -5495,7 +5974,7 @@
                 <a:ea typeface="Open Sans" panose="020B0606030504020204" pitchFamily="34" charset="0"/>
                 <a:cs typeface="Open Sans" panose="020B0606030504020204" pitchFamily="34" charset="0"/>
               </a:rPr>
-              <a:t>10/03/2025</a:t>
+              <a:t>06/04/2025</a:t>
             </a:fld>
             <a:endParaRPr lang="en-GB" sz="1800" b="0" i="0" kern="1200" dirty="0">
               <a:solidFill>
@@ -6240,7 +6719,7 @@
                 <a:ea typeface="Open Sans" panose="020B0606030504020204" pitchFamily="34" charset="0"/>
                 <a:cs typeface="Open Sans" panose="020B0606030504020204" pitchFamily="34" charset="0"/>
               </a:rPr>
-              <a:t>10/03/2025</a:t>
+              <a:t>06/04/2025</a:t>
             </a:fld>
             <a:endParaRPr lang="en-GB" sz="1800" b="0" i="0" kern="1200" dirty="0">
               <a:solidFill>
@@ -6763,7 +7242,7 @@
                 <a:ea typeface="Open Sans" panose="020B0606030504020204" pitchFamily="34" charset="0"/>
                 <a:cs typeface="Open Sans" panose="020B0606030504020204" pitchFamily="34" charset="0"/>
               </a:rPr>
-              <a:t>10/03/2025</a:t>
+              <a:t>06/04/2025</a:t>
             </a:fld>
             <a:endParaRPr lang="en-GB" sz="1800" b="0" i="0" kern="1200" dirty="0">
               <a:solidFill>
@@ -7729,7 +8208,7 @@
                 <a:ea typeface="Open Sans" panose="020B0606030504020204" pitchFamily="34" charset="0"/>
                 <a:cs typeface="Open Sans" panose="020B0606030504020204" pitchFamily="34" charset="0"/>
               </a:rPr>
-              <a:t>10/03/2025</a:t>
+              <a:t>06/04/2025</a:t>
             </a:fld>
             <a:endParaRPr lang="en-GB" sz="1800" b="0" i="0" kern="1200" dirty="0">
               <a:solidFill>
@@ -8168,7 +8647,7 @@
                 <a:ea typeface="Open Sans" panose="020B0606030504020204" pitchFamily="34" charset="0"/>
                 <a:cs typeface="Open Sans" panose="020B0606030504020204" pitchFamily="34" charset="0"/>
               </a:rPr>
-              <a:t>10/03/2025</a:t>
+              <a:t>06/04/2025</a:t>
             </a:fld>
             <a:endParaRPr lang="en-GB" sz="1800" b="0" i="0" kern="1200" dirty="0">
               <a:solidFill>
@@ -9938,7 +10417,7 @@
                 <a:ea typeface="Open Sans" pitchFamily="2" charset="0"/>
                 <a:cs typeface="Open Sans" pitchFamily="2" charset="0"/>
               </a:rPr>
-              <a:t>10/03/2025</a:t>
+              <a:t>06/04/2025</a:t>
             </a:fld>
             <a:endParaRPr lang="en-GB" sz="1800" b="0" i="0" kern="1200" dirty="0">
               <a:solidFill>
@@ -11688,7 +12167,7 @@
                 <a:ea typeface="Open Sans" pitchFamily="2" charset="0"/>
                 <a:cs typeface="Open Sans" pitchFamily="2" charset="0"/>
               </a:rPr>
-              <a:t>10/03/2025</a:t>
+              <a:t>06/04/2025</a:t>
             </a:fld>
             <a:endParaRPr lang="en-GB" sz="1800" b="0" i="0" kern="1200" dirty="0">
               <a:solidFill>
@@ -12205,7 +12684,7 @@
                 <a:ea typeface="Open Sans" panose="020B0606030504020204" pitchFamily="34" charset="0"/>
                 <a:cs typeface="Open Sans" panose="020B0606030504020204" pitchFamily="34" charset="0"/>
               </a:rPr>
-              <a:t>10/03/2025</a:t>
+              <a:t>06/04/2025</a:t>
             </a:fld>
             <a:endParaRPr lang="en-GB" sz="1800" b="0" i="0" kern="1200" dirty="0">
               <a:solidFill>
@@ -12802,7 +13281,7 @@
                 <a:ea typeface="Open Sans" pitchFamily="2" charset="0"/>
                 <a:cs typeface="Open Sans" pitchFamily="2" charset="0"/>
               </a:rPr>
-              <a:t>10/03/2025</a:t>
+              <a:t>06/04/2025</a:t>
             </a:fld>
             <a:endParaRPr lang="en-GB" sz="1800" b="0" i="0" kern="1200" dirty="0">
               <a:solidFill>
@@ -13342,7 +13821,7 @@
                 <a:ea typeface="Open Sans" panose="020B0606030504020204" pitchFamily="34" charset="0"/>
                 <a:cs typeface="Open Sans" panose="020B0606030504020204" pitchFamily="34" charset="0"/>
               </a:rPr>
-              <a:t>10/03/2025</a:t>
+              <a:t>06/04/2025</a:t>
             </a:fld>
             <a:endParaRPr lang="en-GB" sz="1800" b="0" i="0" kern="1200" dirty="0">
               <a:solidFill>
@@ -14043,7 +14522,7 @@
                 <a:ea typeface="Open Sans" panose="020B0606030504020204" pitchFamily="34" charset="0"/>
                 <a:cs typeface="Open Sans" panose="020B0606030504020204" pitchFamily="34" charset="0"/>
               </a:rPr>
-              <a:t>10/03/2025</a:t>
+              <a:t>06/04/2025</a:t>
             </a:fld>
             <a:endParaRPr lang="en-GB" sz="1800" b="0" i="0" kern="1200" dirty="0">
               <a:solidFill>
@@ -14406,7 +14885,7 @@
                 <a:ea typeface="Open Sans" pitchFamily="2" charset="0"/>
                 <a:cs typeface="Open Sans" pitchFamily="2" charset="0"/>
               </a:rPr>
-              <a:t>10/03/2025</a:t>
+              <a:t>06/04/2025</a:t>
             </a:fld>
             <a:endParaRPr lang="en-GB" sz="1800" b="0" i="0" kern="1200" dirty="0">
               <a:solidFill>
@@ -14801,7 +15280,7 @@
                 <a:ea typeface="Open Sans" pitchFamily="2" charset="0"/>
                 <a:cs typeface="Open Sans" pitchFamily="2" charset="0"/>
               </a:rPr>
-              <a:t>10/03/2025</a:t>
+              <a:t>06/04/2025</a:t>
             </a:fld>
             <a:endParaRPr lang="en-GB" sz="1800" b="0" i="0" kern="1200" dirty="0">
               <a:solidFill>
@@ -26676,7 +27155,13 @@
   <p:cSld>
     <p:spTree>
       <p:nvGrpSpPr>
-        <p:cNvPr id="1" name=""/>
+        <p:cNvPr id="1" name="">
+          <a:extLst>
+            <a:ext uri="{FF2B5EF4-FFF2-40B4-BE49-F238E27FC236}">
+              <a16:creationId xmlns:a16="http://schemas.microsoft.com/office/drawing/2014/main" id="{88ABE37E-05BB-8B40-B3B4-7708CD1C9FC8}"/>
+            </a:ext>
+          </a:extLst>
+        </p:cNvPr>
         <p:cNvGrpSpPr/>
         <p:nvPr/>
       </p:nvGrpSpPr>
@@ -26690,10 +27175,80 @@
       </p:grpSpPr>
       <p:sp>
         <p:nvSpPr>
-          <p:cNvPr id="7" name="Title 1">
-            <a:extLst>
-              <a:ext uri="{FF2B5EF4-FFF2-40B4-BE49-F238E27FC236}">
-                <a16:creationId xmlns:a16="http://schemas.microsoft.com/office/drawing/2014/main" id="{49EE4534-A34F-E06A-2827-12810201551C}"/>
+          <p:cNvPr id="4" name="Title 1">
+            <a:extLst>
+              <a:ext uri="{FF2B5EF4-FFF2-40B4-BE49-F238E27FC236}">
+                <a16:creationId xmlns:a16="http://schemas.microsoft.com/office/drawing/2014/main" id="{19F9A617-E695-04ED-4CB7-3E3EA3378A4F}"/>
+              </a:ext>
+            </a:extLst>
+          </p:cNvPr>
+          <p:cNvSpPr txBox="1">
+            <a:spLocks/>
+          </p:cNvSpPr>
+          <p:nvPr/>
+        </p:nvSpPr>
+        <p:spPr>
+          <a:xfrm>
+            <a:off x="878959" y="383056"/>
+            <a:ext cx="10515600" cy="853976"/>
+          </a:xfrm>
+          <a:prstGeom prst="rect">
+            <a:avLst/>
+          </a:prstGeom>
+        </p:spPr>
+        <p:txBody>
+          <a:bodyPr vert="horz" lIns="91440" tIns="45720" rIns="91440" bIns="45720" rtlCol="0" anchor="ctr">
+            <a:normAutofit/>
+          </a:bodyPr>
+          <a:lstStyle>
+            <a:lvl1pPr algn="l" defTabSz="914400" rtl="0" eaLnBrk="1" latinLnBrk="0" hangingPunct="1">
+              <a:lnSpc>
+                <a:spcPct val="90000"/>
+              </a:lnSpc>
+              <a:spcBef>
+                <a:spcPct val="0"/>
+              </a:spcBef>
+              <a:buNone/>
+              <a:defRPr sz="3600" b="1" i="0" kern="1200" cap="all" baseline="0">
+                <a:solidFill>
+                  <a:schemeClr val="tx2"/>
+                </a:solidFill>
+                <a:latin typeface="+mj-lt"/>
+                <a:ea typeface="Open Sans Semibold" panose="020B0606030504020204" pitchFamily="34" charset="0"/>
+                <a:cs typeface="Open Sans Semibold" panose="020B0606030504020204" pitchFamily="34" charset="0"/>
+              </a:defRPr>
+            </a:lvl1pPr>
+          </a:lstStyle>
+          <a:p>
+            <a:r>
+              <a:rPr lang="hr-HR" dirty="0"/>
+              <a:t>CSS </a:t>
+            </a:r>
+            <a:r>
+              <a:rPr lang="en-US" dirty="0"/>
+              <a:t>- </a:t>
+            </a:r>
+            <a:r>
+              <a:rPr lang="hr-HR" dirty="0"/>
+              <a:t>Respon</a:t>
+            </a:r>
+            <a:r>
+              <a:rPr lang="en-US" dirty="0"/>
+              <a:t>z</a:t>
+            </a:r>
+            <a:r>
+              <a:rPr lang="hr-HR" dirty="0"/>
+              <a:t>ivnost</a:t>
+            </a:r>
+          </a:p>
+        </p:txBody>
+      </p:sp>
+      <p:sp>
+        <p:nvSpPr>
+          <p:cNvPr id="6" name="Title 1">
+            <a:extLst>
+              <a:ext uri="{FF2B5EF4-FFF2-40B4-BE49-F238E27FC236}">
+                <a16:creationId xmlns:a16="http://schemas.microsoft.com/office/drawing/2014/main" id="{A684E5A3-981A-4585-8D2C-3EC036B63971}"/>
               </a:ext>
             </a:extLst>
           </p:cNvPr>
@@ -26701,307 +27256,502 @@
             <a:spLocks noGrp="1"/>
           </p:cNvSpPr>
           <p:nvPr>
-            <p:ph type="ctrTitle"/>
+            <p:ph type="title"/>
           </p:nvPr>
         </p:nvSpPr>
         <p:spPr>
           <a:xfrm>
-            <a:off x="1018954" y="929972"/>
-            <a:ext cx="9144000" cy="1013780"/>
-          </a:xfrm>
-        </p:spPr>
-        <p:txBody>
-          <a:bodyPr/>
-          <a:lstStyle/>
-          <a:p>
-            <a:pPr algn="ctr"/>
-            <a:r>
-              <a:rPr lang="en-US" dirty="0"/>
-              <a:t>ZAVR</a:t>
-            </a:r>
-            <a:r>
-              <a:rPr lang="hr-HR" dirty="0"/>
-              <a:t>š</a:t>
-            </a:r>
-            <a:r>
-              <a:rPr lang="en-US" dirty="0"/>
-              <a:t>NA VJE</a:t>
-            </a:r>
-            <a:r>
-              <a:rPr lang="hr-HR" dirty="0"/>
-              <a:t>ž</a:t>
-            </a:r>
-            <a:r>
-              <a:rPr lang="en-US" dirty="0" err="1"/>
-              <a:t>ba</a:t>
-            </a:r>
-            <a:endParaRPr lang="hr-HR" dirty="0"/>
-          </a:p>
-        </p:txBody>
-      </p:sp>
-      <p:sp>
-        <p:nvSpPr>
-          <p:cNvPr id="8" name="Text Placeholder 5">
-            <a:extLst>
-              <a:ext uri="{FF2B5EF4-FFF2-40B4-BE49-F238E27FC236}">
-                <a16:creationId xmlns:a16="http://schemas.microsoft.com/office/drawing/2014/main" id="{7E01A3E5-5B9B-91D9-36E9-040D6C05B4FB}"/>
-              </a:ext>
-            </a:extLst>
-          </p:cNvPr>
-          <p:cNvSpPr>
-            <a:spLocks noGrp="1"/>
-          </p:cNvSpPr>
-          <p:nvPr>
-            <p:ph type="subTitle" idx="1"/>
-          </p:nvPr>
-        </p:nvSpPr>
-        <p:spPr>
-          <a:xfrm>
-            <a:off x="1061483" y="2213231"/>
-            <a:ext cx="9144000" cy="1492216"/>
+            <a:off x="907377" y="971133"/>
+            <a:ext cx="5555393" cy="853976"/>
           </a:xfrm>
         </p:spPr>
         <p:txBody>
           <a:bodyPr>
-            <a:noAutofit/>
+            <a:normAutofit/>
           </a:bodyPr>
           <a:lstStyle/>
           <a:p>
             <a:r>
+              <a:rPr lang="en-US" sz="1600" dirty="0"/>
+              <a:t>BOOTSTRAP</a:t>
+            </a:r>
+            <a:endParaRPr lang="hr-HR" sz="1600" dirty="0"/>
+          </a:p>
+        </p:txBody>
+      </p:sp>
+      <p:sp>
+        <p:nvSpPr>
+          <p:cNvPr id="14" name="TextBox 13">
+            <a:extLst>
+              <a:ext uri="{FF2B5EF4-FFF2-40B4-BE49-F238E27FC236}">
+                <a16:creationId xmlns:a16="http://schemas.microsoft.com/office/drawing/2014/main" id="{020B1390-DDF4-CE39-0971-594EC9DF1373}"/>
+              </a:ext>
+            </a:extLst>
+          </p:cNvPr>
+          <p:cNvSpPr txBox="1"/>
+          <p:nvPr/>
+        </p:nvSpPr>
+        <p:spPr>
+          <a:xfrm>
+            <a:off x="907377" y="3456307"/>
+            <a:ext cx="3868478" cy="461665"/>
+          </a:xfrm>
+          <a:prstGeom prst="rect">
+            <a:avLst/>
+          </a:prstGeom>
+          <a:noFill/>
+        </p:spPr>
+        <p:txBody>
+          <a:bodyPr wrap="square">
+            <a:spAutoFit/>
+          </a:bodyPr>
+          <a:lstStyle/>
+          <a:p>
+            <a:r>
+              <a:rPr lang="hr-HR" sz="1200" dirty="0"/>
+              <a:t>💻 </a:t>
+            </a:r>
+            <a:r>
               <a:rPr lang="hr-HR" sz="1200" b="1" dirty="0"/>
-              <a:t>Zadatak: </a:t>
-            </a:r>
-            <a:r>
-              <a:rPr lang="en-US" sz="1200" b="1" dirty="0" err="1"/>
-              <a:t>Dizajnirate</a:t>
-            </a:r>
-            <a:r>
-              <a:rPr lang="en-US" sz="1200" b="1" dirty="0"/>
-              <a:t> I </a:t>
-            </a:r>
-            <a:r>
-              <a:rPr lang="en-US" sz="1200" b="1" dirty="0" err="1"/>
-              <a:t>izradite</a:t>
-            </a:r>
-            <a:r>
-              <a:rPr lang="en-US" sz="1200" b="1" dirty="0"/>
+              <a:t>Desktop</a:t>
+            </a:r>
+            <a:r>
+              <a:rPr lang="hr-HR" sz="1200" dirty="0"/>
+              <a:t> → 2 kolone (50% - 50%)</a:t>
+            </a:r>
+            <a:br>
+              <a:rPr lang="hr-HR" sz="1200" dirty="0"/>
+            </a:br>
+            <a:r>
+              <a:rPr lang="hr-HR" sz="1200" dirty="0"/>
+              <a:t>📱 </a:t>
+            </a:r>
+            <a:r>
+              <a:rPr lang="hr-HR" sz="1200" b="1" dirty="0"/>
+              <a:t>Mobilni</a:t>
+            </a:r>
+            <a:r>
+              <a:rPr lang="hr-HR" sz="1200" dirty="0"/>
+              <a:t> → Automatski prelazi u 1 kolonu</a:t>
+            </a:r>
+            <a:endParaRPr lang="en-US" sz="1200" dirty="0"/>
+          </a:p>
+        </p:txBody>
+      </p:sp>
+      <p:sp>
+        <p:nvSpPr>
+          <p:cNvPr id="10" name="TextBox 9">
+            <a:extLst>
+              <a:ext uri="{FF2B5EF4-FFF2-40B4-BE49-F238E27FC236}">
+                <a16:creationId xmlns:a16="http://schemas.microsoft.com/office/drawing/2014/main" id="{C0E91112-724E-C63C-0765-64BA77460047}"/>
+              </a:ext>
+            </a:extLst>
+          </p:cNvPr>
+          <p:cNvSpPr txBox="1"/>
+          <p:nvPr/>
+        </p:nvSpPr>
+        <p:spPr>
+          <a:xfrm>
+            <a:off x="907377" y="4203418"/>
+            <a:ext cx="3868478" cy="646331"/>
+          </a:xfrm>
+          <a:prstGeom prst="rect">
+            <a:avLst/>
+          </a:prstGeom>
+          <a:noFill/>
+        </p:spPr>
+        <p:txBody>
+          <a:bodyPr wrap="square">
+            <a:spAutoFit/>
+          </a:bodyPr>
+          <a:lstStyle/>
+          <a:p>
+            <a:r>
+              <a:rPr lang="hr-HR" sz="1200" dirty="0"/>
+              <a:t>👉</a:t>
+            </a:r>
+            <a:r>
+              <a:rPr lang="hr-HR" sz="1200" b="1" dirty="0"/>
               <a:t> </a:t>
             </a:r>
             <a:r>
-              <a:rPr lang="en-US" sz="1200" b="1" dirty="0" err="1"/>
-              <a:t>websajt</a:t>
-            </a:r>
-            <a:r>
-              <a:rPr lang="en-US" sz="1200" b="1" dirty="0"/>
-              <a:t> za video </a:t>
-            </a:r>
-            <a:r>
-              <a:rPr lang="en-US" sz="1200" b="1" dirty="0" err="1"/>
-              <a:t>klub</a:t>
-            </a:r>
-            <a:endParaRPr lang="hr-HR" sz="1200" b="1" dirty="0"/>
-          </a:p>
-          <a:p>
+              <a:rPr lang="hr-HR" sz="1200" b="1" dirty="0" err="1"/>
+              <a:t>Bootstrap</a:t>
+            </a:r>
             <a:r>
               <a:rPr lang="hr-HR" sz="1200" b="1" dirty="0"/>
-              <a:t>Cilj:</a:t>
-            </a:r>
-            <a:endParaRPr lang="hr-HR" sz="1200" dirty="0"/>
-          </a:p>
-          <a:p>
-            <a:pPr>
-              <a:buFont typeface="Arial" panose="020B0604020202020204" pitchFamily="34" charset="0"/>
-              <a:buChar char="•"/>
-            </a:pPr>
+              <a:t> pruža gotove stilove i </a:t>
+            </a:r>
+            <a:r>
+              <a:rPr lang="hr-HR" sz="1200" b="1" dirty="0" err="1"/>
+              <a:t>predefinisane</a:t>
+            </a:r>
+            <a:r>
+              <a:rPr lang="hr-HR" sz="1200" b="1" dirty="0"/>
+              <a:t> klase za jednostavan dizajn bez puno kodiranja</a:t>
+            </a:r>
+            <a:endParaRPr lang="en-US" sz="1200" dirty="0"/>
+          </a:p>
+        </p:txBody>
+      </p:sp>
+      <p:sp>
+        <p:nvSpPr>
+          <p:cNvPr id="5" name="Title 1">
+            <a:extLst>
+              <a:ext uri="{FF2B5EF4-FFF2-40B4-BE49-F238E27FC236}">
+                <a16:creationId xmlns:a16="http://schemas.microsoft.com/office/drawing/2014/main" id="{CC902A6C-644B-48F0-2EBA-8C49F3DD2DDD}"/>
+              </a:ext>
+            </a:extLst>
+          </p:cNvPr>
+          <p:cNvSpPr txBox="1">
+            <a:spLocks/>
+          </p:cNvSpPr>
+          <p:nvPr/>
+        </p:nvSpPr>
+        <p:spPr>
+          <a:xfrm>
+            <a:off x="6449902" y="954810"/>
+            <a:ext cx="5555393" cy="853976"/>
+          </a:xfrm>
+          <a:prstGeom prst="rect">
+            <a:avLst/>
+          </a:prstGeom>
+        </p:spPr>
+        <p:txBody>
+          <a:bodyPr vert="horz" lIns="91440" tIns="45720" rIns="91440" bIns="45720" rtlCol="0" anchor="ctr">
+            <a:normAutofit/>
+          </a:bodyPr>
+          <a:lstStyle>
+            <a:lvl1pPr algn="l" defTabSz="914400" rtl="0" eaLnBrk="1" latinLnBrk="0" hangingPunct="1">
+              <a:lnSpc>
+                <a:spcPct val="90000"/>
+              </a:lnSpc>
+              <a:spcBef>
+                <a:spcPct val="0"/>
+              </a:spcBef>
+              <a:buNone/>
+              <a:defRPr sz="3600" b="1" i="0" kern="1200" cap="all" baseline="0">
+                <a:solidFill>
+                  <a:schemeClr val="tx2"/>
+                </a:solidFill>
+                <a:latin typeface="+mj-lt"/>
+                <a:ea typeface="Open Sans Semibold" panose="020B0606030504020204" pitchFamily="34" charset="0"/>
+                <a:cs typeface="Open Sans Semibold" panose="020B0606030504020204" pitchFamily="34" charset="0"/>
+              </a:defRPr>
+            </a:lvl1pPr>
+          </a:lstStyle>
+          <a:p>
+            <a:r>
+              <a:rPr lang="en-US" sz="1600" dirty="0"/>
+              <a:t>ALTERNATIVE</a:t>
+            </a:r>
+            <a:endParaRPr lang="hr-HR" sz="1600" dirty="0"/>
+          </a:p>
+        </p:txBody>
+      </p:sp>
+      <p:sp>
+        <p:nvSpPr>
+          <p:cNvPr id="2" name="TextBox 1">
+            <a:extLst>
+              <a:ext uri="{FF2B5EF4-FFF2-40B4-BE49-F238E27FC236}">
+                <a16:creationId xmlns:a16="http://schemas.microsoft.com/office/drawing/2014/main" id="{36BD3988-B0C9-C25D-C493-923099091AF8}"/>
+              </a:ext>
+            </a:extLst>
+          </p:cNvPr>
+          <p:cNvSpPr txBox="1"/>
+          <p:nvPr/>
+        </p:nvSpPr>
+        <p:spPr>
+          <a:xfrm>
+            <a:off x="6449902" y="1780375"/>
+            <a:ext cx="3868478" cy="1015663"/>
+          </a:xfrm>
+          <a:prstGeom prst="rect">
+            <a:avLst/>
+          </a:prstGeom>
+          <a:noFill/>
+        </p:spPr>
+        <p:txBody>
+          <a:bodyPr wrap="square">
+            <a:spAutoFit/>
+          </a:bodyPr>
+          <a:lstStyle/>
+          <a:p>
+            <a:r>
+              <a:rPr lang="hr-HR" sz="1200" dirty="0"/>
+              <a:t>👉 </a:t>
+            </a:r>
             <a:r>
               <a:rPr lang="en-US" sz="1200" dirty="0"/>
-              <a:t>- </a:t>
-            </a:r>
-            <a:r>
-              <a:rPr lang="en-US" sz="1200" dirty="0" err="1"/>
-              <a:t>Grupno</a:t>
+              <a:t>TAILWIND CSS</a:t>
+            </a:r>
+          </a:p>
+          <a:p>
+            <a:endParaRPr lang="en-US" sz="1200" dirty="0"/>
+          </a:p>
+          <a:p>
+            <a:r>
+              <a:rPr lang="hr-HR" sz="1200" dirty="0"/>
+              <a:t>👉 </a:t>
             </a:r>
             <a:r>
               <a:rPr lang="en-US" sz="1200" dirty="0"/>
-              <a:t> </a:t>
-            </a:r>
-            <a:r>
-              <a:rPr lang="en-US" sz="1200" dirty="0" err="1"/>
-              <a:t>dizajnirate</a:t>
+              <a:t>BULMA</a:t>
+            </a:r>
+          </a:p>
+          <a:p>
+            <a:endParaRPr lang="en-US" sz="1200" dirty="0"/>
+          </a:p>
+          <a:p>
+            <a:r>
+              <a:rPr lang="hr-HR" sz="1200" dirty="0"/>
+              <a:t>👉 </a:t>
             </a:r>
             <a:r>
               <a:rPr lang="en-US" sz="1200" dirty="0"/>
-              <a:t> I </a:t>
-            </a:r>
-            <a:r>
-              <a:rPr lang="en-US" sz="1200" dirty="0" err="1"/>
-              <a:t>pojedinacno</a:t>
-            </a:r>
-            <a:r>
-              <a:rPr lang="en-US" sz="1200" dirty="0"/>
-              <a:t> </a:t>
-            </a:r>
-            <a:r>
-              <a:rPr lang="en-US" sz="1200" dirty="0" err="1"/>
-              <a:t>izradite</a:t>
-            </a:r>
-            <a:r>
-              <a:rPr lang="en-US" sz="1200" dirty="0"/>
-              <a:t> </a:t>
-            </a:r>
-            <a:r>
-              <a:rPr lang="en-US" sz="1200" dirty="0" err="1"/>
-              <a:t>websajt</a:t>
-            </a:r>
-            <a:r>
-              <a:rPr lang="en-US" sz="1200" dirty="0"/>
-              <a:t> za </a:t>
-            </a:r>
-            <a:r>
-              <a:rPr lang="en-US" sz="1200" dirty="0" err="1"/>
-              <a:t>rentanje</a:t>
-            </a:r>
-            <a:r>
-              <a:rPr lang="en-US" sz="1200" dirty="0"/>
-              <a:t> </a:t>
-            </a:r>
-            <a:r>
-              <a:rPr lang="en-US" sz="1200" dirty="0" err="1"/>
-              <a:t>filmova</a:t>
-            </a:r>
-            <a:endParaRPr lang="en-US" sz="1200" dirty="0"/>
-          </a:p>
-          <a:p>
-            <a:pPr>
-              <a:buFont typeface="Arial" panose="020B0604020202020204" pitchFamily="34" charset="0"/>
-              <a:buChar char="•"/>
-            </a:pPr>
-            <a:r>
-              <a:rPr lang="en-US" sz="1200" dirty="0"/>
-              <a:t>- </a:t>
-            </a:r>
-            <a:r>
-              <a:rPr lang="en-US" sz="1200" dirty="0" err="1"/>
-              <a:t>Izradite</a:t>
-            </a:r>
-            <a:r>
-              <a:rPr lang="en-US" sz="1200" dirty="0"/>
-              <a:t> git hub repository za </a:t>
-            </a:r>
-            <a:r>
-              <a:rPr lang="en-US" sz="1200" dirty="0" err="1"/>
-              <a:t>websajt</a:t>
-            </a:r>
-            <a:r>
-              <a:rPr lang="en-US" sz="1200" dirty="0"/>
-              <a:t> u </a:t>
-            </a:r>
-            <a:r>
-              <a:rPr lang="en-US" sz="1200" dirty="0" err="1"/>
-              <a:t>uplodujte</a:t>
-            </a:r>
-            <a:r>
-              <a:rPr lang="en-US" sz="1200" dirty="0"/>
-              <a:t> </a:t>
-            </a:r>
-            <a:r>
-              <a:rPr lang="en-US" sz="1200" dirty="0" err="1"/>
-              <a:t>sadrzaj</a:t>
-            </a:r>
-            <a:r>
-              <a:rPr lang="en-US" sz="1200" dirty="0"/>
-              <a:t> </a:t>
-            </a:r>
-            <a:r>
-              <a:rPr lang="en-US" sz="1200" dirty="0" err="1"/>
-              <a:t>websajta</a:t>
-            </a:r>
-            <a:endParaRPr lang="en-US" sz="1200" dirty="0"/>
-          </a:p>
-          <a:p>
-            <a:pPr>
-              <a:buFont typeface="Arial" panose="020B0604020202020204" pitchFamily="34" charset="0"/>
-              <a:buChar char="•"/>
-            </a:pPr>
-            <a:endParaRPr lang="en-US" sz="1200" dirty="0"/>
-          </a:p>
-          <a:p>
-            <a:pPr>
-              <a:buFont typeface="Arial" panose="020B0604020202020204" pitchFamily="34" charset="0"/>
-              <a:buChar char="•"/>
-            </a:pPr>
-            <a:r>
-              <a:rPr lang="hr-HR" sz="1200" b="1" dirty="0"/>
-              <a:t>Cilj:</a:t>
-            </a:r>
-            <a:endParaRPr lang="en-US" sz="1200" b="1" dirty="0"/>
-          </a:p>
-          <a:p>
-            <a:pPr>
-              <a:buFont typeface="Arial" panose="020B0604020202020204" pitchFamily="34" charset="0"/>
-              <a:buChar char="•"/>
-            </a:pPr>
-            <a:r>
-              <a:rPr lang="en-US" sz="1200" b="1" dirty="0"/>
-              <a:t>- </a:t>
-            </a:r>
-            <a:r>
-              <a:rPr lang="en-US" sz="1200" b="1" dirty="0" err="1"/>
-              <a:t>Filtriranje</a:t>
-            </a:r>
-            <a:r>
-              <a:rPr lang="en-US" sz="1200" b="1" dirty="0"/>
-              <a:t> po </a:t>
-            </a:r>
-            <a:r>
-              <a:rPr lang="en-US" sz="1200" b="1" dirty="0" err="1"/>
-              <a:t>zanru</a:t>
-            </a:r>
-            <a:endParaRPr lang="en-US" sz="1200" b="1" dirty="0"/>
-          </a:p>
-          <a:p>
-            <a:pPr>
-              <a:buFont typeface="Arial" panose="020B0604020202020204" pitchFamily="34" charset="0"/>
-              <a:buChar char="•"/>
-            </a:pPr>
-            <a:r>
-              <a:rPr lang="en-US" sz="1200" b="1" dirty="0"/>
-              <a:t>- </a:t>
-            </a:r>
-            <a:r>
-              <a:rPr lang="en-US" sz="1200" b="1" dirty="0" err="1"/>
-              <a:t>Filtriranje</a:t>
-            </a:r>
-            <a:r>
-              <a:rPr lang="en-US" sz="1200" b="1" dirty="0"/>
-              <a:t> da li je film </a:t>
-            </a:r>
-            <a:r>
-              <a:rPr lang="en-US" sz="1200" b="1" dirty="0" err="1"/>
-              <a:t>zauzet</a:t>
-            </a:r>
-            <a:endParaRPr lang="hr-HR" sz="1200" dirty="0"/>
-          </a:p>
-          <a:p>
-            <a:pPr>
-              <a:buFont typeface="Arial" panose="020B0604020202020204" pitchFamily="34" charset="0"/>
-              <a:buChar char="•"/>
-            </a:pPr>
-            <a:endParaRPr lang="en-US" sz="1200" dirty="0"/>
-          </a:p>
-          <a:p>
-            <a:pPr lvl="1">
-              <a:buFont typeface="Arial" panose="020B0604020202020204" pitchFamily="34" charset="0"/>
-              <a:buChar char="•"/>
-            </a:pPr>
-            <a:endParaRPr lang="en-US" sz="1600" dirty="0"/>
-          </a:p>
-        </p:txBody>
-      </p:sp>
+              <a:t>KENDO</a:t>
+            </a:r>
+          </a:p>
+        </p:txBody>
+      </p:sp>
+      <p:pic>
+        <p:nvPicPr>
+          <p:cNvPr id="9" name="Picture 8">
+            <a:extLst>
+              <a:ext uri="{FF2B5EF4-FFF2-40B4-BE49-F238E27FC236}">
+                <a16:creationId xmlns:a16="http://schemas.microsoft.com/office/drawing/2014/main" id="{08A7F8C6-6E40-C2D1-2F46-19E94E43019D}"/>
+              </a:ext>
+            </a:extLst>
+          </p:cNvPr>
+          <p:cNvPicPr>
+            <a:picLocks noChangeAspect="1"/>
+          </p:cNvPicPr>
+          <p:nvPr/>
+        </p:nvPicPr>
+        <p:blipFill>
+          <a:blip r:embed="rId3"/>
+          <a:stretch>
+            <a:fillRect/>
+          </a:stretch>
+        </p:blipFill>
+        <p:spPr>
+          <a:xfrm>
+            <a:off x="1000347" y="1808786"/>
+            <a:ext cx="3429000" cy="1362075"/>
+          </a:xfrm>
+          <a:prstGeom prst="rect">
+            <a:avLst/>
+          </a:prstGeom>
+        </p:spPr>
+      </p:pic>
     </p:spTree>
     <p:extLst>
       <p:ext uri="{BB962C8B-B14F-4D97-AF65-F5344CB8AC3E}">
-        <p14:creationId xmlns:p14="http://schemas.microsoft.com/office/powerpoint/2010/main" val="3246410904"/>
+        <p14:creationId xmlns:p14="http://schemas.microsoft.com/office/powerpoint/2010/main" val="2817480220"/>
+      </p:ext>
+    </p:extLst>
+  </p:cSld>
+  <p:clrMapOvr>
+    <a:masterClrMapping/>
+  </p:clrMapOvr>
+</p:sld>
+</file>
+
+<file path=ppt/slides/slide39.xml><?xml version="1.0" encoding="utf-8"?>
+<p:sld xmlns:a="http://schemas.openxmlformats.org/drawingml/2006/main" xmlns:r="http://schemas.openxmlformats.org/officeDocument/2006/relationships" xmlns:p="http://schemas.openxmlformats.org/presentationml/2006/main">
+  <p:cSld>
+    <p:spTree>
+      <p:nvGrpSpPr>
+        <p:cNvPr id="1" name="">
+          <a:extLst>
+            <a:ext uri="{FF2B5EF4-FFF2-40B4-BE49-F238E27FC236}">
+              <a16:creationId xmlns:a16="http://schemas.microsoft.com/office/drawing/2014/main" id="{ECE87700-610A-44FF-076E-218344E923AD}"/>
+            </a:ext>
+          </a:extLst>
+        </p:cNvPr>
+        <p:cNvGrpSpPr/>
+        <p:nvPr/>
+      </p:nvGrpSpPr>
+      <p:grpSpPr>
+        <a:xfrm>
+          <a:off x="0" y="0"/>
+          <a:ext cx="0" cy="0"/>
+          <a:chOff x="0" y="0"/>
+          <a:chExt cx="0" cy="0"/>
+        </a:xfrm>
+      </p:grpSpPr>
+      <p:sp>
+        <p:nvSpPr>
+          <p:cNvPr id="4" name="Title 1">
+            <a:extLst>
+              <a:ext uri="{FF2B5EF4-FFF2-40B4-BE49-F238E27FC236}">
+                <a16:creationId xmlns:a16="http://schemas.microsoft.com/office/drawing/2014/main" id="{BC8C3B28-B96D-B6EF-6FB3-A744F3273FD6}"/>
+              </a:ext>
+            </a:extLst>
+          </p:cNvPr>
+          <p:cNvSpPr txBox="1">
+            <a:spLocks/>
+          </p:cNvSpPr>
+          <p:nvPr/>
+        </p:nvSpPr>
+        <p:spPr>
+          <a:xfrm>
+            <a:off x="878959" y="383056"/>
+            <a:ext cx="10515600" cy="853976"/>
+          </a:xfrm>
+          <a:prstGeom prst="rect">
+            <a:avLst/>
+          </a:prstGeom>
+        </p:spPr>
+        <p:txBody>
+          <a:bodyPr vert="horz" lIns="91440" tIns="45720" rIns="91440" bIns="45720" rtlCol="0" anchor="ctr">
+            <a:normAutofit/>
+          </a:bodyPr>
+          <a:lstStyle>
+            <a:lvl1pPr algn="l" defTabSz="914400" rtl="0" eaLnBrk="1" latinLnBrk="0" hangingPunct="1">
+              <a:lnSpc>
+                <a:spcPct val="90000"/>
+              </a:lnSpc>
+              <a:spcBef>
+                <a:spcPct val="0"/>
+              </a:spcBef>
+              <a:buNone/>
+              <a:defRPr sz="3600" b="1" i="0" kern="1200" cap="all" baseline="0">
+                <a:solidFill>
+                  <a:schemeClr val="tx2"/>
+                </a:solidFill>
+                <a:latin typeface="+mj-lt"/>
+                <a:ea typeface="Open Sans Semibold" panose="020B0606030504020204" pitchFamily="34" charset="0"/>
+                <a:cs typeface="Open Sans Semibold" panose="020B0606030504020204" pitchFamily="34" charset="0"/>
+              </a:defRPr>
+            </a:lvl1pPr>
+          </a:lstStyle>
+          <a:p>
+            <a:r>
+              <a:rPr lang="hr-HR" dirty="0"/>
+              <a:t>CSS </a:t>
+            </a:r>
+            <a:r>
+              <a:rPr lang="en-US" dirty="0"/>
+              <a:t>- SASS</a:t>
+            </a:r>
+            <a:endParaRPr lang="hr-HR" dirty="0"/>
+          </a:p>
+        </p:txBody>
+      </p:sp>
+      <p:sp>
+        <p:nvSpPr>
+          <p:cNvPr id="10" name="TextBox 9">
+            <a:extLst>
+              <a:ext uri="{FF2B5EF4-FFF2-40B4-BE49-F238E27FC236}">
+                <a16:creationId xmlns:a16="http://schemas.microsoft.com/office/drawing/2014/main" id="{F0F71BC1-8370-46C9-7227-85C82887F7E5}"/>
+              </a:ext>
+            </a:extLst>
+          </p:cNvPr>
+          <p:cNvSpPr txBox="1"/>
+          <p:nvPr/>
+        </p:nvSpPr>
+        <p:spPr>
+          <a:xfrm>
+            <a:off x="907376" y="1237032"/>
+            <a:ext cx="10891333" cy="1815882"/>
+          </a:xfrm>
+          <a:prstGeom prst="rect">
+            <a:avLst/>
+          </a:prstGeom>
+          <a:noFill/>
+        </p:spPr>
+        <p:txBody>
+          <a:bodyPr wrap="square">
+            <a:spAutoFit/>
+          </a:bodyPr>
+          <a:lstStyle/>
+          <a:p>
+            <a:r>
+              <a:rPr lang="hr-HR" sz="1600" dirty="0"/>
+              <a:t>👉</a:t>
+            </a:r>
+            <a:r>
+              <a:rPr lang="hr-HR" sz="1600" b="1" dirty="0"/>
+              <a:t> Varijable: Omogućuju definiranje vrijednosti (npr. boje, veličine) koje se mogu ponovno koristiti.</a:t>
+            </a:r>
+          </a:p>
+          <a:p>
+            <a:endParaRPr lang="hr-HR" sz="1600" b="1" dirty="0"/>
+          </a:p>
+          <a:p>
+            <a:r>
+              <a:rPr lang="hr-HR" sz="1600" dirty="0"/>
+              <a:t>👉 </a:t>
+            </a:r>
+            <a:r>
+              <a:rPr lang="hr-HR" sz="1600" b="1" dirty="0"/>
+              <a:t>Ugniježđivanje: Pisanje CSS pravila unutar drugih pravila za bolju organizaciju.</a:t>
+            </a:r>
+          </a:p>
+          <a:p>
+            <a:endParaRPr lang="hr-HR" sz="1600" b="1" dirty="0"/>
+          </a:p>
+          <a:p>
+            <a:r>
+              <a:rPr lang="hr-HR" sz="1600" dirty="0"/>
+              <a:t>👉 </a:t>
+            </a:r>
+            <a:r>
+              <a:rPr lang="hr-HR" sz="1600" b="1" dirty="0"/>
+              <a:t>Mixini: Omogućuju ponovno korištenje skupova CSS deklaracija.</a:t>
+            </a:r>
+          </a:p>
+          <a:p>
+            <a:endParaRPr lang="hr-HR" sz="1600" b="1" dirty="0"/>
+          </a:p>
+          <a:p>
+            <a:r>
+              <a:rPr lang="hr-HR" sz="1600" dirty="0"/>
+              <a:t>👉 </a:t>
+            </a:r>
+            <a:r>
+              <a:rPr lang="hr-HR" sz="1600" b="1" dirty="0"/>
+              <a:t>Partials i Import: Razbijanje koda u manje, modularne datoteke koje se zatim uvoze u glavni stil.</a:t>
+            </a:r>
+            <a:endParaRPr lang="en-US" sz="1600" dirty="0"/>
+          </a:p>
+        </p:txBody>
+      </p:sp>
+      <p:pic>
+        <p:nvPicPr>
+          <p:cNvPr id="11" name="Picture 10">
+            <a:extLst>
+              <a:ext uri="{FF2B5EF4-FFF2-40B4-BE49-F238E27FC236}">
+                <a16:creationId xmlns:a16="http://schemas.microsoft.com/office/drawing/2014/main" id="{3776F856-F58F-FDE8-EBBA-49B3A9A5F255}"/>
+              </a:ext>
+            </a:extLst>
+          </p:cNvPr>
+          <p:cNvPicPr>
+            <a:picLocks noChangeAspect="1"/>
+          </p:cNvPicPr>
+          <p:nvPr/>
+        </p:nvPicPr>
+        <p:blipFill>
+          <a:blip r:embed="rId3"/>
+          <a:stretch>
+            <a:fillRect/>
+          </a:stretch>
+        </p:blipFill>
+        <p:spPr>
+          <a:xfrm>
+            <a:off x="1025364" y="3338362"/>
+            <a:ext cx="1343025" cy="466725"/>
+          </a:xfrm>
+          <a:prstGeom prst="rect">
+            <a:avLst/>
+          </a:prstGeom>
+        </p:spPr>
+      </p:pic>
+    </p:spTree>
+    <p:extLst>
+      <p:ext uri="{BB962C8B-B14F-4D97-AF65-F5344CB8AC3E}">
+        <p14:creationId xmlns:p14="http://schemas.microsoft.com/office/powerpoint/2010/main" val="1200162607"/>
       </p:ext>
     </p:extLst>
   </p:cSld>
@@ -27266,6 +28016,284 @@
     <p:extLst>
       <p:ext uri="{BB962C8B-B14F-4D97-AF65-F5344CB8AC3E}">
         <p14:creationId xmlns:p14="http://schemas.microsoft.com/office/powerpoint/2010/main" val="4089507502"/>
+      </p:ext>
+    </p:extLst>
+  </p:cSld>
+  <p:clrMapOvr>
+    <a:masterClrMapping/>
+  </p:clrMapOvr>
+</p:sld>
+</file>
+
+<file path=ppt/slides/slide40.xml><?xml version="1.0" encoding="utf-8"?>
+<p:sld xmlns:a="http://schemas.openxmlformats.org/drawingml/2006/main" xmlns:r="http://schemas.openxmlformats.org/officeDocument/2006/relationships" xmlns:p="http://schemas.openxmlformats.org/presentationml/2006/main">
+  <p:cSld>
+    <p:spTree>
+      <p:nvGrpSpPr>
+        <p:cNvPr id="1" name="">
+          <a:extLst>
+            <a:ext uri="{FF2B5EF4-FFF2-40B4-BE49-F238E27FC236}">
+              <a16:creationId xmlns:a16="http://schemas.microsoft.com/office/drawing/2014/main" id="{C9933BE7-F62F-0FF8-3677-95C4EF7912A6}"/>
+            </a:ext>
+          </a:extLst>
+        </p:cNvPr>
+        <p:cNvGrpSpPr/>
+        <p:nvPr/>
+      </p:nvGrpSpPr>
+      <p:grpSpPr>
+        <a:xfrm>
+          <a:off x="0" y="0"/>
+          <a:ext cx="0" cy="0"/>
+          <a:chOff x="0" y="0"/>
+          <a:chExt cx="0" cy="0"/>
+        </a:xfrm>
+      </p:grpSpPr>
+      <p:sp>
+        <p:nvSpPr>
+          <p:cNvPr id="4" name="Title 1">
+            <a:extLst>
+              <a:ext uri="{FF2B5EF4-FFF2-40B4-BE49-F238E27FC236}">
+                <a16:creationId xmlns:a16="http://schemas.microsoft.com/office/drawing/2014/main" id="{F66A70CF-B604-E0A8-FA7A-71A556E9B1BE}"/>
+              </a:ext>
+            </a:extLst>
+          </p:cNvPr>
+          <p:cNvSpPr txBox="1">
+            <a:spLocks/>
+          </p:cNvSpPr>
+          <p:nvPr/>
+        </p:nvSpPr>
+        <p:spPr>
+          <a:xfrm>
+            <a:off x="878959" y="383056"/>
+            <a:ext cx="10515600" cy="853976"/>
+          </a:xfrm>
+          <a:prstGeom prst="rect">
+            <a:avLst/>
+          </a:prstGeom>
+        </p:spPr>
+        <p:txBody>
+          <a:bodyPr vert="horz" lIns="91440" tIns="45720" rIns="91440" bIns="45720" rtlCol="0" anchor="ctr">
+            <a:normAutofit/>
+          </a:bodyPr>
+          <a:lstStyle>
+            <a:lvl1pPr algn="l" defTabSz="914400" rtl="0" eaLnBrk="1" latinLnBrk="0" hangingPunct="1">
+              <a:lnSpc>
+                <a:spcPct val="90000"/>
+              </a:lnSpc>
+              <a:spcBef>
+                <a:spcPct val="0"/>
+              </a:spcBef>
+              <a:buNone/>
+              <a:defRPr sz="3600" b="1" i="0" kern="1200" cap="all" baseline="0">
+                <a:solidFill>
+                  <a:schemeClr val="tx2"/>
+                </a:solidFill>
+                <a:latin typeface="+mj-lt"/>
+                <a:ea typeface="Open Sans Semibold" panose="020B0606030504020204" pitchFamily="34" charset="0"/>
+                <a:cs typeface="Open Sans Semibold" panose="020B0606030504020204" pitchFamily="34" charset="0"/>
+              </a:defRPr>
+            </a:lvl1pPr>
+          </a:lstStyle>
+          <a:p>
+            <a:r>
+              <a:rPr lang="hr-HR" dirty="0"/>
+              <a:t>CSS </a:t>
+            </a:r>
+            <a:r>
+              <a:rPr lang="en-US" dirty="0"/>
+              <a:t>- SASS</a:t>
+            </a:r>
+            <a:endParaRPr lang="hr-HR" dirty="0"/>
+          </a:p>
+        </p:txBody>
+      </p:sp>
+      <p:pic>
+        <p:nvPicPr>
+          <p:cNvPr id="3" name="Picture 2">
+            <a:extLst>
+              <a:ext uri="{FF2B5EF4-FFF2-40B4-BE49-F238E27FC236}">
+                <a16:creationId xmlns:a16="http://schemas.microsoft.com/office/drawing/2014/main" id="{7A4B0EC3-7242-8942-9915-BD3A9AF1DB18}"/>
+              </a:ext>
+            </a:extLst>
+          </p:cNvPr>
+          <p:cNvPicPr>
+            <a:picLocks noChangeAspect="1"/>
+          </p:cNvPicPr>
+          <p:nvPr/>
+        </p:nvPicPr>
+        <p:blipFill>
+          <a:blip r:embed="rId3"/>
+          <a:stretch>
+            <a:fillRect/>
+          </a:stretch>
+        </p:blipFill>
+        <p:spPr>
+          <a:xfrm>
+            <a:off x="878959" y="1342102"/>
+            <a:ext cx="3137176" cy="3483999"/>
+          </a:xfrm>
+          <a:prstGeom prst="rect">
+            <a:avLst/>
+          </a:prstGeom>
+        </p:spPr>
+      </p:pic>
+      <p:pic>
+        <p:nvPicPr>
+          <p:cNvPr id="6" name="Picture 5">
+            <a:extLst>
+              <a:ext uri="{FF2B5EF4-FFF2-40B4-BE49-F238E27FC236}">
+                <a16:creationId xmlns:a16="http://schemas.microsoft.com/office/drawing/2014/main" id="{25D525D7-5FFF-AE47-4661-422E9E83ED84}"/>
+              </a:ext>
+            </a:extLst>
+          </p:cNvPr>
+          <p:cNvPicPr>
+            <a:picLocks noChangeAspect="1"/>
+          </p:cNvPicPr>
+          <p:nvPr/>
+        </p:nvPicPr>
+        <p:blipFill>
+          <a:blip r:embed="rId4"/>
+          <a:stretch>
+            <a:fillRect/>
+          </a:stretch>
+        </p:blipFill>
+        <p:spPr>
+          <a:xfrm>
+            <a:off x="4976504" y="1342102"/>
+            <a:ext cx="3743325" cy="2447925"/>
+          </a:xfrm>
+          <a:prstGeom prst="rect">
+            <a:avLst/>
+          </a:prstGeom>
+        </p:spPr>
+      </p:pic>
+    </p:spTree>
+    <p:extLst>
+      <p:ext uri="{BB962C8B-B14F-4D97-AF65-F5344CB8AC3E}">
+        <p14:creationId xmlns:p14="http://schemas.microsoft.com/office/powerpoint/2010/main" val="1348666345"/>
+      </p:ext>
+    </p:extLst>
+  </p:cSld>
+  <p:clrMapOvr>
+    <a:masterClrMapping/>
+  </p:clrMapOvr>
+</p:sld>
+</file>
+
+<file path=ppt/slides/slide41.xml><?xml version="1.0" encoding="utf-8"?>
+<p:sld xmlns:a="http://schemas.openxmlformats.org/drawingml/2006/main" xmlns:r="http://schemas.openxmlformats.org/officeDocument/2006/relationships" xmlns:p="http://schemas.openxmlformats.org/presentationml/2006/main">
+  <p:cSld>
+    <p:spTree>
+      <p:nvGrpSpPr>
+        <p:cNvPr id="1" name=""/>
+        <p:cNvGrpSpPr/>
+        <p:nvPr/>
+      </p:nvGrpSpPr>
+      <p:grpSpPr>
+        <a:xfrm>
+          <a:off x="0" y="0"/>
+          <a:ext cx="0" cy="0"/>
+          <a:chOff x="0" y="0"/>
+          <a:chExt cx="0" cy="0"/>
+        </a:xfrm>
+      </p:grpSpPr>
+      <p:sp>
+        <p:nvSpPr>
+          <p:cNvPr id="7" name="Title 1">
+            <a:extLst>
+              <a:ext uri="{FF2B5EF4-FFF2-40B4-BE49-F238E27FC236}">
+                <a16:creationId xmlns:a16="http://schemas.microsoft.com/office/drawing/2014/main" id="{49EE4534-A34F-E06A-2827-12810201551C}"/>
+              </a:ext>
+            </a:extLst>
+          </p:cNvPr>
+          <p:cNvSpPr>
+            <a:spLocks noGrp="1"/>
+          </p:cNvSpPr>
+          <p:nvPr>
+            <p:ph type="ctrTitle"/>
+          </p:nvPr>
+        </p:nvSpPr>
+        <p:spPr>
+          <a:xfrm>
+            <a:off x="1018954" y="929972"/>
+            <a:ext cx="9144000" cy="1013780"/>
+          </a:xfrm>
+        </p:spPr>
+        <p:txBody>
+          <a:bodyPr/>
+          <a:lstStyle/>
+          <a:p>
+            <a:pPr algn="ctr"/>
+            <a:r>
+              <a:rPr lang="en-US" dirty="0"/>
+              <a:t>ZAVR</a:t>
+            </a:r>
+            <a:r>
+              <a:rPr lang="hr-HR" dirty="0"/>
+              <a:t>š</a:t>
+            </a:r>
+            <a:r>
+              <a:rPr lang="en-US" dirty="0"/>
+              <a:t>NA VJE</a:t>
+            </a:r>
+            <a:r>
+              <a:rPr lang="hr-HR" dirty="0"/>
+              <a:t>ž</a:t>
+            </a:r>
+            <a:r>
+              <a:rPr lang="en-US" dirty="0" err="1"/>
+              <a:t>ba</a:t>
+            </a:r>
+            <a:endParaRPr lang="hr-HR" dirty="0"/>
+          </a:p>
+        </p:txBody>
+      </p:sp>
+      <p:sp>
+        <p:nvSpPr>
+          <p:cNvPr id="8" name="Text Placeholder 5">
+            <a:extLst>
+              <a:ext uri="{FF2B5EF4-FFF2-40B4-BE49-F238E27FC236}">
+                <a16:creationId xmlns:a16="http://schemas.microsoft.com/office/drawing/2014/main" id="{7E01A3E5-5B9B-91D9-36E9-040D6C05B4FB}"/>
+              </a:ext>
+            </a:extLst>
+          </p:cNvPr>
+          <p:cNvSpPr>
+            <a:spLocks noGrp="1"/>
+          </p:cNvSpPr>
+          <p:nvPr>
+            <p:ph type="subTitle" idx="1"/>
+          </p:nvPr>
+        </p:nvSpPr>
+        <p:spPr>
+          <a:xfrm>
+            <a:off x="1061483" y="2213231"/>
+            <a:ext cx="9144000" cy="2701018"/>
+          </a:xfrm>
+        </p:spPr>
+        <p:txBody>
+          <a:bodyPr>
+            <a:noAutofit/>
+          </a:bodyPr>
+          <a:lstStyle/>
+          <a:p>
+            <a:r>
+              <a:rPr lang="en-US" sz="1600" dirty="0"/>
+              <a:t>ZADATAK:</a:t>
+            </a:r>
+            <a:br>
+              <a:rPr lang="en-US" sz="1600" dirty="0"/>
+            </a:br>
+            <a:r>
+              <a:rPr lang="en-US" sz="1600" dirty="0"/>
+              <a:t>https://docs.google.com/document/d/1docqD8XJ99sMyiidIl_XeWs7T5rO3MFK8oVQ7IsoDg4/edit?usp=sharing</a:t>
+            </a:r>
+          </a:p>
+        </p:txBody>
+      </p:sp>
+    </p:spTree>
+    <p:extLst>
+      <p:ext uri="{BB962C8B-B14F-4D97-AF65-F5344CB8AC3E}">
+        <p14:creationId xmlns:p14="http://schemas.microsoft.com/office/powerpoint/2010/main" val="3246410904"/>
       </p:ext>
     </p:extLst>
   </p:cSld>
@@ -29200,15 +30228,6 @@
 </file>
 
 <file path=customXml/item2.xml><?xml version="1.0" encoding="utf-8"?>
-<?mso-contentType ?>
-<FormTemplates xmlns="http://schemas.microsoft.com/sharepoint/v3/contenttype/forms">
-  <Display>DocumentLibraryForm</Display>
-  <Edit>DocumentLibraryForm</Edit>
-  <New>DocumentLibraryForm</New>
-</FormTemplates>
-</file>
-
-<file path=customXml/item3.xml><?xml version="1.0" encoding="utf-8"?>
 <ct:contentTypeSchema xmlns:ct="http://schemas.microsoft.com/office/2006/metadata/contentType" xmlns:ma="http://schemas.microsoft.com/office/2006/metadata/properties/metaAttributes" ct:_="" ma:_="" ma:contentTypeName="Document" ma:contentTypeID="0x010100E4F55D9EF0BF0A44B819E681FCAC00B7" ma:contentTypeVersion="12" ma:contentTypeDescription="Create a new document." ma:contentTypeScope="" ma:versionID="068ce121a7a7a0aebcb89dd601c4f0a2">
   <xsd:schema xmlns:xsd="http://www.w3.org/2001/XMLSchema" xmlns:xs="http://www.w3.org/2001/XMLSchema" xmlns:p="http://schemas.microsoft.com/office/2006/metadata/properties" xmlns:ns2="40806f44-bc4a-4ea4-b660-c6da93f8f179" xmlns:ns3="758d0d8f-b783-4c78-ab73-9740c97b97cf" targetNamespace="http://schemas.microsoft.com/office/2006/metadata/properties" ma:root="true" ma:fieldsID="67c58e6c5c8ea9af0822acd84d25e1a2" ns2:_="" ns3:_="">
     <xsd:import namespace="40806f44-bc4a-4ea4-b660-c6da93f8f179"/>
@@ -29425,6 +30444,15 @@
 </ct:contentTypeSchema>
 </file>
 
+<file path=customXml/item3.xml><?xml version="1.0" encoding="utf-8"?>
+<?mso-contentType ?>
+<FormTemplates xmlns="http://schemas.microsoft.com/sharepoint/v3/contenttype/forms">
+  <Display>DocumentLibraryForm</Display>
+  <Edit>DocumentLibraryForm</Edit>
+  <New>DocumentLibraryForm</New>
+</FormTemplates>
+</file>
+
 <file path=customXml/itemProps1.xml><?xml version="1.0" encoding="utf-8"?>
 <ds:datastoreItem xmlns:ds="http://schemas.openxmlformats.org/officeDocument/2006/customXml" ds:itemID="{61E72F81-8533-461E-8E71-A6D77294CFEF}">
   <ds:schemaRefs>
@@ -29443,14 +30471,6 @@
 </file>
 
 <file path=customXml/itemProps2.xml><?xml version="1.0" encoding="utf-8"?>
-<ds:datastoreItem xmlns:ds="http://schemas.openxmlformats.org/officeDocument/2006/customXml" ds:itemID="{46915D30-CAA6-465E-907F-1770D4E3B01D}">
-  <ds:schemaRefs>
-    <ds:schemaRef ds:uri="http://schemas.microsoft.com/sharepoint/v3/contenttype/forms"/>
-  </ds:schemaRefs>
-</ds:datastoreItem>
-</file>
-
-<file path=customXml/itemProps3.xml><?xml version="1.0" encoding="utf-8"?>
 <ds:datastoreItem xmlns:ds="http://schemas.openxmlformats.org/officeDocument/2006/customXml" ds:itemID="{4E6AED0F-96FF-4C7F-8AC9-672C91BFCDFE}">
   <ds:schemaRefs>
     <ds:schemaRef ds:uri="http://schemas.microsoft.com/office/2006/metadata/contentType"/>
@@ -29467,4 +30487,12 @@
     <ds:schemaRef ds:uri="http://schemas.microsoft.com/internal/obd"/>
   </ds:schemaRefs>
 </ds:datastoreItem>
+</file>
+
+<file path=customXml/itemProps3.xml><?xml version="1.0" encoding="utf-8"?>
+<ds:datastoreItem xmlns:ds="http://schemas.openxmlformats.org/officeDocument/2006/customXml" ds:itemID="{46915D30-CAA6-465E-907F-1770D4E3B01D}">
+  <ds:schemaRefs>
+    <ds:schemaRef ds:uri="http://schemas.microsoft.com/sharepoint/v3/contenttype/forms"/>
+  </ds:schemaRefs>
+</ds:datastoreItem>
 </file>
--- a/Bootcamp/css-uvod/css-uvod.pptx
+++ b/Bootcamp/css-uvod/css-uvod.pptx
@@ -5051,6 +5051,1568 @@
         <p:txBody>
           <a:bodyPr/>
           <a:lstStyle/>
+          <a:p>
+            <a:pPr>
+              <a:lnSpc>
+                <a:spcPts val="1425"/>
+              </a:lnSpc>
+              <a:buNone/>
+            </a:pPr>
+            <a:r>
+              <a:rPr lang="hr-HR" b="0" dirty="0">
+                <a:solidFill>
+                  <a:srgbClr val="808080"/>
+                </a:solidFill>
+                <a:effectLst/>
+                <a:latin typeface="Consolas" panose="020B0609020204030204" pitchFamily="49" charset="0"/>
+              </a:rPr>
+              <a:t>&lt;!</a:t>
+            </a:r>
+            <a:r>
+              <a:rPr lang="hr-HR" b="0" dirty="0">
+                <a:solidFill>
+                  <a:srgbClr val="569CD6"/>
+                </a:solidFill>
+                <a:effectLst/>
+                <a:latin typeface="Consolas" panose="020B0609020204030204" pitchFamily="49" charset="0"/>
+              </a:rPr>
+              <a:t>DOCTYPE</a:t>
+            </a:r>
+            <a:r>
+              <a:rPr lang="hr-HR" b="0" dirty="0">
+                <a:solidFill>
+                  <a:srgbClr val="CCCCCC"/>
+                </a:solidFill>
+                <a:effectLst/>
+                <a:latin typeface="Consolas" panose="020B0609020204030204" pitchFamily="49" charset="0"/>
+              </a:rPr>
+              <a:t> </a:t>
+            </a:r>
+            <a:r>
+              <a:rPr lang="hr-HR" b="0" dirty="0">
+                <a:solidFill>
+                  <a:srgbClr val="9CDCFE"/>
+                </a:solidFill>
+                <a:effectLst/>
+                <a:latin typeface="Consolas" panose="020B0609020204030204" pitchFamily="49" charset="0"/>
+              </a:rPr>
+              <a:t>html</a:t>
+            </a:r>
+            <a:r>
+              <a:rPr lang="hr-HR" b="0" dirty="0">
+                <a:solidFill>
+                  <a:srgbClr val="808080"/>
+                </a:solidFill>
+                <a:effectLst/>
+                <a:latin typeface="Consolas" panose="020B0609020204030204" pitchFamily="49" charset="0"/>
+              </a:rPr>
+              <a:t>&gt;</a:t>
+            </a:r>
+            <a:endParaRPr lang="hr-HR" b="0" dirty="0">
+              <a:solidFill>
+                <a:srgbClr val="CCCCCC"/>
+              </a:solidFill>
+              <a:effectLst/>
+              <a:latin typeface="Consolas" panose="020B0609020204030204" pitchFamily="49" charset="0"/>
+            </a:endParaRPr>
+          </a:p>
+          <a:p>
+            <a:pPr>
+              <a:lnSpc>
+                <a:spcPts val="1425"/>
+              </a:lnSpc>
+              <a:buNone/>
+            </a:pPr>
+            <a:r>
+              <a:rPr lang="hr-HR" b="0" dirty="0">
+                <a:solidFill>
+                  <a:srgbClr val="808080"/>
+                </a:solidFill>
+                <a:effectLst/>
+                <a:latin typeface="Consolas" panose="020B0609020204030204" pitchFamily="49" charset="0"/>
+              </a:rPr>
+              <a:t>&lt;</a:t>
+            </a:r>
+            <a:r>
+              <a:rPr lang="hr-HR" b="0" dirty="0">
+                <a:solidFill>
+                  <a:srgbClr val="569CD6"/>
+                </a:solidFill>
+                <a:effectLst/>
+                <a:latin typeface="Consolas" panose="020B0609020204030204" pitchFamily="49" charset="0"/>
+              </a:rPr>
+              <a:t>html</a:t>
+            </a:r>
+            <a:r>
+              <a:rPr lang="hr-HR" b="0" dirty="0">
+                <a:solidFill>
+                  <a:srgbClr val="CCCCCC"/>
+                </a:solidFill>
+                <a:effectLst/>
+                <a:latin typeface="Consolas" panose="020B0609020204030204" pitchFamily="49" charset="0"/>
+              </a:rPr>
+              <a:t> </a:t>
+            </a:r>
+            <a:r>
+              <a:rPr lang="hr-HR" b="0" dirty="0">
+                <a:solidFill>
+                  <a:srgbClr val="9CDCFE"/>
+                </a:solidFill>
+                <a:effectLst/>
+                <a:latin typeface="Consolas" panose="020B0609020204030204" pitchFamily="49" charset="0"/>
+              </a:rPr>
+              <a:t>lang</a:t>
+            </a:r>
+            <a:r>
+              <a:rPr lang="hr-HR" b="0" dirty="0">
+                <a:solidFill>
+                  <a:srgbClr val="CCCCCC"/>
+                </a:solidFill>
+                <a:effectLst/>
+                <a:latin typeface="Consolas" panose="020B0609020204030204" pitchFamily="49" charset="0"/>
+              </a:rPr>
+              <a:t>=</a:t>
+            </a:r>
+            <a:r>
+              <a:rPr lang="hr-HR" b="0" dirty="0">
+                <a:solidFill>
+                  <a:srgbClr val="CE9178"/>
+                </a:solidFill>
+                <a:effectLst/>
+                <a:latin typeface="Consolas" panose="020B0609020204030204" pitchFamily="49" charset="0"/>
+              </a:rPr>
+              <a:t>"en"</a:t>
+            </a:r>
+            <a:r>
+              <a:rPr lang="hr-HR" b="0" dirty="0">
+                <a:solidFill>
+                  <a:srgbClr val="808080"/>
+                </a:solidFill>
+                <a:effectLst/>
+                <a:latin typeface="Consolas" panose="020B0609020204030204" pitchFamily="49" charset="0"/>
+              </a:rPr>
+              <a:t>&gt;</a:t>
+            </a:r>
+            <a:endParaRPr lang="hr-HR" b="0" dirty="0">
+              <a:solidFill>
+                <a:srgbClr val="CCCCCC"/>
+              </a:solidFill>
+              <a:effectLst/>
+              <a:latin typeface="Consolas" panose="020B0609020204030204" pitchFamily="49" charset="0"/>
+            </a:endParaRPr>
+          </a:p>
+          <a:p>
+            <a:pPr>
+              <a:lnSpc>
+                <a:spcPts val="1425"/>
+              </a:lnSpc>
+              <a:buNone/>
+            </a:pPr>
+            <a:r>
+              <a:rPr lang="hr-HR" b="0" dirty="0">
+                <a:solidFill>
+                  <a:srgbClr val="808080"/>
+                </a:solidFill>
+                <a:effectLst/>
+                <a:latin typeface="Consolas" panose="020B0609020204030204" pitchFamily="49" charset="0"/>
+              </a:rPr>
+              <a:t>&lt;</a:t>
+            </a:r>
+            <a:r>
+              <a:rPr lang="hr-HR" b="0" dirty="0">
+                <a:solidFill>
+                  <a:srgbClr val="569CD6"/>
+                </a:solidFill>
+                <a:effectLst/>
+                <a:latin typeface="Consolas" panose="020B0609020204030204" pitchFamily="49" charset="0"/>
+              </a:rPr>
+              <a:t>head</a:t>
+            </a:r>
+            <a:r>
+              <a:rPr lang="hr-HR" b="0" dirty="0">
+                <a:solidFill>
+                  <a:srgbClr val="808080"/>
+                </a:solidFill>
+                <a:effectLst/>
+                <a:latin typeface="Consolas" panose="020B0609020204030204" pitchFamily="49" charset="0"/>
+              </a:rPr>
+              <a:t>&gt;</a:t>
+            </a:r>
+            <a:endParaRPr lang="hr-HR" b="0" dirty="0">
+              <a:solidFill>
+                <a:srgbClr val="CCCCCC"/>
+              </a:solidFill>
+              <a:effectLst/>
+              <a:latin typeface="Consolas" panose="020B0609020204030204" pitchFamily="49" charset="0"/>
+            </a:endParaRPr>
+          </a:p>
+          <a:p>
+            <a:pPr>
+              <a:lnSpc>
+                <a:spcPts val="1425"/>
+              </a:lnSpc>
+              <a:buNone/>
+            </a:pPr>
+            <a:r>
+              <a:rPr lang="hr-HR" b="0" dirty="0">
+                <a:solidFill>
+                  <a:srgbClr val="CCCCCC"/>
+                </a:solidFill>
+                <a:effectLst/>
+                <a:latin typeface="Consolas" panose="020B0609020204030204" pitchFamily="49" charset="0"/>
+              </a:rPr>
+              <a:t>    </a:t>
+            </a:r>
+            <a:r>
+              <a:rPr lang="hr-HR" b="0" dirty="0">
+                <a:solidFill>
+                  <a:srgbClr val="808080"/>
+                </a:solidFill>
+                <a:effectLst/>
+                <a:latin typeface="Consolas" panose="020B0609020204030204" pitchFamily="49" charset="0"/>
+              </a:rPr>
+              <a:t>&lt;</a:t>
+            </a:r>
+            <a:r>
+              <a:rPr lang="hr-HR" b="0" dirty="0">
+                <a:solidFill>
+                  <a:srgbClr val="569CD6"/>
+                </a:solidFill>
+                <a:effectLst/>
+                <a:latin typeface="Consolas" panose="020B0609020204030204" pitchFamily="49" charset="0"/>
+              </a:rPr>
+              <a:t>meta</a:t>
+            </a:r>
+            <a:r>
+              <a:rPr lang="hr-HR" b="0" dirty="0">
+                <a:solidFill>
+                  <a:srgbClr val="CCCCCC"/>
+                </a:solidFill>
+                <a:effectLst/>
+                <a:latin typeface="Consolas" panose="020B0609020204030204" pitchFamily="49" charset="0"/>
+              </a:rPr>
+              <a:t> </a:t>
+            </a:r>
+            <a:r>
+              <a:rPr lang="hr-HR" b="0" dirty="0">
+                <a:solidFill>
+                  <a:srgbClr val="9CDCFE"/>
+                </a:solidFill>
+                <a:effectLst/>
+                <a:latin typeface="Consolas" panose="020B0609020204030204" pitchFamily="49" charset="0"/>
+              </a:rPr>
+              <a:t>charset</a:t>
+            </a:r>
+            <a:r>
+              <a:rPr lang="hr-HR" b="0" dirty="0">
+                <a:solidFill>
+                  <a:srgbClr val="CCCCCC"/>
+                </a:solidFill>
+                <a:effectLst/>
+                <a:latin typeface="Consolas" panose="020B0609020204030204" pitchFamily="49" charset="0"/>
+              </a:rPr>
+              <a:t>=</a:t>
+            </a:r>
+            <a:r>
+              <a:rPr lang="hr-HR" b="0" dirty="0">
+                <a:solidFill>
+                  <a:srgbClr val="CE9178"/>
+                </a:solidFill>
+                <a:effectLst/>
+                <a:latin typeface="Consolas" panose="020B0609020204030204" pitchFamily="49" charset="0"/>
+              </a:rPr>
+              <a:t>"UTF-8"</a:t>
+            </a:r>
+            <a:r>
+              <a:rPr lang="hr-HR" b="0" dirty="0">
+                <a:solidFill>
+                  <a:srgbClr val="808080"/>
+                </a:solidFill>
+                <a:effectLst/>
+                <a:latin typeface="Consolas" panose="020B0609020204030204" pitchFamily="49" charset="0"/>
+              </a:rPr>
+              <a:t>&gt;</a:t>
+            </a:r>
+            <a:endParaRPr lang="hr-HR" b="0" dirty="0">
+              <a:solidFill>
+                <a:srgbClr val="CCCCCC"/>
+              </a:solidFill>
+              <a:effectLst/>
+              <a:latin typeface="Consolas" panose="020B0609020204030204" pitchFamily="49" charset="0"/>
+            </a:endParaRPr>
+          </a:p>
+          <a:p>
+            <a:pPr>
+              <a:lnSpc>
+                <a:spcPts val="1425"/>
+              </a:lnSpc>
+              <a:buNone/>
+            </a:pPr>
+            <a:r>
+              <a:rPr lang="hr-HR" b="0" dirty="0">
+                <a:solidFill>
+                  <a:srgbClr val="CCCCCC"/>
+                </a:solidFill>
+                <a:effectLst/>
+                <a:latin typeface="Consolas" panose="020B0609020204030204" pitchFamily="49" charset="0"/>
+              </a:rPr>
+              <a:t>    </a:t>
+            </a:r>
+            <a:r>
+              <a:rPr lang="hr-HR" b="0" dirty="0">
+                <a:solidFill>
+                  <a:srgbClr val="808080"/>
+                </a:solidFill>
+                <a:effectLst/>
+                <a:latin typeface="Consolas" panose="020B0609020204030204" pitchFamily="49" charset="0"/>
+              </a:rPr>
+              <a:t>&lt;</a:t>
+            </a:r>
+            <a:r>
+              <a:rPr lang="hr-HR" b="0" dirty="0">
+                <a:solidFill>
+                  <a:srgbClr val="569CD6"/>
+                </a:solidFill>
+                <a:effectLst/>
+                <a:latin typeface="Consolas" panose="020B0609020204030204" pitchFamily="49" charset="0"/>
+              </a:rPr>
+              <a:t>meta</a:t>
+            </a:r>
+            <a:r>
+              <a:rPr lang="hr-HR" b="0" dirty="0">
+                <a:solidFill>
+                  <a:srgbClr val="CCCCCC"/>
+                </a:solidFill>
+                <a:effectLst/>
+                <a:latin typeface="Consolas" panose="020B0609020204030204" pitchFamily="49" charset="0"/>
+              </a:rPr>
+              <a:t> </a:t>
+            </a:r>
+            <a:r>
+              <a:rPr lang="hr-HR" b="0" dirty="0">
+                <a:solidFill>
+                  <a:srgbClr val="9CDCFE"/>
+                </a:solidFill>
+                <a:effectLst/>
+                <a:latin typeface="Consolas" panose="020B0609020204030204" pitchFamily="49" charset="0"/>
+              </a:rPr>
+              <a:t>name</a:t>
+            </a:r>
+            <a:r>
+              <a:rPr lang="hr-HR" b="0" dirty="0">
+                <a:solidFill>
+                  <a:srgbClr val="CCCCCC"/>
+                </a:solidFill>
+                <a:effectLst/>
+                <a:latin typeface="Consolas" panose="020B0609020204030204" pitchFamily="49" charset="0"/>
+              </a:rPr>
+              <a:t>=</a:t>
+            </a:r>
+            <a:r>
+              <a:rPr lang="hr-HR" b="0" dirty="0">
+                <a:solidFill>
+                  <a:srgbClr val="CE9178"/>
+                </a:solidFill>
+                <a:effectLst/>
+                <a:latin typeface="Consolas" panose="020B0609020204030204" pitchFamily="49" charset="0"/>
+              </a:rPr>
+              <a:t>"viewport"</a:t>
+            </a:r>
+            <a:r>
+              <a:rPr lang="hr-HR" b="0" dirty="0">
+                <a:solidFill>
+                  <a:srgbClr val="CCCCCC"/>
+                </a:solidFill>
+                <a:effectLst/>
+                <a:latin typeface="Consolas" panose="020B0609020204030204" pitchFamily="49" charset="0"/>
+              </a:rPr>
+              <a:t> </a:t>
+            </a:r>
+            <a:r>
+              <a:rPr lang="hr-HR" b="0" dirty="0">
+                <a:solidFill>
+                  <a:srgbClr val="9CDCFE"/>
+                </a:solidFill>
+                <a:effectLst/>
+                <a:latin typeface="Consolas" panose="020B0609020204030204" pitchFamily="49" charset="0"/>
+              </a:rPr>
+              <a:t>content</a:t>
+            </a:r>
+            <a:r>
+              <a:rPr lang="hr-HR" b="0" dirty="0">
+                <a:solidFill>
+                  <a:srgbClr val="CCCCCC"/>
+                </a:solidFill>
+                <a:effectLst/>
+                <a:latin typeface="Consolas" panose="020B0609020204030204" pitchFamily="49" charset="0"/>
+              </a:rPr>
+              <a:t>=</a:t>
+            </a:r>
+            <a:r>
+              <a:rPr lang="hr-HR" b="0" dirty="0">
+                <a:solidFill>
+                  <a:srgbClr val="CE9178"/>
+                </a:solidFill>
+                <a:effectLst/>
+                <a:latin typeface="Consolas" panose="020B0609020204030204" pitchFamily="49" charset="0"/>
+              </a:rPr>
+              <a:t>"width=device-width, initial-scale=1.0"</a:t>
+            </a:r>
+            <a:r>
+              <a:rPr lang="hr-HR" b="0" dirty="0">
+                <a:solidFill>
+                  <a:srgbClr val="808080"/>
+                </a:solidFill>
+                <a:effectLst/>
+                <a:latin typeface="Consolas" panose="020B0609020204030204" pitchFamily="49" charset="0"/>
+              </a:rPr>
+              <a:t>&gt;</a:t>
+            </a:r>
+            <a:endParaRPr lang="hr-HR" b="0" dirty="0">
+              <a:solidFill>
+                <a:srgbClr val="CCCCCC"/>
+              </a:solidFill>
+              <a:effectLst/>
+              <a:latin typeface="Consolas" panose="020B0609020204030204" pitchFamily="49" charset="0"/>
+            </a:endParaRPr>
+          </a:p>
+          <a:p>
+            <a:pPr>
+              <a:lnSpc>
+                <a:spcPts val="1425"/>
+              </a:lnSpc>
+              <a:buNone/>
+            </a:pPr>
+            <a:r>
+              <a:rPr lang="hr-HR" b="0" dirty="0">
+                <a:solidFill>
+                  <a:srgbClr val="CCCCCC"/>
+                </a:solidFill>
+                <a:effectLst/>
+                <a:latin typeface="Consolas" panose="020B0609020204030204" pitchFamily="49" charset="0"/>
+              </a:rPr>
+              <a:t>    </a:t>
+            </a:r>
+            <a:r>
+              <a:rPr lang="hr-HR" b="0" dirty="0">
+                <a:solidFill>
+                  <a:srgbClr val="808080"/>
+                </a:solidFill>
+                <a:effectLst/>
+                <a:latin typeface="Consolas" panose="020B0609020204030204" pitchFamily="49" charset="0"/>
+              </a:rPr>
+              <a:t>&lt;</a:t>
+            </a:r>
+            <a:r>
+              <a:rPr lang="hr-HR" b="0" dirty="0">
+                <a:solidFill>
+                  <a:srgbClr val="569CD6"/>
+                </a:solidFill>
+                <a:effectLst/>
+                <a:latin typeface="Consolas" panose="020B0609020204030204" pitchFamily="49" charset="0"/>
+              </a:rPr>
+              <a:t>title</a:t>
+            </a:r>
+            <a:r>
+              <a:rPr lang="hr-HR" b="0" dirty="0">
+                <a:solidFill>
+                  <a:srgbClr val="808080"/>
+                </a:solidFill>
+                <a:effectLst/>
+                <a:latin typeface="Consolas" panose="020B0609020204030204" pitchFamily="49" charset="0"/>
+              </a:rPr>
+              <a:t>&gt;</a:t>
+            </a:r>
+            <a:r>
+              <a:rPr lang="hr-HR" b="0" dirty="0">
+                <a:solidFill>
+                  <a:srgbClr val="CCCCCC"/>
+                </a:solidFill>
+                <a:effectLst/>
+                <a:latin typeface="Consolas" panose="020B0609020204030204" pitchFamily="49" charset="0"/>
+              </a:rPr>
+              <a:t>Document</a:t>
+            </a:r>
+            <a:r>
+              <a:rPr lang="hr-HR" b="0" dirty="0">
+                <a:solidFill>
+                  <a:srgbClr val="808080"/>
+                </a:solidFill>
+                <a:effectLst/>
+                <a:latin typeface="Consolas" panose="020B0609020204030204" pitchFamily="49" charset="0"/>
+              </a:rPr>
+              <a:t>&lt;/</a:t>
+            </a:r>
+            <a:r>
+              <a:rPr lang="hr-HR" b="0" dirty="0">
+                <a:solidFill>
+                  <a:srgbClr val="569CD6"/>
+                </a:solidFill>
+                <a:effectLst/>
+                <a:latin typeface="Consolas" panose="020B0609020204030204" pitchFamily="49" charset="0"/>
+              </a:rPr>
+              <a:t>title</a:t>
+            </a:r>
+            <a:r>
+              <a:rPr lang="hr-HR" b="0" dirty="0">
+                <a:solidFill>
+                  <a:srgbClr val="808080"/>
+                </a:solidFill>
+                <a:effectLst/>
+                <a:latin typeface="Consolas" panose="020B0609020204030204" pitchFamily="49" charset="0"/>
+              </a:rPr>
+              <a:t>&gt;</a:t>
+            </a:r>
+            <a:endParaRPr lang="hr-HR" b="0" dirty="0">
+              <a:solidFill>
+                <a:srgbClr val="CCCCCC"/>
+              </a:solidFill>
+              <a:effectLst/>
+              <a:latin typeface="Consolas" panose="020B0609020204030204" pitchFamily="49" charset="0"/>
+            </a:endParaRPr>
+          </a:p>
+          <a:p>
+            <a:pPr>
+              <a:lnSpc>
+                <a:spcPts val="1425"/>
+              </a:lnSpc>
+              <a:buNone/>
+            </a:pPr>
+            <a:r>
+              <a:rPr lang="hr-HR" b="0" dirty="0">
+                <a:solidFill>
+                  <a:srgbClr val="CCCCCC"/>
+                </a:solidFill>
+                <a:effectLst/>
+                <a:latin typeface="Consolas" panose="020B0609020204030204" pitchFamily="49" charset="0"/>
+              </a:rPr>
+              <a:t>    </a:t>
+            </a:r>
+            <a:r>
+              <a:rPr lang="hr-HR" b="0" dirty="0">
+                <a:solidFill>
+                  <a:srgbClr val="808080"/>
+                </a:solidFill>
+                <a:effectLst/>
+                <a:latin typeface="Consolas" panose="020B0609020204030204" pitchFamily="49" charset="0"/>
+              </a:rPr>
+              <a:t>&lt;</a:t>
+            </a:r>
+            <a:r>
+              <a:rPr lang="hr-HR" b="0" dirty="0">
+                <a:solidFill>
+                  <a:srgbClr val="569CD6"/>
+                </a:solidFill>
+                <a:effectLst/>
+                <a:latin typeface="Consolas" panose="020B0609020204030204" pitchFamily="49" charset="0"/>
+              </a:rPr>
+              <a:t>link</a:t>
+            </a:r>
+            <a:r>
+              <a:rPr lang="hr-HR" b="0" dirty="0">
+                <a:solidFill>
+                  <a:srgbClr val="CCCCCC"/>
+                </a:solidFill>
+                <a:effectLst/>
+                <a:latin typeface="Consolas" panose="020B0609020204030204" pitchFamily="49" charset="0"/>
+              </a:rPr>
+              <a:t> </a:t>
+            </a:r>
+            <a:r>
+              <a:rPr lang="hr-HR" b="0" dirty="0">
+                <a:solidFill>
+                  <a:srgbClr val="9CDCFE"/>
+                </a:solidFill>
+                <a:effectLst/>
+                <a:latin typeface="Consolas" panose="020B0609020204030204" pitchFamily="49" charset="0"/>
+              </a:rPr>
+              <a:t>rel</a:t>
+            </a:r>
+            <a:r>
+              <a:rPr lang="hr-HR" b="0" dirty="0">
+                <a:solidFill>
+                  <a:srgbClr val="CCCCCC"/>
+                </a:solidFill>
+                <a:effectLst/>
+                <a:latin typeface="Consolas" panose="020B0609020204030204" pitchFamily="49" charset="0"/>
+              </a:rPr>
+              <a:t>=</a:t>
+            </a:r>
+            <a:r>
+              <a:rPr lang="hr-HR" b="0" dirty="0">
+                <a:solidFill>
+                  <a:srgbClr val="CE9178"/>
+                </a:solidFill>
+                <a:effectLst/>
+                <a:latin typeface="Consolas" panose="020B0609020204030204" pitchFamily="49" charset="0"/>
+              </a:rPr>
+              <a:t>"stylesheet"</a:t>
+            </a:r>
+            <a:r>
+              <a:rPr lang="hr-HR" b="0" dirty="0">
+                <a:solidFill>
+                  <a:srgbClr val="CCCCCC"/>
+                </a:solidFill>
+                <a:effectLst/>
+                <a:latin typeface="Consolas" panose="020B0609020204030204" pitchFamily="49" charset="0"/>
+              </a:rPr>
+              <a:t> </a:t>
+            </a:r>
+            <a:r>
+              <a:rPr lang="hr-HR" b="0" dirty="0">
+                <a:solidFill>
+                  <a:srgbClr val="9CDCFE"/>
+                </a:solidFill>
+                <a:effectLst/>
+                <a:latin typeface="Consolas" panose="020B0609020204030204" pitchFamily="49" charset="0"/>
+              </a:rPr>
+              <a:t>href</a:t>
+            </a:r>
+            <a:r>
+              <a:rPr lang="hr-HR" b="0" dirty="0">
+                <a:solidFill>
+                  <a:srgbClr val="CCCCCC"/>
+                </a:solidFill>
+                <a:effectLst/>
+                <a:latin typeface="Consolas" panose="020B0609020204030204" pitchFamily="49" charset="0"/>
+              </a:rPr>
+              <a:t>=</a:t>
+            </a:r>
+            <a:r>
+              <a:rPr lang="hr-HR" b="0" dirty="0">
+                <a:solidFill>
+                  <a:srgbClr val="CE9178"/>
+                </a:solidFill>
+                <a:effectLst/>
+                <a:latin typeface="Consolas" panose="020B0609020204030204" pitchFamily="49" charset="0"/>
+              </a:rPr>
+              <a:t>"cascade.css"</a:t>
+            </a:r>
+            <a:r>
+              <a:rPr lang="hr-HR" b="0" dirty="0">
+                <a:solidFill>
+                  <a:srgbClr val="808080"/>
+                </a:solidFill>
+                <a:effectLst/>
+                <a:latin typeface="Consolas" panose="020B0609020204030204" pitchFamily="49" charset="0"/>
+              </a:rPr>
+              <a:t>&gt;</a:t>
+            </a:r>
+            <a:endParaRPr lang="hr-HR" b="0" dirty="0">
+              <a:solidFill>
+                <a:srgbClr val="CCCCCC"/>
+              </a:solidFill>
+              <a:effectLst/>
+              <a:latin typeface="Consolas" panose="020B0609020204030204" pitchFamily="49" charset="0"/>
+            </a:endParaRPr>
+          </a:p>
+          <a:p>
+            <a:pPr>
+              <a:lnSpc>
+                <a:spcPts val="1425"/>
+              </a:lnSpc>
+              <a:buNone/>
+            </a:pPr>
+            <a:r>
+              <a:rPr lang="hr-HR" b="0" dirty="0">
+                <a:solidFill>
+                  <a:srgbClr val="CCCCCC"/>
+                </a:solidFill>
+                <a:effectLst/>
+                <a:latin typeface="Consolas" panose="020B0609020204030204" pitchFamily="49" charset="0"/>
+              </a:rPr>
+              <a:t>    </a:t>
+            </a:r>
+          </a:p>
+          <a:p>
+            <a:pPr>
+              <a:lnSpc>
+                <a:spcPts val="1425"/>
+              </a:lnSpc>
+              <a:buNone/>
+            </a:pPr>
+            <a:r>
+              <a:rPr lang="hr-HR" b="0" dirty="0">
+                <a:solidFill>
+                  <a:srgbClr val="CCCCCC"/>
+                </a:solidFill>
+                <a:effectLst/>
+                <a:latin typeface="Consolas" panose="020B0609020204030204" pitchFamily="49" charset="0"/>
+              </a:rPr>
+              <a:t>    </a:t>
+            </a:r>
+            <a:r>
+              <a:rPr lang="hr-HR" b="0" dirty="0">
+                <a:solidFill>
+                  <a:srgbClr val="808080"/>
+                </a:solidFill>
+                <a:effectLst/>
+                <a:latin typeface="Consolas" panose="020B0609020204030204" pitchFamily="49" charset="0"/>
+              </a:rPr>
+              <a:t>&lt;</a:t>
+            </a:r>
+            <a:r>
+              <a:rPr lang="hr-HR" b="0" dirty="0">
+                <a:solidFill>
+                  <a:srgbClr val="569CD6"/>
+                </a:solidFill>
+                <a:effectLst/>
+                <a:latin typeface="Consolas" panose="020B0609020204030204" pitchFamily="49" charset="0"/>
+              </a:rPr>
+              <a:t>style</a:t>
+            </a:r>
+            <a:r>
+              <a:rPr lang="hr-HR" b="0" dirty="0">
+                <a:solidFill>
+                  <a:srgbClr val="808080"/>
+                </a:solidFill>
+                <a:effectLst/>
+                <a:latin typeface="Consolas" panose="020B0609020204030204" pitchFamily="49" charset="0"/>
+              </a:rPr>
+              <a:t>&gt;</a:t>
+            </a:r>
+            <a:endParaRPr lang="hr-HR" b="0" dirty="0">
+              <a:solidFill>
+                <a:srgbClr val="CCCCCC"/>
+              </a:solidFill>
+              <a:effectLst/>
+              <a:latin typeface="Consolas" panose="020B0609020204030204" pitchFamily="49" charset="0"/>
+            </a:endParaRPr>
+          </a:p>
+          <a:p>
+            <a:pPr>
+              <a:lnSpc>
+                <a:spcPts val="1425"/>
+              </a:lnSpc>
+              <a:buNone/>
+            </a:pPr>
+            <a:r>
+              <a:rPr lang="hr-HR" b="0" dirty="0">
+                <a:solidFill>
+                  <a:srgbClr val="D4D4D4"/>
+                </a:solidFill>
+                <a:effectLst/>
+                <a:latin typeface="Consolas" panose="020B0609020204030204" pitchFamily="49" charset="0"/>
+              </a:rPr>
+              <a:t>        </a:t>
+            </a:r>
+            <a:r>
+              <a:rPr lang="hr-HR" b="0" dirty="0">
+                <a:solidFill>
+                  <a:srgbClr val="D7BA7D"/>
+                </a:solidFill>
+                <a:effectLst/>
+                <a:latin typeface="Consolas" panose="020B0609020204030204" pitchFamily="49" charset="0"/>
+              </a:rPr>
+              <a:t>li</a:t>
+            </a:r>
+            <a:r>
+              <a:rPr lang="hr-HR" b="0" dirty="0">
+                <a:solidFill>
+                  <a:srgbClr val="D4D4D4"/>
+                </a:solidFill>
+                <a:effectLst/>
+                <a:latin typeface="Consolas" panose="020B0609020204030204" pitchFamily="49" charset="0"/>
+              </a:rPr>
+              <a:t> {</a:t>
+            </a:r>
+            <a:endParaRPr lang="hr-HR" b="0" dirty="0">
+              <a:solidFill>
+                <a:srgbClr val="CCCCCC"/>
+              </a:solidFill>
+              <a:effectLst/>
+              <a:latin typeface="Consolas" panose="020B0609020204030204" pitchFamily="49" charset="0"/>
+            </a:endParaRPr>
+          </a:p>
+          <a:p>
+            <a:pPr>
+              <a:lnSpc>
+                <a:spcPts val="1425"/>
+              </a:lnSpc>
+              <a:buNone/>
+            </a:pPr>
+            <a:r>
+              <a:rPr lang="hr-HR" b="0" dirty="0">
+                <a:solidFill>
+                  <a:srgbClr val="D4D4D4"/>
+                </a:solidFill>
+                <a:effectLst/>
+                <a:latin typeface="Consolas" panose="020B0609020204030204" pitchFamily="49" charset="0"/>
+              </a:rPr>
+              <a:t>            </a:t>
+            </a:r>
+            <a:r>
+              <a:rPr lang="hr-HR" b="0" dirty="0">
+                <a:solidFill>
+                  <a:srgbClr val="9CDCFE"/>
+                </a:solidFill>
+                <a:effectLst/>
+                <a:latin typeface="Consolas" panose="020B0609020204030204" pitchFamily="49" charset="0"/>
+              </a:rPr>
+              <a:t>color</a:t>
+            </a:r>
+            <a:r>
+              <a:rPr lang="hr-HR" b="0" dirty="0">
+                <a:solidFill>
+                  <a:srgbClr val="D4D4D4"/>
+                </a:solidFill>
+                <a:effectLst/>
+                <a:latin typeface="Consolas" panose="020B0609020204030204" pitchFamily="49" charset="0"/>
+              </a:rPr>
+              <a:t>: </a:t>
+            </a:r>
+            <a:r>
+              <a:rPr lang="hr-HR" b="0" dirty="0">
+                <a:solidFill>
+                  <a:srgbClr val="CE9178"/>
+                </a:solidFill>
+                <a:effectLst/>
+                <a:latin typeface="Consolas" panose="020B0609020204030204" pitchFamily="49" charset="0"/>
+              </a:rPr>
+              <a:t>blue</a:t>
+            </a:r>
+            <a:r>
+              <a:rPr lang="hr-HR" b="0" dirty="0">
+                <a:solidFill>
+                  <a:srgbClr val="D4D4D4"/>
+                </a:solidFill>
+                <a:effectLst/>
+                <a:latin typeface="Consolas" panose="020B0609020204030204" pitchFamily="49" charset="0"/>
+              </a:rPr>
+              <a:t>;</a:t>
+            </a:r>
+            <a:endParaRPr lang="hr-HR" b="0" dirty="0">
+              <a:solidFill>
+                <a:srgbClr val="CCCCCC"/>
+              </a:solidFill>
+              <a:effectLst/>
+              <a:latin typeface="Consolas" panose="020B0609020204030204" pitchFamily="49" charset="0"/>
+            </a:endParaRPr>
+          </a:p>
+          <a:p>
+            <a:pPr>
+              <a:lnSpc>
+                <a:spcPts val="1425"/>
+              </a:lnSpc>
+              <a:buNone/>
+            </a:pPr>
+            <a:r>
+              <a:rPr lang="hr-HR" b="0" dirty="0">
+                <a:solidFill>
+                  <a:srgbClr val="D4D4D4"/>
+                </a:solidFill>
+                <a:effectLst/>
+                <a:latin typeface="Consolas" panose="020B0609020204030204" pitchFamily="49" charset="0"/>
+              </a:rPr>
+              <a:t>        }</a:t>
+            </a:r>
+            <a:endParaRPr lang="hr-HR" b="0" dirty="0">
+              <a:solidFill>
+                <a:srgbClr val="CCCCCC"/>
+              </a:solidFill>
+              <a:effectLst/>
+              <a:latin typeface="Consolas" panose="020B0609020204030204" pitchFamily="49" charset="0"/>
+            </a:endParaRPr>
+          </a:p>
+          <a:p>
+            <a:pPr>
+              <a:lnSpc>
+                <a:spcPts val="1425"/>
+              </a:lnSpc>
+              <a:buNone/>
+            </a:pPr>
+            <a:r>
+              <a:rPr lang="hr-HR" b="0" dirty="0">
+                <a:solidFill>
+                  <a:srgbClr val="D4D4D4"/>
+                </a:solidFill>
+                <a:effectLst/>
+                <a:latin typeface="Consolas" panose="020B0609020204030204" pitchFamily="49" charset="0"/>
+              </a:rPr>
+              <a:t>    </a:t>
+            </a:r>
+            <a:r>
+              <a:rPr lang="hr-HR" b="0" dirty="0">
+                <a:solidFill>
+                  <a:srgbClr val="808080"/>
+                </a:solidFill>
+                <a:effectLst/>
+                <a:latin typeface="Consolas" panose="020B0609020204030204" pitchFamily="49" charset="0"/>
+              </a:rPr>
+              <a:t>&lt;/</a:t>
+            </a:r>
+            <a:r>
+              <a:rPr lang="hr-HR" b="0" dirty="0">
+                <a:solidFill>
+                  <a:srgbClr val="569CD6"/>
+                </a:solidFill>
+                <a:effectLst/>
+                <a:latin typeface="Consolas" panose="020B0609020204030204" pitchFamily="49" charset="0"/>
+              </a:rPr>
+              <a:t>style</a:t>
+            </a:r>
+            <a:r>
+              <a:rPr lang="hr-HR" b="0" dirty="0">
+                <a:solidFill>
+                  <a:srgbClr val="808080"/>
+                </a:solidFill>
+                <a:effectLst/>
+                <a:latin typeface="Consolas" panose="020B0609020204030204" pitchFamily="49" charset="0"/>
+              </a:rPr>
+              <a:t>&gt;</a:t>
+            </a:r>
+            <a:endParaRPr lang="hr-HR" b="0" dirty="0">
+              <a:solidFill>
+                <a:srgbClr val="CCCCCC"/>
+              </a:solidFill>
+              <a:effectLst/>
+              <a:latin typeface="Consolas" panose="020B0609020204030204" pitchFamily="49" charset="0"/>
+            </a:endParaRPr>
+          </a:p>
+          <a:p>
+            <a:pPr>
+              <a:lnSpc>
+                <a:spcPts val="1425"/>
+              </a:lnSpc>
+              <a:buNone/>
+            </a:pPr>
+            <a:r>
+              <a:rPr lang="hr-HR" b="0" dirty="0">
+                <a:solidFill>
+                  <a:srgbClr val="808080"/>
+                </a:solidFill>
+                <a:effectLst/>
+                <a:latin typeface="Consolas" panose="020B0609020204030204" pitchFamily="49" charset="0"/>
+              </a:rPr>
+              <a:t>&lt;/</a:t>
+            </a:r>
+            <a:r>
+              <a:rPr lang="hr-HR" b="0" dirty="0">
+                <a:solidFill>
+                  <a:srgbClr val="569CD6"/>
+                </a:solidFill>
+                <a:effectLst/>
+                <a:latin typeface="Consolas" panose="020B0609020204030204" pitchFamily="49" charset="0"/>
+              </a:rPr>
+              <a:t>head</a:t>
+            </a:r>
+            <a:r>
+              <a:rPr lang="hr-HR" b="0" dirty="0">
+                <a:solidFill>
+                  <a:srgbClr val="808080"/>
+                </a:solidFill>
+                <a:effectLst/>
+                <a:latin typeface="Consolas" panose="020B0609020204030204" pitchFamily="49" charset="0"/>
+              </a:rPr>
+              <a:t>&gt;</a:t>
+            </a:r>
+            <a:endParaRPr lang="hr-HR" b="0" dirty="0">
+              <a:solidFill>
+                <a:srgbClr val="CCCCCC"/>
+              </a:solidFill>
+              <a:effectLst/>
+              <a:latin typeface="Consolas" panose="020B0609020204030204" pitchFamily="49" charset="0"/>
+            </a:endParaRPr>
+          </a:p>
+          <a:p>
+            <a:pPr>
+              <a:lnSpc>
+                <a:spcPts val="1425"/>
+              </a:lnSpc>
+              <a:buNone/>
+            </a:pPr>
+            <a:r>
+              <a:rPr lang="hr-HR" b="0" dirty="0">
+                <a:solidFill>
+                  <a:srgbClr val="808080"/>
+                </a:solidFill>
+                <a:effectLst/>
+                <a:latin typeface="Consolas" panose="020B0609020204030204" pitchFamily="49" charset="0"/>
+              </a:rPr>
+              <a:t>&lt;</a:t>
+            </a:r>
+            <a:r>
+              <a:rPr lang="hr-HR" b="0" dirty="0">
+                <a:solidFill>
+                  <a:srgbClr val="569CD6"/>
+                </a:solidFill>
+                <a:effectLst/>
+                <a:latin typeface="Consolas" panose="020B0609020204030204" pitchFamily="49" charset="0"/>
+              </a:rPr>
+              <a:t>body</a:t>
+            </a:r>
+            <a:r>
+              <a:rPr lang="hr-HR" b="0" dirty="0">
+                <a:solidFill>
+                  <a:srgbClr val="808080"/>
+                </a:solidFill>
+                <a:effectLst/>
+                <a:latin typeface="Consolas" panose="020B0609020204030204" pitchFamily="49" charset="0"/>
+              </a:rPr>
+              <a:t>&gt;</a:t>
+            </a:r>
+            <a:endParaRPr lang="hr-HR" b="0" dirty="0">
+              <a:solidFill>
+                <a:srgbClr val="CCCCCC"/>
+              </a:solidFill>
+              <a:effectLst/>
+              <a:latin typeface="Consolas" panose="020B0609020204030204" pitchFamily="49" charset="0"/>
+            </a:endParaRPr>
+          </a:p>
+          <a:p>
+            <a:pPr>
+              <a:lnSpc>
+                <a:spcPts val="1425"/>
+              </a:lnSpc>
+              <a:buNone/>
+            </a:pPr>
+            <a:r>
+              <a:rPr lang="hr-HR" b="0" dirty="0">
+                <a:solidFill>
+                  <a:srgbClr val="CCCCCC"/>
+                </a:solidFill>
+                <a:effectLst/>
+                <a:latin typeface="Consolas" panose="020B0609020204030204" pitchFamily="49" charset="0"/>
+              </a:rPr>
+              <a:t>    </a:t>
+            </a:r>
+            <a:r>
+              <a:rPr lang="hr-HR" b="0" dirty="0">
+                <a:solidFill>
+                  <a:srgbClr val="808080"/>
+                </a:solidFill>
+                <a:effectLst/>
+                <a:latin typeface="Consolas" panose="020B0609020204030204" pitchFamily="49" charset="0"/>
+              </a:rPr>
+              <a:t>&lt;</a:t>
+            </a:r>
+            <a:r>
+              <a:rPr lang="hr-HR" b="0" dirty="0">
+                <a:solidFill>
+                  <a:srgbClr val="569CD6"/>
+                </a:solidFill>
+                <a:effectLst/>
+                <a:latin typeface="Consolas" panose="020B0609020204030204" pitchFamily="49" charset="0"/>
+              </a:rPr>
+              <a:t>ul</a:t>
+            </a:r>
+            <a:r>
+              <a:rPr lang="hr-HR" b="0" dirty="0">
+                <a:solidFill>
+                  <a:srgbClr val="808080"/>
+                </a:solidFill>
+                <a:effectLst/>
+                <a:latin typeface="Consolas" panose="020B0609020204030204" pitchFamily="49" charset="0"/>
+              </a:rPr>
+              <a:t>&gt;</a:t>
+            </a:r>
+            <a:endParaRPr lang="hr-HR" b="0" dirty="0">
+              <a:solidFill>
+                <a:srgbClr val="CCCCCC"/>
+              </a:solidFill>
+              <a:effectLst/>
+              <a:latin typeface="Consolas" panose="020B0609020204030204" pitchFamily="49" charset="0"/>
+            </a:endParaRPr>
+          </a:p>
+          <a:p>
+            <a:pPr>
+              <a:lnSpc>
+                <a:spcPts val="1425"/>
+              </a:lnSpc>
+              <a:buNone/>
+            </a:pPr>
+            <a:r>
+              <a:rPr lang="hr-HR" b="0" dirty="0">
+                <a:solidFill>
+                  <a:srgbClr val="CCCCCC"/>
+                </a:solidFill>
+                <a:effectLst/>
+                <a:latin typeface="Consolas" panose="020B0609020204030204" pitchFamily="49" charset="0"/>
+              </a:rPr>
+              <a:t>        </a:t>
+            </a:r>
+            <a:r>
+              <a:rPr lang="hr-HR" b="0" dirty="0">
+                <a:solidFill>
+                  <a:srgbClr val="808080"/>
+                </a:solidFill>
+                <a:effectLst/>
+                <a:latin typeface="Consolas" panose="020B0609020204030204" pitchFamily="49" charset="0"/>
+              </a:rPr>
+              <a:t>&lt;</a:t>
+            </a:r>
+            <a:r>
+              <a:rPr lang="hr-HR" b="0" dirty="0">
+                <a:solidFill>
+                  <a:srgbClr val="569CD6"/>
+                </a:solidFill>
+                <a:effectLst/>
+                <a:latin typeface="Consolas" panose="020B0609020204030204" pitchFamily="49" charset="0"/>
+              </a:rPr>
+              <a:t>li</a:t>
+            </a:r>
+            <a:r>
+              <a:rPr lang="hr-HR" b="0" dirty="0">
+                <a:solidFill>
+                  <a:srgbClr val="CCCCCC"/>
+                </a:solidFill>
+                <a:effectLst/>
+                <a:latin typeface="Consolas" panose="020B0609020204030204" pitchFamily="49" charset="0"/>
+              </a:rPr>
+              <a:t> </a:t>
+            </a:r>
+            <a:r>
+              <a:rPr lang="hr-HR" b="0" dirty="0">
+                <a:solidFill>
+                  <a:srgbClr val="9CDCFE"/>
+                </a:solidFill>
+                <a:effectLst/>
+                <a:latin typeface="Consolas" panose="020B0609020204030204" pitchFamily="49" charset="0"/>
+              </a:rPr>
+              <a:t>style</a:t>
+            </a:r>
+            <a:r>
+              <a:rPr lang="hr-HR" b="0" dirty="0">
+                <a:solidFill>
+                  <a:srgbClr val="CCCCCC"/>
+                </a:solidFill>
+                <a:effectLst/>
+                <a:latin typeface="Consolas" panose="020B0609020204030204" pitchFamily="49" charset="0"/>
+              </a:rPr>
+              <a:t>="</a:t>
+            </a:r>
+            <a:r>
+              <a:rPr lang="hr-HR" b="0" dirty="0">
+                <a:solidFill>
+                  <a:srgbClr val="9CDCFE"/>
+                </a:solidFill>
+                <a:effectLst/>
+                <a:latin typeface="Consolas" panose="020B0609020204030204" pitchFamily="49" charset="0"/>
+              </a:rPr>
+              <a:t>color</a:t>
+            </a:r>
+            <a:r>
+              <a:rPr lang="hr-HR" b="0" dirty="0">
+                <a:solidFill>
+                  <a:srgbClr val="CCCCCC"/>
+                </a:solidFill>
+                <a:effectLst/>
+                <a:latin typeface="Consolas" panose="020B0609020204030204" pitchFamily="49" charset="0"/>
+              </a:rPr>
+              <a:t>: </a:t>
+            </a:r>
+            <a:r>
+              <a:rPr lang="hr-HR" b="0" dirty="0">
+                <a:solidFill>
+                  <a:srgbClr val="CE9178"/>
+                </a:solidFill>
+                <a:effectLst/>
+                <a:latin typeface="Consolas" panose="020B0609020204030204" pitchFamily="49" charset="0"/>
+              </a:rPr>
+              <a:t>red</a:t>
+            </a:r>
+            <a:r>
+              <a:rPr lang="hr-HR" b="0" dirty="0">
+                <a:solidFill>
+                  <a:srgbClr val="CCCCCC"/>
+                </a:solidFill>
+                <a:effectLst/>
+                <a:latin typeface="Consolas" panose="020B0609020204030204" pitchFamily="49" charset="0"/>
+              </a:rPr>
+              <a:t>;"</a:t>
+            </a:r>
+            <a:r>
+              <a:rPr lang="hr-HR" b="0" dirty="0">
+                <a:solidFill>
+                  <a:srgbClr val="808080"/>
+                </a:solidFill>
+                <a:effectLst/>
+                <a:latin typeface="Consolas" panose="020B0609020204030204" pitchFamily="49" charset="0"/>
+              </a:rPr>
+              <a:t>&gt;</a:t>
+            </a:r>
+            <a:r>
+              <a:rPr lang="hr-HR" b="0" dirty="0">
+                <a:solidFill>
+                  <a:srgbClr val="CCCCCC"/>
+                </a:solidFill>
+                <a:effectLst/>
+                <a:latin typeface="Consolas" panose="020B0609020204030204" pitchFamily="49" charset="0"/>
+              </a:rPr>
+              <a:t>Prvi</a:t>
+            </a:r>
+            <a:r>
+              <a:rPr lang="hr-HR" b="0" dirty="0">
+                <a:solidFill>
+                  <a:srgbClr val="808080"/>
+                </a:solidFill>
+                <a:effectLst/>
+                <a:latin typeface="Consolas" panose="020B0609020204030204" pitchFamily="49" charset="0"/>
+              </a:rPr>
+              <a:t>&lt;/</a:t>
+            </a:r>
+            <a:r>
+              <a:rPr lang="hr-HR" b="0" dirty="0">
+                <a:solidFill>
+                  <a:srgbClr val="569CD6"/>
+                </a:solidFill>
+                <a:effectLst/>
+                <a:latin typeface="Consolas" panose="020B0609020204030204" pitchFamily="49" charset="0"/>
+              </a:rPr>
+              <a:t>li</a:t>
+            </a:r>
+            <a:r>
+              <a:rPr lang="hr-HR" b="0" dirty="0">
+                <a:solidFill>
+                  <a:srgbClr val="808080"/>
+                </a:solidFill>
+                <a:effectLst/>
+                <a:latin typeface="Consolas" panose="020B0609020204030204" pitchFamily="49" charset="0"/>
+              </a:rPr>
+              <a:t>&gt;</a:t>
+            </a:r>
+            <a:endParaRPr lang="hr-HR" b="0" dirty="0">
+              <a:solidFill>
+                <a:srgbClr val="CCCCCC"/>
+              </a:solidFill>
+              <a:effectLst/>
+              <a:latin typeface="Consolas" panose="020B0609020204030204" pitchFamily="49" charset="0"/>
+            </a:endParaRPr>
+          </a:p>
+          <a:p>
+            <a:pPr>
+              <a:lnSpc>
+                <a:spcPts val="1425"/>
+              </a:lnSpc>
+              <a:buNone/>
+            </a:pPr>
+            <a:r>
+              <a:rPr lang="hr-HR" b="0" dirty="0">
+                <a:solidFill>
+                  <a:srgbClr val="CCCCCC"/>
+                </a:solidFill>
+                <a:effectLst/>
+                <a:latin typeface="Consolas" panose="020B0609020204030204" pitchFamily="49" charset="0"/>
+              </a:rPr>
+              <a:t>        </a:t>
+            </a:r>
+            <a:r>
+              <a:rPr lang="hr-HR" b="0" dirty="0">
+                <a:solidFill>
+                  <a:srgbClr val="808080"/>
+                </a:solidFill>
+                <a:effectLst/>
+                <a:latin typeface="Consolas" panose="020B0609020204030204" pitchFamily="49" charset="0"/>
+              </a:rPr>
+              <a:t>&lt;</a:t>
+            </a:r>
+            <a:r>
+              <a:rPr lang="hr-HR" b="0" dirty="0">
+                <a:solidFill>
+                  <a:srgbClr val="569CD6"/>
+                </a:solidFill>
+                <a:effectLst/>
+                <a:latin typeface="Consolas" panose="020B0609020204030204" pitchFamily="49" charset="0"/>
+              </a:rPr>
+              <a:t>li</a:t>
+            </a:r>
+            <a:r>
+              <a:rPr lang="hr-HR" b="0" dirty="0">
+                <a:solidFill>
+                  <a:srgbClr val="808080"/>
+                </a:solidFill>
+                <a:effectLst/>
+                <a:latin typeface="Consolas" panose="020B0609020204030204" pitchFamily="49" charset="0"/>
+              </a:rPr>
+              <a:t>&gt;</a:t>
+            </a:r>
+            <a:r>
+              <a:rPr lang="hr-HR" b="0" dirty="0">
+                <a:solidFill>
+                  <a:srgbClr val="CCCCCC"/>
+                </a:solidFill>
+                <a:effectLst/>
+                <a:latin typeface="Consolas" panose="020B0609020204030204" pitchFamily="49" charset="0"/>
+              </a:rPr>
+              <a:t>Drugi</a:t>
+            </a:r>
+            <a:r>
+              <a:rPr lang="hr-HR" b="0" dirty="0">
+                <a:solidFill>
+                  <a:srgbClr val="808080"/>
+                </a:solidFill>
+                <a:effectLst/>
+                <a:latin typeface="Consolas" panose="020B0609020204030204" pitchFamily="49" charset="0"/>
+              </a:rPr>
+              <a:t>&lt;/</a:t>
+            </a:r>
+            <a:r>
+              <a:rPr lang="hr-HR" b="0" dirty="0">
+                <a:solidFill>
+                  <a:srgbClr val="569CD6"/>
+                </a:solidFill>
+                <a:effectLst/>
+                <a:latin typeface="Consolas" panose="020B0609020204030204" pitchFamily="49" charset="0"/>
+              </a:rPr>
+              <a:t>li</a:t>
+            </a:r>
+            <a:r>
+              <a:rPr lang="hr-HR" b="0" dirty="0">
+                <a:solidFill>
+                  <a:srgbClr val="808080"/>
+                </a:solidFill>
+                <a:effectLst/>
+                <a:latin typeface="Consolas" panose="020B0609020204030204" pitchFamily="49" charset="0"/>
+              </a:rPr>
+              <a:t>&gt;</a:t>
+            </a:r>
+            <a:endParaRPr lang="hr-HR" b="0" dirty="0">
+              <a:solidFill>
+                <a:srgbClr val="CCCCCC"/>
+              </a:solidFill>
+              <a:effectLst/>
+              <a:latin typeface="Consolas" panose="020B0609020204030204" pitchFamily="49" charset="0"/>
+            </a:endParaRPr>
+          </a:p>
+          <a:p>
+            <a:pPr>
+              <a:lnSpc>
+                <a:spcPts val="1425"/>
+              </a:lnSpc>
+              <a:buNone/>
+            </a:pPr>
+            <a:r>
+              <a:rPr lang="hr-HR" b="0" dirty="0">
+                <a:solidFill>
+                  <a:srgbClr val="CCCCCC"/>
+                </a:solidFill>
+                <a:effectLst/>
+                <a:latin typeface="Consolas" panose="020B0609020204030204" pitchFamily="49" charset="0"/>
+              </a:rPr>
+              <a:t>        </a:t>
+            </a:r>
+            <a:r>
+              <a:rPr lang="hr-HR" b="0" dirty="0">
+                <a:solidFill>
+                  <a:srgbClr val="808080"/>
+                </a:solidFill>
+                <a:effectLst/>
+                <a:latin typeface="Consolas" panose="020B0609020204030204" pitchFamily="49" charset="0"/>
+              </a:rPr>
+              <a:t>&lt;</a:t>
+            </a:r>
+            <a:r>
+              <a:rPr lang="hr-HR" b="0" dirty="0">
+                <a:solidFill>
+                  <a:srgbClr val="569CD6"/>
+                </a:solidFill>
+                <a:effectLst/>
+                <a:latin typeface="Consolas" panose="020B0609020204030204" pitchFamily="49" charset="0"/>
+              </a:rPr>
+              <a:t>li</a:t>
+            </a:r>
+            <a:r>
+              <a:rPr lang="hr-HR" b="0" dirty="0">
+                <a:solidFill>
+                  <a:srgbClr val="808080"/>
+                </a:solidFill>
+                <a:effectLst/>
+                <a:latin typeface="Consolas" panose="020B0609020204030204" pitchFamily="49" charset="0"/>
+              </a:rPr>
+              <a:t>&gt;</a:t>
+            </a:r>
+            <a:r>
+              <a:rPr lang="hr-HR" b="0" dirty="0">
+                <a:solidFill>
+                  <a:srgbClr val="CCCCCC"/>
+                </a:solidFill>
+                <a:effectLst/>
+                <a:latin typeface="Consolas" panose="020B0609020204030204" pitchFamily="49" charset="0"/>
+              </a:rPr>
+              <a:t>Treci</a:t>
+            </a:r>
+            <a:r>
+              <a:rPr lang="hr-HR" b="0" dirty="0">
+                <a:solidFill>
+                  <a:srgbClr val="808080"/>
+                </a:solidFill>
+                <a:effectLst/>
+                <a:latin typeface="Consolas" panose="020B0609020204030204" pitchFamily="49" charset="0"/>
+              </a:rPr>
+              <a:t>&lt;/</a:t>
+            </a:r>
+            <a:r>
+              <a:rPr lang="hr-HR" b="0" dirty="0">
+                <a:solidFill>
+                  <a:srgbClr val="569CD6"/>
+                </a:solidFill>
+                <a:effectLst/>
+                <a:latin typeface="Consolas" panose="020B0609020204030204" pitchFamily="49" charset="0"/>
+              </a:rPr>
+              <a:t>li</a:t>
+            </a:r>
+            <a:r>
+              <a:rPr lang="hr-HR" b="0" dirty="0">
+                <a:solidFill>
+                  <a:srgbClr val="808080"/>
+                </a:solidFill>
+                <a:effectLst/>
+                <a:latin typeface="Consolas" panose="020B0609020204030204" pitchFamily="49" charset="0"/>
+              </a:rPr>
+              <a:t>&gt;</a:t>
+            </a:r>
+            <a:endParaRPr lang="hr-HR" b="0" dirty="0">
+              <a:solidFill>
+                <a:srgbClr val="CCCCCC"/>
+              </a:solidFill>
+              <a:effectLst/>
+              <a:latin typeface="Consolas" panose="020B0609020204030204" pitchFamily="49" charset="0"/>
+            </a:endParaRPr>
+          </a:p>
+          <a:p>
+            <a:pPr>
+              <a:lnSpc>
+                <a:spcPts val="1425"/>
+              </a:lnSpc>
+              <a:buNone/>
+            </a:pPr>
+            <a:r>
+              <a:rPr lang="hr-HR" b="0" dirty="0">
+                <a:solidFill>
+                  <a:srgbClr val="CCCCCC"/>
+                </a:solidFill>
+                <a:effectLst/>
+                <a:latin typeface="Consolas" panose="020B0609020204030204" pitchFamily="49" charset="0"/>
+              </a:rPr>
+              <a:t>    </a:t>
+            </a:r>
+            <a:r>
+              <a:rPr lang="hr-HR" b="0" dirty="0">
+                <a:solidFill>
+                  <a:srgbClr val="808080"/>
+                </a:solidFill>
+                <a:effectLst/>
+                <a:latin typeface="Consolas" panose="020B0609020204030204" pitchFamily="49" charset="0"/>
+              </a:rPr>
+              <a:t>&lt;/</a:t>
+            </a:r>
+            <a:r>
+              <a:rPr lang="hr-HR" b="0" dirty="0">
+                <a:solidFill>
+                  <a:srgbClr val="569CD6"/>
+                </a:solidFill>
+                <a:effectLst/>
+                <a:latin typeface="Consolas" panose="020B0609020204030204" pitchFamily="49" charset="0"/>
+              </a:rPr>
+              <a:t>ul</a:t>
+            </a:r>
+            <a:r>
+              <a:rPr lang="hr-HR" b="0" dirty="0">
+                <a:solidFill>
+                  <a:srgbClr val="808080"/>
+                </a:solidFill>
+                <a:effectLst/>
+                <a:latin typeface="Consolas" panose="020B0609020204030204" pitchFamily="49" charset="0"/>
+              </a:rPr>
+              <a:t>&gt;</a:t>
+            </a:r>
+            <a:endParaRPr lang="hr-HR" b="0" dirty="0">
+              <a:solidFill>
+                <a:srgbClr val="CCCCCC"/>
+              </a:solidFill>
+              <a:effectLst/>
+              <a:latin typeface="Consolas" panose="020B0609020204030204" pitchFamily="49" charset="0"/>
+            </a:endParaRPr>
+          </a:p>
+          <a:p>
+            <a:pPr>
+              <a:lnSpc>
+                <a:spcPts val="1425"/>
+              </a:lnSpc>
+              <a:buNone/>
+            </a:pPr>
+            <a:r>
+              <a:rPr lang="hr-HR" b="0" dirty="0">
+                <a:solidFill>
+                  <a:srgbClr val="808080"/>
+                </a:solidFill>
+                <a:effectLst/>
+                <a:latin typeface="Consolas" panose="020B0609020204030204" pitchFamily="49" charset="0"/>
+              </a:rPr>
+              <a:t>&lt;/</a:t>
+            </a:r>
+            <a:r>
+              <a:rPr lang="hr-HR" b="0" dirty="0">
+                <a:solidFill>
+                  <a:srgbClr val="569CD6"/>
+                </a:solidFill>
+                <a:effectLst/>
+                <a:latin typeface="Consolas" panose="020B0609020204030204" pitchFamily="49" charset="0"/>
+              </a:rPr>
+              <a:t>body</a:t>
+            </a:r>
+            <a:r>
+              <a:rPr lang="hr-HR" b="0" dirty="0">
+                <a:solidFill>
+                  <a:srgbClr val="808080"/>
+                </a:solidFill>
+                <a:effectLst/>
+                <a:latin typeface="Consolas" panose="020B0609020204030204" pitchFamily="49" charset="0"/>
+              </a:rPr>
+              <a:t>&gt;</a:t>
+            </a:r>
+            <a:endParaRPr lang="hr-HR" b="0" dirty="0">
+              <a:solidFill>
+                <a:srgbClr val="CCCCCC"/>
+              </a:solidFill>
+              <a:effectLst/>
+              <a:latin typeface="Consolas" panose="020B0609020204030204" pitchFamily="49" charset="0"/>
+            </a:endParaRPr>
+          </a:p>
+          <a:p>
+            <a:pPr>
+              <a:lnSpc>
+                <a:spcPts val="1425"/>
+              </a:lnSpc>
+            </a:pPr>
+            <a:r>
+              <a:rPr lang="hr-HR" b="0" dirty="0">
+                <a:solidFill>
+                  <a:srgbClr val="808080"/>
+                </a:solidFill>
+                <a:effectLst/>
+                <a:latin typeface="Consolas" panose="020B0609020204030204" pitchFamily="49" charset="0"/>
+              </a:rPr>
+              <a:t>&lt;/</a:t>
+            </a:r>
+            <a:r>
+              <a:rPr lang="hr-HR" b="0" dirty="0">
+                <a:solidFill>
+                  <a:srgbClr val="569CD6"/>
+                </a:solidFill>
+                <a:effectLst/>
+                <a:latin typeface="Consolas" panose="020B0609020204030204" pitchFamily="49" charset="0"/>
+              </a:rPr>
+              <a:t>html</a:t>
+            </a:r>
+            <a:r>
+              <a:rPr lang="hr-HR" b="0" dirty="0">
+                <a:solidFill>
+                  <a:srgbClr val="808080"/>
+                </a:solidFill>
+                <a:effectLst/>
+                <a:latin typeface="Consolas" panose="020B0609020204030204" pitchFamily="49" charset="0"/>
+              </a:rPr>
+              <a:t>&gt;</a:t>
+            </a:r>
+            <a:endParaRPr lang="hr-HR" b="0" dirty="0">
+              <a:solidFill>
+                <a:srgbClr val="CCCCCC"/>
+              </a:solidFill>
+              <a:effectLst/>
+              <a:latin typeface="Consolas" panose="020B0609020204030204" pitchFamily="49" charset="0"/>
+            </a:endParaRPr>
+          </a:p>
           <a:p>
             <a:endParaRPr lang="hr-HR" dirty="0"/>
           </a:p>
@@ -22923,7 +24485,15 @@
             </a:r>
             <a:r>
               <a:rPr lang="hr-HR" dirty="0"/>
-              <a:t> prethodno definisana pravila.</a:t>
+              <a:t> prethodno </a:t>
+            </a:r>
+            <a:r>
+              <a:rPr lang="en-US" dirty="0" err="1"/>
+              <a:t>definirana</a:t>
+            </a:r>
+            <a:r>
+              <a:rPr lang="hr-HR" dirty="0"/>
+              <a:t> pravila.</a:t>
             </a:r>
             <a:endParaRPr lang="en-US" dirty="0"/>
           </a:p>
@@ -22937,31 +24507,95 @@
             </a:r>
             <a:r>
               <a:rPr lang="en-US" dirty="0" err="1"/>
-              <a:t>Tekst</a:t>
+              <a:t>Koje</a:t>
+            </a:r>
+            <a:r>
+              <a:rPr lang="en-US" dirty="0"/>
+              <a:t> </a:t>
+            </a:r>
+            <a:r>
+              <a:rPr lang="en-US" dirty="0" err="1"/>
+              <a:t>boje</a:t>
+            </a:r>
+            <a:r>
+              <a:rPr lang="en-US" dirty="0"/>
+              <a:t> </a:t>
+            </a:r>
+            <a:r>
+              <a:rPr lang="en-US" dirty="0" err="1"/>
+              <a:t>ce</a:t>
+            </a:r>
+            <a:r>
+              <a:rPr lang="en-US" dirty="0"/>
+              <a:t> </a:t>
+            </a:r>
+            <a:r>
+              <a:rPr lang="en-US" dirty="0" err="1"/>
+              <a:t>biti</a:t>
+            </a:r>
+            <a:r>
+              <a:rPr lang="en-US" dirty="0"/>
+              <a:t> </a:t>
+            </a:r>
+            <a:r>
+              <a:rPr lang="en-US" dirty="0" err="1"/>
+              <a:t>tekst</a:t>
+            </a:r>
+            <a:r>
+              <a:rPr lang="en-US" dirty="0"/>
+              <a:t> u &lt;li&gt; </a:t>
+            </a:r>
+            <a:r>
+              <a:rPr lang="en-US" dirty="0" err="1"/>
+              <a:t>elmentu</a:t>
+            </a:r>
+            <a:r>
+              <a:rPr lang="en-US" dirty="0"/>
+              <a:t>? Ako </a:t>
+            </a:r>
+            <a:r>
+              <a:rPr lang="en-US" dirty="0" err="1"/>
+              <a:t>stavimo</a:t>
+            </a:r>
+            <a:r>
+              <a:rPr lang="en-US" dirty="0"/>
+              <a:t> link </a:t>
+            </a:r>
+            <a:r>
+              <a:rPr lang="en-US" dirty="0" err="1"/>
+              <a:t>ispod</a:t>
+            </a:r>
+            <a:r>
+              <a:rPr lang="en-US" dirty="0"/>
+              <a:t> style </a:t>
+            </a:r>
+            <a:r>
+              <a:rPr lang="en-US" dirty="0" err="1"/>
+              <a:t>taga</a:t>
             </a:r>
             <a:r>
               <a:rPr lang="en-US" dirty="0"/>
               <a:t> &lt;li&gt; </a:t>
             </a:r>
             <a:r>
-              <a:rPr lang="hr-HR" dirty="0"/>
-              <a:t>će biti </a:t>
-            </a:r>
-            <a:r>
-              <a:rPr lang="hr-HR" b="1" dirty="0"/>
-              <a:t>plav</a:t>
-            </a:r>
-            <a:r>
-              <a:rPr lang="hr-HR" dirty="0"/>
-              <a:t>, jer drugo pravilo dolazi </a:t>
-            </a:r>
-            <a:r>
-              <a:rPr lang="hr-HR" b="1" dirty="0"/>
-              <a:t>kasnije</a:t>
-            </a:r>
-            <a:r>
-              <a:rPr lang="hr-HR" dirty="0"/>
-              <a:t> i pregazi prvo.</a:t>
+              <a:rPr lang="en-US" dirty="0" err="1"/>
+              <a:t>ce</a:t>
+            </a:r>
+            <a:r>
+              <a:rPr lang="en-US" dirty="0"/>
+              <a:t> s </a:t>
+            </a:r>
+            <a:r>
+              <a:rPr lang="en-US" dirty="0" err="1"/>
+              <a:t>promijeniti</a:t>
+            </a:r>
+            <a:r>
+              <a:rPr lang="en-US" dirty="0"/>
+              <a:t> u </a:t>
+            </a:r>
+            <a:r>
+              <a:rPr lang="en-US" dirty="0" err="1"/>
+              <a:t>zeleno</a:t>
             </a:r>
             <a:endParaRPr lang="en-US" b="1" dirty="0"/>
           </a:p>
@@ -22996,25 +24630,13 @@
           <a:lstStyle/>
           <a:p>
             <a:r>
-              <a:rPr lang="en-US" dirty="0">
+              <a:rPr lang="en-US">
                 <a:solidFill>
                   <a:srgbClr val="69ACED"/>
                 </a:solidFill>
                 <a:latin typeface="Open Sans" panose="020B0606030504020204" pitchFamily="34" charset="0"/>
               </a:rPr>
-              <a:t>K</a:t>
-            </a:r>
-            <a:r>
-              <a:rPr lang="hr-HR" sz="1800" kern="1200" dirty="0">
-                <a:solidFill>
-                  <a:srgbClr val="69ACED"/>
-                </a:solidFill>
-                <a:effectLst/>
-                <a:latin typeface="Open Sans" panose="020B0606030504020204" pitchFamily="34" charset="0"/>
-                <a:ea typeface="+mn-ea"/>
-                <a:cs typeface="+mn-cs"/>
-              </a:rPr>
-              <a:t>ako CSS odlučuje koji stil će biti primenjen kada postoji više pravila za isti element</a:t>
+              <a:t>POZICIJA</a:t>
             </a:r>
             <a:endParaRPr lang="hr-HR" dirty="0"/>
           </a:p>
@@ -23022,10 +24644,10 @@
       </p:sp>
       <p:pic>
         <p:nvPicPr>
-          <p:cNvPr id="10" name="Picture 9">
-            <a:extLst>
-              <a:ext uri="{FF2B5EF4-FFF2-40B4-BE49-F238E27FC236}">
-                <a16:creationId xmlns:a16="http://schemas.microsoft.com/office/drawing/2014/main" id="{571B7400-3BE7-E457-D91A-E14E5D16BCEA}"/>
+          <p:cNvPr id="8" name="Picture 7">
+            <a:extLst>
+              <a:ext uri="{FF2B5EF4-FFF2-40B4-BE49-F238E27FC236}">
+                <a16:creationId xmlns:a16="http://schemas.microsoft.com/office/drawing/2014/main" id="{AB14A467-55D1-5903-8027-37AE484FB9C0}"/>
               </a:ext>
             </a:extLst>
           </p:cNvPr>
@@ -23042,8 +24664,8 @@
         </p:blipFill>
         <p:spPr>
           <a:xfrm>
-            <a:off x="7205662" y="2509836"/>
-            <a:ext cx="4486275" cy="1609725"/>
+            <a:off x="8322702" y="1606364"/>
+            <a:ext cx="2554613" cy="4098175"/>
           </a:xfrm>
           <a:prstGeom prst="rect">
             <a:avLst/>
@@ -23874,6 +25496,42 @@
           </a:prstGeom>
         </p:spPr>
       </p:pic>
+      <p:sp>
+        <p:nvSpPr>
+          <p:cNvPr id="2" name="Title 1">
+            <a:extLst>
+              <a:ext uri="{FF2B5EF4-FFF2-40B4-BE49-F238E27FC236}">
+                <a16:creationId xmlns:a16="http://schemas.microsoft.com/office/drawing/2014/main" id="{0337504A-8130-55F4-64A1-BE17C52F104F}"/>
+              </a:ext>
+            </a:extLst>
+          </p:cNvPr>
+          <p:cNvSpPr>
+            <a:spLocks noGrp="1"/>
+          </p:cNvSpPr>
+          <p:nvPr>
+            <p:ph type="title"/>
+          </p:nvPr>
+        </p:nvSpPr>
+        <p:spPr>
+          <a:xfrm>
+            <a:off x="878959" y="1179376"/>
+            <a:ext cx="5328139" cy="853976"/>
+          </a:xfrm>
+        </p:spPr>
+        <p:txBody>
+          <a:bodyPr>
+            <a:normAutofit/>
+          </a:bodyPr>
+          <a:lstStyle/>
+          <a:p>
+            <a:r>
+              <a:rPr lang="it-IT" sz="1600" dirty="0"/>
+              <a:t>IMPORTANCE</a:t>
+            </a:r>
+            <a:endParaRPr lang="hr-HR" sz="1600" dirty="0"/>
+          </a:p>
+        </p:txBody>
+      </p:sp>
     </p:spTree>
     <p:extLst>
       <p:ext uri="{BB962C8B-B14F-4D97-AF65-F5344CB8AC3E}">
